--- a/AixLib/Resources/PlugNHarvest/Presentation PlugNHarvest Model.pptx
+++ b/AixLib/Resources/PlugNHarvest/Presentation PlugNHarvest Model.pptx
@@ -6,31 +6,35 @@
     <p:sldMasterId id="2147483793" r:id="rId2"/>
   </p:sldMasterIdLst>
   <p:notesMasterIdLst>
-    <p:notesMasterId r:id="rId22"/>
+    <p:notesMasterId r:id="rId26"/>
   </p:notesMasterIdLst>
   <p:handoutMasterIdLst>
-    <p:handoutMasterId r:id="rId23"/>
+    <p:handoutMasterId r:id="rId27"/>
   </p:handoutMasterIdLst>
   <p:sldIdLst>
     <p:sldId id="309" r:id="rId3"/>
-    <p:sldId id="328" r:id="rId4"/>
-    <p:sldId id="277" r:id="rId5"/>
-    <p:sldId id="329" r:id="rId6"/>
-    <p:sldId id="339" r:id="rId7"/>
-    <p:sldId id="338" r:id="rId8"/>
-    <p:sldId id="340" r:id="rId9"/>
-    <p:sldId id="335" r:id="rId10"/>
-    <p:sldId id="330" r:id="rId11"/>
-    <p:sldId id="331" r:id="rId12"/>
-    <p:sldId id="332" r:id="rId13"/>
-    <p:sldId id="336" r:id="rId14"/>
-    <p:sldId id="341" r:id="rId15"/>
-    <p:sldId id="337" r:id="rId16"/>
-    <p:sldId id="342" r:id="rId17"/>
-    <p:sldId id="343" r:id="rId18"/>
-    <p:sldId id="333" r:id="rId19"/>
-    <p:sldId id="334" r:id="rId20"/>
-    <p:sldId id="327" r:id="rId21"/>
+    <p:sldId id="344" r:id="rId4"/>
+    <p:sldId id="328" r:id="rId5"/>
+    <p:sldId id="277" r:id="rId6"/>
+    <p:sldId id="345" r:id="rId7"/>
+    <p:sldId id="329" r:id="rId8"/>
+    <p:sldId id="346" r:id="rId9"/>
+    <p:sldId id="347" r:id="rId10"/>
+    <p:sldId id="348" r:id="rId11"/>
+    <p:sldId id="339" r:id="rId12"/>
+    <p:sldId id="338" r:id="rId13"/>
+    <p:sldId id="340" r:id="rId14"/>
+    <p:sldId id="335" r:id="rId15"/>
+    <p:sldId id="330" r:id="rId16"/>
+    <p:sldId id="331" r:id="rId17"/>
+    <p:sldId id="332" r:id="rId18"/>
+    <p:sldId id="336" r:id="rId19"/>
+    <p:sldId id="337" r:id="rId20"/>
+    <p:sldId id="342" r:id="rId21"/>
+    <p:sldId id="343" r:id="rId22"/>
+    <p:sldId id="333" r:id="rId23"/>
+    <p:sldId id="334" r:id="rId24"/>
+    <p:sldId id="327" r:id="rId25"/>
   </p:sldIdLst>
   <p:sldSz cx="9144000" cy="6858000" type="screen4x3"/>
   <p:notesSz cx="6797675" cy="9856788"/>
@@ -340,7 +344,7 @@
               <a:pPr>
                 <a:defRPr/>
               </a:pPr>
-              <a:t>02.05.2019</a:t>
+              <a:t>13.05.2019</a:t>
             </a:fld>
             <a:endParaRPr lang="de-DE" sz="1000" dirty="0">
               <a:latin typeface="Arial" pitchFamily="34" charset="0"/>
@@ -569,7 +573,7 @@
               <a:pPr>
                 <a:defRPr/>
               </a:pPr>
-              <a:t>02.05.2019</a:t>
+              <a:t>13.05.2019</a:t>
             </a:fld>
             <a:endParaRPr lang="de-DE" dirty="0"/>
           </a:p>
@@ -8327,20 +8331,52 @@
               <a:defRPr/>
             </a:pPr>
             <a:r>
+              <a:rPr lang="en-US" sz="900" dirty="0" err="1" smtClean="0">
+                <a:solidFill>
+                  <a:srgbClr val="9D9EA0"/>
+                </a:solidFill>
+              </a:rPr>
+              <a:t>PlugNHarvest</a:t>
+            </a:r>
+            <a:r>
+              <a:rPr lang="en-US" sz="900" baseline="0" dirty="0" smtClean="0">
+                <a:solidFill>
+                  <a:srgbClr val="9D9EA0"/>
+                </a:solidFill>
+              </a:rPr>
+              <a:t> Simulation Model</a:t>
+            </a:r>
+            <a:r>
               <a:rPr lang="en-US" sz="900" dirty="0" smtClean="0">
                 <a:solidFill>
                   <a:srgbClr val="9D9EA0"/>
                 </a:solidFill>
               </a:rPr>
-              <a:t>Title of Presentation  |  Name of Speaker  |  Organizational Unit  |  </a:t>
-            </a:r>
-            <a:r>
-              <a:rPr lang="de-DE" sz="900" dirty="0" smtClean="0">
+              <a:t>|  Ana</a:t>
+            </a:r>
+            <a:r>
+              <a:rPr lang="en-US" sz="900" baseline="0" dirty="0" smtClean="0">
                 <a:solidFill>
                   <a:srgbClr val="9D9EA0"/>
                 </a:solidFill>
               </a:rPr>
-              <a:t>20.05.2016</a:t>
+              <a:t> Constantin</a:t>
+            </a:r>
+            <a:r>
+              <a:rPr lang="en-US" sz="900" dirty="0" smtClean="0">
+                <a:solidFill>
+                  <a:srgbClr val="9D9EA0"/>
+                </a:solidFill>
+              </a:rPr>
+              <a:t>  |  EBC  |  </a:t>
+            </a:r>
+            <a:r>
+              <a:rPr lang="de-DE" sz="900" smtClean="0">
+                <a:solidFill>
+                  <a:srgbClr val="9D9EA0"/>
+                </a:solidFill>
+              </a:rPr>
+              <a:t>13.05.2019</a:t>
             </a:r>
             <a:endParaRPr lang="de-DE" dirty="0"/>
           </a:p>
@@ -9866,16 +9902,8 @@
           <a:lstStyle/>
           <a:p>
             <a:r>
-              <a:rPr lang="de-DE" dirty="0"/>
-              <a:t>Name </a:t>
-            </a:r>
-            <a:r>
-              <a:rPr lang="de-DE" dirty="0" err="1" smtClean="0"/>
-              <a:t>of</a:t>
-            </a:r>
-            <a:r>
               <a:rPr lang="de-DE" dirty="0" smtClean="0"/>
-              <a:t> Speaker</a:t>
+              <a:t>Ana Constantin</a:t>
             </a:r>
             <a:endParaRPr lang="de-DE" dirty="0"/>
           </a:p>
@@ -9938,6 +9966,21 @@
             <a:r>
               <a:rPr lang="de-DE" dirty="0" err="1" smtClean="0"/>
               <a:t>Documentation</a:t>
+            </a:r>
+            <a:endParaRPr lang="de-DE" dirty="0" smtClean="0"/>
+          </a:p>
+          <a:p>
+            <a:r>
+              <a:rPr lang="de-DE" dirty="0" smtClean="0"/>
+              <a:t>Last </a:t>
+            </a:r>
+            <a:r>
+              <a:rPr lang="de-DE" dirty="0" err="1" smtClean="0"/>
+              <a:t>modified</a:t>
+            </a:r>
+            <a:r>
+              <a:rPr lang="de-DE" dirty="0" smtClean="0"/>
+              <a:t> on 13.05.2019</a:t>
             </a:r>
             <a:endParaRPr lang="de-DE" dirty="0"/>
           </a:p>
@@ -9982,6 +10025,407 @@
       </p:grpSpPr>
       <p:sp>
         <p:nvSpPr>
+          <p:cNvPr id="4" name="Titel 3"/>
+          <p:cNvSpPr>
+            <a:spLocks noGrp="1"/>
+          </p:cNvSpPr>
+          <p:nvPr>
+            <p:ph type="title"/>
+          </p:nvPr>
+        </p:nvSpPr>
+        <p:spPr/>
+        <p:txBody>
+          <a:bodyPr/>
+          <a:lstStyle/>
+          <a:p>
+            <a:r>
+              <a:rPr lang="de-DE" dirty="0" smtClean="0"/>
+              <a:t>Internal </a:t>
+            </a:r>
+            <a:r>
+              <a:rPr lang="de-DE" dirty="0" err="1" smtClean="0"/>
+              <a:t>gains</a:t>
+            </a:r>
+            <a:r>
+              <a:rPr lang="de-DE" dirty="0" smtClean="0"/>
+              <a:t> – </a:t>
+            </a:r>
+            <a:r>
+              <a:rPr lang="de-DE" dirty="0" err="1"/>
+              <a:t>P</a:t>
+            </a:r>
+            <a:r>
+              <a:rPr lang="de-DE" dirty="0" err="1" smtClean="0"/>
+              <a:t>ersons</a:t>
+            </a:r>
+            <a:r>
+              <a:rPr lang="de-DE" dirty="0" smtClean="0"/>
+              <a:t> - User </a:t>
+            </a:r>
+            <a:r>
+              <a:rPr lang="de-DE" dirty="0" err="1" smtClean="0"/>
+              <a:t>density</a:t>
+            </a:r>
+            <a:endParaRPr lang="de-DE" dirty="0"/>
+          </a:p>
+        </p:txBody>
+      </p:sp>
+      <p:sp>
+        <p:nvSpPr>
+          <p:cNvPr id="5" name="Textplatzhalter 4"/>
+          <p:cNvSpPr>
+            <a:spLocks noGrp="1"/>
+          </p:cNvSpPr>
+          <p:nvPr>
+            <p:ph type="body" sz="quarter" idx="13"/>
+          </p:nvPr>
+        </p:nvSpPr>
+        <p:spPr/>
+        <p:txBody>
+          <a:bodyPr/>
+          <a:lstStyle/>
+          <a:p>
+            <a:endParaRPr lang="de-DE" dirty="0"/>
+          </a:p>
+        </p:txBody>
+      </p:sp>
+      <p:graphicFrame>
+        <p:nvGraphicFramePr>
+          <p:cNvPr id="7" name="Tabelle 6"/>
+          <p:cNvGraphicFramePr>
+            <a:graphicFrameLocks noGrp="1"/>
+          </p:cNvGraphicFramePr>
+          <p:nvPr>
+            <p:extLst>
+              <p:ext uri="{D42A27DB-BD31-4B8C-83A1-F6EECF244321}">
+                <p14:modId xmlns:p14="http://schemas.microsoft.com/office/powerpoint/2010/main" val="473519569"/>
+              </p:ext>
+            </p:extLst>
+          </p:nvPr>
+        </p:nvGraphicFramePr>
+        <p:xfrm>
+          <a:off x="1144672" y="1648925"/>
+          <a:ext cx="6485174" cy="1868275"/>
+        </p:xfrm>
+        <a:graphic>
+          <a:graphicData uri="http://schemas.openxmlformats.org/drawingml/2006/table">
+            <a:tbl>
+              <a:tblPr firstRow="1" bandRow="1">
+                <a:tableStyleId>{5C22544A-7EE6-4342-B048-85BDC9FD1C3A}</a:tableStyleId>
+              </a:tblPr>
+              <a:tblGrid>
+                <a:gridCol w="1652316">
+                  <a:extLst>
+                    <a:ext uri="{9D8B030D-6E8A-4147-A177-3AD203B41FA5}">
+                      <a16:colId xmlns:a16="http://schemas.microsoft.com/office/drawing/2014/main" val="3220678818"/>
+                    </a:ext>
+                  </a:extLst>
+                </a:gridCol>
+                <a:gridCol w="2671133">
+                  <a:extLst>
+                    <a:ext uri="{9D8B030D-6E8A-4147-A177-3AD203B41FA5}">
+                      <a16:colId xmlns:a16="http://schemas.microsoft.com/office/drawing/2014/main" val="1833155769"/>
+                    </a:ext>
+                  </a:extLst>
+                </a:gridCol>
+                <a:gridCol w="2161725">
+                  <a:extLst>
+                    <a:ext uri="{9D8B030D-6E8A-4147-A177-3AD203B41FA5}">
+                      <a16:colId xmlns:a16="http://schemas.microsoft.com/office/drawing/2014/main" val="3287571384"/>
+                    </a:ext>
+                  </a:extLst>
+                </a:gridCol>
+              </a:tblGrid>
+              <a:tr h="555842">
+                <a:tc>
+                  <a:txBody>
+                    <a:bodyPr/>
+                    <a:lstStyle/>
+                    <a:p>
+                      <a:r>
+                        <a:rPr lang="de-DE" sz="1400" dirty="0" smtClean="0"/>
+                        <a:t>Zone</a:t>
+                      </a:r>
+                      <a:endParaRPr lang="de-DE" sz="1400" dirty="0"/>
+                    </a:p>
+                  </a:txBody>
+                  <a:tcPr/>
+                </a:tc>
+                <a:tc>
+                  <a:txBody>
+                    <a:bodyPr/>
+                    <a:lstStyle/>
+                    <a:p>
+                      <a:r>
+                        <a:rPr lang="de-DE" sz="1400" dirty="0" err="1" smtClean="0"/>
+                        <a:t>Density</a:t>
+                      </a:r>
+                      <a:endParaRPr lang="de-DE" sz="1400" dirty="0" smtClean="0"/>
+                    </a:p>
+                  </a:txBody>
+                  <a:tcPr/>
+                </a:tc>
+                <a:tc>
+                  <a:txBody>
+                    <a:bodyPr/>
+                    <a:lstStyle/>
+                    <a:p>
+                      <a:r>
+                        <a:rPr lang="de-DE" sz="1400" dirty="0" smtClean="0"/>
+                        <a:t>Source</a:t>
+                      </a:r>
+                      <a:endParaRPr lang="de-DE" sz="1400" dirty="0"/>
+                    </a:p>
+                  </a:txBody>
+                  <a:tcPr/>
+                </a:tc>
+                <a:extLst>
+                  <a:ext uri="{0D108BD9-81ED-4DB2-BD59-A6C34878D82A}">
+                    <a16:rowId xmlns:a16="http://schemas.microsoft.com/office/drawing/2014/main" val="2173337556"/>
+                  </a:ext>
+                </a:extLst>
+              </a:tr>
+              <a:tr h="548640">
+                <a:tc rowSpan="2">
+                  <a:txBody>
+                    <a:bodyPr/>
+                    <a:lstStyle/>
+                    <a:p>
+                      <a:r>
+                        <a:rPr lang="de-DE" sz="1400" dirty="0" smtClean="0"/>
+                        <a:t>Office</a:t>
+                      </a:r>
+                      <a:endParaRPr lang="de-DE" sz="1400" dirty="0"/>
+                    </a:p>
+                  </a:txBody>
+                  <a:tcPr/>
+                </a:tc>
+                <a:tc>
+                  <a:txBody>
+                    <a:bodyPr/>
+                    <a:lstStyle/>
+                    <a:p>
+                      <a:pPr marL="0" marR="0" lvl="0" indent="0" algn="l" defTabSz="914400" rtl="0" eaLnBrk="1" fontAlgn="auto" latinLnBrk="0" hangingPunct="1">
+                        <a:lnSpc>
+                          <a:spcPct val="100000"/>
+                        </a:lnSpc>
+                        <a:spcBef>
+                          <a:spcPts val="0"/>
+                        </a:spcBef>
+                        <a:spcAft>
+                          <a:spcPts val="0"/>
+                        </a:spcAft>
+                        <a:buClrTx/>
+                        <a:buSzTx/>
+                        <a:buFontTx/>
+                        <a:buNone/>
+                        <a:tabLst/>
+                        <a:defRPr/>
+                      </a:pPr>
+                      <a:r>
+                        <a:rPr lang="de-DE" sz="1400" baseline="0" smtClean="0"/>
+                        <a:t>0.06 / 0.07 / 0.1 </a:t>
+                      </a:r>
+                      <a:r>
+                        <a:rPr lang="de-DE" sz="1400" baseline="0" dirty="0" err="1" smtClean="0"/>
+                        <a:t>Persons</a:t>
+                      </a:r>
+                      <a:r>
+                        <a:rPr lang="de-DE" sz="1400" baseline="0" dirty="0" smtClean="0"/>
+                        <a:t> / m</a:t>
+                      </a:r>
+                      <a:r>
+                        <a:rPr lang="de-DE" sz="1400" baseline="30000" dirty="0" smtClean="0"/>
+                        <a:t>2</a:t>
+                      </a:r>
+                    </a:p>
+                  </a:txBody>
+                  <a:tcPr/>
+                </a:tc>
+                <a:tc>
+                  <a:txBody>
+                    <a:bodyPr/>
+                    <a:lstStyle/>
+                    <a:p>
+                      <a:pPr marL="0" marR="0" lvl="0" indent="0" algn="l" defTabSz="914400" rtl="0" eaLnBrk="1" fontAlgn="auto" latinLnBrk="0" hangingPunct="1">
+                        <a:lnSpc>
+                          <a:spcPct val="100000"/>
+                        </a:lnSpc>
+                        <a:spcBef>
+                          <a:spcPts val="0"/>
+                        </a:spcBef>
+                        <a:spcAft>
+                          <a:spcPts val="0"/>
+                        </a:spcAft>
+                        <a:buClrTx/>
+                        <a:buSzTx/>
+                        <a:buFontTx/>
+                        <a:buNone/>
+                        <a:tabLst/>
+                        <a:defRPr/>
+                      </a:pPr>
+                      <a:r>
+                        <a:rPr lang="de-DE" sz="1400" dirty="0" smtClean="0"/>
+                        <a:t>DIN 18599-10.2 (A.2), GER</a:t>
+                      </a:r>
+                    </a:p>
+                    <a:p>
+                      <a:pPr marL="0" marR="0" lvl="0" indent="0" algn="l" defTabSz="914400" rtl="0" eaLnBrk="1" fontAlgn="auto" latinLnBrk="0" hangingPunct="1">
+                        <a:lnSpc>
+                          <a:spcPct val="100000"/>
+                        </a:lnSpc>
+                        <a:spcBef>
+                          <a:spcPts val="0"/>
+                        </a:spcBef>
+                        <a:spcAft>
+                          <a:spcPts val="0"/>
+                        </a:spcAft>
+                        <a:buClrTx/>
+                        <a:buSzTx/>
+                        <a:buFontTx/>
+                        <a:buNone/>
+                        <a:tabLst/>
+                        <a:defRPr/>
+                      </a:pPr>
+                      <a:endParaRPr lang="de-DE" sz="1400" dirty="0" smtClean="0"/>
+                    </a:p>
+                  </a:txBody>
+                  <a:tcPr/>
+                </a:tc>
+                <a:extLst>
+                  <a:ext uri="{0D108BD9-81ED-4DB2-BD59-A6C34878D82A}">
+                    <a16:rowId xmlns:a16="http://schemas.microsoft.com/office/drawing/2014/main" val="3447265964"/>
+                  </a:ext>
+                </a:extLst>
+              </a:tr>
+              <a:tr h="580913">
+                <a:tc vMerge="1">
+                  <a:txBody>
+                    <a:bodyPr/>
+                    <a:lstStyle/>
+                    <a:p>
+                      <a:endParaRPr lang="de-DE" sz="1400" dirty="0"/>
+                    </a:p>
+                  </a:txBody>
+                  <a:tcPr/>
+                </a:tc>
+                <a:tc>
+                  <a:txBody>
+                    <a:bodyPr/>
+                    <a:lstStyle/>
+                    <a:p>
+                      <a:pPr marL="0" marR="0" lvl="0" indent="0" algn="l" defTabSz="914400" rtl="0" eaLnBrk="1" fontAlgn="auto" latinLnBrk="0" hangingPunct="1">
+                        <a:lnSpc>
+                          <a:spcPct val="100000"/>
+                        </a:lnSpc>
+                        <a:spcBef>
+                          <a:spcPts val="0"/>
+                        </a:spcBef>
+                        <a:spcAft>
+                          <a:spcPts val="0"/>
+                        </a:spcAft>
+                        <a:buClrTx/>
+                        <a:buSzTx/>
+                        <a:buFontTx/>
+                        <a:buNone/>
+                        <a:tabLst/>
+                        <a:defRPr/>
+                      </a:pPr>
+                      <a:r>
+                        <a:rPr lang="de-DE" sz="1400" baseline="0" dirty="0" smtClean="0"/>
+                        <a:t>0.4 </a:t>
+                      </a:r>
+                      <a:r>
+                        <a:rPr lang="de-DE" sz="1400" baseline="0" dirty="0" err="1" smtClean="0"/>
+                        <a:t>Persons</a:t>
+                      </a:r>
+                      <a:r>
+                        <a:rPr lang="de-DE" sz="1400" baseline="0" dirty="0" smtClean="0"/>
+                        <a:t> / m</a:t>
+                      </a:r>
+                      <a:r>
+                        <a:rPr lang="de-DE" sz="1400" baseline="30000" dirty="0" smtClean="0"/>
+                        <a:t>2</a:t>
+                      </a:r>
+                    </a:p>
+                    <a:p>
+                      <a:endParaRPr lang="de-DE" sz="1400" baseline="0" dirty="0"/>
+                    </a:p>
+                  </a:txBody>
+                  <a:tcPr/>
+                </a:tc>
+                <a:tc>
+                  <a:txBody>
+                    <a:bodyPr/>
+                    <a:lstStyle/>
+                    <a:p>
+                      <a:pPr marL="0" marR="0" lvl="0" indent="0" algn="l" defTabSz="914400" rtl="0" eaLnBrk="1" fontAlgn="auto" latinLnBrk="0" hangingPunct="1">
+                        <a:lnSpc>
+                          <a:spcPct val="100000"/>
+                        </a:lnSpc>
+                        <a:spcBef>
+                          <a:spcPts val="0"/>
+                        </a:spcBef>
+                        <a:spcAft>
+                          <a:spcPts val="0"/>
+                        </a:spcAft>
+                        <a:buClrTx/>
+                        <a:buSzTx/>
+                        <a:buFontTx/>
+                        <a:buNone/>
+                        <a:tabLst/>
+                        <a:defRPr/>
+                      </a:pPr>
+                      <a:r>
+                        <a:rPr lang="de-DE" sz="1400" dirty="0" smtClean="0"/>
+                        <a:t>ASHRAE 90.1 – Table G-B, US</a:t>
+                      </a:r>
+                    </a:p>
+                  </a:txBody>
+                  <a:tcPr/>
+                </a:tc>
+                <a:extLst>
+                  <a:ext uri="{0D108BD9-81ED-4DB2-BD59-A6C34878D82A}">
+                    <a16:rowId xmlns:a16="http://schemas.microsoft.com/office/drawing/2014/main" val="2116041632"/>
+                  </a:ext>
+                </a:extLst>
+              </a:tr>
+            </a:tbl>
+          </a:graphicData>
+        </a:graphic>
+      </p:graphicFrame>
+    </p:spTree>
+    <p:extLst>
+      <p:ext uri="{BB962C8B-B14F-4D97-AF65-F5344CB8AC3E}">
+        <p14:creationId xmlns:p14="http://schemas.microsoft.com/office/powerpoint/2010/main" val="2926009304"/>
+      </p:ext>
+    </p:extLst>
+  </p:cSld>
+  <p:clrMapOvr>
+    <a:masterClrMapping/>
+  </p:clrMapOvr>
+</p:sld>
+</file>
+
+<file path=ppt/slides/slide11.xml><?xml version="1.0" encoding="utf-8"?>
+<p:sld xmlns:a="http://schemas.openxmlformats.org/drawingml/2006/main" xmlns:r="http://schemas.openxmlformats.org/officeDocument/2006/relationships" xmlns:p="http://schemas.openxmlformats.org/presentationml/2006/main">
+  <p:cSld>
+    <p:spTree>
+      <p:nvGrpSpPr>
+        <p:cNvPr id="1" name=""/>
+        <p:cNvGrpSpPr/>
+        <p:nvPr/>
+      </p:nvGrpSpPr>
+      <p:grpSpPr>
+        <a:xfrm>
+          <a:off x="0" y="0"/>
+          <a:ext cx="0" cy="0"/>
+          <a:chOff x="0" y="0"/>
+          <a:chExt cx="0" cy="0"/>
+        </a:xfrm>
+      </p:grpSpPr>
+      <p:sp>
+        <p:nvSpPr>
           <p:cNvPr id="2" name="Titel 1"/>
           <p:cNvSpPr>
             <a:spLocks noGrp="1"/>
@@ -9996,8 +10440,1794 @@
           <a:lstStyle/>
           <a:p>
             <a:r>
+              <a:rPr lang="de-DE" dirty="0"/>
+              <a:t>Internal </a:t>
+            </a:r>
+            <a:r>
+              <a:rPr lang="de-DE" dirty="0" err="1"/>
+              <a:t>gains</a:t>
+            </a:r>
+            <a:r>
+              <a:rPr lang="de-DE" dirty="0"/>
+              <a:t> – </a:t>
+            </a:r>
+            <a:r>
+              <a:rPr lang="de-DE" dirty="0" err="1"/>
+              <a:t>Persons</a:t>
+            </a:r>
+            <a:r>
+              <a:rPr lang="de-DE" dirty="0"/>
+              <a:t> – Presence </a:t>
+            </a:r>
+            <a:r>
+              <a:rPr lang="de-DE" dirty="0" err="1"/>
+              <a:t>profiles</a:t>
+            </a:r>
+            <a:r>
+              <a:rPr lang="de-DE" dirty="0"/>
+              <a:t> (ASHRAE 90.1_G)</a:t>
+            </a:r>
+          </a:p>
+        </p:txBody>
+      </p:sp>
+      <p:sp>
+        <p:nvSpPr>
+          <p:cNvPr id="3" name="Textplatzhalter 2"/>
+          <p:cNvSpPr>
+            <a:spLocks noGrp="1"/>
+          </p:cNvSpPr>
+          <p:nvPr>
+            <p:ph type="body" sz="quarter" idx="12"/>
+          </p:nvPr>
+        </p:nvSpPr>
+        <p:spPr/>
+        <p:txBody>
+          <a:bodyPr/>
+          <a:lstStyle/>
+          <a:p>
+            <a:endParaRPr lang="de-DE" dirty="0"/>
+          </a:p>
+        </p:txBody>
+      </p:sp>
+      <p:grpSp>
+        <p:nvGrpSpPr>
+          <p:cNvPr id="4" name="Gruppieren 3"/>
+          <p:cNvGrpSpPr/>
+          <p:nvPr/>
+        </p:nvGrpSpPr>
+        <p:grpSpPr>
+          <a:xfrm>
+            <a:off x="558435" y="881788"/>
+            <a:ext cx="4120451" cy="5325736"/>
+            <a:chOff x="2396200" y="927100"/>
+            <a:chExt cx="4120451" cy="5325736"/>
+          </a:xfrm>
+        </p:grpSpPr>
+        <p:pic>
+          <p:nvPicPr>
+            <p:cNvPr id="5" name="Grafik 4"/>
+            <p:cNvPicPr>
+              <a:picLocks noChangeAspect="1"/>
+            </p:cNvPicPr>
+            <p:nvPr/>
+          </p:nvPicPr>
+          <p:blipFill>
+            <a:blip r:embed="rId2"/>
+            <a:stretch>
+              <a:fillRect/>
+            </a:stretch>
+          </p:blipFill>
+          <p:spPr>
+            <a:xfrm>
+              <a:off x="2396200" y="1280444"/>
+              <a:ext cx="4120451" cy="4972392"/>
+            </a:xfrm>
+            <a:prstGeom prst="rect">
+              <a:avLst/>
+            </a:prstGeom>
+          </p:spPr>
+        </p:pic>
+        <p:sp>
+          <p:nvSpPr>
+            <p:cNvPr id="6" name="Textfeld 5"/>
+            <p:cNvSpPr txBox="1"/>
+            <p:nvPr/>
+          </p:nvSpPr>
+          <p:spPr>
+            <a:xfrm>
+              <a:off x="3850521" y="927100"/>
+              <a:ext cx="1211807" cy="215444"/>
+            </a:xfrm>
+            <a:prstGeom prst="rect">
+              <a:avLst/>
+            </a:prstGeom>
+            <a:noFill/>
+          </p:spPr>
+          <p:txBody>
+            <a:bodyPr wrap="none" lIns="0" tIns="0" rIns="0" bIns="0" rtlCol="0">
+              <a:spAutoFit/>
+            </a:bodyPr>
+            <a:lstStyle/>
+            <a:p>
+              <a:r>
+                <a:rPr lang="de-DE" sz="1400" dirty="0" smtClean="0"/>
+                <a:t>Service / Office</a:t>
+              </a:r>
+            </a:p>
+          </p:txBody>
+        </p:sp>
+      </p:grpSp>
+    </p:spTree>
+    <p:extLst>
+      <p:ext uri="{BB962C8B-B14F-4D97-AF65-F5344CB8AC3E}">
+        <p14:creationId xmlns:p14="http://schemas.microsoft.com/office/powerpoint/2010/main" val="2095511507"/>
+      </p:ext>
+    </p:extLst>
+  </p:cSld>
+  <p:clrMapOvr>
+    <a:masterClrMapping/>
+  </p:clrMapOvr>
+</p:sld>
+</file>
+
+<file path=ppt/slides/slide12.xml><?xml version="1.0" encoding="utf-8"?>
+<p:sld xmlns:a="http://schemas.openxmlformats.org/drawingml/2006/main" xmlns:r="http://schemas.openxmlformats.org/officeDocument/2006/relationships" xmlns:p="http://schemas.openxmlformats.org/presentationml/2006/main">
+  <p:cSld>
+    <p:spTree>
+      <p:nvGrpSpPr>
+        <p:cNvPr id="1" name=""/>
+        <p:cNvGrpSpPr/>
+        <p:nvPr/>
+      </p:nvGrpSpPr>
+      <p:grpSpPr>
+        <a:xfrm>
+          <a:off x="0" y="0"/>
+          <a:ext cx="0" cy="0"/>
+          <a:chOff x="0" y="0"/>
+          <a:chExt cx="0" cy="0"/>
+        </a:xfrm>
+      </p:grpSpPr>
+      <p:sp>
+        <p:nvSpPr>
+          <p:cNvPr id="2" name="Titel 1"/>
+          <p:cNvSpPr>
+            <a:spLocks noGrp="1"/>
+          </p:cNvSpPr>
+          <p:nvPr>
+            <p:ph type="title"/>
+          </p:nvPr>
+        </p:nvSpPr>
+        <p:spPr/>
+        <p:txBody>
+          <a:bodyPr/>
+          <a:lstStyle/>
+          <a:p>
+            <a:r>
+              <a:rPr lang="de-DE" dirty="0"/>
+              <a:t>Internal </a:t>
+            </a:r>
+            <a:r>
+              <a:rPr lang="de-DE" dirty="0" err="1"/>
+              <a:t>gains</a:t>
+            </a:r>
+            <a:r>
+              <a:rPr lang="de-DE" dirty="0"/>
+              <a:t> – </a:t>
+            </a:r>
+            <a:r>
+              <a:rPr lang="de-DE" dirty="0" err="1"/>
+              <a:t>Persons</a:t>
+            </a:r>
+            <a:r>
+              <a:rPr lang="de-DE" dirty="0"/>
+              <a:t> – </a:t>
+            </a:r>
+            <a:r>
+              <a:rPr lang="de-DE" dirty="0" err="1"/>
+              <a:t>Monthly</a:t>
+            </a:r>
+            <a:r>
+              <a:rPr lang="de-DE" dirty="0"/>
+              <a:t> </a:t>
+            </a:r>
+            <a:r>
+              <a:rPr lang="de-DE" dirty="0" err="1"/>
+              <a:t>variation</a:t>
+            </a:r>
+            <a:r>
+              <a:rPr lang="de-DE" dirty="0"/>
+              <a:t> (Source SIA 2024)</a:t>
+            </a:r>
+          </a:p>
+        </p:txBody>
+      </p:sp>
+      <p:sp>
+        <p:nvSpPr>
+          <p:cNvPr id="3" name="Textplatzhalter 2"/>
+          <p:cNvSpPr>
+            <a:spLocks noGrp="1"/>
+          </p:cNvSpPr>
+          <p:nvPr>
+            <p:ph type="body" sz="quarter" idx="12"/>
+          </p:nvPr>
+        </p:nvSpPr>
+        <p:spPr/>
+        <p:txBody>
+          <a:bodyPr/>
+          <a:lstStyle/>
+          <a:p>
+            <a:endParaRPr lang="de-DE"/>
+          </a:p>
+        </p:txBody>
+      </p:sp>
+      <p:pic>
+        <p:nvPicPr>
+          <p:cNvPr id="4" name="Grafik 3"/>
+          <p:cNvPicPr>
+            <a:picLocks noChangeAspect="1"/>
+          </p:cNvPicPr>
+          <p:nvPr/>
+        </p:nvPicPr>
+        <p:blipFill>
+          <a:blip r:embed="rId2"/>
+          <a:stretch>
+            <a:fillRect/>
+          </a:stretch>
+        </p:blipFill>
+        <p:spPr>
+          <a:xfrm>
+            <a:off x="2895430" y="1249955"/>
+            <a:ext cx="4495800" cy="1343025"/>
+          </a:xfrm>
+          <a:prstGeom prst="rect">
+            <a:avLst/>
+          </a:prstGeom>
+        </p:spPr>
+      </p:pic>
+      <p:sp>
+        <p:nvSpPr>
+          <p:cNvPr id="5" name="Textfeld 4"/>
+          <p:cNvSpPr txBox="1"/>
+          <p:nvPr/>
+        </p:nvSpPr>
+        <p:spPr>
+          <a:xfrm>
+            <a:off x="1034318" y="1813745"/>
+            <a:ext cx="1598130" cy="215444"/>
+          </a:xfrm>
+          <a:prstGeom prst="rect">
+            <a:avLst/>
+          </a:prstGeom>
+          <a:noFill/>
+        </p:spPr>
+        <p:txBody>
+          <a:bodyPr wrap="none" lIns="0" tIns="0" rIns="0" bIns="0" rtlCol="0">
+            <a:spAutoFit/>
+          </a:bodyPr>
+          <a:lstStyle/>
+          <a:p>
+            <a:r>
+              <a:rPr lang="de-DE" sz="1400" dirty="0" smtClean="0"/>
+              <a:t>Office (2-6 </a:t>
+            </a:r>
+            <a:r>
+              <a:rPr lang="de-DE" sz="1400" dirty="0" err="1" smtClean="0"/>
+              <a:t>Persons</a:t>
+            </a:r>
+            <a:r>
+              <a:rPr lang="de-DE" sz="1400" dirty="0" smtClean="0"/>
+              <a:t>)</a:t>
+            </a:r>
+          </a:p>
+        </p:txBody>
+      </p:sp>
+    </p:spTree>
+    <p:extLst>
+      <p:ext uri="{BB962C8B-B14F-4D97-AF65-F5344CB8AC3E}">
+        <p14:creationId xmlns:p14="http://schemas.microsoft.com/office/powerpoint/2010/main" val="2710376662"/>
+      </p:ext>
+    </p:extLst>
+  </p:cSld>
+  <p:clrMapOvr>
+    <a:masterClrMapping/>
+  </p:clrMapOvr>
+</p:sld>
+</file>
+
+<file path=ppt/slides/slide13.xml><?xml version="1.0" encoding="utf-8"?>
+<p:sld xmlns:a="http://schemas.openxmlformats.org/drawingml/2006/main" xmlns:r="http://schemas.openxmlformats.org/officeDocument/2006/relationships" xmlns:p="http://schemas.openxmlformats.org/presentationml/2006/main">
+  <p:cSld>
+    <p:spTree>
+      <p:nvGrpSpPr>
+        <p:cNvPr id="1" name=""/>
+        <p:cNvGrpSpPr/>
+        <p:nvPr/>
+      </p:nvGrpSpPr>
+      <p:grpSpPr>
+        <a:xfrm>
+          <a:off x="0" y="0"/>
+          <a:ext cx="0" cy="0"/>
+          <a:chOff x="0" y="0"/>
+          <a:chExt cx="0" cy="0"/>
+        </a:xfrm>
+      </p:grpSpPr>
+      <p:sp>
+        <p:nvSpPr>
+          <p:cNvPr id="2" name="Titel 1"/>
+          <p:cNvSpPr>
+            <a:spLocks noGrp="1"/>
+          </p:cNvSpPr>
+          <p:nvPr>
+            <p:ph type="title"/>
+          </p:nvPr>
+        </p:nvSpPr>
+        <p:spPr/>
+        <p:txBody>
+          <a:bodyPr/>
+          <a:lstStyle/>
+          <a:p>
+            <a:r>
+              <a:rPr lang="de-DE" dirty="0"/>
+              <a:t>Internal </a:t>
+            </a:r>
+            <a:r>
+              <a:rPr lang="de-DE" dirty="0" err="1"/>
+              <a:t>gains</a:t>
+            </a:r>
+            <a:r>
+              <a:rPr lang="de-DE" dirty="0"/>
+              <a:t> </a:t>
+            </a:r>
+            <a:r>
               <a:rPr lang="de-DE" dirty="0" smtClean="0"/>
-              <a:t>Type </a:t>
+              <a:t> </a:t>
+            </a:r>
+            <a:r>
+              <a:rPr lang="de-DE" dirty="0"/>
+              <a:t>– </a:t>
+            </a:r>
+            <a:r>
+              <a:rPr lang="de-DE" dirty="0" err="1"/>
+              <a:t>Lighting</a:t>
+            </a:r>
+            <a:r>
+              <a:rPr lang="de-DE" dirty="0"/>
+              <a:t> </a:t>
+            </a:r>
+            <a:r>
+              <a:rPr lang="de-DE" dirty="0" err="1"/>
+              <a:t>and</a:t>
+            </a:r>
+            <a:r>
+              <a:rPr lang="de-DE" dirty="0"/>
+              <a:t> </a:t>
+            </a:r>
+            <a:r>
+              <a:rPr lang="de-DE" dirty="0" err="1" smtClean="0"/>
+              <a:t>electrical</a:t>
+            </a:r>
+            <a:r>
+              <a:rPr lang="de-DE" dirty="0" smtClean="0"/>
+              <a:t> </a:t>
+            </a:r>
+            <a:r>
+              <a:rPr lang="de-DE" dirty="0" err="1" smtClean="0"/>
+              <a:t>appliances</a:t>
+            </a:r>
+            <a:endParaRPr lang="de-DE" dirty="0"/>
+          </a:p>
+        </p:txBody>
+      </p:sp>
+      <p:sp>
+        <p:nvSpPr>
+          <p:cNvPr id="4" name="Textplatzhalter 3"/>
+          <p:cNvSpPr>
+            <a:spLocks noGrp="1"/>
+          </p:cNvSpPr>
+          <p:nvPr>
+            <p:ph type="body" sz="quarter" idx="13"/>
+          </p:nvPr>
+        </p:nvSpPr>
+        <p:spPr/>
+        <p:txBody>
+          <a:bodyPr/>
+          <a:lstStyle/>
+          <a:p>
+            <a:r>
+              <a:rPr lang="en-US" dirty="0"/>
+              <a:t>Equipment such as lighting and auxiliary machines (computers, ovens, cooling boxes) depends on zone type and leads to an electrical and thermal load</a:t>
+            </a:r>
+          </a:p>
+          <a:p>
+            <a:r>
+              <a:rPr lang="en-US" dirty="0">
+                <a:sym typeface="Wingdings" panose="05000000000000000000" pitchFamily="2" charset="2"/>
+              </a:rPr>
+              <a:t>Data needed for modelling lighting and auxiliary machines </a:t>
+            </a:r>
+            <a:endParaRPr lang="en-US" dirty="0"/>
+          </a:p>
+          <a:p>
+            <a:pPr lvl="1"/>
+            <a:r>
+              <a:rPr lang="en-US" dirty="0"/>
+              <a:t>Load profiles (</a:t>
+            </a:r>
+            <a:r>
+              <a:rPr lang="en-US" dirty="0" err="1"/>
+              <a:t>percentual</a:t>
+            </a:r>
+            <a:r>
+              <a:rPr lang="en-US" dirty="0"/>
+              <a:t>) depending on zone type </a:t>
+            </a:r>
+            <a:r>
+              <a:rPr lang="en-US" dirty="0">
+                <a:sym typeface="Wingdings" panose="05000000000000000000" pitchFamily="2" charset="2"/>
+              </a:rPr>
+              <a:t> table</a:t>
+            </a:r>
+            <a:endParaRPr lang="en-US" dirty="0"/>
+          </a:p>
+          <a:p>
+            <a:pPr lvl="1"/>
+            <a:r>
+              <a:rPr lang="en-US" dirty="0"/>
+              <a:t>Electrical or heat load equipment based on zone type / type of activity </a:t>
+            </a:r>
+            <a:r>
+              <a:rPr lang="en-US" dirty="0">
+                <a:sym typeface="Wingdings" panose="05000000000000000000" pitchFamily="2" charset="2"/>
+              </a:rPr>
+              <a:t></a:t>
+            </a:r>
+            <a:r>
+              <a:rPr lang="en-US" dirty="0"/>
+              <a:t> constant, one value in W/m²</a:t>
+            </a:r>
+          </a:p>
+          <a:p>
+            <a:pPr lvl="1"/>
+            <a:r>
+              <a:rPr lang="en-US" dirty="0"/>
+              <a:t>Efficiency electrical to thermal for type of equipment </a:t>
+            </a:r>
+            <a:r>
+              <a:rPr lang="en-US" dirty="0">
+                <a:sym typeface="Wingdings" panose="05000000000000000000" pitchFamily="2" charset="2"/>
+              </a:rPr>
+              <a:t> constant, one value</a:t>
+            </a:r>
+            <a:endParaRPr lang="en-US" dirty="0"/>
+          </a:p>
+          <a:p>
+            <a:endParaRPr lang="de-DE" dirty="0"/>
+          </a:p>
+        </p:txBody>
+      </p:sp>
+      <p:sp>
+        <p:nvSpPr>
+          <p:cNvPr id="5" name="Rechteck 4"/>
+          <p:cNvSpPr/>
+          <p:nvPr/>
+        </p:nvSpPr>
+        <p:spPr>
+          <a:xfrm>
+            <a:off x="2278824" y="3306887"/>
+            <a:ext cx="4105656" cy="2368296"/>
+          </a:xfrm>
+          <a:prstGeom prst="rect">
+            <a:avLst/>
+          </a:prstGeom>
+        </p:spPr>
+        <p:style>
+          <a:lnRef idx="2">
+            <a:schemeClr val="accent1">
+              <a:shade val="50000"/>
+            </a:schemeClr>
+          </a:lnRef>
+          <a:fillRef idx="1">
+            <a:schemeClr val="accent1"/>
+          </a:fillRef>
+          <a:effectRef idx="0">
+            <a:schemeClr val="accent1"/>
+          </a:effectRef>
+          <a:fontRef idx="minor">
+            <a:schemeClr val="lt1"/>
+          </a:fontRef>
+        </p:style>
+        <p:txBody>
+          <a:bodyPr rtlCol="0" anchor="ctr"/>
+          <a:lstStyle/>
+          <a:p>
+            <a:pPr algn="ctr"/>
+            <a:r>
+              <a:rPr lang="de-DE" dirty="0" smtClean="0"/>
+              <a:t>Parameters:</a:t>
+            </a:r>
+          </a:p>
+          <a:p>
+            <a:pPr algn="ctr"/>
+            <a:r>
+              <a:rPr lang="de-DE" dirty="0" smtClean="0"/>
+              <a:t>Zone  Area</a:t>
+            </a:r>
+          </a:p>
+          <a:p>
+            <a:pPr algn="ctr"/>
+            <a:r>
+              <a:rPr lang="de-DE" dirty="0" err="1" smtClean="0"/>
+              <a:t>Specific</a:t>
+            </a:r>
+            <a:r>
+              <a:rPr lang="de-DE" dirty="0"/>
+              <a:t> </a:t>
+            </a:r>
+            <a:r>
+              <a:rPr lang="de-DE" dirty="0" err="1" smtClean="0"/>
+              <a:t>P</a:t>
+            </a:r>
+            <a:r>
+              <a:rPr lang="de-DE" baseline="-25000" dirty="0" err="1" smtClean="0"/>
+              <a:t>electric</a:t>
+            </a:r>
+            <a:r>
+              <a:rPr lang="de-DE" baseline="-25000" dirty="0" smtClean="0"/>
+              <a:t> /</a:t>
+            </a:r>
+            <a:r>
+              <a:rPr lang="de-DE" dirty="0" smtClean="0"/>
+              <a:t> m</a:t>
+            </a:r>
+            <a:r>
+              <a:rPr lang="de-DE" baseline="30000" dirty="0" smtClean="0"/>
+              <a:t>2</a:t>
+            </a:r>
+            <a:r>
+              <a:rPr lang="de-DE" dirty="0" smtClean="0"/>
+              <a:t> </a:t>
+            </a:r>
+            <a:r>
+              <a:rPr lang="de-DE" dirty="0" err="1" smtClean="0"/>
+              <a:t>for</a:t>
+            </a:r>
+            <a:r>
+              <a:rPr lang="de-DE" dirty="0" smtClean="0"/>
+              <a:t> </a:t>
+            </a:r>
+            <a:r>
+              <a:rPr lang="de-DE" dirty="0" err="1" smtClean="0"/>
+              <a:t>zone</a:t>
+            </a:r>
+            <a:r>
+              <a:rPr lang="de-DE" dirty="0" smtClean="0"/>
+              <a:t> type</a:t>
+            </a:r>
+          </a:p>
+          <a:p>
+            <a:pPr algn="ctr"/>
+            <a:r>
+              <a:rPr lang="de-DE" dirty="0" err="1" smtClean="0"/>
+              <a:t>Coefficient</a:t>
+            </a:r>
+            <a:r>
+              <a:rPr lang="de-DE" dirty="0" smtClean="0"/>
+              <a:t> </a:t>
+            </a:r>
+            <a:r>
+              <a:rPr lang="de-DE" dirty="0" err="1" smtClean="0"/>
+              <a:t>P</a:t>
+            </a:r>
+            <a:r>
+              <a:rPr lang="de-DE" baseline="-25000" dirty="0" err="1" smtClean="0"/>
+              <a:t>thermal</a:t>
+            </a:r>
+            <a:r>
+              <a:rPr lang="de-DE" dirty="0" smtClean="0"/>
+              <a:t> </a:t>
+            </a:r>
+            <a:r>
+              <a:rPr lang="de-DE" dirty="0" err="1"/>
+              <a:t>f</a:t>
+            </a:r>
+            <a:r>
+              <a:rPr lang="de-DE" dirty="0" err="1" smtClean="0"/>
+              <a:t>rom</a:t>
+            </a:r>
+            <a:r>
+              <a:rPr lang="de-DE" dirty="0" smtClean="0"/>
+              <a:t> </a:t>
+            </a:r>
+            <a:r>
+              <a:rPr lang="de-DE" dirty="0" err="1" smtClean="0"/>
+              <a:t>P</a:t>
+            </a:r>
+            <a:r>
+              <a:rPr lang="de-DE" baseline="-25000" dirty="0" err="1" smtClean="0"/>
+              <a:t>electric</a:t>
+            </a:r>
+            <a:endParaRPr lang="de-DE" baseline="-25000" dirty="0" smtClean="0"/>
+          </a:p>
+          <a:p>
+            <a:pPr algn="ctr"/>
+            <a:r>
+              <a:rPr lang="de-DE" dirty="0" err="1"/>
+              <a:t>Coefficient</a:t>
+            </a:r>
+            <a:r>
+              <a:rPr lang="de-DE" dirty="0"/>
+              <a:t> </a:t>
+            </a:r>
+            <a:r>
+              <a:rPr lang="de-DE" dirty="0" err="1" smtClean="0"/>
+              <a:t>P</a:t>
+            </a:r>
+            <a:r>
+              <a:rPr lang="de-DE" baseline="-25000" dirty="0" err="1" smtClean="0"/>
+              <a:t>th,rad</a:t>
+            </a:r>
+            <a:r>
+              <a:rPr lang="de-DE" dirty="0" smtClean="0"/>
+              <a:t> </a:t>
+            </a:r>
+            <a:r>
+              <a:rPr lang="de-DE" dirty="0" err="1" smtClean="0"/>
+              <a:t>from</a:t>
+            </a:r>
+            <a:r>
+              <a:rPr lang="de-DE" dirty="0" smtClean="0"/>
+              <a:t> </a:t>
+            </a:r>
+            <a:r>
+              <a:rPr lang="de-DE" dirty="0" err="1" smtClean="0"/>
+              <a:t>P</a:t>
+            </a:r>
+            <a:r>
+              <a:rPr lang="de-DE" baseline="-25000" dirty="0" err="1" smtClean="0"/>
+              <a:t>thermal</a:t>
+            </a:r>
+            <a:endParaRPr lang="de-DE" baseline="-25000" dirty="0"/>
+          </a:p>
+          <a:p>
+            <a:pPr algn="ctr"/>
+            <a:r>
+              <a:rPr lang="de-DE" dirty="0" err="1" smtClean="0"/>
+              <a:t>Emissivity</a:t>
+            </a:r>
+            <a:endParaRPr lang="de-DE" dirty="0"/>
+          </a:p>
+        </p:txBody>
+      </p:sp>
+      <p:sp>
+        <p:nvSpPr>
+          <p:cNvPr id="6" name="Gleichschenkliges Dreieck 5"/>
+          <p:cNvSpPr/>
+          <p:nvPr/>
+        </p:nvSpPr>
+        <p:spPr>
+          <a:xfrm rot="5400000">
+            <a:off x="1401000" y="4061267"/>
+            <a:ext cx="896112" cy="859536"/>
+          </a:xfrm>
+          <a:prstGeom prst="triangle">
+            <a:avLst/>
+          </a:prstGeom>
+          <a:solidFill>
+            <a:srgbClr val="002060"/>
+          </a:solidFill>
+          <a:ln>
+            <a:noFill/>
+          </a:ln>
+        </p:spPr>
+        <p:style>
+          <a:lnRef idx="2">
+            <a:schemeClr val="accent1">
+              <a:shade val="50000"/>
+            </a:schemeClr>
+          </a:lnRef>
+          <a:fillRef idx="1">
+            <a:schemeClr val="accent1"/>
+          </a:fillRef>
+          <a:effectRef idx="0">
+            <a:schemeClr val="accent1"/>
+          </a:effectRef>
+          <a:fontRef idx="minor">
+            <a:schemeClr val="lt1"/>
+          </a:fontRef>
+        </p:style>
+        <p:txBody>
+          <a:bodyPr rtlCol="0" anchor="ctr"/>
+          <a:lstStyle/>
+          <a:p>
+            <a:pPr algn="ctr"/>
+            <a:endParaRPr lang="de-DE"/>
+          </a:p>
+        </p:txBody>
+      </p:sp>
+      <p:sp>
+        <p:nvSpPr>
+          <p:cNvPr id="7" name="Textfeld 6"/>
+          <p:cNvSpPr txBox="1"/>
+          <p:nvPr/>
+        </p:nvSpPr>
+        <p:spPr>
+          <a:xfrm>
+            <a:off x="843216" y="5281991"/>
+            <a:ext cx="1362456" cy="215444"/>
+          </a:xfrm>
+          <a:prstGeom prst="rect">
+            <a:avLst/>
+          </a:prstGeom>
+          <a:noFill/>
+        </p:spPr>
+        <p:txBody>
+          <a:bodyPr wrap="square" lIns="0" tIns="0" rIns="0" bIns="0" rtlCol="0">
+            <a:spAutoFit/>
+          </a:bodyPr>
+          <a:lstStyle/>
+          <a:p>
+            <a:r>
+              <a:rPr lang="de-DE" sz="1400" dirty="0" smtClean="0"/>
+              <a:t>Schedule</a:t>
+            </a:r>
+          </a:p>
+        </p:txBody>
+      </p:sp>
+      <p:sp>
+        <p:nvSpPr>
+          <p:cNvPr id="8" name="Rechteck 7"/>
+          <p:cNvSpPr/>
+          <p:nvPr/>
+        </p:nvSpPr>
+        <p:spPr>
+          <a:xfrm>
+            <a:off x="6539928" y="3306887"/>
+            <a:ext cx="658368" cy="548640"/>
+          </a:xfrm>
+          <a:prstGeom prst="rect">
+            <a:avLst/>
+          </a:prstGeom>
+          <a:ln>
+            <a:noFill/>
+          </a:ln>
+        </p:spPr>
+        <p:style>
+          <a:lnRef idx="2">
+            <a:schemeClr val="accent1">
+              <a:shade val="50000"/>
+            </a:schemeClr>
+          </a:lnRef>
+          <a:fillRef idx="1">
+            <a:schemeClr val="accent1"/>
+          </a:fillRef>
+          <a:effectRef idx="0">
+            <a:schemeClr val="accent1"/>
+          </a:effectRef>
+          <a:fontRef idx="minor">
+            <a:schemeClr val="lt1"/>
+          </a:fontRef>
+        </p:style>
+        <p:txBody>
+          <a:bodyPr rtlCol="0" anchor="ctr"/>
+          <a:lstStyle/>
+          <a:p>
+            <a:pPr algn="ctr"/>
+            <a:endParaRPr lang="de-DE"/>
+          </a:p>
+        </p:txBody>
+      </p:sp>
+      <p:sp>
+        <p:nvSpPr>
+          <p:cNvPr id="9" name="Stern mit 5 Zacken 8"/>
+          <p:cNvSpPr/>
+          <p:nvPr/>
+        </p:nvSpPr>
+        <p:spPr>
+          <a:xfrm>
+            <a:off x="6503352" y="4039127"/>
+            <a:ext cx="822960" cy="708660"/>
+          </a:xfrm>
+          <a:prstGeom prst="star5">
+            <a:avLst/>
+          </a:prstGeom>
+          <a:solidFill>
+            <a:schemeClr val="tx1"/>
+          </a:solidFill>
+          <a:ln>
+            <a:noFill/>
+          </a:ln>
+        </p:spPr>
+        <p:style>
+          <a:lnRef idx="2">
+            <a:schemeClr val="accent1">
+              <a:shade val="50000"/>
+            </a:schemeClr>
+          </a:lnRef>
+          <a:fillRef idx="1">
+            <a:schemeClr val="accent1"/>
+          </a:fillRef>
+          <a:effectRef idx="0">
+            <a:schemeClr val="accent1"/>
+          </a:effectRef>
+          <a:fontRef idx="minor">
+            <a:schemeClr val="lt1"/>
+          </a:fontRef>
+        </p:style>
+        <p:txBody>
+          <a:bodyPr rtlCol="0" anchor="ctr"/>
+          <a:lstStyle/>
+          <a:p>
+            <a:pPr algn="ctr"/>
+            <a:endParaRPr lang="de-DE"/>
+          </a:p>
+        </p:txBody>
+      </p:sp>
+      <p:sp>
+        <p:nvSpPr>
+          <p:cNvPr id="10" name="Gleichschenkliges Dreieck 9"/>
+          <p:cNvSpPr/>
+          <p:nvPr/>
+        </p:nvSpPr>
+        <p:spPr>
+          <a:xfrm rot="5400000">
+            <a:off x="6521640" y="4949315"/>
+            <a:ext cx="896112" cy="859536"/>
+          </a:xfrm>
+          <a:prstGeom prst="triangle">
+            <a:avLst/>
+          </a:prstGeom>
+          <a:noFill/>
+          <a:ln>
+            <a:solidFill>
+              <a:srgbClr val="002060"/>
+            </a:solidFill>
+          </a:ln>
+        </p:spPr>
+        <p:style>
+          <a:lnRef idx="2">
+            <a:schemeClr val="accent1">
+              <a:shade val="50000"/>
+            </a:schemeClr>
+          </a:lnRef>
+          <a:fillRef idx="1">
+            <a:schemeClr val="accent1"/>
+          </a:fillRef>
+          <a:effectRef idx="0">
+            <a:schemeClr val="accent1"/>
+          </a:effectRef>
+          <a:fontRef idx="minor">
+            <a:schemeClr val="lt1"/>
+          </a:fontRef>
+        </p:style>
+        <p:txBody>
+          <a:bodyPr rtlCol="0" anchor="ctr"/>
+          <a:lstStyle/>
+          <a:p>
+            <a:pPr algn="ctr"/>
+            <a:endParaRPr lang="de-DE"/>
+          </a:p>
+        </p:txBody>
+      </p:sp>
+      <p:sp>
+        <p:nvSpPr>
+          <p:cNvPr id="11" name="Textfeld 10"/>
+          <p:cNvSpPr txBox="1"/>
+          <p:nvPr/>
+        </p:nvSpPr>
+        <p:spPr>
+          <a:xfrm>
+            <a:off x="7399464" y="3430671"/>
+            <a:ext cx="508152" cy="215444"/>
+          </a:xfrm>
+          <a:prstGeom prst="rect">
+            <a:avLst/>
+          </a:prstGeom>
+          <a:noFill/>
+        </p:spPr>
+        <p:txBody>
+          <a:bodyPr wrap="none" lIns="0" tIns="0" rIns="0" bIns="0" rtlCol="0">
+            <a:spAutoFit/>
+          </a:bodyPr>
+          <a:lstStyle/>
+          <a:p>
+            <a:r>
+              <a:rPr lang="de-DE" sz="1400" dirty="0" err="1" smtClean="0"/>
+              <a:t>P</a:t>
+            </a:r>
+            <a:r>
+              <a:rPr lang="de-DE" sz="1400" baseline="-25000" dirty="0" err="1" smtClean="0"/>
+              <a:t>th,conv</a:t>
+            </a:r>
+            <a:endParaRPr lang="de-DE" sz="1400" baseline="-25000" dirty="0" smtClean="0"/>
+          </a:p>
+        </p:txBody>
+      </p:sp>
+      <p:sp>
+        <p:nvSpPr>
+          <p:cNvPr id="12" name="Textfeld 11"/>
+          <p:cNvSpPr txBox="1"/>
+          <p:nvPr/>
+        </p:nvSpPr>
+        <p:spPr>
+          <a:xfrm>
+            <a:off x="7445184" y="4378075"/>
+            <a:ext cx="429605" cy="215444"/>
+          </a:xfrm>
+          <a:prstGeom prst="rect">
+            <a:avLst/>
+          </a:prstGeom>
+          <a:noFill/>
+        </p:spPr>
+        <p:txBody>
+          <a:bodyPr wrap="none" lIns="0" tIns="0" rIns="0" bIns="0" rtlCol="0">
+            <a:spAutoFit/>
+          </a:bodyPr>
+          <a:lstStyle/>
+          <a:p>
+            <a:r>
+              <a:rPr lang="de-DE" sz="1400" dirty="0" err="1" smtClean="0"/>
+              <a:t>P</a:t>
+            </a:r>
+            <a:r>
+              <a:rPr lang="de-DE" sz="1400" baseline="-25000" dirty="0" err="1" smtClean="0"/>
+              <a:t>th,rad</a:t>
+            </a:r>
+            <a:endParaRPr lang="de-DE" sz="1400" baseline="-25000" dirty="0" smtClean="0"/>
+          </a:p>
+        </p:txBody>
+      </p:sp>
+      <p:sp>
+        <p:nvSpPr>
+          <p:cNvPr id="13" name="Textfeld 12"/>
+          <p:cNvSpPr txBox="1"/>
+          <p:nvPr/>
+        </p:nvSpPr>
+        <p:spPr>
+          <a:xfrm>
+            <a:off x="7532712" y="5368527"/>
+            <a:ext cx="214802" cy="215444"/>
+          </a:xfrm>
+          <a:prstGeom prst="rect">
+            <a:avLst/>
+          </a:prstGeom>
+          <a:noFill/>
+        </p:spPr>
+        <p:txBody>
+          <a:bodyPr wrap="none" lIns="0" tIns="0" rIns="0" bIns="0" rtlCol="0">
+            <a:spAutoFit/>
+          </a:bodyPr>
+          <a:lstStyle/>
+          <a:p>
+            <a:r>
+              <a:rPr lang="de-DE" sz="1400" dirty="0" err="1" smtClean="0"/>
+              <a:t>P</a:t>
+            </a:r>
+            <a:r>
+              <a:rPr lang="de-DE" sz="1400" baseline="-25000" dirty="0" err="1" smtClean="0"/>
+              <a:t>el</a:t>
+            </a:r>
+            <a:endParaRPr lang="de-DE" sz="1400" baseline="-25000" dirty="0" smtClean="0"/>
+          </a:p>
+        </p:txBody>
+      </p:sp>
+    </p:spTree>
+    <p:extLst>
+      <p:ext uri="{BB962C8B-B14F-4D97-AF65-F5344CB8AC3E}">
+        <p14:creationId xmlns:p14="http://schemas.microsoft.com/office/powerpoint/2010/main" val="1158161634"/>
+      </p:ext>
+    </p:extLst>
+  </p:cSld>
+  <p:clrMapOvr>
+    <a:masterClrMapping/>
+  </p:clrMapOvr>
+</p:sld>
+</file>
+
+<file path=ppt/slides/slide14.xml><?xml version="1.0" encoding="utf-8"?>
+<p:sld xmlns:a="http://schemas.openxmlformats.org/drawingml/2006/main" xmlns:r="http://schemas.openxmlformats.org/officeDocument/2006/relationships" xmlns:p="http://schemas.openxmlformats.org/presentationml/2006/main">
+  <p:cSld>
+    <p:spTree>
+      <p:nvGrpSpPr>
+        <p:cNvPr id="1" name=""/>
+        <p:cNvGrpSpPr/>
+        <p:nvPr/>
+      </p:nvGrpSpPr>
+      <p:grpSpPr>
+        <a:xfrm>
+          <a:off x="0" y="0"/>
+          <a:ext cx="0" cy="0"/>
+          <a:chOff x="0" y="0"/>
+          <a:chExt cx="0" cy="0"/>
+        </a:xfrm>
+      </p:grpSpPr>
+      <p:sp>
+        <p:nvSpPr>
+          <p:cNvPr id="4" name="Titel 3"/>
+          <p:cNvSpPr>
+            <a:spLocks noGrp="1"/>
+          </p:cNvSpPr>
+          <p:nvPr>
+            <p:ph type="title"/>
+          </p:nvPr>
+        </p:nvSpPr>
+        <p:spPr/>
+        <p:txBody>
+          <a:bodyPr/>
+          <a:lstStyle/>
+          <a:p>
+            <a:r>
+              <a:rPr lang="de-DE" dirty="0" smtClean="0"/>
+              <a:t>Internal </a:t>
+            </a:r>
+            <a:r>
+              <a:rPr lang="de-DE" dirty="0" err="1" smtClean="0"/>
+              <a:t>Gains</a:t>
+            </a:r>
+            <a:r>
+              <a:rPr lang="de-DE" dirty="0" smtClean="0"/>
+              <a:t> – </a:t>
+            </a:r>
+            <a:r>
+              <a:rPr lang="de-DE" dirty="0" err="1" smtClean="0"/>
+              <a:t>Lights</a:t>
+            </a:r>
+            <a:r>
+              <a:rPr lang="de-DE" dirty="0" smtClean="0"/>
+              <a:t> - </a:t>
+            </a:r>
+            <a:r>
+              <a:rPr lang="de-DE" dirty="0" err="1" smtClean="0"/>
+              <a:t>Requirements</a:t>
+            </a:r>
+            <a:endParaRPr lang="de-DE" dirty="0"/>
+          </a:p>
+        </p:txBody>
+      </p:sp>
+      <p:graphicFrame>
+        <p:nvGraphicFramePr>
+          <p:cNvPr id="6" name="Tabelle 5"/>
+          <p:cNvGraphicFramePr>
+            <a:graphicFrameLocks noGrp="1"/>
+          </p:cNvGraphicFramePr>
+          <p:nvPr>
+            <p:extLst>
+              <p:ext uri="{D42A27DB-BD31-4B8C-83A1-F6EECF244321}">
+                <p14:modId xmlns:p14="http://schemas.microsoft.com/office/powerpoint/2010/main" val="2196958751"/>
+              </p:ext>
+            </p:extLst>
+          </p:nvPr>
+        </p:nvGraphicFramePr>
+        <p:xfrm>
+          <a:off x="287338" y="871201"/>
+          <a:ext cx="7762315" cy="2712720"/>
+        </p:xfrm>
+        <a:graphic>
+          <a:graphicData uri="http://schemas.openxmlformats.org/drawingml/2006/table">
+            <a:tbl>
+              <a:tblPr firstRow="1" bandRow="1">
+                <a:tableStyleId>{5C22544A-7EE6-4342-B048-85BDC9FD1C3A}</a:tableStyleId>
+              </a:tblPr>
+              <a:tblGrid>
+                <a:gridCol w="1799275">
+                  <a:extLst>
+                    <a:ext uri="{9D8B030D-6E8A-4147-A177-3AD203B41FA5}">
+                      <a16:colId xmlns:a16="http://schemas.microsoft.com/office/drawing/2014/main" val="1258899401"/>
+                    </a:ext>
+                  </a:extLst>
+                </a:gridCol>
+                <a:gridCol w="2081882">
+                  <a:extLst>
+                    <a:ext uri="{9D8B030D-6E8A-4147-A177-3AD203B41FA5}">
+                      <a16:colId xmlns:a16="http://schemas.microsoft.com/office/drawing/2014/main" val="482138169"/>
+                    </a:ext>
+                  </a:extLst>
+                </a:gridCol>
+                <a:gridCol w="1940579">
+                  <a:extLst>
+                    <a:ext uri="{9D8B030D-6E8A-4147-A177-3AD203B41FA5}">
+                      <a16:colId xmlns:a16="http://schemas.microsoft.com/office/drawing/2014/main" val="2403625914"/>
+                    </a:ext>
+                  </a:extLst>
+                </a:gridCol>
+                <a:gridCol w="1940579">
+                  <a:extLst>
+                    <a:ext uri="{9D8B030D-6E8A-4147-A177-3AD203B41FA5}">
+                      <a16:colId xmlns:a16="http://schemas.microsoft.com/office/drawing/2014/main" val="2926720380"/>
+                    </a:ext>
+                  </a:extLst>
+                </a:gridCol>
+              </a:tblGrid>
+              <a:tr h="505729">
+                <a:tc>
+                  <a:txBody>
+                    <a:bodyPr/>
+                    <a:lstStyle/>
+                    <a:p>
+                      <a:r>
+                        <a:rPr lang="de-DE" sz="1400" dirty="0" smtClean="0"/>
+                        <a:t>Zone</a:t>
+                      </a:r>
+                      <a:endParaRPr lang="de-DE" sz="1400" dirty="0"/>
+                    </a:p>
+                  </a:txBody>
+                  <a:tcPr/>
+                </a:tc>
+                <a:tc>
+                  <a:txBody>
+                    <a:bodyPr/>
+                    <a:lstStyle/>
+                    <a:p>
+                      <a:r>
+                        <a:rPr lang="de-DE" sz="1400" dirty="0" err="1" smtClean="0"/>
+                        <a:t>Heat</a:t>
+                      </a:r>
+                      <a:r>
+                        <a:rPr lang="de-DE" sz="1400" dirty="0" smtClean="0"/>
+                        <a:t> </a:t>
+                      </a:r>
+                      <a:r>
+                        <a:rPr lang="de-DE" sz="1400" dirty="0" err="1" smtClean="0"/>
+                        <a:t>load</a:t>
+                      </a:r>
+                      <a:endParaRPr lang="de-DE" sz="1400" dirty="0" smtClean="0"/>
+                    </a:p>
+                  </a:txBody>
+                  <a:tcPr/>
+                </a:tc>
+                <a:tc>
+                  <a:txBody>
+                    <a:bodyPr/>
+                    <a:lstStyle/>
+                    <a:p>
+                      <a:pPr marL="0" marR="0" lvl="0" indent="0" algn="l" defTabSz="914400" rtl="0" eaLnBrk="1" fontAlgn="auto" latinLnBrk="0" hangingPunct="1">
+                        <a:lnSpc>
+                          <a:spcPct val="100000"/>
+                        </a:lnSpc>
+                        <a:spcBef>
+                          <a:spcPts val="0"/>
+                        </a:spcBef>
+                        <a:spcAft>
+                          <a:spcPts val="0"/>
+                        </a:spcAft>
+                        <a:buClrTx/>
+                        <a:buSzTx/>
+                        <a:buFontTx/>
+                        <a:buNone/>
+                        <a:tabLst/>
+                        <a:defRPr/>
+                      </a:pPr>
+                      <a:r>
+                        <a:rPr lang="de-DE" sz="1400" dirty="0" err="1" smtClean="0"/>
+                        <a:t>Energy</a:t>
+                      </a:r>
+                      <a:r>
+                        <a:rPr lang="de-DE" sz="1400" dirty="0" smtClean="0"/>
+                        <a:t> </a:t>
+                      </a:r>
+                      <a:r>
+                        <a:rPr lang="de-DE" sz="1400" dirty="0" err="1" smtClean="0"/>
+                        <a:t>requirement</a:t>
+                      </a:r>
+                      <a:endParaRPr lang="de-DE" sz="1400" dirty="0" smtClean="0"/>
+                    </a:p>
+                    <a:p>
+                      <a:endParaRPr lang="de-DE" sz="1400" dirty="0"/>
+                    </a:p>
+                  </a:txBody>
+                  <a:tcPr/>
+                </a:tc>
+                <a:tc>
+                  <a:txBody>
+                    <a:bodyPr/>
+                    <a:lstStyle/>
+                    <a:p>
+                      <a:r>
+                        <a:rPr lang="de-DE" sz="1400" dirty="0" smtClean="0"/>
+                        <a:t>Source</a:t>
+                      </a:r>
+                      <a:endParaRPr lang="de-DE" sz="1400" dirty="0"/>
+                    </a:p>
+                  </a:txBody>
+                  <a:tcPr/>
+                </a:tc>
+                <a:extLst>
+                  <a:ext uri="{0D108BD9-81ED-4DB2-BD59-A6C34878D82A}">
+                    <a16:rowId xmlns:a16="http://schemas.microsoft.com/office/drawing/2014/main" val="2230489546"/>
+                  </a:ext>
+                </a:extLst>
+              </a:tr>
+              <a:tr h="899239">
+                <a:tc rowSpan="3">
+                  <a:txBody>
+                    <a:bodyPr/>
+                    <a:lstStyle/>
+                    <a:p>
+                      <a:r>
+                        <a:rPr lang="de-DE" sz="1400" dirty="0" smtClean="0"/>
+                        <a:t>Office</a:t>
+                      </a:r>
+                    </a:p>
+                  </a:txBody>
+                  <a:tcPr/>
+                </a:tc>
+                <a:tc>
+                  <a:txBody>
+                    <a:bodyPr/>
+                    <a:lstStyle/>
+                    <a:p>
+                      <a:r>
+                        <a:rPr lang="de-DE" sz="1400" dirty="0" smtClean="0"/>
+                        <a:t>500 lx</a:t>
+                      </a:r>
+                    </a:p>
+                    <a:p>
+                      <a:r>
+                        <a:rPr lang="de-DE" sz="1400" baseline="0" dirty="0" smtClean="0"/>
+                        <a:t>0.8 m</a:t>
+                      </a:r>
+                      <a:endParaRPr lang="de-DE" sz="1400" baseline="0" dirty="0"/>
+                    </a:p>
+                  </a:txBody>
+                  <a:tcPr/>
+                </a:tc>
+                <a:tc>
+                  <a:txBody>
+                    <a:bodyPr/>
+                    <a:lstStyle/>
+                    <a:p>
+                      <a:r>
+                        <a:rPr lang="de-DE" sz="1400" dirty="0" smtClean="0"/>
+                        <a:t>25 </a:t>
+                      </a:r>
+                      <a:r>
+                        <a:rPr lang="de-DE" sz="1400" dirty="0" err="1" smtClean="0"/>
+                        <a:t>Wel</a:t>
+                      </a:r>
+                      <a:r>
+                        <a:rPr lang="de-DE" sz="1400" dirty="0" smtClean="0"/>
+                        <a:t>/m</a:t>
+                      </a:r>
+                      <a:r>
+                        <a:rPr lang="de-DE" sz="1400" baseline="30000" dirty="0" smtClean="0"/>
+                        <a:t>2</a:t>
+                      </a:r>
+                      <a:r>
+                        <a:rPr lang="de-DE" sz="1400" dirty="0" smtClean="0"/>
+                        <a:t> – Halogen</a:t>
+                      </a:r>
+                    </a:p>
+                    <a:p>
+                      <a:r>
+                        <a:rPr lang="de-DE" sz="1400" dirty="0" smtClean="0"/>
+                        <a:t>9 </a:t>
+                      </a:r>
+                      <a:r>
+                        <a:rPr lang="de-DE" sz="1400" dirty="0" err="1" smtClean="0"/>
+                        <a:t>Wel</a:t>
+                      </a:r>
+                      <a:r>
+                        <a:rPr lang="de-DE" sz="1400" dirty="0" smtClean="0"/>
+                        <a:t>/m</a:t>
+                      </a:r>
+                      <a:r>
+                        <a:rPr lang="de-DE" sz="1400" baseline="30000" dirty="0" smtClean="0"/>
+                        <a:t>2</a:t>
+                      </a:r>
+                      <a:r>
+                        <a:rPr lang="de-DE" sz="1400" dirty="0" smtClean="0"/>
+                        <a:t> – </a:t>
+                      </a:r>
+                      <a:r>
+                        <a:rPr lang="de-DE" sz="1400" dirty="0" err="1" smtClean="0"/>
+                        <a:t>Flourescent</a:t>
+                      </a:r>
+                      <a:endParaRPr lang="de-DE" sz="1400" dirty="0" smtClean="0"/>
+                    </a:p>
+                    <a:p>
+                      <a:r>
+                        <a:rPr lang="de-DE" sz="1400" dirty="0" smtClean="0"/>
+                        <a:t>5 </a:t>
+                      </a:r>
+                      <a:r>
+                        <a:rPr lang="de-DE" sz="1400" dirty="0" err="1" smtClean="0"/>
+                        <a:t>Wel</a:t>
+                      </a:r>
+                      <a:r>
+                        <a:rPr lang="de-DE" sz="1400" dirty="0" smtClean="0"/>
+                        <a:t>/m</a:t>
+                      </a:r>
+                      <a:r>
+                        <a:rPr lang="de-DE" sz="1400" baseline="30000" dirty="0" smtClean="0"/>
+                        <a:t>2</a:t>
+                      </a:r>
+                      <a:r>
+                        <a:rPr lang="de-DE" sz="1400" dirty="0" smtClean="0"/>
+                        <a:t> – LED</a:t>
+                      </a:r>
+                    </a:p>
+                  </a:txBody>
+                  <a:tcPr/>
+                </a:tc>
+                <a:tc>
+                  <a:txBody>
+                    <a:bodyPr/>
+                    <a:lstStyle/>
+                    <a:p>
+                      <a:pPr marL="0" marR="0" lvl="0" indent="0" algn="l" defTabSz="914400" rtl="0" eaLnBrk="1" fontAlgn="auto" latinLnBrk="0" hangingPunct="1">
+                        <a:lnSpc>
+                          <a:spcPct val="100000"/>
+                        </a:lnSpc>
+                        <a:spcBef>
+                          <a:spcPts val="0"/>
+                        </a:spcBef>
+                        <a:spcAft>
+                          <a:spcPts val="0"/>
+                        </a:spcAft>
+                        <a:buClrTx/>
+                        <a:buSzTx/>
+                        <a:buFontTx/>
+                        <a:buNone/>
+                        <a:tabLst/>
+                        <a:defRPr/>
+                      </a:pPr>
+                      <a:r>
+                        <a:rPr lang="de-DE" sz="1400" dirty="0" smtClean="0"/>
+                        <a:t>DIN 18599-10.2 (A2)</a:t>
+                      </a:r>
+                    </a:p>
+                    <a:p>
+                      <a:pPr marL="0" marR="0" lvl="0" indent="0" algn="l" defTabSz="914400" rtl="0" eaLnBrk="1" fontAlgn="auto" latinLnBrk="0" hangingPunct="1">
+                        <a:lnSpc>
+                          <a:spcPct val="100000"/>
+                        </a:lnSpc>
+                        <a:spcBef>
+                          <a:spcPts val="0"/>
+                        </a:spcBef>
+                        <a:spcAft>
+                          <a:spcPts val="0"/>
+                        </a:spcAft>
+                        <a:buClrTx/>
+                        <a:buSzTx/>
+                        <a:buFontTx/>
+                        <a:buNone/>
+                        <a:tabLst/>
+                        <a:defRPr/>
+                      </a:pPr>
+                      <a:r>
+                        <a:rPr lang="de-DE" sz="1400" dirty="0" smtClean="0"/>
+                        <a:t>CommONEnergy2013</a:t>
+                      </a:r>
+                    </a:p>
+                    <a:p>
+                      <a:pPr marL="0" marR="0" lvl="0" indent="0" algn="l" defTabSz="914400" rtl="0" eaLnBrk="1" fontAlgn="auto" latinLnBrk="0" hangingPunct="1">
+                        <a:lnSpc>
+                          <a:spcPct val="100000"/>
+                        </a:lnSpc>
+                        <a:spcBef>
+                          <a:spcPts val="0"/>
+                        </a:spcBef>
+                        <a:spcAft>
+                          <a:spcPts val="0"/>
+                        </a:spcAft>
+                        <a:buClrTx/>
+                        <a:buSzTx/>
+                        <a:buFontTx/>
+                        <a:buNone/>
+                        <a:tabLst/>
+                        <a:defRPr/>
+                      </a:pPr>
+                      <a:r>
+                        <a:rPr lang="de-DE" sz="1400" dirty="0" smtClean="0"/>
+                        <a:t>(</a:t>
+                      </a:r>
+                      <a:r>
+                        <a:rPr lang="de-DE" sz="1400" dirty="0" err="1" smtClean="0"/>
+                        <a:t>Fig</a:t>
+                      </a:r>
+                      <a:r>
+                        <a:rPr lang="de-DE" sz="1400" dirty="0" smtClean="0"/>
+                        <a:t> 38, Page 64)</a:t>
+                      </a:r>
+                    </a:p>
+                  </a:txBody>
+                  <a:tcPr/>
+                </a:tc>
+                <a:extLst>
+                  <a:ext uri="{0D108BD9-81ED-4DB2-BD59-A6C34878D82A}">
+                    <a16:rowId xmlns:a16="http://schemas.microsoft.com/office/drawing/2014/main" val="4189780839"/>
+                  </a:ext>
+                </a:extLst>
+              </a:tr>
+              <a:tr h="493131">
+                <a:tc vMerge="1">
+                  <a:txBody>
+                    <a:bodyPr/>
+                    <a:lstStyle/>
+                    <a:p>
+                      <a:endParaRPr lang="de-DE"/>
+                    </a:p>
+                  </a:txBody>
+                  <a:tcPr/>
+                </a:tc>
+                <a:tc>
+                  <a:txBody>
+                    <a:bodyPr/>
+                    <a:lstStyle/>
+                    <a:p>
+                      <a:pPr marL="0" marR="0" lvl="0" indent="0" algn="l" defTabSz="914400" rtl="0" eaLnBrk="1" fontAlgn="auto" latinLnBrk="0" hangingPunct="1">
+                        <a:lnSpc>
+                          <a:spcPct val="100000"/>
+                        </a:lnSpc>
+                        <a:spcBef>
+                          <a:spcPts val="0"/>
+                        </a:spcBef>
+                        <a:spcAft>
+                          <a:spcPts val="0"/>
+                        </a:spcAft>
+                        <a:buClrTx/>
+                        <a:buSzTx/>
+                        <a:buFontTx/>
+                        <a:buNone/>
+                        <a:tabLst/>
+                        <a:defRPr/>
+                      </a:pPr>
+                      <a:r>
+                        <a:rPr lang="de-DE" sz="1400" kern="1200" baseline="0" dirty="0" smtClean="0">
+                          <a:solidFill>
+                            <a:schemeClr val="dk1"/>
+                          </a:solidFill>
+                          <a:latin typeface="+mn-lt"/>
+                          <a:ea typeface="+mn-ea"/>
+                          <a:cs typeface="+mn-cs"/>
+                        </a:rPr>
+                        <a:t>12 </a:t>
+                      </a:r>
+                      <a:r>
+                        <a:rPr lang="de-DE" sz="1400" baseline="0" dirty="0" err="1" smtClean="0"/>
+                        <a:t>Wth</a:t>
+                      </a:r>
+                      <a:r>
+                        <a:rPr lang="de-DE" sz="1400" baseline="0" dirty="0" smtClean="0"/>
+                        <a:t>/m</a:t>
+                      </a:r>
+                      <a:r>
+                        <a:rPr lang="de-DE" sz="1400" baseline="30000" dirty="0" smtClean="0"/>
+                        <a:t>2</a:t>
+                      </a:r>
+                      <a:endParaRPr lang="de-DE" sz="1400" kern="1200" baseline="0" dirty="0" smtClean="0">
+                        <a:solidFill>
+                          <a:schemeClr val="dk1"/>
+                        </a:solidFill>
+                        <a:latin typeface="+mn-lt"/>
+                        <a:ea typeface="+mn-ea"/>
+                        <a:cs typeface="+mn-cs"/>
+                      </a:endParaRPr>
+                    </a:p>
+                  </a:txBody>
+                  <a:tcPr/>
+                </a:tc>
+                <a:tc>
+                  <a:txBody>
+                    <a:bodyPr/>
+                    <a:lstStyle/>
+                    <a:p>
+                      <a:pPr marL="0" marR="0" lvl="0" indent="0" algn="l" defTabSz="914400" rtl="0" eaLnBrk="1" fontAlgn="auto" latinLnBrk="0" hangingPunct="1">
+                        <a:lnSpc>
+                          <a:spcPct val="100000"/>
+                        </a:lnSpc>
+                        <a:spcBef>
+                          <a:spcPts val="0"/>
+                        </a:spcBef>
+                        <a:spcAft>
+                          <a:spcPts val="0"/>
+                        </a:spcAft>
+                        <a:buClrTx/>
+                        <a:buSzTx/>
+                        <a:buFontTx/>
+                        <a:buNone/>
+                        <a:tabLst/>
+                        <a:defRPr/>
+                      </a:pPr>
+                      <a:r>
+                        <a:rPr lang="de-DE" sz="1400" dirty="0" smtClean="0"/>
+                        <a:t>13 </a:t>
+                      </a:r>
+                      <a:r>
+                        <a:rPr lang="de-DE" sz="1400" baseline="0" dirty="0" err="1" smtClean="0"/>
+                        <a:t>Wel</a:t>
+                      </a:r>
+                      <a:r>
+                        <a:rPr lang="de-DE" sz="1400" baseline="0" dirty="0" smtClean="0"/>
+                        <a:t>/m</a:t>
+                      </a:r>
+                      <a:r>
+                        <a:rPr lang="de-DE" sz="1400" baseline="30000" dirty="0" smtClean="0"/>
+                        <a:t>2</a:t>
+                      </a:r>
+                      <a:endParaRPr lang="de-DE" sz="1400" kern="1200" baseline="0" dirty="0" smtClean="0">
+                        <a:solidFill>
+                          <a:schemeClr val="dk1"/>
+                        </a:solidFill>
+                        <a:latin typeface="+mn-lt"/>
+                        <a:ea typeface="+mn-ea"/>
+                        <a:cs typeface="+mn-cs"/>
+                      </a:endParaRPr>
+                    </a:p>
+                    <a:p>
+                      <a:r>
+                        <a:rPr lang="de-DE" sz="1400" dirty="0" smtClean="0"/>
+                        <a:t>90%</a:t>
+                      </a:r>
+                      <a:r>
+                        <a:rPr lang="de-DE" sz="1400" baseline="0" dirty="0" smtClean="0"/>
+                        <a:t> @[WWW1]</a:t>
+                      </a:r>
+                      <a:endParaRPr lang="de-DE" sz="1400" dirty="0" smtClean="0"/>
+                    </a:p>
+                  </a:txBody>
+                  <a:tcPr/>
+                </a:tc>
+                <a:tc>
+                  <a:txBody>
+                    <a:bodyPr/>
+                    <a:lstStyle/>
+                    <a:p>
+                      <a:pPr marL="0" marR="0" lvl="0" indent="0" algn="l" defTabSz="914400" rtl="0" eaLnBrk="1" fontAlgn="auto" latinLnBrk="0" hangingPunct="1">
+                        <a:lnSpc>
+                          <a:spcPct val="100000"/>
+                        </a:lnSpc>
+                        <a:spcBef>
+                          <a:spcPts val="0"/>
+                        </a:spcBef>
+                        <a:spcAft>
+                          <a:spcPts val="0"/>
+                        </a:spcAft>
+                        <a:buClrTx/>
+                        <a:buSzTx/>
+                        <a:buFontTx/>
+                        <a:buNone/>
+                        <a:tabLst/>
+                        <a:defRPr/>
+                      </a:pPr>
+                      <a:r>
+                        <a:rPr lang="de-DE" sz="1400" dirty="0" smtClean="0"/>
+                        <a:t>Clark2015, Table A2, US </a:t>
+                      </a:r>
+                    </a:p>
+                  </a:txBody>
+                  <a:tcPr/>
+                </a:tc>
+                <a:extLst>
+                  <a:ext uri="{0D108BD9-81ED-4DB2-BD59-A6C34878D82A}">
+                    <a16:rowId xmlns:a16="http://schemas.microsoft.com/office/drawing/2014/main" val="2504331354"/>
+                  </a:ext>
+                </a:extLst>
+              </a:tr>
+              <a:tr h="696185">
+                <a:tc vMerge="1">
+                  <a:txBody>
+                    <a:bodyPr/>
+                    <a:lstStyle/>
+                    <a:p>
+                      <a:endParaRPr lang="de-DE" sz="1400" dirty="0" smtClean="0"/>
+                    </a:p>
+                  </a:txBody>
+                  <a:tcPr/>
+                </a:tc>
+                <a:tc>
+                  <a:txBody>
+                    <a:bodyPr/>
+                    <a:lstStyle/>
+                    <a:p>
+                      <a:pPr marL="0" algn="l" defTabSz="914400" rtl="0" eaLnBrk="1" latinLnBrk="0" hangingPunct="1"/>
+                      <a:endParaRPr lang="de-DE" sz="1400" kern="1200" baseline="0" dirty="0">
+                        <a:solidFill>
+                          <a:schemeClr val="dk1"/>
+                        </a:solidFill>
+                        <a:latin typeface="+mn-lt"/>
+                        <a:ea typeface="+mn-ea"/>
+                        <a:cs typeface="+mn-cs"/>
+                      </a:endParaRPr>
+                    </a:p>
+                  </a:txBody>
+                  <a:tcPr/>
+                </a:tc>
+                <a:tc>
+                  <a:txBody>
+                    <a:bodyPr/>
+                    <a:lstStyle/>
+                    <a:p>
+                      <a:pPr marL="0" marR="0" lvl="0" indent="0" algn="l" defTabSz="914400" rtl="0" eaLnBrk="1" fontAlgn="auto" latinLnBrk="0" hangingPunct="1">
+                        <a:lnSpc>
+                          <a:spcPct val="100000"/>
+                        </a:lnSpc>
+                        <a:spcBef>
+                          <a:spcPts val="0"/>
+                        </a:spcBef>
+                        <a:spcAft>
+                          <a:spcPts val="0"/>
+                        </a:spcAft>
+                        <a:buClrTx/>
+                        <a:buSzTx/>
+                        <a:buFontTx/>
+                        <a:buNone/>
+                        <a:tabLst/>
+                        <a:defRPr/>
+                      </a:pPr>
+                      <a:r>
+                        <a:rPr lang="de-DE" sz="1400" kern="1200" baseline="0" dirty="0" smtClean="0">
+                          <a:solidFill>
+                            <a:schemeClr val="dk1"/>
+                          </a:solidFill>
+                          <a:latin typeface="+mn-lt"/>
+                          <a:ea typeface="+mn-ea"/>
+                          <a:cs typeface="+mn-cs"/>
+                        </a:rPr>
+                        <a:t>47 / 41 / 22 / 13 / 8 </a:t>
+                      </a:r>
+                      <a:r>
+                        <a:rPr lang="de-DE" sz="1400" baseline="0" dirty="0" err="1" smtClean="0"/>
+                        <a:t>Wel</a:t>
+                      </a:r>
+                      <a:r>
+                        <a:rPr lang="de-DE" sz="1400" baseline="0" dirty="0" smtClean="0"/>
+                        <a:t>/m</a:t>
+                      </a:r>
+                      <a:r>
+                        <a:rPr lang="de-DE" sz="1400" baseline="30000" dirty="0" smtClean="0"/>
+                        <a:t>2</a:t>
+                      </a:r>
+                    </a:p>
+                  </a:txBody>
+                  <a:tcPr/>
+                </a:tc>
+                <a:tc>
+                  <a:txBody>
+                    <a:bodyPr/>
+                    <a:lstStyle/>
+                    <a:p>
+                      <a:pPr marL="0" marR="0" lvl="0" indent="0" algn="l" defTabSz="914400" rtl="0" eaLnBrk="1" fontAlgn="auto" latinLnBrk="0" hangingPunct="1">
+                        <a:lnSpc>
+                          <a:spcPct val="100000"/>
+                        </a:lnSpc>
+                        <a:spcBef>
+                          <a:spcPts val="0"/>
+                        </a:spcBef>
+                        <a:spcAft>
+                          <a:spcPts val="0"/>
+                        </a:spcAft>
+                        <a:buClrTx/>
+                        <a:buSzTx/>
+                        <a:buFontTx/>
+                        <a:buNone/>
+                        <a:tabLst/>
+                        <a:defRPr/>
+                      </a:pPr>
+                      <a:r>
+                        <a:rPr lang="de-DE" sz="1400" dirty="0" smtClean="0"/>
+                        <a:t>VDI 3807-4,</a:t>
+                      </a:r>
+                      <a:r>
+                        <a:rPr lang="de-DE" sz="1400" baseline="0" dirty="0" smtClean="0"/>
+                        <a:t> Table 3, (2</a:t>
+                      </a:r>
+                      <a:r>
+                        <a:rPr lang="de-DE" sz="1400" kern="1200" baseline="0" dirty="0" smtClean="0">
+                          <a:solidFill>
+                            <a:schemeClr val="dk1"/>
+                          </a:solidFill>
+                          <a:latin typeface="+mn-lt"/>
+                          <a:ea typeface="+mn-ea"/>
+                          <a:cs typeface="+mn-cs"/>
+                        </a:rPr>
+                        <a:t>)</a:t>
+                      </a:r>
+                    </a:p>
+                    <a:p>
+                      <a:pPr marL="0" marR="0" lvl="0" indent="0" algn="l" defTabSz="914400" rtl="0" eaLnBrk="1" fontAlgn="auto" latinLnBrk="0" hangingPunct="1">
+                        <a:lnSpc>
+                          <a:spcPct val="100000"/>
+                        </a:lnSpc>
+                        <a:spcBef>
+                          <a:spcPts val="0"/>
+                        </a:spcBef>
+                        <a:spcAft>
+                          <a:spcPts val="0"/>
+                        </a:spcAft>
+                        <a:buClrTx/>
+                        <a:buSzTx/>
+                        <a:buFontTx/>
+                        <a:buNone/>
+                        <a:tabLst/>
+                        <a:defRPr/>
+                      </a:pPr>
+                      <a:r>
+                        <a:rPr lang="de-DE" sz="1400" baseline="0" dirty="0" smtClean="0"/>
+                        <a:t>GER</a:t>
+                      </a:r>
+                      <a:endParaRPr lang="de-DE" sz="1400" dirty="0" smtClean="0"/>
+                    </a:p>
+                  </a:txBody>
+                  <a:tcPr/>
+                </a:tc>
+                <a:extLst>
+                  <a:ext uri="{0D108BD9-81ED-4DB2-BD59-A6C34878D82A}">
+                    <a16:rowId xmlns:a16="http://schemas.microsoft.com/office/drawing/2014/main" val="2623509467"/>
+                  </a:ext>
+                </a:extLst>
+              </a:tr>
+            </a:tbl>
+          </a:graphicData>
+        </a:graphic>
+      </p:graphicFrame>
+    </p:spTree>
+    <p:extLst>
+      <p:ext uri="{BB962C8B-B14F-4D97-AF65-F5344CB8AC3E}">
+        <p14:creationId xmlns:p14="http://schemas.microsoft.com/office/powerpoint/2010/main" val="4144621011"/>
+      </p:ext>
+    </p:extLst>
+  </p:cSld>
+  <p:clrMapOvr>
+    <a:masterClrMapping/>
+  </p:clrMapOvr>
+</p:sld>
+</file>
+
+<file path=ppt/slides/slide15.xml><?xml version="1.0" encoding="utf-8"?>
+<p:sld xmlns:a="http://schemas.openxmlformats.org/drawingml/2006/main" xmlns:r="http://schemas.openxmlformats.org/officeDocument/2006/relationships" xmlns:p="http://schemas.openxmlformats.org/presentationml/2006/main">
+  <p:cSld>
+    <p:spTree>
+      <p:nvGrpSpPr>
+        <p:cNvPr id="1" name=""/>
+        <p:cNvGrpSpPr/>
+        <p:nvPr/>
+      </p:nvGrpSpPr>
+      <p:grpSpPr>
+        <a:xfrm>
+          <a:off x="0" y="0"/>
+          <a:ext cx="0" cy="0"/>
+          <a:chOff x="0" y="0"/>
+          <a:chExt cx="0" cy="0"/>
+        </a:xfrm>
+      </p:grpSpPr>
+      <p:sp>
+        <p:nvSpPr>
+          <p:cNvPr id="2" name="Titel 1"/>
+          <p:cNvSpPr>
+            <a:spLocks noGrp="1"/>
+          </p:cNvSpPr>
+          <p:nvPr>
+            <p:ph type="title"/>
+          </p:nvPr>
+        </p:nvSpPr>
+        <p:spPr/>
+        <p:txBody>
+          <a:bodyPr/>
+          <a:lstStyle/>
+          <a:p>
+            <a:r>
+              <a:rPr lang="de-DE" dirty="0"/>
+              <a:t>Internal </a:t>
+            </a:r>
+            <a:r>
+              <a:rPr lang="de-DE" dirty="0" err="1"/>
+              <a:t>gains</a:t>
+            </a:r>
+            <a:r>
+              <a:rPr lang="de-DE" dirty="0"/>
+              <a:t> </a:t>
+            </a:r>
+            <a:r>
+              <a:rPr lang="de-DE" dirty="0" smtClean="0"/>
+              <a:t>– </a:t>
+            </a:r>
+            <a:r>
+              <a:rPr lang="de-DE" dirty="0" err="1" smtClean="0"/>
+              <a:t>Lights</a:t>
+            </a:r>
+            <a:r>
+              <a:rPr lang="de-DE" dirty="0" smtClean="0"/>
+              <a:t> - Type </a:t>
             </a:r>
             <a:r>
               <a:rPr lang="de-DE" dirty="0" err="1" smtClean="0"/>
@@ -10166,7 +12396,7 @@
 </p:sld>
 </file>
 
-<file path=ppt/slides/slide11.xml><?xml version="1.0" encoding="utf-8"?>
+<file path=ppt/slides/slide16.xml><?xml version="1.0" encoding="utf-8"?>
 <p:sld xmlns:a="http://schemas.openxmlformats.org/drawingml/2006/main" xmlns:r="http://schemas.openxmlformats.org/officeDocument/2006/relationships" xmlns:p="http://schemas.openxmlformats.org/presentationml/2006/main">
   <p:cSld>
     <p:spTree>
@@ -10199,16 +12429,32 @@
           <a:lstStyle/>
           <a:p>
             <a:r>
+              <a:rPr lang="de-DE" dirty="0"/>
+              <a:t>Internal </a:t>
+            </a:r>
+            <a:r>
+              <a:rPr lang="de-DE" dirty="0" err="1"/>
+              <a:t>gains</a:t>
+            </a:r>
+            <a:r>
+              <a:rPr lang="de-DE" dirty="0"/>
+              <a:t> </a:t>
+            </a:r>
+            <a:r>
+              <a:rPr lang="de-DE" dirty="0" smtClean="0"/>
+              <a:t>– </a:t>
+            </a:r>
+            <a:r>
               <a:rPr lang="de-DE" dirty="0" err="1" smtClean="0"/>
-              <a:t>Lighting</a:t>
+              <a:t>Lights</a:t>
             </a:r>
             <a:r>
               <a:rPr lang="de-DE" dirty="0" smtClean="0"/>
-              <a:t> </a:t>
-            </a:r>
-            <a:r>
-              <a:rPr lang="de-DE" dirty="0" err="1" smtClean="0"/>
-              <a:t>Efficicnecy</a:t>
+              <a:t> -  </a:t>
+            </a:r>
+            <a:r>
+              <a:rPr lang="de-DE" dirty="0" smtClean="0"/>
+              <a:t>Efficiency</a:t>
             </a:r>
             <a:endParaRPr lang="de-DE" dirty="0"/>
           </a:p>
@@ -10352,7 +12598,7 @@
 </p:sld>
 </file>
 
-<file path=ppt/slides/slide12.xml><?xml version="1.0" encoding="utf-8"?>
+<file path=ppt/slides/slide17.xml><?xml version="1.0" encoding="utf-8"?>
 <p:sld xmlns:a="http://schemas.openxmlformats.org/drawingml/2006/main" xmlns:r="http://schemas.openxmlformats.org/officeDocument/2006/relationships" xmlns:p="http://schemas.openxmlformats.org/presentationml/2006/main">
   <p:cSld>
     <p:spTree>
@@ -10386,23 +12632,35 @@
           <a:p>
             <a:r>
               <a:rPr lang="de-DE" dirty="0"/>
-              <a:t>Equipment – </a:t>
+              <a:t>Internal </a:t>
             </a:r>
             <a:r>
               <a:rPr lang="de-DE" dirty="0" err="1"/>
-              <a:t>Lighting</a:t>
+              <a:t>gains</a:t>
             </a:r>
             <a:r>
               <a:rPr lang="de-DE" dirty="0"/>
+              <a:t> – </a:t>
+            </a:r>
+            <a:r>
+              <a:rPr lang="de-DE" dirty="0" err="1" smtClean="0"/>
+              <a:t>Lights</a:t>
+            </a:r>
+            <a:r>
+              <a:rPr lang="de-DE" dirty="0" smtClean="0"/>
+              <a:t> - </a:t>
+            </a:r>
+            <a:r>
+              <a:rPr lang="de-DE" dirty="0" err="1" smtClean="0"/>
+              <a:t>Profiles</a:t>
+            </a:r>
+            <a:r>
+              <a:rPr lang="de-DE" dirty="0" smtClean="0"/>
               <a:t> </a:t>
             </a:r>
             <a:r>
-              <a:rPr lang="de-DE" dirty="0" err="1"/>
-              <a:t>profiles</a:t>
-            </a:r>
-            <a:r>
               <a:rPr lang="de-DE" dirty="0"/>
-              <a:t> (ASHRAE 90.1_G)</a:t>
+              <a:t>(ASHRAE 90.1_G)</a:t>
             </a:r>
           </a:p>
         </p:txBody>
@@ -10507,355 +12765,7 @@
 </p:sld>
 </file>
 
-<file path=ppt/slides/slide13.xml><?xml version="1.0" encoding="utf-8"?>
-<p:sld xmlns:a="http://schemas.openxmlformats.org/drawingml/2006/main" xmlns:r="http://schemas.openxmlformats.org/officeDocument/2006/relationships" xmlns:p="http://schemas.openxmlformats.org/presentationml/2006/main">
-  <p:cSld>
-    <p:spTree>
-      <p:nvGrpSpPr>
-        <p:cNvPr id="1" name=""/>
-        <p:cNvGrpSpPr/>
-        <p:nvPr/>
-      </p:nvGrpSpPr>
-      <p:grpSpPr>
-        <a:xfrm>
-          <a:off x="0" y="0"/>
-          <a:ext cx="0" cy="0"/>
-          <a:chOff x="0" y="0"/>
-          <a:chExt cx="0" cy="0"/>
-        </a:xfrm>
-      </p:grpSpPr>
-      <p:sp>
-        <p:nvSpPr>
-          <p:cNvPr id="2" name="Titel 1"/>
-          <p:cNvSpPr>
-            <a:spLocks noGrp="1"/>
-          </p:cNvSpPr>
-          <p:nvPr>
-            <p:ph type="title"/>
-          </p:nvPr>
-        </p:nvSpPr>
-        <p:spPr/>
-        <p:txBody>
-          <a:bodyPr/>
-          <a:lstStyle/>
-          <a:p>
-            <a:r>
-              <a:rPr lang="de-DE" dirty="0"/>
-              <a:t>Equipment - Additional </a:t>
-            </a:r>
-            <a:r>
-              <a:rPr lang="de-DE" dirty="0" err="1"/>
-              <a:t>heat</a:t>
-            </a:r>
-            <a:r>
-              <a:rPr lang="de-DE" dirty="0"/>
-              <a:t> </a:t>
-            </a:r>
-            <a:r>
-              <a:rPr lang="de-DE" dirty="0" err="1"/>
-              <a:t>loads</a:t>
-            </a:r>
-            <a:r>
-              <a:rPr lang="de-DE" dirty="0"/>
-              <a:t> (</a:t>
-            </a:r>
-            <a:r>
-              <a:rPr lang="de-DE" dirty="0" err="1"/>
-              <a:t>help</a:t>
-            </a:r>
-            <a:r>
-              <a:rPr lang="de-DE" dirty="0"/>
-              <a:t> </a:t>
-            </a:r>
-            <a:r>
-              <a:rPr lang="de-DE" dirty="0" err="1"/>
-              <a:t>energy</a:t>
-            </a:r>
-            <a:r>
-              <a:rPr lang="de-DE" dirty="0"/>
-              <a:t>)</a:t>
-            </a:r>
-          </a:p>
-        </p:txBody>
-      </p:sp>
-      <p:graphicFrame>
-        <p:nvGraphicFramePr>
-          <p:cNvPr id="4" name="Tabelle 3"/>
-          <p:cNvGraphicFramePr>
-            <a:graphicFrameLocks noGrp="1"/>
-          </p:cNvGraphicFramePr>
-          <p:nvPr>
-            <p:extLst>
-              <p:ext uri="{D42A27DB-BD31-4B8C-83A1-F6EECF244321}">
-                <p14:modId xmlns:p14="http://schemas.microsoft.com/office/powerpoint/2010/main" val="563251992"/>
-              </p:ext>
-            </p:extLst>
-          </p:nvPr>
-        </p:nvGraphicFramePr>
-        <p:xfrm>
-          <a:off x="649941" y="983253"/>
-          <a:ext cx="7844118" cy="1246444"/>
-        </p:xfrm>
-        <a:graphic>
-          <a:graphicData uri="http://schemas.openxmlformats.org/drawingml/2006/table">
-            <a:tbl>
-              <a:tblPr firstRow="1" bandRow="1">
-                <a:tableStyleId>{5C22544A-7EE6-4342-B048-85BDC9FD1C3A}</a:tableStyleId>
-              </a:tblPr>
-              <a:tblGrid>
-                <a:gridCol w="1576225">
-                  <a:extLst>
-                    <a:ext uri="{9D8B030D-6E8A-4147-A177-3AD203B41FA5}">
-                      <a16:colId xmlns:a16="http://schemas.microsoft.com/office/drawing/2014/main" val="3220678818"/>
-                    </a:ext>
-                  </a:extLst>
-                </a:gridCol>
-                <a:gridCol w="2345835">
-                  <a:extLst>
-                    <a:ext uri="{9D8B030D-6E8A-4147-A177-3AD203B41FA5}">
-                      <a16:colId xmlns:a16="http://schemas.microsoft.com/office/drawing/2014/main" val="1833155769"/>
-                    </a:ext>
-                  </a:extLst>
-                </a:gridCol>
-                <a:gridCol w="1474694">
-                  <a:extLst>
-                    <a:ext uri="{9D8B030D-6E8A-4147-A177-3AD203B41FA5}">
-                      <a16:colId xmlns:a16="http://schemas.microsoft.com/office/drawing/2014/main" val="3287571384"/>
-                    </a:ext>
-                  </a:extLst>
-                </a:gridCol>
-                <a:gridCol w="2447364">
-                  <a:extLst>
-                    <a:ext uri="{9D8B030D-6E8A-4147-A177-3AD203B41FA5}">
-                      <a16:colId xmlns:a16="http://schemas.microsoft.com/office/drawing/2014/main" val="3207649830"/>
-                    </a:ext>
-                  </a:extLst>
-                </a:gridCol>
-              </a:tblGrid>
-              <a:tr h="514924">
-                <a:tc>
-                  <a:txBody>
-                    <a:bodyPr/>
-                    <a:lstStyle/>
-                    <a:p>
-                      <a:r>
-                        <a:rPr lang="de-DE" sz="1400" dirty="0" smtClean="0"/>
-                        <a:t>Zone</a:t>
-                      </a:r>
-                      <a:endParaRPr lang="de-DE" sz="1400" dirty="0"/>
-                    </a:p>
-                  </a:txBody>
-                  <a:tcPr/>
-                </a:tc>
-                <a:tc>
-                  <a:txBody>
-                    <a:bodyPr/>
-                    <a:lstStyle/>
-                    <a:p>
-                      <a:r>
-                        <a:rPr lang="de-DE" sz="1400" dirty="0" err="1" smtClean="0"/>
-                        <a:t>Heat</a:t>
-                      </a:r>
-                      <a:r>
-                        <a:rPr lang="de-DE" sz="1400" dirty="0" smtClean="0"/>
-                        <a:t> </a:t>
-                      </a:r>
-                      <a:r>
-                        <a:rPr lang="de-DE" sz="1400" dirty="0" err="1" smtClean="0"/>
-                        <a:t>load</a:t>
-                      </a:r>
-                      <a:endParaRPr lang="de-DE" sz="1400" dirty="0" smtClean="0"/>
-                    </a:p>
-                  </a:txBody>
-                  <a:tcPr/>
-                </a:tc>
-                <a:tc>
-                  <a:txBody>
-                    <a:bodyPr/>
-                    <a:lstStyle/>
-                    <a:p>
-                      <a:r>
-                        <a:rPr lang="de-DE" sz="1400" dirty="0" smtClean="0"/>
-                        <a:t>Schedule</a:t>
-                      </a:r>
-                      <a:endParaRPr lang="de-DE" sz="1400" dirty="0"/>
-                    </a:p>
-                  </a:txBody>
-                  <a:tcPr/>
-                </a:tc>
-                <a:tc>
-                  <a:txBody>
-                    <a:bodyPr/>
-                    <a:lstStyle/>
-                    <a:p>
-                      <a:r>
-                        <a:rPr lang="de-DE" sz="1400" dirty="0" smtClean="0"/>
-                        <a:t>Source</a:t>
-                      </a:r>
-                      <a:endParaRPr lang="de-DE" sz="1400" dirty="0"/>
-                    </a:p>
-                  </a:txBody>
-                  <a:tcPr/>
-                </a:tc>
-                <a:extLst>
-                  <a:ext uri="{0D108BD9-81ED-4DB2-BD59-A6C34878D82A}">
-                    <a16:rowId xmlns:a16="http://schemas.microsoft.com/office/drawing/2014/main" val="2173337556"/>
-                  </a:ext>
-                </a:extLst>
-              </a:tr>
-              <a:tr h="368184">
-                <a:tc>
-                  <a:txBody>
-                    <a:bodyPr/>
-                    <a:lstStyle/>
-                    <a:p>
-                      <a:r>
-                        <a:rPr lang="de-DE" sz="1400" dirty="0" smtClean="0"/>
-                        <a:t>Office</a:t>
-                      </a:r>
-                      <a:endParaRPr lang="de-DE" sz="1400" dirty="0"/>
-                    </a:p>
-                  </a:txBody>
-                  <a:tcPr/>
-                </a:tc>
-                <a:tc>
-                  <a:txBody>
-                    <a:bodyPr/>
-                    <a:lstStyle/>
-                    <a:p>
-                      <a:r>
-                        <a:rPr lang="de-DE" sz="1400" baseline="0" dirty="0" smtClean="0"/>
-                        <a:t>2.8 / 7.1 / 15 W/m</a:t>
-                      </a:r>
-                      <a:r>
-                        <a:rPr lang="de-DE" sz="1400" baseline="30000" dirty="0" smtClean="0"/>
-                        <a:t>2 </a:t>
-                      </a:r>
-                    </a:p>
-                    <a:p>
-                      <a:pPr marL="0" marR="0" lvl="0" indent="0" algn="l" defTabSz="914400" rtl="0" eaLnBrk="1" fontAlgn="auto" latinLnBrk="0" hangingPunct="1">
-                        <a:lnSpc>
-                          <a:spcPct val="100000"/>
-                        </a:lnSpc>
-                        <a:spcBef>
-                          <a:spcPts val="0"/>
-                        </a:spcBef>
-                        <a:spcAft>
-                          <a:spcPts val="0"/>
-                        </a:spcAft>
-                        <a:buClrTx/>
-                        <a:buSzTx/>
-                        <a:buFontTx/>
-                        <a:buNone/>
-                        <a:tabLst/>
-                        <a:defRPr/>
-                      </a:pPr>
-                      <a:r>
-                        <a:rPr lang="de-DE" sz="1400" baseline="0" dirty="0" smtClean="0"/>
-                        <a:t>(</a:t>
-                      </a:r>
-                      <a:r>
-                        <a:rPr lang="de-DE" sz="1400" baseline="0" dirty="0" err="1" smtClean="0"/>
-                        <a:t>small</a:t>
-                      </a:r>
-                      <a:r>
-                        <a:rPr lang="de-DE" sz="1400" baseline="0" dirty="0" smtClean="0"/>
-                        <a:t>, </a:t>
-                      </a:r>
-                      <a:r>
-                        <a:rPr lang="de-DE" sz="1400" baseline="0" dirty="0" err="1" smtClean="0"/>
-                        <a:t>middle</a:t>
-                      </a:r>
-                      <a:r>
-                        <a:rPr lang="de-DE" sz="1400" baseline="0" dirty="0" smtClean="0"/>
-                        <a:t>, high)</a:t>
-                      </a:r>
-                    </a:p>
-                    <a:p>
-                      <a:endParaRPr lang="de-DE" sz="1400" baseline="0" dirty="0" smtClean="0"/>
-                    </a:p>
-                  </a:txBody>
-                  <a:tcPr/>
-                </a:tc>
-                <a:tc>
-                  <a:txBody>
-                    <a:bodyPr/>
-                    <a:lstStyle/>
-                    <a:p>
-                      <a:r>
-                        <a:rPr lang="de-DE" sz="1400" dirty="0" smtClean="0"/>
-                        <a:t>6 </a:t>
-                      </a:r>
-                      <a:r>
-                        <a:rPr lang="de-DE" sz="1400" dirty="0" err="1" smtClean="0"/>
-                        <a:t>full</a:t>
-                      </a:r>
-                      <a:r>
-                        <a:rPr lang="de-DE" sz="1400" dirty="0" smtClean="0"/>
-                        <a:t> h / d</a:t>
-                      </a:r>
-                      <a:endParaRPr lang="de-DE" sz="1400" dirty="0"/>
-                    </a:p>
-                  </a:txBody>
-                  <a:tcPr/>
-                </a:tc>
-                <a:tc>
-                  <a:txBody>
-                    <a:bodyPr/>
-                    <a:lstStyle/>
-                    <a:p>
-                      <a:pPr marL="0" marR="0" lvl="0" indent="0" algn="l" defTabSz="914400" rtl="0" eaLnBrk="1" fontAlgn="auto" latinLnBrk="0" hangingPunct="1">
-                        <a:lnSpc>
-                          <a:spcPct val="100000"/>
-                        </a:lnSpc>
-                        <a:spcBef>
-                          <a:spcPts val="0"/>
-                        </a:spcBef>
-                        <a:spcAft>
-                          <a:spcPts val="0"/>
-                        </a:spcAft>
-                        <a:buClrTx/>
-                        <a:buSzTx/>
-                        <a:buFontTx/>
-                        <a:buNone/>
-                        <a:tabLst/>
-                        <a:defRPr/>
-                      </a:pPr>
-                      <a:r>
-                        <a:rPr lang="de-DE" sz="1400" dirty="0" smtClean="0"/>
-                        <a:t>DIN 18599-10.2 (A2)</a:t>
-                      </a:r>
-                    </a:p>
-                    <a:p>
-                      <a:endParaRPr lang="de-DE" sz="1400" dirty="0"/>
-                    </a:p>
-                  </a:txBody>
-                  <a:tcPr/>
-                </a:tc>
-                <a:extLst>
-                  <a:ext uri="{0D108BD9-81ED-4DB2-BD59-A6C34878D82A}">
-                    <a16:rowId xmlns:a16="http://schemas.microsoft.com/office/drawing/2014/main" val="267175753"/>
-                  </a:ext>
-                </a:extLst>
-              </a:tr>
-            </a:tbl>
-          </a:graphicData>
-        </a:graphic>
-      </p:graphicFrame>
-    </p:spTree>
-    <p:extLst>
-      <p:ext uri="{BB962C8B-B14F-4D97-AF65-F5344CB8AC3E}">
-        <p14:creationId xmlns:p14="http://schemas.microsoft.com/office/powerpoint/2010/main" val="3622789764"/>
-      </p:ext>
-    </p:extLst>
-  </p:cSld>
-  <p:clrMapOvr>
-    <a:masterClrMapping/>
-  </p:clrMapOvr>
-</p:sld>
-</file>
-
-<file path=ppt/slides/slide14.xml><?xml version="1.0" encoding="utf-8"?>
+<file path=ppt/slides/slide18.xml><?xml version="1.0" encoding="utf-8"?>
 <p:sld xmlns:a="http://schemas.openxmlformats.org/drawingml/2006/main" xmlns:r="http://schemas.openxmlformats.org/officeDocument/2006/relationships" xmlns:p="http://schemas.openxmlformats.org/presentationml/2006/main">
   <p:cSld>
     <p:spTree>
@@ -10888,16 +12798,20 @@
           <a:lstStyle/>
           <a:p>
             <a:r>
+              <a:rPr lang="de-DE" dirty="0"/>
+              <a:t>Internal </a:t>
+            </a:r>
+            <a:r>
+              <a:rPr lang="de-DE" dirty="0" err="1" smtClean="0"/>
+              <a:t>gains</a:t>
+            </a:r>
+            <a:r>
               <a:rPr lang="de-DE" dirty="0" smtClean="0"/>
-              <a:t>Equipment – </a:t>
+              <a:t> – </a:t>
             </a:r>
             <a:r>
               <a:rPr lang="de-DE" dirty="0" err="1" smtClean="0"/>
-              <a:t>Auxiliary</a:t>
-            </a:r>
-            <a:r>
-              <a:rPr lang="de-DE" dirty="0" smtClean="0"/>
-              <a:t> Machines</a:t>
+              <a:t>Appliances</a:t>
             </a:r>
             <a:endParaRPr lang="de-DE" dirty="0"/>
           </a:p>
@@ -11234,7 +13148,7 @@
 </p:sld>
 </file>
 
-<file path=ppt/slides/slide15.xml><?xml version="1.0" encoding="utf-8"?>
+<file path=ppt/slides/slide19.xml><?xml version="1.0" encoding="utf-8"?>
 <p:sld xmlns:a="http://schemas.openxmlformats.org/drawingml/2006/main" xmlns:r="http://schemas.openxmlformats.org/officeDocument/2006/relationships" xmlns:p="http://schemas.openxmlformats.org/presentationml/2006/main">
   <p:cSld>
     <p:spTree>
@@ -11266,10 +13180,6 @@
           <a:bodyPr/>
           <a:lstStyle/>
           <a:p>
-            <a:r>
-              <a:rPr lang="de-DE" dirty="0" smtClean="0"/>
-              <a:t>Equipment – </a:t>
-            </a:r>
             <a:r>
               <a:rPr lang="de-DE" dirty="0" err="1" smtClean="0"/>
               <a:t>Energy</a:t>
@@ -11508,7 +13418,226 @@
 </p:sld>
 </file>
 
-<file path=ppt/slides/slide16.xml><?xml version="1.0" encoding="utf-8"?>
+<file path=ppt/slides/slide2.xml><?xml version="1.0" encoding="utf-8"?>
+<p:sld xmlns:a="http://schemas.openxmlformats.org/drawingml/2006/main" xmlns:r="http://schemas.openxmlformats.org/officeDocument/2006/relationships" xmlns:p="http://schemas.openxmlformats.org/presentationml/2006/main">
+  <p:cSld>
+    <p:spTree>
+      <p:nvGrpSpPr>
+        <p:cNvPr id="1" name=""/>
+        <p:cNvGrpSpPr/>
+        <p:nvPr/>
+      </p:nvGrpSpPr>
+      <p:grpSpPr>
+        <a:xfrm>
+          <a:off x="0" y="0"/>
+          <a:ext cx="0" cy="0"/>
+          <a:chOff x="0" y="0"/>
+          <a:chExt cx="0" cy="0"/>
+        </a:xfrm>
+      </p:grpSpPr>
+      <p:sp>
+        <p:nvSpPr>
+          <p:cNvPr id="5" name="Titel 4"/>
+          <p:cNvSpPr>
+            <a:spLocks noGrp="1"/>
+          </p:cNvSpPr>
+          <p:nvPr>
+            <p:ph type="title"/>
+          </p:nvPr>
+        </p:nvSpPr>
+        <p:spPr/>
+        <p:txBody>
+          <a:bodyPr/>
+          <a:lstStyle/>
+          <a:p>
+            <a:r>
+              <a:rPr lang="de-DE" dirty="0" smtClean="0"/>
+              <a:t>Components </a:t>
+            </a:r>
+            <a:r>
+              <a:rPr lang="de-DE" dirty="0" err="1" smtClean="0"/>
+              <a:t>of</a:t>
+            </a:r>
+            <a:r>
+              <a:rPr lang="de-DE" dirty="0" smtClean="0"/>
+              <a:t> </a:t>
+            </a:r>
+            <a:r>
+              <a:rPr lang="de-DE" dirty="0" err="1" smtClean="0"/>
+              <a:t>simulation</a:t>
+            </a:r>
+            <a:r>
+              <a:rPr lang="de-DE" dirty="0" smtClean="0"/>
+              <a:t> </a:t>
+            </a:r>
+            <a:r>
+              <a:rPr lang="de-DE" dirty="0" err="1" smtClean="0"/>
+              <a:t>model</a:t>
+            </a:r>
+            <a:endParaRPr lang="de-DE" dirty="0"/>
+          </a:p>
+        </p:txBody>
+      </p:sp>
+      <p:sp>
+        <p:nvSpPr>
+          <p:cNvPr id="6" name="Textplatzhalter 5"/>
+          <p:cNvSpPr>
+            <a:spLocks noGrp="1"/>
+          </p:cNvSpPr>
+          <p:nvPr>
+            <p:ph type="body" sz="quarter" idx="13"/>
+          </p:nvPr>
+        </p:nvSpPr>
+        <p:spPr/>
+        <p:txBody>
+          <a:bodyPr/>
+          <a:lstStyle/>
+          <a:p>
+            <a:r>
+              <a:rPr lang="en-US" dirty="0" smtClean="0"/>
+              <a:t>Model name</a:t>
+            </a:r>
+          </a:p>
+          <a:p>
+            <a:pPr lvl="1"/>
+            <a:r>
+              <a:rPr lang="en-US" dirty="0" err="1" smtClean="0"/>
+              <a:t>AixLib.PlugNHarvest.Examples.Test</a:t>
+            </a:r>
+            <a:endParaRPr lang="en-US" dirty="0" smtClean="0"/>
+          </a:p>
+          <a:p>
+            <a:r>
+              <a:rPr lang="en-US" dirty="0" smtClean="0"/>
+              <a:t>Main model</a:t>
+            </a:r>
+          </a:p>
+          <a:p>
+            <a:pPr lvl="1"/>
+            <a:r>
+              <a:rPr lang="en-US" dirty="0" smtClean="0"/>
+              <a:t>Room envelope + internal gains + energy system + control</a:t>
+            </a:r>
+          </a:p>
+          <a:p>
+            <a:r>
+              <a:rPr lang="en-US" dirty="0" smtClean="0"/>
+              <a:t>Boundary conditions</a:t>
+            </a:r>
+          </a:p>
+          <a:p>
+            <a:pPr lvl="1"/>
+            <a:r>
+              <a:rPr lang="en-US" dirty="0" smtClean="0"/>
+              <a:t>Weather</a:t>
+            </a:r>
+          </a:p>
+          <a:p>
+            <a:pPr lvl="1"/>
+            <a:r>
+              <a:rPr lang="en-US" dirty="0" smtClean="0"/>
+              <a:t>Schedules internal gains: occupants, lights, electrical appliances</a:t>
+            </a:r>
+          </a:p>
+          <a:p>
+            <a:pPr lvl="1"/>
+            <a:r>
+              <a:rPr lang="en-US" dirty="0" smtClean="0"/>
+              <a:t>Schedules HVAC: heating cooling ventilation</a:t>
+            </a:r>
+          </a:p>
+          <a:p>
+            <a:r>
+              <a:rPr lang="en-US" dirty="0" smtClean="0"/>
+              <a:t>Parameters for the whole model</a:t>
+            </a:r>
+          </a:p>
+          <a:p>
+            <a:pPr lvl="1"/>
+            <a:r>
+              <a:rPr lang="en-US" dirty="0" smtClean="0"/>
+              <a:t>With the exception of one parameter, the whole </a:t>
+            </a:r>
+          </a:p>
+          <a:p>
+            <a:pPr marL="216100" lvl="1" indent="0">
+              <a:buNone/>
+            </a:pPr>
+            <a:r>
+              <a:rPr lang="en-US" dirty="0" smtClean="0"/>
+              <a:t>    simulation can be configured over this list of parameters</a:t>
+            </a:r>
+          </a:p>
+          <a:p>
+            <a:pPr lvl="1"/>
+            <a:r>
+              <a:rPr lang="en-US" dirty="0" smtClean="0"/>
+              <a:t>Exception: the surface orientation for the calculation of the solar radiation on the facade</a:t>
+            </a:r>
+          </a:p>
+          <a:p>
+            <a:pPr lvl="2"/>
+            <a:r>
+              <a:rPr lang="en-US" dirty="0" smtClean="0"/>
+              <a:t>In the weather model: Surface orientation data (chose or create a record with the needed orientation)</a:t>
+            </a:r>
+          </a:p>
+          <a:p>
+            <a:pPr lvl="2"/>
+            <a:r>
+              <a:rPr lang="en-US" dirty="0" smtClean="0"/>
+              <a:t>Connect the correct solar output from the weather model to the room model (if a record with 4 orientations is provided, and the third orientation is needed, connect the third element of the output vector ) </a:t>
+            </a:r>
+          </a:p>
+          <a:p>
+            <a:pPr lvl="1"/>
+            <a:endParaRPr lang="de-DE" dirty="0" smtClean="0"/>
+          </a:p>
+          <a:p>
+            <a:endParaRPr lang="de-DE" dirty="0" smtClean="0"/>
+          </a:p>
+          <a:p>
+            <a:endParaRPr lang="de-DE" dirty="0"/>
+          </a:p>
+        </p:txBody>
+      </p:sp>
+      <p:pic>
+        <p:nvPicPr>
+          <p:cNvPr id="7" name="Grafik 6"/>
+          <p:cNvPicPr>
+            <a:picLocks noChangeAspect="1"/>
+          </p:cNvPicPr>
+          <p:nvPr/>
+        </p:nvPicPr>
+        <p:blipFill rotWithShape="1">
+          <a:blip r:embed="rId2"/>
+          <a:srcRect l="18722" t="7464" r="20526" b="20278"/>
+          <a:stretch/>
+        </p:blipFill>
+        <p:spPr>
+          <a:xfrm>
+            <a:off x="5138057" y="3299486"/>
+            <a:ext cx="879566" cy="853441"/>
+          </a:xfrm>
+          <a:prstGeom prst="rect">
+            <a:avLst/>
+          </a:prstGeom>
+        </p:spPr>
+      </p:pic>
+    </p:spTree>
+    <p:extLst>
+      <p:ext uri="{BB962C8B-B14F-4D97-AF65-F5344CB8AC3E}">
+        <p14:creationId xmlns:p14="http://schemas.microsoft.com/office/powerpoint/2010/main" val="2157887193"/>
+      </p:ext>
+    </p:extLst>
+  </p:cSld>
+  <p:clrMapOvr>
+    <a:masterClrMapping/>
+  </p:clrMapOvr>
+</p:sld>
+</file>
+
+<file path=ppt/slides/slide20.xml><?xml version="1.0" encoding="utf-8"?>
 <p:sld xmlns:a="http://schemas.openxmlformats.org/drawingml/2006/main" xmlns:r="http://schemas.openxmlformats.org/officeDocument/2006/relationships" xmlns:p="http://schemas.openxmlformats.org/presentationml/2006/main">
   <p:cSld>
     <p:spTree>
@@ -11541,16 +13670,16 @@
           <a:lstStyle/>
           <a:p>
             <a:r>
+              <a:rPr lang="de-DE" dirty="0" err="1" smtClean="0"/>
+              <a:t>Energy</a:t>
+            </a:r>
+            <a:r>
+              <a:rPr lang="de-DE" dirty="0" smtClean="0"/>
+              <a:t> </a:t>
+            </a:r>
+            <a:r>
               <a:rPr lang="de-DE" dirty="0"/>
-              <a:t>Equipment – </a:t>
-            </a:r>
-            <a:r>
-              <a:rPr lang="de-DE" dirty="0" err="1"/>
-              <a:t>Energy</a:t>
-            </a:r>
-            <a:r>
-              <a:rPr lang="de-DE" dirty="0"/>
-              <a:t> System - Efficiency</a:t>
+              <a:t>System - Efficiency</a:t>
             </a:r>
           </a:p>
         </p:txBody>
@@ -11655,7 +13784,6 @@
                         <a:rPr lang="de-DE" sz="1400" baseline="0" dirty="0" smtClean="0"/>
                         <a:t>)</a:t>
                       </a:r>
-                      <a:endParaRPr lang="de-DE" sz="1400" baseline="0" dirty="0" smtClean="0"/>
                     </a:p>
                   </a:txBody>
                   <a:tcPr/>
@@ -12405,7 +14533,7 @@
 </p:sld>
 </file>
 
-<file path=ppt/slides/slide17.xml><?xml version="1.0" encoding="utf-8"?>
+<file path=ppt/slides/slide21.xml><?xml version="1.0" encoding="utf-8"?>
 <p:sld xmlns:a="http://schemas.openxmlformats.org/drawingml/2006/main" xmlns:r="http://schemas.openxmlformats.org/officeDocument/2006/relationships" xmlns:p="http://schemas.openxmlformats.org/presentationml/2006/main">
   <p:cSld>
     <p:spTree>
@@ -12439,7 +14567,7 @@
           <a:p>
             <a:r>
               <a:rPr lang="de-DE" dirty="0" err="1" smtClean="0"/>
-              <a:t>Literature</a:t>
+              <a:t>Bibliography</a:t>
             </a:r>
             <a:endParaRPr lang="de-DE" dirty="0"/>
           </a:p>
@@ -12610,7 +14738,7 @@
 </p:sld>
 </file>
 
-<file path=ppt/slides/slide18.xml><?xml version="1.0" encoding="utf-8"?>
+<file path=ppt/slides/slide22.xml><?xml version="1.0" encoding="utf-8"?>
 <p:sld xmlns:a="http://schemas.openxmlformats.org/drawingml/2006/main" xmlns:r="http://schemas.openxmlformats.org/officeDocument/2006/relationships" xmlns:p="http://schemas.openxmlformats.org/presentationml/2006/main">
   <p:cSld>
     <p:spTree>
@@ -12760,7 +14888,7 @@
 </p:sld>
 </file>
 
-<file path=ppt/slides/slide19.xml><?xml version="1.0" encoding="utf-8"?>
+<file path=ppt/slides/slide23.xml><?xml version="1.0" encoding="utf-8"?>
 <p:sld xmlns:a="http://schemas.openxmlformats.org/drawingml/2006/main" xmlns:r="http://schemas.openxmlformats.org/officeDocument/2006/relationships" xmlns:p="http://schemas.openxmlformats.org/presentationml/2006/main">
   <p:cSld>
     <p:spTree>
@@ -12970,7 +15098,7 @@
 </p:sld>
 </file>
 
-<file path=ppt/slides/slide2.xml><?xml version="1.0" encoding="utf-8"?>
+<file path=ppt/slides/slide3.xml><?xml version="1.0" encoding="utf-8"?>
 <p:sld xmlns:a="http://schemas.openxmlformats.org/drawingml/2006/main" xmlns:r="http://schemas.openxmlformats.org/officeDocument/2006/relationships" xmlns:p="http://schemas.openxmlformats.org/presentationml/2006/main">
   <p:cSld>
     <p:spTree>
@@ -13027,21 +15155,62 @@
           <a:p>
             <a:r>
               <a:rPr lang="en-US" dirty="0" smtClean="0"/>
-              <a:t>General: have to be set</a:t>
-            </a:r>
-          </a:p>
-          <a:p>
+              <a:t>General: have to be </a:t>
+            </a:r>
             <a:r>
               <a:rPr lang="en-US" dirty="0" smtClean="0"/>
-              <a:t>Advanced: have default values, can be re-set if desired</a:t>
-            </a:r>
+              <a:t>set theoretically foe each use case</a:t>
+            </a:r>
+            <a:endParaRPr lang="en-US" dirty="0" smtClean="0"/>
           </a:p>
           <a:p>
             <a:r>
               <a:rPr lang="en-US" dirty="0" smtClean="0"/>
-              <a:t>Hidden (only on the model level): pre-set, since these values are rarely dependent on the use case. Can be re-set if desired, but we recommend re-setting them only in the simulation model, so the changes are noticeable.</a:t>
+              <a:t>Advanced: have default values, can be re-set if </a:t>
+            </a:r>
+            <a:r>
+              <a:rPr lang="en-US" dirty="0" smtClean="0"/>
+              <a:t>desired for each use</a:t>
+            </a:r>
+            <a:endParaRPr lang="en-US" dirty="0" smtClean="0"/>
+          </a:p>
+          <a:p>
+            <a:r>
+              <a:rPr lang="en-US" dirty="0" smtClean="0"/>
+              <a:t>Hidden (only on the model level): pre-set, since these values are rarely dependent on the use case. Can be re-set if desired, but we recommend re-setting them only in the simulation model, so the changes are noticeable. </a:t>
             </a:r>
             <a:endParaRPr lang="en-US" dirty="0"/>
+          </a:p>
+          <a:p>
+            <a:pPr lvl="1"/>
+            <a:r>
+              <a:rPr lang="en-US" dirty="0" smtClean="0"/>
+              <a:t>Might be that the list in the presentation is incomplete, since this </a:t>
+            </a:r>
+            <a:r>
+              <a:rPr lang="en-US" dirty="0" smtClean="0"/>
+              <a:t>exceeds </a:t>
+            </a:r>
+            <a:r>
+              <a:rPr lang="en-US" dirty="0" smtClean="0"/>
+              <a:t>goal of the presentation</a:t>
+            </a:r>
+          </a:p>
+          <a:p>
+            <a:endParaRPr lang="en-US" dirty="0"/>
+          </a:p>
+          <a:p>
+            <a:r>
+              <a:rPr lang="en-US" dirty="0" smtClean="0"/>
+              <a:t>Parameters for the whole model</a:t>
+            </a:r>
+          </a:p>
+          <a:p>
+            <a:pPr lvl="1"/>
+            <a:r>
+              <a:rPr lang="en-US" dirty="0" smtClean="0"/>
+              <a:t>Air model (moist air)</a:t>
+            </a:r>
           </a:p>
         </p:txBody>
       </p:sp>
@@ -13055,193 +15224,6 @@
   <p:clrMapOvr>
     <a:masterClrMapping/>
   </p:clrMapOvr>
-</p:sld>
-</file>
-
-<file path=ppt/slides/slide3.xml><?xml version="1.0" encoding="utf-8"?>
-<p:sld xmlns:a="http://schemas.openxmlformats.org/drawingml/2006/main" xmlns:r="http://schemas.openxmlformats.org/officeDocument/2006/relationships" xmlns:p="http://schemas.openxmlformats.org/presentationml/2006/main">
-  <p:cSld>
-    <p:spTree>
-      <p:nvGrpSpPr>
-        <p:cNvPr id="1" name=""/>
-        <p:cNvGrpSpPr/>
-        <p:nvPr/>
-      </p:nvGrpSpPr>
-      <p:grpSpPr>
-        <a:xfrm>
-          <a:off x="0" y="0"/>
-          <a:ext cx="0" cy="0"/>
-          <a:chOff x="0" y="0"/>
-          <a:chExt cx="0" cy="0"/>
-        </a:xfrm>
-      </p:grpSpPr>
-      <p:sp>
-        <p:nvSpPr>
-          <p:cNvPr id="2" name="Titel 1"/>
-          <p:cNvSpPr>
-            <a:spLocks noGrp="1"/>
-          </p:cNvSpPr>
-          <p:nvPr>
-            <p:ph type="title"/>
-          </p:nvPr>
-        </p:nvSpPr>
-        <p:spPr/>
-        <p:txBody>
-          <a:bodyPr/>
-          <a:lstStyle/>
-          <a:p>
-            <a:r>
-              <a:rPr lang="en-US" altLang="de-DE" dirty="0" smtClean="0"/>
-              <a:t>Type of room</a:t>
-            </a:r>
-            <a:endParaRPr lang="de-DE" dirty="0"/>
-          </a:p>
-        </p:txBody>
-      </p:sp>
-      <p:sp>
-        <p:nvSpPr>
-          <p:cNvPr id="4" name="Textplatzhalter 3"/>
-          <p:cNvSpPr>
-            <a:spLocks noGrp="1"/>
-          </p:cNvSpPr>
-          <p:nvPr>
-            <p:ph type="body" sz="quarter" idx="13"/>
-          </p:nvPr>
-        </p:nvSpPr>
-        <p:spPr/>
-        <p:txBody>
-          <a:bodyPr/>
-          <a:lstStyle/>
-          <a:p>
-            <a:pPr>
-              <a:buSzPct val="115000"/>
-            </a:pPr>
-            <a:r>
-              <a:rPr lang="en-US" dirty="0" smtClean="0"/>
-              <a:t>One outer wall, the rest inner walls towards the building</a:t>
-            </a:r>
-          </a:p>
-          <a:p>
-            <a:pPr>
-              <a:buSzPct val="115000"/>
-            </a:pPr>
-            <a:r>
-              <a:rPr lang="en-US" dirty="0" smtClean="0"/>
-              <a:t>Parameters:</a:t>
-            </a:r>
-          </a:p>
-          <a:p>
-            <a:pPr lvl="1">
-              <a:buSzPct val="115000"/>
-            </a:pPr>
-            <a:r>
-              <a:rPr lang="en-US" dirty="0" smtClean="0"/>
-              <a:t>General: </a:t>
-            </a:r>
-          </a:p>
-          <a:p>
-            <a:pPr lvl="2">
-              <a:buSzPct val="115000"/>
-            </a:pPr>
-            <a:r>
-              <a:rPr lang="en-US" dirty="0" smtClean="0"/>
-              <a:t>room height, length and width</a:t>
-            </a:r>
-          </a:p>
-          <a:p>
-            <a:pPr lvl="2">
-              <a:buSzPct val="115000"/>
-            </a:pPr>
-            <a:r>
-              <a:rPr lang="en-US" dirty="0" smtClean="0"/>
-              <a:t>wall types</a:t>
-            </a:r>
-          </a:p>
-          <a:p>
-            <a:pPr lvl="2">
-              <a:buSzPct val="115000"/>
-            </a:pPr>
-            <a:r>
-              <a:rPr lang="en-US" dirty="0" smtClean="0"/>
-              <a:t>window type</a:t>
-            </a:r>
-          </a:p>
-          <a:p>
-            <a:pPr lvl="1">
-              <a:buSzPct val="115000"/>
-            </a:pPr>
-            <a:r>
-              <a:rPr lang="en-US" dirty="0" smtClean="0"/>
-              <a:t>Advanced</a:t>
-            </a:r>
-          </a:p>
-          <a:p>
-            <a:pPr lvl="2">
-              <a:buSzPct val="115000"/>
-            </a:pPr>
-            <a:r>
-              <a:rPr lang="en-US" dirty="0" smtClean="0"/>
-              <a:t>Outer walls: solar absorbance, heat convection model</a:t>
-            </a:r>
-          </a:p>
-          <a:p>
-            <a:pPr lvl="2">
-              <a:buSzPct val="115000"/>
-            </a:pPr>
-            <a:r>
-              <a:rPr lang="en-US" dirty="0" smtClean="0"/>
-              <a:t>Door</a:t>
-            </a:r>
-          </a:p>
-          <a:p>
-            <a:pPr lvl="2">
-              <a:buSzPct val="115000"/>
-            </a:pPr>
-            <a:r>
-              <a:rPr lang="en-US" dirty="0" smtClean="0"/>
-              <a:t>Sunblind</a:t>
-            </a:r>
-          </a:p>
-          <a:p>
-            <a:pPr lvl="1">
-              <a:buSzPct val="115000"/>
-            </a:pPr>
-            <a:r>
-              <a:rPr lang="en-US" dirty="0" smtClean="0"/>
-              <a:t>Hidden</a:t>
-            </a:r>
-          </a:p>
-          <a:p>
-            <a:pPr lvl="2">
-              <a:buSzPct val="115000"/>
-            </a:pPr>
-            <a:endParaRPr lang="de-DE" dirty="0" smtClean="0"/>
-          </a:p>
-          <a:p>
-            <a:pPr lvl="2">
-              <a:buSzPct val="115000"/>
-            </a:pPr>
-            <a:endParaRPr lang="de-DE" dirty="0" smtClean="0"/>
-          </a:p>
-        </p:txBody>
-      </p:sp>
-    </p:spTree>
-    <p:extLst>
-      <p:ext uri="{BB962C8B-B14F-4D97-AF65-F5344CB8AC3E}">
-        <p14:creationId xmlns:p14="http://schemas.microsoft.com/office/powerpoint/2010/main" val="4190231857"/>
-      </p:ext>
-    </p:extLst>
-  </p:cSld>
-  <p:clrMapOvr>
-    <a:masterClrMapping/>
-  </p:clrMapOvr>
-  <p:timing>
-    <p:tnLst>
-      <p:par>
-        <p:cTn id="1" dur="indefinite" restart="never" nodeType="tmRoot"/>
-      </p:par>
-    </p:tnLst>
-  </p:timing>
 </p:sld>
 </file>
 
@@ -13278,12 +15260,8 @@
           <a:lstStyle/>
           <a:p>
             <a:r>
-              <a:rPr lang="de-DE" dirty="0" smtClean="0"/>
-              <a:t>Internal </a:t>
-            </a:r>
-            <a:r>
-              <a:rPr lang="de-DE" dirty="0" err="1" smtClean="0"/>
-              <a:t>gains</a:t>
+              <a:rPr lang="en-US" altLang="de-DE" dirty="0" smtClean="0"/>
+              <a:t>Type of room - Envelope</a:t>
             </a:r>
             <a:endParaRPr lang="de-DE" dirty="0"/>
           </a:p>
@@ -13304,74 +15282,153 @@
           <a:bodyPr/>
           <a:lstStyle/>
           <a:p>
+            <a:pPr>
+              <a:buSzPct val="115000"/>
+            </a:pPr>
             <a:r>
               <a:rPr lang="en-US" dirty="0" smtClean="0"/>
-              <a:t>Persons</a:t>
-            </a:r>
-          </a:p>
-          <a:p>
+              <a:t>One outer wall, the rest inner walls towards the building</a:t>
+            </a:r>
+          </a:p>
+          <a:p>
+            <a:pPr>
+              <a:buSzPct val="115000"/>
+            </a:pPr>
             <a:r>
               <a:rPr lang="en-US" dirty="0" smtClean="0"/>
-              <a:t>Parameters</a:t>
-            </a:r>
-          </a:p>
-          <a:p>
-            <a:pPr lvl="1"/>
+              <a:t>Parameters:</a:t>
+            </a:r>
+          </a:p>
+          <a:p>
+            <a:pPr lvl="1">
+              <a:buSzPct val="115000"/>
+            </a:pPr>
             <a:r>
               <a:rPr lang="en-US" dirty="0" smtClean="0"/>
               <a:t>General: </a:t>
             </a:r>
           </a:p>
           <a:p>
-            <a:pPr lvl="2"/>
+            <a:pPr lvl="2">
+              <a:buSzPct val="115000"/>
+            </a:pPr>
             <a:r>
               <a:rPr lang="en-US" dirty="0" smtClean="0"/>
-              <a:t>density of occupants</a:t>
-            </a:r>
-          </a:p>
-          <a:p>
-            <a:pPr lvl="2"/>
+              <a:t>room height, length and width</a:t>
+            </a:r>
+          </a:p>
+          <a:p>
+            <a:pPr lvl="2">
+              <a:buSzPct val="115000"/>
+            </a:pPr>
             <a:r>
               <a:rPr lang="en-US" dirty="0" smtClean="0"/>
-              <a:t>heat output from activity</a:t>
-            </a:r>
-          </a:p>
-          <a:p>
-            <a:pPr lvl="1"/>
+              <a:t>wall types</a:t>
+            </a:r>
+          </a:p>
+          <a:p>
+            <a:pPr lvl="2">
+              <a:buSzPct val="115000"/>
+            </a:pPr>
+            <a:r>
+              <a:rPr lang="en-US" dirty="0" smtClean="0"/>
+              <a:t>window type</a:t>
+            </a:r>
+          </a:p>
+          <a:p>
+            <a:pPr lvl="1">
+              <a:buSzPct val="115000"/>
+            </a:pPr>
             <a:r>
               <a:rPr lang="en-US" dirty="0" smtClean="0"/>
               <a:t>Advanced</a:t>
             </a:r>
           </a:p>
           <a:p>
-            <a:pPr lvl="2"/>
+            <a:pPr lvl="2">
+              <a:buSzPct val="115000"/>
+            </a:pPr>
             <a:r>
               <a:rPr lang="en-US" dirty="0" smtClean="0"/>
-              <a:t>ratio convective heat from total heat output</a:t>
-            </a:r>
-          </a:p>
-          <a:p>
+              <a:t>Outer walls: solar absorbance, heat convection model</a:t>
+            </a:r>
+          </a:p>
+          <a:p>
+            <a:pPr lvl="2">
+              <a:buSzPct val="115000"/>
+            </a:pPr>
             <a:r>
               <a:rPr lang="en-US" dirty="0" smtClean="0"/>
-              <a:t>Lights</a:t>
-            </a:r>
-          </a:p>
-          <a:p>
-            <a:pPr lvl="1"/>
-            <a:endParaRPr lang="de-DE" dirty="0"/>
+              <a:t>Sunblind</a:t>
+            </a:r>
+          </a:p>
+          <a:p>
+            <a:pPr lvl="2">
+              <a:buSzPct val="115000"/>
+            </a:pPr>
+            <a:r>
+              <a:rPr lang="en-US" dirty="0" smtClean="0"/>
+              <a:t>Infiltration</a:t>
+            </a:r>
+          </a:p>
+          <a:p>
+            <a:pPr lvl="2">
+              <a:buSzPct val="115000"/>
+            </a:pPr>
+            <a:r>
+              <a:rPr lang="en-US" dirty="0" smtClean="0"/>
+              <a:t>Heat bridge</a:t>
+            </a:r>
+          </a:p>
+          <a:p>
+            <a:pPr lvl="1">
+              <a:buSzPct val="115000"/>
+            </a:pPr>
+            <a:r>
+              <a:rPr lang="en-US" dirty="0" smtClean="0"/>
+              <a:t>Hidden</a:t>
+            </a:r>
+          </a:p>
+          <a:p>
+            <a:pPr lvl="2">
+              <a:buSzPct val="115000"/>
+            </a:pPr>
+            <a:r>
+              <a:rPr lang="en-US" dirty="0" smtClean="0"/>
+              <a:t>Initial temperatures of walls</a:t>
+            </a:r>
+          </a:p>
+          <a:p>
+            <a:pPr lvl="2">
+              <a:buSzPct val="115000"/>
+            </a:pPr>
+            <a:endParaRPr lang="de-DE" dirty="0" smtClean="0"/>
+          </a:p>
+          <a:p>
+            <a:pPr lvl="2">
+              <a:buSzPct val="115000"/>
+            </a:pPr>
+            <a:endParaRPr lang="de-DE" dirty="0" smtClean="0"/>
           </a:p>
         </p:txBody>
       </p:sp>
     </p:spTree>
     <p:extLst>
       <p:ext uri="{BB962C8B-B14F-4D97-AF65-F5344CB8AC3E}">
-        <p14:creationId xmlns:p14="http://schemas.microsoft.com/office/powerpoint/2010/main" val="1254367530"/>
+        <p14:creationId xmlns:p14="http://schemas.microsoft.com/office/powerpoint/2010/main" val="4190231857"/>
       </p:ext>
     </p:extLst>
   </p:cSld>
   <p:clrMapOvr>
     <a:masterClrMapping/>
   </p:clrMapOvr>
+  <p:timing>
+    <p:tnLst>
+      <p:par>
+        <p:cTn id="1" dur="indefinite" restart="never" nodeType="tmRoot"/>
+      </p:par>
+    </p:tnLst>
+  </p:timing>
 </p:sld>
 </file>
 
@@ -13408,12 +15465,16 @@
           <a:lstStyle/>
           <a:p>
             <a:r>
+              <a:rPr lang="en-US" altLang="de-DE" dirty="0"/>
+              <a:t>Type of room - </a:t>
+            </a:r>
+            <a:r>
               <a:rPr lang="de-DE" dirty="0" smtClean="0"/>
-              <a:t>User </a:t>
+              <a:t>Smart </a:t>
             </a:r>
             <a:r>
               <a:rPr lang="de-DE" dirty="0" err="1" smtClean="0"/>
-              <a:t>density</a:t>
+              <a:t>facade</a:t>
             </a:r>
             <a:endParaRPr lang="de-DE" dirty="0"/>
           </a:p>
@@ -13434,319 +15495,51 @@
           <a:bodyPr/>
           <a:lstStyle/>
           <a:p>
-            <a:endParaRPr lang="de-DE" dirty="0"/>
+            <a:r>
+              <a:rPr lang="en-US" dirty="0" smtClean="0"/>
+              <a:t>General</a:t>
+            </a:r>
+          </a:p>
+          <a:p>
+            <a:pPr lvl="1"/>
+            <a:r>
+              <a:rPr lang="en-US" dirty="0" smtClean="0"/>
+              <a:t>Choosing the elements of the facade</a:t>
+            </a:r>
+          </a:p>
+          <a:p>
+            <a:pPr lvl="1"/>
+            <a:r>
+              <a:rPr lang="en-US" dirty="0" smtClean="0"/>
+              <a:t>Parameters for PV: number of panels, record, maximal power output</a:t>
+            </a:r>
+          </a:p>
+          <a:p>
+            <a:pPr lvl="1"/>
+            <a:r>
+              <a:rPr lang="en-US" dirty="0" smtClean="0"/>
+              <a:t>Parameters for solar heater</a:t>
+            </a:r>
+          </a:p>
+          <a:p>
+            <a:r>
+              <a:rPr lang="en-US" dirty="0" smtClean="0"/>
+              <a:t>Advanced</a:t>
+            </a:r>
+          </a:p>
+          <a:p>
+            <a:r>
+              <a:rPr lang="en-US" dirty="0" smtClean="0"/>
+              <a:t>Hidden</a:t>
+            </a:r>
+            <a:endParaRPr lang="en-US" dirty="0"/>
           </a:p>
         </p:txBody>
       </p:sp>
-      <p:graphicFrame>
-        <p:nvGraphicFramePr>
-          <p:cNvPr id="7" name="Tabelle 6"/>
-          <p:cNvGraphicFramePr>
-            <a:graphicFrameLocks noGrp="1"/>
-          </p:cNvGraphicFramePr>
-          <p:nvPr>
-            <p:extLst>
-              <p:ext uri="{D42A27DB-BD31-4B8C-83A1-F6EECF244321}">
-                <p14:modId xmlns:p14="http://schemas.microsoft.com/office/powerpoint/2010/main" val="473519569"/>
-              </p:ext>
-            </p:extLst>
-          </p:nvPr>
-        </p:nvGraphicFramePr>
-        <p:xfrm>
-          <a:off x="1144672" y="1648925"/>
-          <a:ext cx="6485174" cy="1868275"/>
-        </p:xfrm>
-        <a:graphic>
-          <a:graphicData uri="http://schemas.openxmlformats.org/drawingml/2006/table">
-            <a:tbl>
-              <a:tblPr firstRow="1" bandRow="1">
-                <a:tableStyleId>{5C22544A-7EE6-4342-B048-85BDC9FD1C3A}</a:tableStyleId>
-              </a:tblPr>
-              <a:tblGrid>
-                <a:gridCol w="1652316">
-                  <a:extLst>
-                    <a:ext uri="{9D8B030D-6E8A-4147-A177-3AD203B41FA5}">
-                      <a16:colId xmlns:a16="http://schemas.microsoft.com/office/drawing/2014/main" val="3220678818"/>
-                    </a:ext>
-                  </a:extLst>
-                </a:gridCol>
-                <a:gridCol w="2671133">
-                  <a:extLst>
-                    <a:ext uri="{9D8B030D-6E8A-4147-A177-3AD203B41FA5}">
-                      <a16:colId xmlns:a16="http://schemas.microsoft.com/office/drawing/2014/main" val="1833155769"/>
-                    </a:ext>
-                  </a:extLst>
-                </a:gridCol>
-                <a:gridCol w="2161725">
-                  <a:extLst>
-                    <a:ext uri="{9D8B030D-6E8A-4147-A177-3AD203B41FA5}">
-                      <a16:colId xmlns:a16="http://schemas.microsoft.com/office/drawing/2014/main" val="3287571384"/>
-                    </a:ext>
-                  </a:extLst>
-                </a:gridCol>
-              </a:tblGrid>
-              <a:tr h="555842">
-                <a:tc>
-                  <a:txBody>
-                    <a:bodyPr/>
-                    <a:lstStyle/>
-                    <a:p>
-                      <a:r>
-                        <a:rPr lang="de-DE" sz="1400" dirty="0" smtClean="0"/>
-                        <a:t>Zone</a:t>
-                      </a:r>
-                      <a:endParaRPr lang="de-DE" sz="1400" dirty="0"/>
-                    </a:p>
-                  </a:txBody>
-                  <a:tcPr/>
-                </a:tc>
-                <a:tc>
-                  <a:txBody>
-                    <a:bodyPr/>
-                    <a:lstStyle/>
-                    <a:p>
-                      <a:r>
-                        <a:rPr lang="de-DE" sz="1400" dirty="0" err="1" smtClean="0"/>
-                        <a:t>Density</a:t>
-                      </a:r>
-                      <a:endParaRPr lang="de-DE" sz="1400" dirty="0" smtClean="0"/>
-                    </a:p>
-                  </a:txBody>
-                  <a:tcPr/>
-                </a:tc>
-                <a:tc>
-                  <a:txBody>
-                    <a:bodyPr/>
-                    <a:lstStyle/>
-                    <a:p>
-                      <a:r>
-                        <a:rPr lang="de-DE" sz="1400" dirty="0" smtClean="0"/>
-                        <a:t>Source</a:t>
-                      </a:r>
-                      <a:endParaRPr lang="de-DE" sz="1400" dirty="0"/>
-                    </a:p>
-                  </a:txBody>
-                  <a:tcPr/>
-                </a:tc>
-                <a:extLst>
-                  <a:ext uri="{0D108BD9-81ED-4DB2-BD59-A6C34878D82A}">
-                    <a16:rowId xmlns:a16="http://schemas.microsoft.com/office/drawing/2014/main" val="2173337556"/>
-                  </a:ext>
-                </a:extLst>
-              </a:tr>
-              <a:tr h="548640">
-                <a:tc rowSpan="2">
-                  <a:txBody>
-                    <a:bodyPr/>
-                    <a:lstStyle/>
-                    <a:p>
-                      <a:r>
-                        <a:rPr lang="de-DE" sz="1400" dirty="0" smtClean="0"/>
-                        <a:t>Office</a:t>
-                      </a:r>
-                      <a:endParaRPr lang="de-DE" sz="1400" dirty="0"/>
-                    </a:p>
-                  </a:txBody>
-                  <a:tcPr/>
-                </a:tc>
-                <a:tc>
-                  <a:txBody>
-                    <a:bodyPr/>
-                    <a:lstStyle/>
-                    <a:p>
-                      <a:pPr marL="0" marR="0" lvl="0" indent="0" algn="l" defTabSz="914400" rtl="0" eaLnBrk="1" fontAlgn="auto" latinLnBrk="0" hangingPunct="1">
-                        <a:lnSpc>
-                          <a:spcPct val="100000"/>
-                        </a:lnSpc>
-                        <a:spcBef>
-                          <a:spcPts val="0"/>
-                        </a:spcBef>
-                        <a:spcAft>
-                          <a:spcPts val="0"/>
-                        </a:spcAft>
-                        <a:buClrTx/>
-                        <a:buSzTx/>
-                        <a:buFontTx/>
-                        <a:buNone/>
-                        <a:tabLst/>
-                        <a:defRPr/>
-                      </a:pPr>
-                      <a:r>
-                        <a:rPr lang="de-DE" sz="1400" baseline="0" smtClean="0"/>
-                        <a:t>0.06 / 0.07 / 0.1 </a:t>
-                      </a:r>
-                      <a:r>
-                        <a:rPr lang="de-DE" sz="1400" baseline="0" dirty="0" err="1" smtClean="0"/>
-                        <a:t>Persons</a:t>
-                      </a:r>
-                      <a:r>
-                        <a:rPr lang="de-DE" sz="1400" baseline="0" dirty="0" smtClean="0"/>
-                        <a:t> / m</a:t>
-                      </a:r>
-                      <a:r>
-                        <a:rPr lang="de-DE" sz="1400" baseline="30000" dirty="0" smtClean="0"/>
-                        <a:t>2</a:t>
-                      </a:r>
-                    </a:p>
-                  </a:txBody>
-                  <a:tcPr/>
-                </a:tc>
-                <a:tc>
-                  <a:txBody>
-                    <a:bodyPr/>
-                    <a:lstStyle/>
-                    <a:p>
-                      <a:pPr marL="0" marR="0" lvl="0" indent="0" algn="l" defTabSz="914400" rtl="0" eaLnBrk="1" fontAlgn="auto" latinLnBrk="0" hangingPunct="1">
-                        <a:lnSpc>
-                          <a:spcPct val="100000"/>
-                        </a:lnSpc>
-                        <a:spcBef>
-                          <a:spcPts val="0"/>
-                        </a:spcBef>
-                        <a:spcAft>
-                          <a:spcPts val="0"/>
-                        </a:spcAft>
-                        <a:buClrTx/>
-                        <a:buSzTx/>
-                        <a:buFontTx/>
-                        <a:buNone/>
-                        <a:tabLst/>
-                        <a:defRPr/>
-                      </a:pPr>
-                      <a:r>
-                        <a:rPr lang="de-DE" sz="1400" dirty="0" smtClean="0"/>
-                        <a:t>DIN 18599-10.2 (A.2), GER</a:t>
-                      </a:r>
-                    </a:p>
-                    <a:p>
-                      <a:pPr marL="0" marR="0" lvl="0" indent="0" algn="l" defTabSz="914400" rtl="0" eaLnBrk="1" fontAlgn="auto" latinLnBrk="0" hangingPunct="1">
-                        <a:lnSpc>
-                          <a:spcPct val="100000"/>
-                        </a:lnSpc>
-                        <a:spcBef>
-                          <a:spcPts val="0"/>
-                        </a:spcBef>
-                        <a:spcAft>
-                          <a:spcPts val="0"/>
-                        </a:spcAft>
-                        <a:buClrTx/>
-                        <a:buSzTx/>
-                        <a:buFontTx/>
-                        <a:buNone/>
-                        <a:tabLst/>
-                        <a:defRPr/>
-                      </a:pPr>
-                      <a:endParaRPr lang="de-DE" sz="1400" dirty="0" smtClean="0"/>
-                    </a:p>
-                  </a:txBody>
-                  <a:tcPr/>
-                </a:tc>
-                <a:extLst>
-                  <a:ext uri="{0D108BD9-81ED-4DB2-BD59-A6C34878D82A}">
-                    <a16:rowId xmlns:a16="http://schemas.microsoft.com/office/drawing/2014/main" val="3447265964"/>
-                  </a:ext>
-                </a:extLst>
-              </a:tr>
-              <a:tr h="580913">
-                <a:tc vMerge="1">
-                  <a:txBody>
-                    <a:bodyPr/>
-                    <a:lstStyle/>
-                    <a:p>
-                      <a:endParaRPr lang="de-DE" sz="1400" dirty="0"/>
-                    </a:p>
-                  </a:txBody>
-                  <a:tcPr/>
-                </a:tc>
-                <a:tc>
-                  <a:txBody>
-                    <a:bodyPr/>
-                    <a:lstStyle/>
-                    <a:p>
-                      <a:pPr marL="0" marR="0" lvl="0" indent="0" algn="l" defTabSz="914400" rtl="0" eaLnBrk="1" fontAlgn="auto" latinLnBrk="0" hangingPunct="1">
-                        <a:lnSpc>
-                          <a:spcPct val="100000"/>
-                        </a:lnSpc>
-                        <a:spcBef>
-                          <a:spcPts val="0"/>
-                        </a:spcBef>
-                        <a:spcAft>
-                          <a:spcPts val="0"/>
-                        </a:spcAft>
-                        <a:buClrTx/>
-                        <a:buSzTx/>
-                        <a:buFontTx/>
-                        <a:buNone/>
-                        <a:tabLst/>
-                        <a:defRPr/>
-                      </a:pPr>
-                      <a:r>
-                        <a:rPr lang="de-DE" sz="1400" baseline="0" dirty="0" smtClean="0"/>
-                        <a:t>0.4 </a:t>
-                      </a:r>
-                      <a:r>
-                        <a:rPr lang="de-DE" sz="1400" baseline="0" dirty="0" err="1" smtClean="0"/>
-                        <a:t>Persons</a:t>
-                      </a:r>
-                      <a:r>
-                        <a:rPr lang="de-DE" sz="1400" baseline="0" dirty="0" smtClean="0"/>
-                        <a:t> / m</a:t>
-                      </a:r>
-                      <a:r>
-                        <a:rPr lang="de-DE" sz="1400" baseline="30000" dirty="0" smtClean="0"/>
-                        <a:t>2</a:t>
-                      </a:r>
-                    </a:p>
-                    <a:p>
-                      <a:endParaRPr lang="de-DE" sz="1400" baseline="0" dirty="0"/>
-                    </a:p>
-                  </a:txBody>
-                  <a:tcPr/>
-                </a:tc>
-                <a:tc>
-                  <a:txBody>
-                    <a:bodyPr/>
-                    <a:lstStyle/>
-                    <a:p>
-                      <a:pPr marL="0" marR="0" lvl="0" indent="0" algn="l" defTabSz="914400" rtl="0" eaLnBrk="1" fontAlgn="auto" latinLnBrk="0" hangingPunct="1">
-                        <a:lnSpc>
-                          <a:spcPct val="100000"/>
-                        </a:lnSpc>
-                        <a:spcBef>
-                          <a:spcPts val="0"/>
-                        </a:spcBef>
-                        <a:spcAft>
-                          <a:spcPts val="0"/>
-                        </a:spcAft>
-                        <a:buClrTx/>
-                        <a:buSzTx/>
-                        <a:buFontTx/>
-                        <a:buNone/>
-                        <a:tabLst/>
-                        <a:defRPr/>
-                      </a:pPr>
-                      <a:r>
-                        <a:rPr lang="de-DE" sz="1400" dirty="0" smtClean="0"/>
-                        <a:t>ASHRAE 90.1 – Table G-B, US</a:t>
-                      </a:r>
-                    </a:p>
-                  </a:txBody>
-                  <a:tcPr/>
-                </a:tc>
-                <a:extLst>
-                  <a:ext uri="{0D108BD9-81ED-4DB2-BD59-A6C34878D82A}">
-                    <a16:rowId xmlns:a16="http://schemas.microsoft.com/office/drawing/2014/main" val="2116041632"/>
-                  </a:ext>
-                </a:extLst>
-              </a:tr>
-            </a:tbl>
-          </a:graphicData>
-        </a:graphic>
-      </p:graphicFrame>
     </p:spTree>
     <p:extLst>
       <p:ext uri="{BB962C8B-B14F-4D97-AF65-F5344CB8AC3E}">
-        <p14:creationId xmlns:p14="http://schemas.microsoft.com/office/powerpoint/2010/main" val="2926009304"/>
+        <p14:creationId xmlns:p14="http://schemas.microsoft.com/office/powerpoint/2010/main" val="3745130036"/>
       </p:ext>
     </p:extLst>
   </p:cSld>
@@ -13789,28 +15582,25 @@
           <a:lstStyle/>
           <a:p>
             <a:r>
-              <a:rPr lang="de-DE" dirty="0"/>
-              <a:t>User – Presence </a:t>
-            </a:r>
-            <a:r>
-              <a:rPr lang="de-DE" dirty="0" err="1"/>
-              <a:t>profiles</a:t>
-            </a:r>
-            <a:r>
-              <a:rPr lang="de-DE" dirty="0"/>
-              <a:t> (ASHRAE 90.1_G)</a:t>
-            </a:r>
+              <a:rPr lang="de-DE" dirty="0" smtClean="0"/>
+              <a:t>Internal </a:t>
+            </a:r>
+            <a:r>
+              <a:rPr lang="de-DE" dirty="0" err="1" smtClean="0"/>
+              <a:t>gains</a:t>
+            </a:r>
+            <a:endParaRPr lang="de-DE" dirty="0"/>
           </a:p>
         </p:txBody>
       </p:sp>
       <p:sp>
         <p:nvSpPr>
-          <p:cNvPr id="3" name="Textplatzhalter 2"/>
+          <p:cNvPr id="4" name="Textplatzhalter 3"/>
           <p:cNvSpPr>
             <a:spLocks noGrp="1"/>
           </p:cNvSpPr>
           <p:nvPr>
-            <p:ph type="body" sz="quarter" idx="12"/>
+            <p:ph type="body" sz="quarter" idx="13"/>
           </p:nvPr>
         </p:nvSpPr>
         <p:spPr/>
@@ -13818,82 +15608,200 @@
           <a:bodyPr/>
           <a:lstStyle/>
           <a:p>
+            <a:r>
+              <a:rPr lang="en-US" dirty="0" smtClean="0"/>
+              <a:t>Persons</a:t>
+            </a:r>
+          </a:p>
+          <a:p>
+            <a:pPr lvl="1"/>
+            <a:r>
+              <a:rPr lang="en-US" dirty="0" smtClean="0"/>
+              <a:t>General: </a:t>
+            </a:r>
+          </a:p>
+          <a:p>
+            <a:pPr lvl="2"/>
+            <a:r>
+              <a:rPr lang="en-US" dirty="0" smtClean="0"/>
+              <a:t>density of occupants</a:t>
+            </a:r>
+          </a:p>
+          <a:p>
+            <a:pPr lvl="2"/>
+            <a:r>
+              <a:rPr lang="en-US" dirty="0" smtClean="0"/>
+              <a:t>heat output from activity</a:t>
+            </a:r>
+          </a:p>
+          <a:p>
+            <a:pPr lvl="1"/>
+            <a:r>
+              <a:rPr lang="en-US" dirty="0" smtClean="0"/>
+              <a:t>Advanced</a:t>
+            </a:r>
+          </a:p>
+          <a:p>
+            <a:pPr lvl="2"/>
+            <a:r>
+              <a:rPr lang="en-US" dirty="0" smtClean="0"/>
+              <a:t>ratio convective heat from total heat output</a:t>
+            </a:r>
+          </a:p>
+          <a:p>
+            <a:pPr lvl="1"/>
+            <a:r>
+              <a:rPr lang="en-US" dirty="0" smtClean="0"/>
+              <a:t>Hidden</a:t>
+            </a:r>
+          </a:p>
+          <a:p>
+            <a:pPr lvl="2"/>
+            <a:r>
+              <a:rPr lang="en-US" dirty="0" smtClean="0"/>
+              <a:t>Start temperature, surface area for a human, temperature dependence of heat output</a:t>
+            </a:r>
+          </a:p>
+          <a:p>
+            <a:r>
+              <a:rPr lang="en-US" dirty="0" smtClean="0"/>
+              <a:t>Lights &amp; electrical appliances</a:t>
+            </a:r>
+          </a:p>
+          <a:p>
+            <a:pPr lvl="1"/>
+            <a:r>
+              <a:rPr lang="en-US" dirty="0" smtClean="0"/>
+              <a:t>General</a:t>
+            </a:r>
+          </a:p>
+          <a:p>
+            <a:pPr lvl="2"/>
+            <a:r>
+              <a:rPr lang="en-US" dirty="0" smtClean="0"/>
+              <a:t>Specific </a:t>
+            </a:r>
+            <a:r>
+              <a:rPr lang="en-US" dirty="0" err="1" smtClean="0"/>
+              <a:t>P</a:t>
+            </a:r>
+            <a:r>
+              <a:rPr lang="en-US" baseline="-25000" dirty="0" err="1" smtClean="0"/>
+              <a:t>el</a:t>
+            </a:r>
+            <a:r>
+              <a:rPr lang="en-US" dirty="0" smtClean="0"/>
+              <a:t>/m</a:t>
+            </a:r>
+            <a:r>
+              <a:rPr lang="en-US" baseline="30000" dirty="0" smtClean="0"/>
+              <a:t>2</a:t>
+            </a:r>
+            <a:r>
+              <a:rPr lang="en-US" dirty="0" smtClean="0"/>
+              <a:t> for light source / appliances</a:t>
+            </a:r>
+          </a:p>
+          <a:p>
+            <a:pPr lvl="1"/>
+            <a:r>
+              <a:rPr lang="en-US" dirty="0" smtClean="0"/>
+              <a:t>Advanced</a:t>
+            </a:r>
+          </a:p>
+          <a:p>
+            <a:pPr lvl="2"/>
+            <a:r>
+              <a:rPr lang="en-US" dirty="0" smtClean="0"/>
+              <a:t>Coefficient </a:t>
+            </a:r>
+            <a:r>
+              <a:rPr lang="en-US" dirty="0" err="1" smtClean="0"/>
+              <a:t>P</a:t>
+            </a:r>
+            <a:r>
+              <a:rPr lang="en-US" baseline="-25000" dirty="0" err="1" smtClean="0"/>
+              <a:t>th</a:t>
+            </a:r>
+            <a:r>
+              <a:rPr lang="en-US" dirty="0" smtClean="0"/>
+              <a:t>/</a:t>
+            </a:r>
+            <a:r>
+              <a:rPr lang="en-US" dirty="0" err="1" smtClean="0"/>
+              <a:t>P</a:t>
+            </a:r>
+            <a:r>
+              <a:rPr lang="en-US" baseline="-25000" dirty="0" err="1" smtClean="0"/>
+              <a:t>el</a:t>
+            </a:r>
+            <a:r>
+              <a:rPr lang="en-US" dirty="0" smtClean="0"/>
+              <a:t> for lights / appliances</a:t>
+            </a:r>
+          </a:p>
+          <a:p>
+            <a:pPr lvl="2"/>
+            <a:r>
+              <a:rPr lang="en-US" dirty="0" smtClean="0"/>
+              <a:t>Coefficient </a:t>
+            </a:r>
+            <a:r>
+              <a:rPr lang="en-US" dirty="0" err="1" smtClean="0"/>
+              <a:t>P</a:t>
+            </a:r>
+            <a:r>
+              <a:rPr lang="en-US" baseline="-25000" dirty="0" err="1" smtClean="0"/>
+              <a:t>th,radiative</a:t>
+            </a:r>
+            <a:r>
+              <a:rPr lang="en-US" dirty="0" smtClean="0"/>
+              <a:t>/</a:t>
+            </a:r>
+            <a:r>
+              <a:rPr lang="en-US" dirty="0" err="1" smtClean="0"/>
+              <a:t>P</a:t>
+            </a:r>
+            <a:r>
+              <a:rPr lang="en-US" baseline="-25000" dirty="0" err="1" smtClean="0"/>
+              <a:t>el</a:t>
+            </a:r>
+            <a:r>
+              <a:rPr lang="en-US" dirty="0" smtClean="0"/>
+              <a:t> for lights / appliances</a:t>
+            </a:r>
+          </a:p>
+          <a:p>
+            <a:pPr lvl="1"/>
+            <a:r>
+              <a:rPr lang="en-US" dirty="0" smtClean="0"/>
+              <a:t>Hidden</a:t>
+            </a:r>
+          </a:p>
+          <a:p>
+            <a:pPr lvl="2"/>
+            <a:r>
+              <a:rPr lang="en-US" dirty="0" smtClean="0"/>
+              <a:t>Emissivity of lights / appliances</a:t>
+            </a:r>
+          </a:p>
+          <a:p>
+            <a:pPr lvl="1"/>
+            <a:endParaRPr lang="en-US" dirty="0" smtClean="0"/>
+          </a:p>
+          <a:p>
+            <a:endParaRPr lang="en-US" dirty="0" smtClean="0"/>
+          </a:p>
+          <a:p>
+            <a:pPr lvl="1"/>
             <a:endParaRPr lang="de-DE" dirty="0"/>
           </a:p>
         </p:txBody>
       </p:sp>
-      <p:grpSp>
-        <p:nvGrpSpPr>
-          <p:cNvPr id="4" name="Gruppieren 3"/>
-          <p:cNvGrpSpPr/>
-          <p:nvPr/>
-        </p:nvGrpSpPr>
-        <p:grpSpPr>
-          <a:xfrm>
-            <a:off x="558435" y="881788"/>
-            <a:ext cx="4120451" cy="5325736"/>
-            <a:chOff x="2396200" y="927100"/>
-            <a:chExt cx="4120451" cy="5325736"/>
-          </a:xfrm>
-        </p:grpSpPr>
-        <p:pic>
-          <p:nvPicPr>
-            <p:cNvPr id="5" name="Grafik 4"/>
-            <p:cNvPicPr>
-              <a:picLocks noChangeAspect="1"/>
-            </p:cNvPicPr>
-            <p:nvPr/>
-          </p:nvPicPr>
-          <p:blipFill>
-            <a:blip r:embed="rId2"/>
-            <a:stretch>
-              <a:fillRect/>
-            </a:stretch>
-          </p:blipFill>
-          <p:spPr>
-            <a:xfrm>
-              <a:off x="2396200" y="1280444"/>
-              <a:ext cx="4120451" cy="4972392"/>
-            </a:xfrm>
-            <a:prstGeom prst="rect">
-              <a:avLst/>
-            </a:prstGeom>
-          </p:spPr>
-        </p:pic>
-        <p:sp>
-          <p:nvSpPr>
-            <p:cNvPr id="6" name="Textfeld 5"/>
-            <p:cNvSpPr txBox="1"/>
-            <p:nvPr/>
-          </p:nvSpPr>
-          <p:spPr>
-            <a:xfrm>
-              <a:off x="3850521" y="927100"/>
-              <a:ext cx="1211807" cy="215444"/>
-            </a:xfrm>
-            <a:prstGeom prst="rect">
-              <a:avLst/>
-            </a:prstGeom>
-            <a:noFill/>
-          </p:spPr>
-          <p:txBody>
-            <a:bodyPr wrap="none" lIns="0" tIns="0" rIns="0" bIns="0" rtlCol="0">
-              <a:spAutoFit/>
-            </a:bodyPr>
-            <a:lstStyle/>
-            <a:p>
-              <a:r>
-                <a:rPr lang="de-DE" sz="1400" dirty="0" smtClean="0"/>
-                <a:t>Service / Office</a:t>
-              </a:r>
-            </a:p>
-          </p:txBody>
-        </p:sp>
-      </p:grpSp>
     </p:spTree>
     <p:extLst>
       <p:ext uri="{BB962C8B-B14F-4D97-AF65-F5344CB8AC3E}">
-        <p14:creationId xmlns:p14="http://schemas.microsoft.com/office/powerpoint/2010/main" val="2095511507"/>
+        <p14:creationId xmlns:p14="http://schemas.microsoft.com/office/powerpoint/2010/main" val="1254367530"/>
       </p:ext>
     </p:extLst>
   </p:cSld>
@@ -13922,7 +15830,7 @@
       </p:grpSpPr>
       <p:sp>
         <p:nvSpPr>
-          <p:cNvPr id="2" name="Titel 1"/>
+          <p:cNvPr id="4" name="Titel 3"/>
           <p:cNvSpPr>
             <a:spLocks noGrp="1"/>
           </p:cNvSpPr>
@@ -13936,36 +15844,33 @@
           <a:lstStyle/>
           <a:p>
             <a:r>
-              <a:rPr lang="de-DE" dirty="0"/>
-              <a:t>User – </a:t>
-            </a:r>
-            <a:r>
-              <a:rPr lang="de-DE" dirty="0" err="1"/>
-              <a:t>Monthly</a:t>
-            </a:r>
-            <a:r>
-              <a:rPr lang="de-DE" dirty="0"/>
+              <a:rPr lang="de-DE" dirty="0" err="1" smtClean="0"/>
+              <a:t>Energy</a:t>
+            </a:r>
+            <a:r>
+              <a:rPr lang="de-DE" dirty="0" smtClean="0"/>
               <a:t> </a:t>
             </a:r>
             <a:r>
-              <a:rPr lang="de-DE" dirty="0" err="1"/>
-              <a:t>variation</a:t>
-            </a:r>
-            <a:r>
-              <a:rPr lang="de-DE" dirty="0"/>
-              <a:t> (Source SIA 2024)</a:t>
-            </a:r>
+              <a:rPr lang="de-DE" dirty="0" err="1" smtClean="0"/>
+              <a:t>system</a:t>
+            </a:r>
+            <a:r>
+              <a:rPr lang="de-DE" dirty="0" smtClean="0"/>
+              <a:t> + Control</a:t>
+            </a:r>
+            <a:endParaRPr lang="de-DE" dirty="0"/>
           </a:p>
         </p:txBody>
       </p:sp>
       <p:sp>
         <p:nvSpPr>
-          <p:cNvPr id="3" name="Textplatzhalter 2"/>
+          <p:cNvPr id="5" name="Textplatzhalter 4"/>
           <p:cNvSpPr>
             <a:spLocks noGrp="1"/>
           </p:cNvSpPr>
           <p:nvPr>
-            <p:ph type="body" sz="quarter" idx="12"/>
+            <p:ph type="body" sz="quarter" idx="13"/>
           </p:nvPr>
         </p:nvSpPr>
         <p:spPr/>
@@ -13973,75 +15878,89 @@
           <a:bodyPr/>
           <a:lstStyle/>
           <a:p>
-            <a:endParaRPr lang="de-DE"/>
-          </a:p>
-        </p:txBody>
-      </p:sp>
-      <p:pic>
-        <p:nvPicPr>
-          <p:cNvPr id="4" name="Grafik 3"/>
-          <p:cNvPicPr>
-            <a:picLocks noChangeAspect="1"/>
-          </p:cNvPicPr>
-          <p:nvPr/>
-        </p:nvPicPr>
-        <p:blipFill>
-          <a:blip r:embed="rId2"/>
-          <a:stretch>
-            <a:fillRect/>
-          </a:stretch>
-        </p:blipFill>
-        <p:spPr>
-          <a:xfrm>
-            <a:off x="2895430" y="1249955"/>
-            <a:ext cx="4495800" cy="1343025"/>
-          </a:xfrm>
-          <a:prstGeom prst="rect">
-            <a:avLst/>
-          </a:prstGeom>
-        </p:spPr>
-      </p:pic>
-      <p:sp>
-        <p:nvSpPr>
-          <p:cNvPr id="5" name="Textfeld 4"/>
-          <p:cNvSpPr txBox="1"/>
-          <p:nvPr/>
-        </p:nvSpPr>
-        <p:spPr>
-          <a:xfrm>
-            <a:off x="1034318" y="1813745"/>
-            <a:ext cx="1598130" cy="215444"/>
-          </a:xfrm>
-          <a:prstGeom prst="rect">
-            <a:avLst/>
-          </a:prstGeom>
-          <a:noFill/>
-        </p:spPr>
-        <p:txBody>
-          <a:bodyPr wrap="none" lIns="0" tIns="0" rIns="0" bIns="0" rtlCol="0">
-            <a:spAutoFit/>
-          </a:bodyPr>
-          <a:lstStyle/>
-          <a:p>
-            <a:r>
-              <a:rPr lang="de-DE" sz="1400" dirty="0" smtClean="0"/>
-              <a:t>Office (2-6 </a:t>
-            </a:r>
-            <a:r>
-              <a:rPr lang="de-DE" sz="1400" dirty="0" err="1" smtClean="0"/>
-              <a:t>Persons</a:t>
-            </a:r>
-            <a:r>
-              <a:rPr lang="de-DE" sz="1400" dirty="0" smtClean="0"/>
-              <a:t>)</a:t>
-            </a:r>
+            <a:r>
+              <a:rPr lang="en-US" dirty="0" smtClean="0"/>
+              <a:t>Parameters</a:t>
+            </a:r>
+          </a:p>
+          <a:p>
+            <a:pPr lvl="1"/>
+            <a:r>
+              <a:rPr lang="en-US" dirty="0" smtClean="0"/>
+              <a:t>General</a:t>
+            </a:r>
+          </a:p>
+          <a:p>
+            <a:pPr lvl="2"/>
+            <a:r>
+              <a:rPr lang="en-US" dirty="0" smtClean="0"/>
+              <a:t>Maximal power output for heater / cooler</a:t>
+            </a:r>
+          </a:p>
+          <a:p>
+            <a:pPr lvl="2"/>
+            <a:r>
+              <a:rPr lang="en-US" dirty="0" smtClean="0"/>
+              <a:t>Set temperature for heating / cooling</a:t>
+            </a:r>
+          </a:p>
+          <a:p>
+            <a:pPr lvl="2"/>
+            <a:r>
+              <a:rPr lang="en-US" dirty="0" smtClean="0"/>
+              <a:t>Outside temperature under which heater starts</a:t>
+            </a:r>
+            <a:endParaRPr lang="en-US" dirty="0"/>
+          </a:p>
+          <a:p>
+            <a:pPr lvl="1"/>
+            <a:r>
+              <a:rPr lang="en-US" dirty="0" smtClean="0"/>
+              <a:t>Advanced</a:t>
+            </a:r>
+          </a:p>
+          <a:p>
+            <a:pPr lvl="2"/>
+            <a:r>
+              <a:rPr lang="en-US" dirty="0" smtClean="0"/>
+              <a:t>Is heater / cooler electric</a:t>
+            </a:r>
+          </a:p>
+          <a:p>
+            <a:pPr lvl="2"/>
+            <a:r>
+              <a:rPr lang="en-US" dirty="0" smtClean="0"/>
+              <a:t>Electrical efficiency of heater / cooler</a:t>
+            </a:r>
+            <a:endParaRPr lang="en-US" dirty="0"/>
+          </a:p>
+          <a:p>
+            <a:pPr lvl="1"/>
+            <a:r>
+              <a:rPr lang="en-US" dirty="0" smtClean="0"/>
+              <a:t>Hidden</a:t>
+            </a:r>
+          </a:p>
+          <a:p>
+            <a:pPr lvl="2"/>
+            <a:r>
+              <a:rPr lang="en-US" dirty="0" smtClean="0"/>
+              <a:t>Parameters for internal PI controllers</a:t>
+            </a:r>
+            <a:endParaRPr lang="de-DE" dirty="0" smtClean="0"/>
+          </a:p>
+          <a:p>
+            <a:pPr marL="216100" lvl="1" indent="0">
+              <a:buNone/>
+            </a:pPr>
+            <a:endParaRPr lang="de-DE" dirty="0"/>
           </a:p>
         </p:txBody>
       </p:sp>
     </p:spTree>
     <p:extLst>
       <p:ext uri="{BB962C8B-B14F-4D97-AF65-F5344CB8AC3E}">
-        <p14:creationId xmlns:p14="http://schemas.microsoft.com/office/powerpoint/2010/main" val="2710376662"/>
+        <p14:creationId xmlns:p14="http://schemas.microsoft.com/office/powerpoint/2010/main" val="2021916899"/>
       </p:ext>
     </p:extLst>
   </p:cSld>
@@ -14070,7 +15989,7 @@
       </p:grpSpPr>
       <p:sp>
         <p:nvSpPr>
-          <p:cNvPr id="2" name="Titel 1"/>
+          <p:cNvPr id="4" name="Titel 3"/>
           <p:cNvSpPr>
             <a:spLocks noGrp="1"/>
           </p:cNvSpPr>
@@ -14084,36 +16003,16 @@
           <a:lstStyle/>
           <a:p>
             <a:r>
-              <a:rPr lang="de-DE" dirty="0"/>
-              <a:t>Equipment – </a:t>
-            </a:r>
-            <a:r>
-              <a:rPr lang="de-DE" dirty="0" err="1"/>
-              <a:t>Lighting</a:t>
-            </a:r>
-            <a:r>
-              <a:rPr lang="de-DE" dirty="0"/>
+              <a:rPr lang="de-DE" dirty="0" err="1" smtClean="0"/>
+              <a:t>Boundary</a:t>
+            </a:r>
+            <a:r>
+              <a:rPr lang="de-DE" dirty="0" smtClean="0"/>
               <a:t> </a:t>
             </a:r>
             <a:r>
-              <a:rPr lang="de-DE" dirty="0" err="1"/>
-              <a:t>and</a:t>
-            </a:r>
-            <a:r>
-              <a:rPr lang="de-DE" dirty="0"/>
-              <a:t> </a:t>
-            </a:r>
-            <a:r>
-              <a:rPr lang="de-DE" dirty="0" err="1"/>
-              <a:t>auxiliary</a:t>
-            </a:r>
-            <a:r>
-              <a:rPr lang="de-DE" dirty="0"/>
-              <a:t> </a:t>
-            </a:r>
-            <a:r>
-              <a:rPr lang="de-DE" dirty="0" err="1"/>
-              <a:t>machines</a:t>
+              <a:rPr lang="de-DE" dirty="0" err="1" smtClean="0"/>
+              <a:t>conditions</a:t>
             </a:r>
             <a:endParaRPr lang="de-DE" dirty="0"/>
           </a:p>
@@ -14121,7 +16020,7 @@
       </p:sp>
       <p:sp>
         <p:nvSpPr>
-          <p:cNvPr id="4" name="Textplatzhalter 3"/>
+          <p:cNvPr id="5" name="Textplatzhalter 4"/>
           <p:cNvSpPr>
             <a:spLocks noGrp="1"/>
           </p:cNvSpPr>
@@ -14135,586 +16034,101 @@
           <a:lstStyle/>
           <a:p>
             <a:r>
-              <a:rPr lang="en-US" dirty="0"/>
-              <a:t>Equipment such as lighting and auxiliary machines (computers, ovens, cooling boxes) depends on zone type and leads to an electrical and thermal load</a:t>
-            </a:r>
-          </a:p>
-          <a:p>
-            <a:r>
-              <a:rPr lang="en-US" dirty="0">
-                <a:sym typeface="Wingdings" panose="05000000000000000000" pitchFamily="2" charset="2"/>
-              </a:rPr>
-              <a:t>Data needed for modelling lighting and auxiliary machines </a:t>
-            </a:r>
-            <a:endParaRPr lang="en-US" dirty="0"/>
+              <a:rPr lang="en-US" dirty="0" smtClean="0"/>
+              <a:t>Parameters</a:t>
+            </a:r>
           </a:p>
           <a:p>
             <a:pPr lvl="1"/>
             <a:r>
-              <a:rPr lang="en-US" dirty="0"/>
-              <a:t>Load profiles (</a:t>
-            </a:r>
-            <a:r>
-              <a:rPr lang="en-US" dirty="0" err="1"/>
-              <a:t>percentual</a:t>
-            </a:r>
-            <a:r>
-              <a:rPr lang="en-US" dirty="0"/>
-              <a:t>) depending on zone type </a:t>
-            </a:r>
-            <a:r>
-              <a:rPr lang="en-US" dirty="0">
-                <a:sym typeface="Wingdings" panose="05000000000000000000" pitchFamily="2" charset="2"/>
-              </a:rPr>
-              <a:t> table</a:t>
-            </a:r>
-            <a:endParaRPr lang="en-US" dirty="0"/>
+              <a:rPr lang="en-US" dirty="0" smtClean="0"/>
+              <a:t>General</a:t>
+            </a:r>
+          </a:p>
+          <a:p>
+            <a:pPr lvl="2"/>
+            <a:r>
+              <a:rPr lang="en-US" dirty="0" smtClean="0"/>
+              <a:t>Latitude and longitude of location</a:t>
+            </a:r>
+          </a:p>
+          <a:p>
+            <a:pPr lvl="2"/>
+            <a:r>
+              <a:rPr lang="en-US" dirty="0" smtClean="0"/>
+              <a:t>File for weather data</a:t>
+            </a:r>
+          </a:p>
+          <a:p>
+            <a:pPr lvl="2"/>
+            <a:r>
+              <a:rPr lang="en-US" dirty="0" smtClean="0"/>
+              <a:t>Schedules for internal gains and HVAC</a:t>
+            </a:r>
           </a:p>
           <a:p>
             <a:pPr lvl="1"/>
             <a:r>
-              <a:rPr lang="en-US" dirty="0"/>
-              <a:t>Electrical or heat load equipment based on zone type / type of activity </a:t>
-            </a:r>
-            <a:r>
-              <a:rPr lang="en-US" dirty="0">
-                <a:sym typeface="Wingdings" panose="05000000000000000000" pitchFamily="2" charset="2"/>
-              </a:rPr>
-              <a:t></a:t>
-            </a:r>
-            <a:r>
-              <a:rPr lang="en-US" dirty="0"/>
-              <a:t> constant, one value in W/m²</a:t>
+              <a:rPr lang="en-US" dirty="0" smtClean="0"/>
+              <a:t>Advanced</a:t>
             </a:r>
           </a:p>
           <a:p>
             <a:pPr lvl="1"/>
             <a:r>
-              <a:rPr lang="en-US" dirty="0"/>
-              <a:t>Efficiency electrical to thermal for type of equipment </a:t>
-            </a:r>
-            <a:r>
-              <a:rPr lang="en-US" dirty="0">
-                <a:sym typeface="Wingdings" panose="05000000000000000000" pitchFamily="2" charset="2"/>
-              </a:rPr>
-              <a:t> constant, one value</a:t>
-            </a:r>
-            <a:endParaRPr lang="en-US" dirty="0"/>
-          </a:p>
-          <a:p>
+              <a:rPr lang="en-US" dirty="0" smtClean="0"/>
+              <a:t>Hidden</a:t>
+            </a:r>
+          </a:p>
+          <a:p>
+            <a:pPr lvl="2"/>
+            <a:r>
+              <a:rPr lang="en-US" dirty="0" smtClean="0"/>
+              <a:t>Ground reflection for weather model</a:t>
+            </a:r>
+          </a:p>
+          <a:p>
+            <a:pPr lvl="2"/>
+            <a:r>
+              <a:rPr lang="en-US" dirty="0" smtClean="0"/>
+              <a:t>Model used for solar radiation</a:t>
+            </a:r>
+          </a:p>
+          <a:p>
+            <a:pPr lvl="2"/>
+            <a:r>
+              <a:rPr lang="en-US" dirty="0" smtClean="0"/>
+              <a:t>Output from weather model</a:t>
+            </a:r>
+          </a:p>
+          <a:p>
+            <a:pPr lvl="2"/>
+            <a:r>
+              <a:rPr lang="en-US" dirty="0" smtClean="0"/>
+              <a:t>Interpolation of data from tables</a:t>
+            </a:r>
+          </a:p>
+          <a:p>
+            <a:pPr lvl="2"/>
+            <a:r>
+              <a:rPr lang="en-US" dirty="0" smtClean="0"/>
+              <a:t>Extrapolation of data from tables: periodic</a:t>
+            </a:r>
+          </a:p>
+          <a:p>
+            <a:pPr lvl="2"/>
+            <a:endParaRPr lang="de-DE" dirty="0" smtClean="0"/>
+          </a:p>
+          <a:p>
+            <a:pPr lvl="1"/>
             <a:endParaRPr lang="de-DE" dirty="0"/>
-          </a:p>
-        </p:txBody>
-      </p:sp>
-      <p:sp>
-        <p:nvSpPr>
-          <p:cNvPr id="5" name="Rechteck 4"/>
-          <p:cNvSpPr/>
-          <p:nvPr/>
-        </p:nvSpPr>
-        <p:spPr>
-          <a:xfrm>
-            <a:off x="2278824" y="3306887"/>
-            <a:ext cx="4105656" cy="2368296"/>
-          </a:xfrm>
-          <a:prstGeom prst="rect">
-            <a:avLst/>
-          </a:prstGeom>
-        </p:spPr>
-        <p:style>
-          <a:lnRef idx="2">
-            <a:schemeClr val="accent1">
-              <a:shade val="50000"/>
-            </a:schemeClr>
-          </a:lnRef>
-          <a:fillRef idx="1">
-            <a:schemeClr val="accent1"/>
-          </a:fillRef>
-          <a:effectRef idx="0">
-            <a:schemeClr val="accent1"/>
-          </a:effectRef>
-          <a:fontRef idx="minor">
-            <a:schemeClr val="lt1"/>
-          </a:fontRef>
-        </p:style>
-        <p:txBody>
-          <a:bodyPr rtlCol="0" anchor="ctr"/>
-          <a:lstStyle/>
-          <a:p>
-            <a:pPr algn="ctr"/>
-            <a:r>
-              <a:rPr lang="de-DE" dirty="0" smtClean="0"/>
-              <a:t>Parameters:</a:t>
-            </a:r>
-          </a:p>
-          <a:p>
-            <a:pPr algn="ctr"/>
-            <a:r>
-              <a:rPr lang="de-DE" dirty="0" smtClean="0"/>
-              <a:t>Zone  Area</a:t>
-            </a:r>
-          </a:p>
-          <a:p>
-            <a:pPr algn="ctr"/>
-            <a:r>
-              <a:rPr lang="de-DE" dirty="0" err="1" smtClean="0"/>
-              <a:t>Specific</a:t>
-            </a:r>
-            <a:r>
-              <a:rPr lang="de-DE" dirty="0"/>
-              <a:t> </a:t>
-            </a:r>
-            <a:r>
-              <a:rPr lang="de-DE" dirty="0" err="1" smtClean="0"/>
-              <a:t>P</a:t>
-            </a:r>
-            <a:r>
-              <a:rPr lang="de-DE" baseline="-25000" dirty="0" err="1" smtClean="0"/>
-              <a:t>electric</a:t>
-            </a:r>
-            <a:r>
-              <a:rPr lang="de-DE" baseline="-25000" dirty="0" smtClean="0"/>
-              <a:t> /</a:t>
-            </a:r>
-            <a:r>
-              <a:rPr lang="de-DE" dirty="0" smtClean="0"/>
-              <a:t> m</a:t>
-            </a:r>
-            <a:r>
-              <a:rPr lang="de-DE" baseline="30000" dirty="0" smtClean="0"/>
-              <a:t>2</a:t>
-            </a:r>
-            <a:r>
-              <a:rPr lang="de-DE" dirty="0" smtClean="0"/>
-              <a:t> </a:t>
-            </a:r>
-            <a:r>
-              <a:rPr lang="de-DE" dirty="0" err="1" smtClean="0"/>
-              <a:t>for</a:t>
-            </a:r>
-            <a:r>
-              <a:rPr lang="de-DE" dirty="0" smtClean="0"/>
-              <a:t> </a:t>
-            </a:r>
-            <a:r>
-              <a:rPr lang="de-DE" dirty="0" err="1" smtClean="0"/>
-              <a:t>zone</a:t>
-            </a:r>
-            <a:r>
-              <a:rPr lang="de-DE" dirty="0" smtClean="0"/>
-              <a:t> type</a:t>
-            </a:r>
-          </a:p>
-          <a:p>
-            <a:pPr algn="ctr"/>
-            <a:r>
-              <a:rPr lang="de-DE" dirty="0" err="1" smtClean="0"/>
-              <a:t>Coefficient</a:t>
-            </a:r>
-            <a:r>
-              <a:rPr lang="de-DE" dirty="0" smtClean="0"/>
-              <a:t> </a:t>
-            </a:r>
-            <a:r>
-              <a:rPr lang="de-DE" dirty="0" err="1" smtClean="0"/>
-              <a:t>P</a:t>
-            </a:r>
-            <a:r>
-              <a:rPr lang="de-DE" baseline="-25000" dirty="0" err="1" smtClean="0"/>
-              <a:t>thermal</a:t>
-            </a:r>
-            <a:r>
-              <a:rPr lang="de-DE" dirty="0" smtClean="0"/>
-              <a:t> </a:t>
-            </a:r>
-            <a:r>
-              <a:rPr lang="de-DE" dirty="0" err="1"/>
-              <a:t>f</a:t>
-            </a:r>
-            <a:r>
-              <a:rPr lang="de-DE" dirty="0" err="1" smtClean="0"/>
-              <a:t>rom</a:t>
-            </a:r>
-            <a:r>
-              <a:rPr lang="de-DE" dirty="0" smtClean="0"/>
-              <a:t> </a:t>
-            </a:r>
-            <a:r>
-              <a:rPr lang="de-DE" dirty="0" err="1" smtClean="0"/>
-              <a:t>P</a:t>
-            </a:r>
-            <a:r>
-              <a:rPr lang="de-DE" baseline="-25000" dirty="0" err="1" smtClean="0"/>
-              <a:t>electric</a:t>
-            </a:r>
-            <a:endParaRPr lang="de-DE" baseline="-25000" dirty="0" smtClean="0"/>
-          </a:p>
-          <a:p>
-            <a:pPr algn="ctr"/>
-            <a:r>
-              <a:rPr lang="de-DE" dirty="0" err="1"/>
-              <a:t>Coefficient</a:t>
-            </a:r>
-            <a:r>
-              <a:rPr lang="de-DE" dirty="0"/>
-              <a:t> </a:t>
-            </a:r>
-            <a:r>
-              <a:rPr lang="de-DE" dirty="0" err="1" smtClean="0"/>
-              <a:t>P</a:t>
-            </a:r>
-            <a:r>
-              <a:rPr lang="de-DE" baseline="-25000" dirty="0" err="1" smtClean="0"/>
-              <a:t>th,rad</a:t>
-            </a:r>
-            <a:r>
-              <a:rPr lang="de-DE" dirty="0" smtClean="0"/>
-              <a:t> </a:t>
-            </a:r>
-            <a:r>
-              <a:rPr lang="de-DE" dirty="0" err="1" smtClean="0"/>
-              <a:t>from</a:t>
-            </a:r>
-            <a:r>
-              <a:rPr lang="de-DE" dirty="0" smtClean="0"/>
-              <a:t> </a:t>
-            </a:r>
-            <a:r>
-              <a:rPr lang="de-DE" dirty="0" err="1" smtClean="0"/>
-              <a:t>P</a:t>
-            </a:r>
-            <a:r>
-              <a:rPr lang="de-DE" baseline="-25000" dirty="0" err="1" smtClean="0"/>
-              <a:t>thermal</a:t>
-            </a:r>
-            <a:endParaRPr lang="de-DE" baseline="-25000" dirty="0"/>
-          </a:p>
-          <a:p>
-            <a:pPr algn="ctr"/>
-            <a:r>
-              <a:rPr lang="de-DE" dirty="0" err="1" smtClean="0"/>
-              <a:t>Emissivity</a:t>
-            </a:r>
-            <a:endParaRPr lang="de-DE" dirty="0"/>
-          </a:p>
-        </p:txBody>
-      </p:sp>
-      <p:sp>
-        <p:nvSpPr>
-          <p:cNvPr id="6" name="Gleichschenkliges Dreieck 5"/>
-          <p:cNvSpPr/>
-          <p:nvPr/>
-        </p:nvSpPr>
-        <p:spPr>
-          <a:xfrm rot="5400000">
-            <a:off x="1401000" y="4061267"/>
-            <a:ext cx="896112" cy="859536"/>
-          </a:xfrm>
-          <a:prstGeom prst="triangle">
-            <a:avLst/>
-          </a:prstGeom>
-          <a:solidFill>
-            <a:srgbClr val="002060"/>
-          </a:solidFill>
-          <a:ln>
-            <a:noFill/>
-          </a:ln>
-        </p:spPr>
-        <p:style>
-          <a:lnRef idx="2">
-            <a:schemeClr val="accent1">
-              <a:shade val="50000"/>
-            </a:schemeClr>
-          </a:lnRef>
-          <a:fillRef idx="1">
-            <a:schemeClr val="accent1"/>
-          </a:fillRef>
-          <a:effectRef idx="0">
-            <a:schemeClr val="accent1"/>
-          </a:effectRef>
-          <a:fontRef idx="minor">
-            <a:schemeClr val="lt1"/>
-          </a:fontRef>
-        </p:style>
-        <p:txBody>
-          <a:bodyPr rtlCol="0" anchor="ctr"/>
-          <a:lstStyle/>
-          <a:p>
-            <a:pPr algn="ctr"/>
-            <a:endParaRPr lang="de-DE"/>
-          </a:p>
-        </p:txBody>
-      </p:sp>
-      <p:sp>
-        <p:nvSpPr>
-          <p:cNvPr id="7" name="Textfeld 6"/>
-          <p:cNvSpPr txBox="1"/>
-          <p:nvPr/>
-        </p:nvSpPr>
-        <p:spPr>
-          <a:xfrm>
-            <a:off x="843216" y="5281991"/>
-            <a:ext cx="1362456" cy="215444"/>
-          </a:xfrm>
-          <a:prstGeom prst="rect">
-            <a:avLst/>
-          </a:prstGeom>
-          <a:noFill/>
-        </p:spPr>
-        <p:txBody>
-          <a:bodyPr wrap="square" lIns="0" tIns="0" rIns="0" bIns="0" rtlCol="0">
-            <a:spAutoFit/>
-          </a:bodyPr>
-          <a:lstStyle/>
-          <a:p>
-            <a:r>
-              <a:rPr lang="de-DE" sz="1400" dirty="0" smtClean="0"/>
-              <a:t>Schedule</a:t>
-            </a:r>
-          </a:p>
-        </p:txBody>
-      </p:sp>
-      <p:sp>
-        <p:nvSpPr>
-          <p:cNvPr id="8" name="Rechteck 7"/>
-          <p:cNvSpPr/>
-          <p:nvPr/>
-        </p:nvSpPr>
-        <p:spPr>
-          <a:xfrm>
-            <a:off x="6539928" y="3306887"/>
-            <a:ext cx="658368" cy="548640"/>
-          </a:xfrm>
-          <a:prstGeom prst="rect">
-            <a:avLst/>
-          </a:prstGeom>
-          <a:ln>
-            <a:noFill/>
-          </a:ln>
-        </p:spPr>
-        <p:style>
-          <a:lnRef idx="2">
-            <a:schemeClr val="accent1">
-              <a:shade val="50000"/>
-            </a:schemeClr>
-          </a:lnRef>
-          <a:fillRef idx="1">
-            <a:schemeClr val="accent1"/>
-          </a:fillRef>
-          <a:effectRef idx="0">
-            <a:schemeClr val="accent1"/>
-          </a:effectRef>
-          <a:fontRef idx="minor">
-            <a:schemeClr val="lt1"/>
-          </a:fontRef>
-        </p:style>
-        <p:txBody>
-          <a:bodyPr rtlCol="0" anchor="ctr"/>
-          <a:lstStyle/>
-          <a:p>
-            <a:pPr algn="ctr"/>
-            <a:endParaRPr lang="de-DE"/>
-          </a:p>
-        </p:txBody>
-      </p:sp>
-      <p:sp>
-        <p:nvSpPr>
-          <p:cNvPr id="9" name="Stern mit 5 Zacken 8"/>
-          <p:cNvSpPr/>
-          <p:nvPr/>
-        </p:nvSpPr>
-        <p:spPr>
-          <a:xfrm>
-            <a:off x="6503352" y="4039127"/>
-            <a:ext cx="822960" cy="708660"/>
-          </a:xfrm>
-          <a:prstGeom prst="star5">
-            <a:avLst/>
-          </a:prstGeom>
-          <a:solidFill>
-            <a:schemeClr val="tx1"/>
-          </a:solidFill>
-          <a:ln>
-            <a:noFill/>
-          </a:ln>
-        </p:spPr>
-        <p:style>
-          <a:lnRef idx="2">
-            <a:schemeClr val="accent1">
-              <a:shade val="50000"/>
-            </a:schemeClr>
-          </a:lnRef>
-          <a:fillRef idx="1">
-            <a:schemeClr val="accent1"/>
-          </a:fillRef>
-          <a:effectRef idx="0">
-            <a:schemeClr val="accent1"/>
-          </a:effectRef>
-          <a:fontRef idx="minor">
-            <a:schemeClr val="lt1"/>
-          </a:fontRef>
-        </p:style>
-        <p:txBody>
-          <a:bodyPr rtlCol="0" anchor="ctr"/>
-          <a:lstStyle/>
-          <a:p>
-            <a:pPr algn="ctr"/>
-            <a:endParaRPr lang="de-DE"/>
-          </a:p>
-        </p:txBody>
-      </p:sp>
-      <p:sp>
-        <p:nvSpPr>
-          <p:cNvPr id="10" name="Gleichschenkliges Dreieck 9"/>
-          <p:cNvSpPr/>
-          <p:nvPr/>
-        </p:nvSpPr>
-        <p:spPr>
-          <a:xfrm rot="5400000">
-            <a:off x="6521640" y="4949315"/>
-            <a:ext cx="896112" cy="859536"/>
-          </a:xfrm>
-          <a:prstGeom prst="triangle">
-            <a:avLst/>
-          </a:prstGeom>
-          <a:noFill/>
-          <a:ln>
-            <a:solidFill>
-              <a:srgbClr val="002060"/>
-            </a:solidFill>
-          </a:ln>
-        </p:spPr>
-        <p:style>
-          <a:lnRef idx="2">
-            <a:schemeClr val="accent1">
-              <a:shade val="50000"/>
-            </a:schemeClr>
-          </a:lnRef>
-          <a:fillRef idx="1">
-            <a:schemeClr val="accent1"/>
-          </a:fillRef>
-          <a:effectRef idx="0">
-            <a:schemeClr val="accent1"/>
-          </a:effectRef>
-          <a:fontRef idx="minor">
-            <a:schemeClr val="lt1"/>
-          </a:fontRef>
-        </p:style>
-        <p:txBody>
-          <a:bodyPr rtlCol="0" anchor="ctr"/>
-          <a:lstStyle/>
-          <a:p>
-            <a:pPr algn="ctr"/>
-            <a:endParaRPr lang="de-DE"/>
-          </a:p>
-        </p:txBody>
-      </p:sp>
-      <p:sp>
-        <p:nvSpPr>
-          <p:cNvPr id="11" name="Textfeld 10"/>
-          <p:cNvSpPr txBox="1"/>
-          <p:nvPr/>
-        </p:nvSpPr>
-        <p:spPr>
-          <a:xfrm>
-            <a:off x="7399464" y="3430671"/>
-            <a:ext cx="508152" cy="215444"/>
-          </a:xfrm>
-          <a:prstGeom prst="rect">
-            <a:avLst/>
-          </a:prstGeom>
-          <a:noFill/>
-        </p:spPr>
-        <p:txBody>
-          <a:bodyPr wrap="none" lIns="0" tIns="0" rIns="0" bIns="0" rtlCol="0">
-            <a:spAutoFit/>
-          </a:bodyPr>
-          <a:lstStyle/>
-          <a:p>
-            <a:r>
-              <a:rPr lang="de-DE" sz="1400" dirty="0" err="1" smtClean="0"/>
-              <a:t>P</a:t>
-            </a:r>
-            <a:r>
-              <a:rPr lang="de-DE" sz="1400" baseline="-25000" dirty="0" err="1" smtClean="0"/>
-              <a:t>th,conv</a:t>
-            </a:r>
-            <a:endParaRPr lang="de-DE" sz="1400" baseline="-25000" dirty="0" smtClean="0"/>
-          </a:p>
-        </p:txBody>
-      </p:sp>
-      <p:sp>
-        <p:nvSpPr>
-          <p:cNvPr id="12" name="Textfeld 11"/>
-          <p:cNvSpPr txBox="1"/>
-          <p:nvPr/>
-        </p:nvSpPr>
-        <p:spPr>
-          <a:xfrm>
-            <a:off x="7445184" y="4378075"/>
-            <a:ext cx="429605" cy="215444"/>
-          </a:xfrm>
-          <a:prstGeom prst="rect">
-            <a:avLst/>
-          </a:prstGeom>
-          <a:noFill/>
-        </p:spPr>
-        <p:txBody>
-          <a:bodyPr wrap="none" lIns="0" tIns="0" rIns="0" bIns="0" rtlCol="0">
-            <a:spAutoFit/>
-          </a:bodyPr>
-          <a:lstStyle/>
-          <a:p>
-            <a:r>
-              <a:rPr lang="de-DE" sz="1400" dirty="0" err="1" smtClean="0"/>
-              <a:t>P</a:t>
-            </a:r>
-            <a:r>
-              <a:rPr lang="de-DE" sz="1400" baseline="-25000" dirty="0" err="1" smtClean="0"/>
-              <a:t>th,rad</a:t>
-            </a:r>
-            <a:endParaRPr lang="de-DE" sz="1400" baseline="-25000" dirty="0" smtClean="0"/>
-          </a:p>
-        </p:txBody>
-      </p:sp>
-      <p:sp>
-        <p:nvSpPr>
-          <p:cNvPr id="13" name="Textfeld 12"/>
-          <p:cNvSpPr txBox="1"/>
-          <p:nvPr/>
-        </p:nvSpPr>
-        <p:spPr>
-          <a:xfrm>
-            <a:off x="7532712" y="5368527"/>
-            <a:ext cx="214802" cy="215444"/>
-          </a:xfrm>
-          <a:prstGeom prst="rect">
-            <a:avLst/>
-          </a:prstGeom>
-          <a:noFill/>
-        </p:spPr>
-        <p:txBody>
-          <a:bodyPr wrap="none" lIns="0" tIns="0" rIns="0" bIns="0" rtlCol="0">
-            <a:spAutoFit/>
-          </a:bodyPr>
-          <a:lstStyle/>
-          <a:p>
-            <a:r>
-              <a:rPr lang="de-DE" sz="1400" dirty="0" err="1" smtClean="0"/>
-              <a:t>P</a:t>
-            </a:r>
-            <a:r>
-              <a:rPr lang="de-DE" sz="1400" baseline="-25000" dirty="0" err="1" smtClean="0"/>
-              <a:t>el</a:t>
-            </a:r>
-            <a:endParaRPr lang="de-DE" sz="1400" baseline="-25000" dirty="0" smtClean="0"/>
           </a:p>
         </p:txBody>
       </p:sp>
     </p:spTree>
     <p:extLst>
       <p:ext uri="{BB962C8B-B14F-4D97-AF65-F5344CB8AC3E}">
-        <p14:creationId xmlns:p14="http://schemas.microsoft.com/office/powerpoint/2010/main" val="1158161634"/>
+        <p14:creationId xmlns:p14="http://schemas.microsoft.com/office/powerpoint/2010/main" val="3405665709"/>
       </p:ext>
     </p:extLst>
   </p:cSld>
@@ -14757,711 +16171,167 @@
           <a:lstStyle/>
           <a:p>
             <a:r>
+              <a:rPr lang="de-DE" dirty="0" err="1" smtClean="0"/>
+              <a:t>Some</a:t>
+            </a:r>
+            <a:r>
               <a:rPr lang="de-DE" dirty="0" smtClean="0"/>
-              <a:t>Internal </a:t>
+              <a:t> </a:t>
             </a:r>
             <a:r>
               <a:rPr lang="de-DE" dirty="0" err="1" smtClean="0"/>
-              <a:t>Gains</a:t>
+              <a:t>examples</a:t>
             </a:r>
             <a:r>
               <a:rPr lang="de-DE" dirty="0" smtClean="0"/>
-              <a:t> - </a:t>
+              <a:t> </a:t>
             </a:r>
             <a:r>
               <a:rPr lang="de-DE" dirty="0" err="1" smtClean="0"/>
-              <a:t>Lights</a:t>
+              <a:t>for</a:t>
+            </a:r>
+            <a:r>
+              <a:rPr lang="de-DE" dirty="0" smtClean="0"/>
+              <a:t> </a:t>
+            </a:r>
+            <a:r>
+              <a:rPr lang="de-DE" dirty="0" err="1" smtClean="0"/>
+              <a:t>setting</a:t>
+            </a:r>
+            <a:r>
+              <a:rPr lang="de-DE" dirty="0" smtClean="0"/>
+              <a:t> </a:t>
+            </a:r>
+            <a:r>
+              <a:rPr lang="de-DE" dirty="0" err="1" smtClean="0"/>
+              <a:t>parameters</a:t>
+            </a:r>
+            <a:r>
+              <a:rPr lang="de-DE" dirty="0" smtClean="0"/>
+              <a:t> </a:t>
+            </a:r>
+            <a:r>
+              <a:rPr lang="de-DE" dirty="0" err="1" smtClean="0"/>
+              <a:t>for</a:t>
+            </a:r>
+            <a:r>
+              <a:rPr lang="de-DE" dirty="0" smtClean="0"/>
+              <a:t> an </a:t>
+            </a:r>
+            <a:r>
+              <a:rPr lang="de-DE" dirty="0" err="1" smtClean="0"/>
+              <a:t>office</a:t>
+            </a:r>
+            <a:r>
+              <a:rPr lang="de-DE" dirty="0" smtClean="0"/>
+              <a:t> </a:t>
             </a:r>
             <a:endParaRPr lang="de-DE" dirty="0"/>
           </a:p>
         </p:txBody>
       </p:sp>
-      <p:graphicFrame>
-        <p:nvGraphicFramePr>
-          <p:cNvPr id="6" name="Tabelle 5"/>
-          <p:cNvGraphicFramePr>
-            <a:graphicFrameLocks noGrp="1"/>
-          </p:cNvGraphicFramePr>
+      <p:sp>
+        <p:nvSpPr>
+          <p:cNvPr id="5" name="Textplatzhalter 4"/>
+          <p:cNvSpPr>
+            <a:spLocks noGrp="1"/>
+          </p:cNvSpPr>
           <p:nvPr>
-            <p:extLst>
-              <p:ext uri="{D42A27DB-BD31-4B8C-83A1-F6EECF244321}">
-                <p14:modId xmlns:p14="http://schemas.microsoft.com/office/powerpoint/2010/main" val="2196958751"/>
-              </p:ext>
-            </p:extLst>
+            <p:ph type="body" sz="quarter" idx="13"/>
           </p:nvPr>
-        </p:nvGraphicFramePr>
-        <p:xfrm>
-          <a:off x="287338" y="871201"/>
-          <a:ext cx="7762315" cy="2712720"/>
-        </p:xfrm>
-        <a:graphic>
-          <a:graphicData uri="http://schemas.openxmlformats.org/drawingml/2006/table">
-            <a:tbl>
-              <a:tblPr firstRow="1" bandRow="1">
-                <a:tableStyleId>{5C22544A-7EE6-4342-B048-85BDC9FD1C3A}</a:tableStyleId>
-              </a:tblPr>
-              <a:tblGrid>
-                <a:gridCol w="1799275">
-                  <a:extLst>
-                    <a:ext uri="{9D8B030D-6E8A-4147-A177-3AD203B41FA5}">
-                      <a16:colId xmlns:a16="http://schemas.microsoft.com/office/drawing/2014/main" val="1258899401"/>
-                    </a:ext>
-                  </a:extLst>
-                </a:gridCol>
-                <a:gridCol w="2081882">
-                  <a:extLst>
-                    <a:ext uri="{9D8B030D-6E8A-4147-A177-3AD203B41FA5}">
-                      <a16:colId xmlns:a16="http://schemas.microsoft.com/office/drawing/2014/main" val="482138169"/>
-                    </a:ext>
-                  </a:extLst>
-                </a:gridCol>
-                <a:gridCol w="1940579">
-                  <a:extLst>
-                    <a:ext uri="{9D8B030D-6E8A-4147-A177-3AD203B41FA5}">
-                      <a16:colId xmlns:a16="http://schemas.microsoft.com/office/drawing/2014/main" val="2403625914"/>
-                    </a:ext>
-                  </a:extLst>
-                </a:gridCol>
-                <a:gridCol w="1940579">
-                  <a:extLst>
-                    <a:ext uri="{9D8B030D-6E8A-4147-A177-3AD203B41FA5}">
-                      <a16:colId xmlns:a16="http://schemas.microsoft.com/office/drawing/2014/main" val="2926720380"/>
-                    </a:ext>
-                  </a:extLst>
-                </a:gridCol>
-              </a:tblGrid>
-              <a:tr h="505729">
-                <a:tc>
-                  <a:txBody>
-                    <a:bodyPr/>
-                    <a:lstStyle/>
-                    <a:p>
-                      <a:r>
-                        <a:rPr lang="de-DE" sz="1400" dirty="0" smtClean="0"/>
-                        <a:t>Zone</a:t>
-                      </a:r>
-                      <a:endParaRPr lang="de-DE" sz="1400" dirty="0"/>
-                    </a:p>
-                  </a:txBody>
-                  <a:tcPr/>
-                </a:tc>
-                <a:tc>
-                  <a:txBody>
-                    <a:bodyPr/>
-                    <a:lstStyle/>
-                    <a:p>
-                      <a:r>
-                        <a:rPr lang="de-DE" sz="1400" dirty="0" err="1" smtClean="0"/>
-                        <a:t>Heat</a:t>
-                      </a:r>
-                      <a:r>
-                        <a:rPr lang="de-DE" sz="1400" dirty="0" smtClean="0"/>
-                        <a:t> </a:t>
-                      </a:r>
-                      <a:r>
-                        <a:rPr lang="de-DE" sz="1400" dirty="0" err="1" smtClean="0"/>
-                        <a:t>load</a:t>
-                      </a:r>
-                      <a:endParaRPr lang="de-DE" sz="1400" dirty="0" smtClean="0"/>
-                    </a:p>
-                  </a:txBody>
-                  <a:tcPr/>
-                </a:tc>
-                <a:tc>
-                  <a:txBody>
-                    <a:bodyPr/>
-                    <a:lstStyle/>
-                    <a:p>
-                      <a:pPr marL="0" marR="0" lvl="0" indent="0" algn="l" defTabSz="914400" rtl="0" eaLnBrk="1" fontAlgn="auto" latinLnBrk="0" hangingPunct="1">
-                        <a:lnSpc>
-                          <a:spcPct val="100000"/>
-                        </a:lnSpc>
-                        <a:spcBef>
-                          <a:spcPts val="0"/>
-                        </a:spcBef>
-                        <a:spcAft>
-                          <a:spcPts val="0"/>
-                        </a:spcAft>
-                        <a:buClrTx/>
-                        <a:buSzTx/>
-                        <a:buFontTx/>
-                        <a:buNone/>
-                        <a:tabLst/>
-                        <a:defRPr/>
-                      </a:pPr>
-                      <a:r>
-                        <a:rPr lang="de-DE" sz="1400" dirty="0" err="1" smtClean="0"/>
-                        <a:t>Energy</a:t>
-                      </a:r>
-                      <a:r>
-                        <a:rPr lang="de-DE" sz="1400" dirty="0" smtClean="0"/>
-                        <a:t> </a:t>
-                      </a:r>
-                      <a:r>
-                        <a:rPr lang="de-DE" sz="1400" dirty="0" err="1" smtClean="0"/>
-                        <a:t>requirement</a:t>
-                      </a:r>
-                      <a:endParaRPr lang="de-DE" sz="1400" dirty="0" smtClean="0"/>
-                    </a:p>
-                    <a:p>
-                      <a:endParaRPr lang="de-DE" sz="1400" dirty="0"/>
-                    </a:p>
-                  </a:txBody>
-                  <a:tcPr/>
-                </a:tc>
-                <a:tc>
-                  <a:txBody>
-                    <a:bodyPr/>
-                    <a:lstStyle/>
-                    <a:p>
-                      <a:r>
-                        <a:rPr lang="de-DE" sz="1400" dirty="0" smtClean="0"/>
-                        <a:t>Source</a:t>
-                      </a:r>
-                      <a:endParaRPr lang="de-DE" sz="1400" dirty="0"/>
-                    </a:p>
-                  </a:txBody>
-                  <a:tcPr/>
-                </a:tc>
-                <a:extLst>
-                  <a:ext uri="{0D108BD9-81ED-4DB2-BD59-A6C34878D82A}">
-                    <a16:rowId xmlns:a16="http://schemas.microsoft.com/office/drawing/2014/main" val="2230489546"/>
-                  </a:ext>
-                </a:extLst>
-              </a:tr>
-              <a:tr h="899239">
-                <a:tc rowSpan="3">
-                  <a:txBody>
-                    <a:bodyPr/>
-                    <a:lstStyle/>
-                    <a:p>
-                      <a:r>
-                        <a:rPr lang="de-DE" sz="1400" dirty="0" smtClean="0"/>
-                        <a:t>Office</a:t>
-                      </a:r>
-                    </a:p>
-                  </a:txBody>
-                  <a:tcPr/>
-                </a:tc>
-                <a:tc>
-                  <a:txBody>
-                    <a:bodyPr/>
-                    <a:lstStyle/>
-                    <a:p>
-                      <a:r>
-                        <a:rPr lang="de-DE" sz="1400" dirty="0" smtClean="0"/>
-                        <a:t>500 lx</a:t>
-                      </a:r>
-                    </a:p>
-                    <a:p>
-                      <a:r>
-                        <a:rPr lang="de-DE" sz="1400" baseline="0" dirty="0" smtClean="0"/>
-                        <a:t>0.8 m</a:t>
-                      </a:r>
-                      <a:endParaRPr lang="de-DE" sz="1400" baseline="0" dirty="0"/>
-                    </a:p>
-                  </a:txBody>
-                  <a:tcPr/>
-                </a:tc>
-                <a:tc>
-                  <a:txBody>
-                    <a:bodyPr/>
-                    <a:lstStyle/>
-                    <a:p>
-                      <a:r>
-                        <a:rPr lang="de-DE" sz="1400" dirty="0" smtClean="0"/>
-                        <a:t>25 </a:t>
-                      </a:r>
-                      <a:r>
-                        <a:rPr lang="de-DE" sz="1400" dirty="0" err="1" smtClean="0"/>
-                        <a:t>Wel</a:t>
-                      </a:r>
-                      <a:r>
-                        <a:rPr lang="de-DE" sz="1400" dirty="0" smtClean="0"/>
-                        <a:t>/m</a:t>
-                      </a:r>
-                      <a:r>
-                        <a:rPr lang="de-DE" sz="1400" baseline="30000" dirty="0" smtClean="0"/>
-                        <a:t>2</a:t>
-                      </a:r>
-                      <a:r>
-                        <a:rPr lang="de-DE" sz="1400" dirty="0" smtClean="0"/>
-                        <a:t> – Halogen</a:t>
-                      </a:r>
-                    </a:p>
-                    <a:p>
-                      <a:r>
-                        <a:rPr lang="de-DE" sz="1400" dirty="0" smtClean="0"/>
-                        <a:t>9 </a:t>
-                      </a:r>
-                      <a:r>
-                        <a:rPr lang="de-DE" sz="1400" dirty="0" err="1" smtClean="0"/>
-                        <a:t>Wel</a:t>
-                      </a:r>
-                      <a:r>
-                        <a:rPr lang="de-DE" sz="1400" dirty="0" smtClean="0"/>
-                        <a:t>/m</a:t>
-                      </a:r>
-                      <a:r>
-                        <a:rPr lang="de-DE" sz="1400" baseline="30000" dirty="0" smtClean="0"/>
-                        <a:t>2</a:t>
-                      </a:r>
-                      <a:r>
-                        <a:rPr lang="de-DE" sz="1400" dirty="0" smtClean="0"/>
-                        <a:t> – </a:t>
-                      </a:r>
-                      <a:r>
-                        <a:rPr lang="de-DE" sz="1400" dirty="0" err="1" smtClean="0"/>
-                        <a:t>Flourescent</a:t>
-                      </a:r>
-                      <a:endParaRPr lang="de-DE" sz="1400" dirty="0" smtClean="0"/>
-                    </a:p>
-                    <a:p>
-                      <a:r>
-                        <a:rPr lang="de-DE" sz="1400" dirty="0" smtClean="0"/>
-                        <a:t>5 </a:t>
-                      </a:r>
-                      <a:r>
-                        <a:rPr lang="de-DE" sz="1400" dirty="0" err="1" smtClean="0"/>
-                        <a:t>Wel</a:t>
-                      </a:r>
-                      <a:r>
-                        <a:rPr lang="de-DE" sz="1400" dirty="0" smtClean="0"/>
-                        <a:t>/m</a:t>
-                      </a:r>
-                      <a:r>
-                        <a:rPr lang="de-DE" sz="1400" baseline="30000" dirty="0" smtClean="0"/>
-                        <a:t>2</a:t>
-                      </a:r>
-                      <a:r>
-                        <a:rPr lang="de-DE" sz="1400" dirty="0" smtClean="0"/>
-                        <a:t> – LED</a:t>
-                      </a:r>
-                    </a:p>
-                  </a:txBody>
-                  <a:tcPr/>
-                </a:tc>
-                <a:tc>
-                  <a:txBody>
-                    <a:bodyPr/>
-                    <a:lstStyle/>
-                    <a:p>
-                      <a:pPr marL="0" marR="0" lvl="0" indent="0" algn="l" defTabSz="914400" rtl="0" eaLnBrk="1" fontAlgn="auto" latinLnBrk="0" hangingPunct="1">
-                        <a:lnSpc>
-                          <a:spcPct val="100000"/>
-                        </a:lnSpc>
-                        <a:spcBef>
-                          <a:spcPts val="0"/>
-                        </a:spcBef>
-                        <a:spcAft>
-                          <a:spcPts val="0"/>
-                        </a:spcAft>
-                        <a:buClrTx/>
-                        <a:buSzTx/>
-                        <a:buFontTx/>
-                        <a:buNone/>
-                        <a:tabLst/>
-                        <a:defRPr/>
-                      </a:pPr>
-                      <a:r>
-                        <a:rPr lang="de-DE" sz="1400" dirty="0" smtClean="0"/>
-                        <a:t>DIN 18599-10.2 (</a:t>
-                      </a:r>
-                      <a:r>
-                        <a:rPr lang="de-DE" sz="1400" dirty="0" smtClean="0"/>
-                        <a:t>A2)</a:t>
-                      </a:r>
-                      <a:endParaRPr lang="de-DE" sz="1400" dirty="0" smtClean="0"/>
-                    </a:p>
-                    <a:p>
-                      <a:pPr marL="0" marR="0" lvl="0" indent="0" algn="l" defTabSz="914400" rtl="0" eaLnBrk="1" fontAlgn="auto" latinLnBrk="0" hangingPunct="1">
-                        <a:lnSpc>
-                          <a:spcPct val="100000"/>
-                        </a:lnSpc>
-                        <a:spcBef>
-                          <a:spcPts val="0"/>
-                        </a:spcBef>
-                        <a:spcAft>
-                          <a:spcPts val="0"/>
-                        </a:spcAft>
-                        <a:buClrTx/>
-                        <a:buSzTx/>
-                        <a:buFontTx/>
-                        <a:buNone/>
-                        <a:tabLst/>
-                        <a:defRPr/>
-                      </a:pPr>
-                      <a:r>
-                        <a:rPr lang="de-DE" sz="1400" dirty="0" smtClean="0"/>
-                        <a:t>CommONEnergy2013</a:t>
-                      </a:r>
-                    </a:p>
-                    <a:p>
-                      <a:pPr marL="0" marR="0" lvl="0" indent="0" algn="l" defTabSz="914400" rtl="0" eaLnBrk="1" fontAlgn="auto" latinLnBrk="0" hangingPunct="1">
-                        <a:lnSpc>
-                          <a:spcPct val="100000"/>
-                        </a:lnSpc>
-                        <a:spcBef>
-                          <a:spcPts val="0"/>
-                        </a:spcBef>
-                        <a:spcAft>
-                          <a:spcPts val="0"/>
-                        </a:spcAft>
-                        <a:buClrTx/>
-                        <a:buSzTx/>
-                        <a:buFontTx/>
-                        <a:buNone/>
-                        <a:tabLst/>
-                        <a:defRPr/>
-                      </a:pPr>
-                      <a:r>
-                        <a:rPr lang="de-DE" sz="1400" dirty="0" smtClean="0"/>
-                        <a:t>(</a:t>
-                      </a:r>
-                      <a:r>
-                        <a:rPr lang="de-DE" sz="1400" dirty="0" err="1" smtClean="0"/>
-                        <a:t>Fig</a:t>
-                      </a:r>
-                      <a:r>
-                        <a:rPr lang="de-DE" sz="1400" dirty="0" smtClean="0"/>
-                        <a:t> 38, Page 64)</a:t>
-                      </a:r>
-                    </a:p>
-                  </a:txBody>
-                  <a:tcPr/>
-                </a:tc>
-                <a:extLst>
-                  <a:ext uri="{0D108BD9-81ED-4DB2-BD59-A6C34878D82A}">
-                    <a16:rowId xmlns:a16="http://schemas.microsoft.com/office/drawing/2014/main" val="4189780839"/>
-                  </a:ext>
-                </a:extLst>
-              </a:tr>
-              <a:tr h="493131">
-                <a:tc vMerge="1">
-                  <a:txBody>
-                    <a:bodyPr/>
-                    <a:lstStyle/>
-                    <a:p>
-                      <a:endParaRPr lang="de-DE"/>
-                    </a:p>
-                  </a:txBody>
-                  <a:tcPr/>
-                </a:tc>
-                <a:tc>
-                  <a:txBody>
-                    <a:bodyPr/>
-                    <a:lstStyle/>
-                    <a:p>
-                      <a:pPr marL="0" marR="0" lvl="0" indent="0" algn="l" defTabSz="914400" rtl="0" eaLnBrk="1" fontAlgn="auto" latinLnBrk="0" hangingPunct="1">
-                        <a:lnSpc>
-                          <a:spcPct val="100000"/>
-                        </a:lnSpc>
-                        <a:spcBef>
-                          <a:spcPts val="0"/>
-                        </a:spcBef>
-                        <a:spcAft>
-                          <a:spcPts val="0"/>
-                        </a:spcAft>
-                        <a:buClrTx/>
-                        <a:buSzTx/>
-                        <a:buFontTx/>
-                        <a:buNone/>
-                        <a:tabLst/>
-                        <a:defRPr/>
-                      </a:pPr>
-                      <a:r>
-                        <a:rPr lang="de-DE" sz="1400" kern="1200" baseline="0" dirty="0" smtClean="0">
-                          <a:solidFill>
-                            <a:schemeClr val="dk1"/>
-                          </a:solidFill>
-                          <a:latin typeface="+mn-lt"/>
-                          <a:ea typeface="+mn-ea"/>
-                          <a:cs typeface="+mn-cs"/>
-                        </a:rPr>
-                        <a:t>12 </a:t>
-                      </a:r>
-                      <a:r>
-                        <a:rPr lang="de-DE" sz="1400" baseline="0" dirty="0" err="1" smtClean="0"/>
-                        <a:t>Wth</a:t>
-                      </a:r>
-                      <a:r>
-                        <a:rPr lang="de-DE" sz="1400" baseline="0" dirty="0" smtClean="0"/>
-                        <a:t>/m</a:t>
-                      </a:r>
-                      <a:r>
-                        <a:rPr lang="de-DE" sz="1400" baseline="30000" dirty="0" smtClean="0"/>
-                        <a:t>2</a:t>
-                      </a:r>
-                      <a:endParaRPr lang="de-DE" sz="1400" kern="1200" baseline="0" dirty="0" smtClean="0">
-                        <a:solidFill>
-                          <a:schemeClr val="dk1"/>
-                        </a:solidFill>
-                        <a:latin typeface="+mn-lt"/>
-                        <a:ea typeface="+mn-ea"/>
-                        <a:cs typeface="+mn-cs"/>
-                      </a:endParaRPr>
-                    </a:p>
-                  </a:txBody>
-                  <a:tcPr/>
-                </a:tc>
-                <a:tc>
-                  <a:txBody>
-                    <a:bodyPr/>
-                    <a:lstStyle/>
-                    <a:p>
-                      <a:pPr marL="0" marR="0" lvl="0" indent="0" algn="l" defTabSz="914400" rtl="0" eaLnBrk="1" fontAlgn="auto" latinLnBrk="0" hangingPunct="1">
-                        <a:lnSpc>
-                          <a:spcPct val="100000"/>
-                        </a:lnSpc>
-                        <a:spcBef>
-                          <a:spcPts val="0"/>
-                        </a:spcBef>
-                        <a:spcAft>
-                          <a:spcPts val="0"/>
-                        </a:spcAft>
-                        <a:buClrTx/>
-                        <a:buSzTx/>
-                        <a:buFontTx/>
-                        <a:buNone/>
-                        <a:tabLst/>
-                        <a:defRPr/>
-                      </a:pPr>
-                      <a:r>
-                        <a:rPr lang="de-DE" sz="1400" dirty="0" smtClean="0"/>
-                        <a:t>13 </a:t>
-                      </a:r>
-                      <a:r>
-                        <a:rPr lang="de-DE" sz="1400" baseline="0" dirty="0" err="1" smtClean="0"/>
-                        <a:t>Wel</a:t>
-                      </a:r>
-                      <a:r>
-                        <a:rPr lang="de-DE" sz="1400" baseline="0" dirty="0" smtClean="0"/>
-                        <a:t>/m</a:t>
-                      </a:r>
-                      <a:r>
-                        <a:rPr lang="de-DE" sz="1400" baseline="30000" dirty="0" smtClean="0"/>
-                        <a:t>2</a:t>
-                      </a:r>
-                      <a:endParaRPr lang="de-DE" sz="1400" kern="1200" baseline="0" dirty="0" smtClean="0">
-                        <a:solidFill>
-                          <a:schemeClr val="dk1"/>
-                        </a:solidFill>
-                        <a:latin typeface="+mn-lt"/>
-                        <a:ea typeface="+mn-ea"/>
-                        <a:cs typeface="+mn-cs"/>
-                      </a:endParaRPr>
-                    </a:p>
-                    <a:p>
-                      <a:r>
-                        <a:rPr lang="de-DE" sz="1400" dirty="0" smtClean="0"/>
-                        <a:t>90%</a:t>
-                      </a:r>
-                      <a:r>
-                        <a:rPr lang="de-DE" sz="1400" baseline="0" dirty="0" smtClean="0"/>
-                        <a:t> @[WWW1]</a:t>
-                      </a:r>
-                      <a:endParaRPr lang="de-DE" sz="1400" dirty="0" smtClean="0"/>
-                    </a:p>
-                  </a:txBody>
-                  <a:tcPr/>
-                </a:tc>
-                <a:tc>
-                  <a:txBody>
-                    <a:bodyPr/>
-                    <a:lstStyle/>
-                    <a:p>
-                      <a:pPr marL="0" marR="0" lvl="0" indent="0" algn="l" defTabSz="914400" rtl="0" eaLnBrk="1" fontAlgn="auto" latinLnBrk="0" hangingPunct="1">
-                        <a:lnSpc>
-                          <a:spcPct val="100000"/>
-                        </a:lnSpc>
-                        <a:spcBef>
-                          <a:spcPts val="0"/>
-                        </a:spcBef>
-                        <a:spcAft>
-                          <a:spcPts val="0"/>
-                        </a:spcAft>
-                        <a:buClrTx/>
-                        <a:buSzTx/>
-                        <a:buFontTx/>
-                        <a:buNone/>
-                        <a:tabLst/>
-                        <a:defRPr/>
-                      </a:pPr>
-                      <a:r>
-                        <a:rPr lang="de-DE" sz="1400" dirty="0" smtClean="0"/>
-                        <a:t>Clark2015, Table A2, US </a:t>
-                      </a:r>
-                    </a:p>
-                  </a:txBody>
-                  <a:tcPr/>
-                </a:tc>
-                <a:extLst>
-                  <a:ext uri="{0D108BD9-81ED-4DB2-BD59-A6C34878D82A}">
-                    <a16:rowId xmlns:a16="http://schemas.microsoft.com/office/drawing/2014/main" val="2504331354"/>
-                  </a:ext>
-                </a:extLst>
-              </a:tr>
-              <a:tr h="696185">
-                <a:tc vMerge="1">
-                  <a:txBody>
-                    <a:bodyPr/>
-                    <a:lstStyle/>
-                    <a:p>
-                      <a:endParaRPr lang="de-DE" sz="1400" dirty="0" smtClean="0"/>
-                    </a:p>
-                  </a:txBody>
-                  <a:tcPr/>
-                </a:tc>
-                <a:tc>
-                  <a:txBody>
-                    <a:bodyPr/>
-                    <a:lstStyle/>
-                    <a:p>
-                      <a:pPr marL="0" algn="l" defTabSz="914400" rtl="0" eaLnBrk="1" latinLnBrk="0" hangingPunct="1"/>
-                      <a:endParaRPr lang="de-DE" sz="1400" kern="1200" baseline="0" dirty="0">
-                        <a:solidFill>
-                          <a:schemeClr val="dk1"/>
-                        </a:solidFill>
-                        <a:latin typeface="+mn-lt"/>
-                        <a:ea typeface="+mn-ea"/>
-                        <a:cs typeface="+mn-cs"/>
-                      </a:endParaRPr>
-                    </a:p>
-                  </a:txBody>
-                  <a:tcPr/>
-                </a:tc>
-                <a:tc>
-                  <a:txBody>
-                    <a:bodyPr/>
-                    <a:lstStyle/>
-                    <a:p>
-                      <a:pPr marL="0" marR="0" lvl="0" indent="0" algn="l" defTabSz="914400" rtl="0" eaLnBrk="1" fontAlgn="auto" latinLnBrk="0" hangingPunct="1">
-                        <a:lnSpc>
-                          <a:spcPct val="100000"/>
-                        </a:lnSpc>
-                        <a:spcBef>
-                          <a:spcPts val="0"/>
-                        </a:spcBef>
-                        <a:spcAft>
-                          <a:spcPts val="0"/>
-                        </a:spcAft>
-                        <a:buClrTx/>
-                        <a:buSzTx/>
-                        <a:buFontTx/>
-                        <a:buNone/>
-                        <a:tabLst/>
-                        <a:defRPr/>
-                      </a:pPr>
-                      <a:r>
-                        <a:rPr lang="de-DE" sz="1400" kern="1200" baseline="0" dirty="0" smtClean="0">
-                          <a:solidFill>
-                            <a:schemeClr val="dk1"/>
-                          </a:solidFill>
-                          <a:latin typeface="+mn-lt"/>
-                          <a:ea typeface="+mn-ea"/>
-                          <a:cs typeface="+mn-cs"/>
-                        </a:rPr>
-                        <a:t>47 / 41 / 22 / 13 / 8 </a:t>
-                      </a:r>
-                      <a:r>
-                        <a:rPr lang="de-DE" sz="1400" baseline="0" dirty="0" err="1" smtClean="0"/>
-                        <a:t>Wel</a:t>
-                      </a:r>
-                      <a:r>
-                        <a:rPr lang="de-DE" sz="1400" baseline="0" dirty="0" smtClean="0"/>
-                        <a:t>/m</a:t>
-                      </a:r>
-                      <a:r>
-                        <a:rPr lang="de-DE" sz="1400" baseline="30000" dirty="0" smtClean="0"/>
-                        <a:t>2</a:t>
-                      </a:r>
-                    </a:p>
-                  </a:txBody>
-                  <a:tcPr/>
-                </a:tc>
-                <a:tc>
-                  <a:txBody>
-                    <a:bodyPr/>
-                    <a:lstStyle/>
-                    <a:p>
-                      <a:pPr marL="0" marR="0" lvl="0" indent="0" algn="l" defTabSz="914400" rtl="0" eaLnBrk="1" fontAlgn="auto" latinLnBrk="0" hangingPunct="1">
-                        <a:lnSpc>
-                          <a:spcPct val="100000"/>
-                        </a:lnSpc>
-                        <a:spcBef>
-                          <a:spcPts val="0"/>
-                        </a:spcBef>
-                        <a:spcAft>
-                          <a:spcPts val="0"/>
-                        </a:spcAft>
-                        <a:buClrTx/>
-                        <a:buSzTx/>
-                        <a:buFontTx/>
-                        <a:buNone/>
-                        <a:tabLst/>
-                        <a:defRPr/>
-                      </a:pPr>
-                      <a:r>
-                        <a:rPr lang="de-DE" sz="1400" dirty="0" smtClean="0"/>
-                        <a:t>VDI 3807-4,</a:t>
-                      </a:r>
-                      <a:r>
-                        <a:rPr lang="de-DE" sz="1400" baseline="0" dirty="0" smtClean="0"/>
-                        <a:t> Table 3, (2</a:t>
-                      </a:r>
-                      <a:r>
-                        <a:rPr lang="de-DE" sz="1400" kern="1200" baseline="0" dirty="0" smtClean="0">
-                          <a:solidFill>
-                            <a:schemeClr val="dk1"/>
-                          </a:solidFill>
-                          <a:latin typeface="+mn-lt"/>
-                          <a:ea typeface="+mn-ea"/>
-                          <a:cs typeface="+mn-cs"/>
-                        </a:rPr>
-                        <a:t>)</a:t>
-                      </a:r>
-                    </a:p>
-                    <a:p>
-                      <a:pPr marL="0" marR="0" lvl="0" indent="0" algn="l" defTabSz="914400" rtl="0" eaLnBrk="1" fontAlgn="auto" latinLnBrk="0" hangingPunct="1">
-                        <a:lnSpc>
-                          <a:spcPct val="100000"/>
-                        </a:lnSpc>
-                        <a:spcBef>
-                          <a:spcPts val="0"/>
-                        </a:spcBef>
-                        <a:spcAft>
-                          <a:spcPts val="0"/>
-                        </a:spcAft>
-                        <a:buClrTx/>
-                        <a:buSzTx/>
-                        <a:buFontTx/>
-                        <a:buNone/>
-                        <a:tabLst/>
-                        <a:defRPr/>
-                      </a:pPr>
-                      <a:r>
-                        <a:rPr lang="de-DE" sz="1400" baseline="0" dirty="0" smtClean="0"/>
-                        <a:t>GER</a:t>
-                      </a:r>
-                      <a:endParaRPr lang="de-DE" sz="1400" dirty="0" smtClean="0"/>
-                    </a:p>
-                  </a:txBody>
-                  <a:tcPr/>
-                </a:tc>
-                <a:extLst>
-                  <a:ext uri="{0D108BD9-81ED-4DB2-BD59-A6C34878D82A}">
-                    <a16:rowId xmlns:a16="http://schemas.microsoft.com/office/drawing/2014/main" val="2623509467"/>
-                  </a:ext>
-                </a:extLst>
-              </a:tr>
-            </a:tbl>
-          </a:graphicData>
-        </a:graphic>
-      </p:graphicFrame>
+        </p:nvSpPr>
+        <p:spPr/>
+        <p:txBody>
+          <a:bodyPr/>
+          <a:lstStyle/>
+          <a:p>
+            <a:r>
+              <a:rPr lang="en-US" dirty="0" smtClean="0"/>
+              <a:t>Sources for the values are given and detailed at the end of the presentation in the Bibliography</a:t>
+            </a:r>
+          </a:p>
+          <a:p>
+            <a:r>
+              <a:rPr lang="en-US" dirty="0" smtClean="0"/>
+              <a:t>Internal gains</a:t>
+            </a:r>
+          </a:p>
+          <a:p>
+            <a:pPr lvl="1"/>
+            <a:r>
+              <a:rPr lang="en-US" dirty="0" smtClean="0"/>
+              <a:t>Persons</a:t>
+            </a:r>
+          </a:p>
+          <a:p>
+            <a:pPr lvl="2"/>
+            <a:r>
+              <a:rPr lang="en-US" dirty="0" smtClean="0"/>
+              <a:t>Density</a:t>
+            </a:r>
+          </a:p>
+          <a:p>
+            <a:pPr lvl="2"/>
+            <a:r>
+              <a:rPr lang="en-US" dirty="0" smtClean="0"/>
+              <a:t>Schedule – in the simulation model a simpler profile 09:00 – 17:00 is used</a:t>
+            </a:r>
+          </a:p>
+          <a:p>
+            <a:pPr lvl="1"/>
+            <a:r>
+              <a:rPr lang="en-US" dirty="0" smtClean="0"/>
+              <a:t>Lights &amp; electrical appliances</a:t>
+            </a:r>
+          </a:p>
+          <a:p>
+            <a:pPr lvl="2"/>
+            <a:r>
+              <a:rPr lang="en-US" dirty="0" smtClean="0"/>
+              <a:t>Modelling</a:t>
+            </a:r>
+          </a:p>
+          <a:p>
+            <a:pPr lvl="2"/>
+            <a:r>
+              <a:rPr lang="en-US" dirty="0" smtClean="0"/>
+              <a:t>Types</a:t>
+            </a:r>
+          </a:p>
+          <a:p>
+            <a:pPr lvl="2"/>
+            <a:r>
+              <a:rPr lang="en-US" dirty="0" smtClean="0"/>
+              <a:t>Schedule - in the simulation model a simpler profile 09:00 – 17:00 is used</a:t>
+            </a:r>
+          </a:p>
+          <a:p>
+            <a:r>
+              <a:rPr lang="en-US" dirty="0" smtClean="0"/>
+              <a:t>Energy system</a:t>
+            </a:r>
+          </a:p>
+          <a:p>
+            <a:pPr lvl="1"/>
+            <a:r>
+              <a:rPr lang="en-US" dirty="0" smtClean="0"/>
+              <a:t>Efficiency for different types of equipment</a:t>
+            </a:r>
+          </a:p>
+          <a:p>
+            <a:pPr lvl="1"/>
+            <a:r>
+              <a:rPr lang="en-US" dirty="0" smtClean="0"/>
+              <a:t>Control: set temperatures </a:t>
+            </a:r>
+            <a:endParaRPr lang="en-US" dirty="0"/>
+          </a:p>
+        </p:txBody>
+      </p:sp>
     </p:spTree>
     <p:extLst>
       <p:ext uri="{BB962C8B-B14F-4D97-AF65-F5344CB8AC3E}">
-        <p14:creationId xmlns:p14="http://schemas.microsoft.com/office/powerpoint/2010/main" val="4144621011"/>
+        <p14:creationId xmlns:p14="http://schemas.microsoft.com/office/powerpoint/2010/main" val="1862215994"/>
       </p:ext>
     </p:extLst>
   </p:cSld>

--- a/AixLib/Resources/PlugNHarvest/Presentation PlugNHarvest Model.pptx
+++ b/AixLib/Resources/PlugNHarvest/Presentation PlugNHarvest Model.pptx
@@ -6,35 +6,37 @@
     <p:sldMasterId id="2147483793" r:id="rId2"/>
   </p:sldMasterIdLst>
   <p:notesMasterIdLst>
-    <p:notesMasterId r:id="rId26"/>
+    <p:notesMasterId r:id="rId28"/>
   </p:notesMasterIdLst>
   <p:handoutMasterIdLst>
-    <p:handoutMasterId r:id="rId27"/>
+    <p:handoutMasterId r:id="rId29"/>
   </p:handoutMasterIdLst>
   <p:sldIdLst>
     <p:sldId id="309" r:id="rId3"/>
-    <p:sldId id="344" r:id="rId4"/>
-    <p:sldId id="328" r:id="rId5"/>
-    <p:sldId id="277" r:id="rId6"/>
-    <p:sldId id="345" r:id="rId7"/>
-    <p:sldId id="329" r:id="rId8"/>
-    <p:sldId id="346" r:id="rId9"/>
-    <p:sldId id="347" r:id="rId10"/>
-    <p:sldId id="348" r:id="rId11"/>
-    <p:sldId id="339" r:id="rId12"/>
-    <p:sldId id="338" r:id="rId13"/>
-    <p:sldId id="340" r:id="rId14"/>
-    <p:sldId id="335" r:id="rId15"/>
-    <p:sldId id="330" r:id="rId16"/>
-    <p:sldId id="331" r:id="rId17"/>
-    <p:sldId id="332" r:id="rId18"/>
-    <p:sldId id="336" r:id="rId19"/>
-    <p:sldId id="337" r:id="rId20"/>
-    <p:sldId id="342" r:id="rId21"/>
-    <p:sldId id="343" r:id="rId22"/>
-    <p:sldId id="333" r:id="rId23"/>
-    <p:sldId id="334" r:id="rId24"/>
-    <p:sldId id="327" r:id="rId25"/>
+    <p:sldId id="349" r:id="rId4"/>
+    <p:sldId id="350" r:id="rId5"/>
+    <p:sldId id="351" r:id="rId6"/>
+    <p:sldId id="344" r:id="rId7"/>
+    <p:sldId id="328" r:id="rId8"/>
+    <p:sldId id="277" r:id="rId9"/>
+    <p:sldId id="345" r:id="rId10"/>
+    <p:sldId id="329" r:id="rId11"/>
+    <p:sldId id="346" r:id="rId12"/>
+    <p:sldId id="347" r:id="rId13"/>
+    <p:sldId id="348" r:id="rId14"/>
+    <p:sldId id="339" r:id="rId15"/>
+    <p:sldId id="338" r:id="rId16"/>
+    <p:sldId id="340" r:id="rId17"/>
+    <p:sldId id="335" r:id="rId18"/>
+    <p:sldId id="330" r:id="rId19"/>
+    <p:sldId id="331" r:id="rId20"/>
+    <p:sldId id="332" r:id="rId21"/>
+    <p:sldId id="336" r:id="rId22"/>
+    <p:sldId id="337" r:id="rId23"/>
+    <p:sldId id="342" r:id="rId24"/>
+    <p:sldId id="343" r:id="rId25"/>
+    <p:sldId id="333" r:id="rId26"/>
+    <p:sldId id="334" r:id="rId27"/>
   </p:sldIdLst>
   <p:sldSz cx="9144000" cy="6858000" type="screen4x3"/>
   <p:notesSz cx="6797675" cy="9856788"/>
@@ -344,7 +346,7 @@
               <a:pPr>
                 <a:defRPr/>
               </a:pPr>
-              <a:t>13.05.2019</a:t>
+              <a:t>14.05.2019</a:t>
             </a:fld>
             <a:endParaRPr lang="de-DE" sz="1000" dirty="0">
               <a:latin typeface="Arial" pitchFamily="34" charset="0"/>
@@ -573,7 +575,7 @@
               <a:pPr>
                 <a:defRPr/>
               </a:pPr>
-              <a:t>13.05.2019</a:t>
+              <a:t>14.05.2019</a:t>
             </a:fld>
             <a:endParaRPr lang="de-DE" dirty="0"/>
           </a:p>
@@ -5629,6 +5631,134 @@
 </p:sldLayout>
 </file>
 
+<file path=ppt/slideLayouts/slideLayout19.xml><?xml version="1.0" encoding="utf-8"?>
+<p:sldLayout xmlns:a="http://schemas.openxmlformats.org/drawingml/2006/main" xmlns:r="http://schemas.openxmlformats.org/officeDocument/2006/relationships" xmlns:p="http://schemas.openxmlformats.org/presentationml/2006/main" userDrawn="1">
+  <p:cSld name="Text">
+    <p:spTree>
+      <p:nvGrpSpPr>
+        <p:cNvPr id="1" name=""/>
+        <p:cNvGrpSpPr/>
+        <p:nvPr/>
+      </p:nvGrpSpPr>
+      <p:grpSpPr>
+        <a:xfrm>
+          <a:off x="0" y="0"/>
+          <a:ext cx="0" cy="0"/>
+          <a:chOff x="0" y="0"/>
+          <a:chExt cx="0" cy="0"/>
+        </a:xfrm>
+      </p:grpSpPr>
+      <p:sp>
+        <p:nvSpPr>
+          <p:cNvPr id="2" name="Title 1"/>
+          <p:cNvSpPr>
+            <a:spLocks noGrp="1"/>
+          </p:cNvSpPr>
+          <p:nvPr>
+            <p:ph type="title" hasCustomPrompt="1"/>
+          </p:nvPr>
+        </p:nvSpPr>
+        <p:spPr>
+          <a:xfrm>
+            <a:off x="288000" y="144000"/>
+            <a:ext cx="8568000" cy="543600"/>
+          </a:xfrm>
+          <a:prstGeom prst="rect">
+            <a:avLst/>
+          </a:prstGeom>
+        </p:spPr>
+        <p:txBody>
+          <a:bodyPr lIns="0" tIns="0" rIns="0" bIns="0" anchor="b" anchorCtr="0"/>
+          <a:lstStyle>
+            <a:lvl1pPr algn="l">
+              <a:defRPr sz="2000" b="1">
+                <a:solidFill>
+                  <a:srgbClr val="9D9EA0"/>
+                </a:solidFill>
+              </a:defRPr>
+            </a:lvl1pPr>
+          </a:lstStyle>
+          <a:p>
+            <a:r>
+              <a:rPr lang="en-US" dirty="0" smtClean="0"/>
+              <a:t>Edit the </a:t>
+            </a:r>
+            <a:r>
+              <a:rPr lang="en-US" dirty="0" err="1" smtClean="0"/>
+              <a:t>mastertitle</a:t>
+            </a:r>
+            <a:r>
+              <a:rPr lang="en-US" dirty="0" smtClean="0"/>
+              <a:t> format by clicking</a:t>
+            </a:r>
+            <a:br>
+              <a:rPr lang="en-US" dirty="0" smtClean="0"/>
+            </a:br>
+            <a:r>
+              <a:rPr lang="en-US" dirty="0" smtClean="0"/>
+              <a:t>Example for the use of a double-spaced title</a:t>
+            </a:r>
+            <a:endParaRPr lang="en-US" dirty="0"/>
+          </a:p>
+        </p:txBody>
+      </p:sp>
+      <p:sp>
+        <p:nvSpPr>
+          <p:cNvPr id="7" name="Textplatzhalter 6"/>
+          <p:cNvSpPr>
+            <a:spLocks noGrp="1"/>
+          </p:cNvSpPr>
+          <p:nvPr>
+            <p:ph type="body" sz="quarter" idx="12" hasCustomPrompt="1"/>
+          </p:nvPr>
+        </p:nvSpPr>
+        <p:spPr>
+          <a:xfrm>
+            <a:off x="287338" y="871200"/>
+            <a:ext cx="8569325" cy="5292000"/>
+          </a:xfrm>
+          <a:prstGeom prst="rect">
+            <a:avLst/>
+          </a:prstGeom>
+        </p:spPr>
+        <p:txBody>
+          <a:bodyPr lIns="0" tIns="0" rIns="0" bIns="0"/>
+          <a:lstStyle>
+            <a:lvl1pPr marL="0" indent="0">
+              <a:buFontTx/>
+              <a:buNone/>
+              <a:defRPr/>
+            </a:lvl1pPr>
+          </a:lstStyle>
+          <a:p>
+            <a:pPr lvl="0"/>
+            <a:r>
+              <a:rPr lang="de-DE" dirty="0" smtClean="0"/>
+              <a:t>Text Area</a:t>
+            </a:r>
+          </a:p>
+        </p:txBody>
+      </p:sp>
+    </p:spTree>
+    <p:extLst>
+      <p:ext uri="{BB962C8B-B14F-4D97-AF65-F5344CB8AC3E}">
+        <p14:creationId xmlns:p14="http://schemas.microsoft.com/office/powerpoint/2010/main" val="1775703573"/>
+      </p:ext>
+    </p:extLst>
+  </p:cSld>
+  <p:clrMapOvr>
+    <a:masterClrMapping/>
+  </p:clrMapOvr>
+  <p:timing>
+    <p:tnLst>
+      <p:par>
+        <p:cTn id="1" dur="indefinite" restart="never" nodeType="tmRoot"/>
+      </p:par>
+    </p:tnLst>
+  </p:timing>
+</p:sldLayout>
+</file>
+
 <file path=ppt/slideLayouts/slideLayout2.xml><?xml version="1.0" encoding="utf-8"?>
 <p:sldLayout xmlns:a="http://schemas.openxmlformats.org/drawingml/2006/main" xmlns:r="http://schemas.openxmlformats.org/officeDocument/2006/relationships" xmlns:p="http://schemas.openxmlformats.org/presentationml/2006/main" preserve="1" userDrawn="1">
   <p:cSld name="Text">
@@ -5741,6 +5871,322 @@
     <p:extLst>
       <p:ext uri="{BB962C8B-B14F-4D97-AF65-F5344CB8AC3E}">
         <p14:creationId xmlns:p14="http://schemas.microsoft.com/office/powerpoint/2010/main" val="1301205840"/>
+      </p:ext>
+    </p:extLst>
+  </p:cSld>
+  <p:clrMapOvr>
+    <a:masterClrMapping/>
+  </p:clrMapOvr>
+  <p:timing>
+    <p:tnLst>
+      <p:par>
+        <p:cTn id="1" dur="indefinite" restart="never" nodeType="tmRoot"/>
+      </p:par>
+    </p:tnLst>
+  </p:timing>
+</p:sldLayout>
+</file>
+
+<file path=ppt/slideLayouts/slideLayout20.xml><?xml version="1.0" encoding="utf-8"?>
+<p:sldLayout xmlns:a="http://schemas.openxmlformats.org/drawingml/2006/main" xmlns:r="http://schemas.openxmlformats.org/officeDocument/2006/relationships" xmlns:p="http://schemas.openxmlformats.org/presentationml/2006/main" userDrawn="1">
+  <p:cSld name="List">
+    <p:spTree>
+      <p:nvGrpSpPr>
+        <p:cNvPr id="1" name=""/>
+        <p:cNvGrpSpPr/>
+        <p:nvPr/>
+      </p:nvGrpSpPr>
+      <p:grpSpPr>
+        <a:xfrm>
+          <a:off x="0" y="0"/>
+          <a:ext cx="0" cy="0"/>
+          <a:chOff x="0" y="0"/>
+          <a:chExt cx="0" cy="0"/>
+        </a:xfrm>
+      </p:grpSpPr>
+      <p:sp>
+        <p:nvSpPr>
+          <p:cNvPr id="2" name="Title 1"/>
+          <p:cNvSpPr>
+            <a:spLocks noGrp="1"/>
+          </p:cNvSpPr>
+          <p:nvPr>
+            <p:ph type="title" hasCustomPrompt="1"/>
+          </p:nvPr>
+        </p:nvSpPr>
+        <p:spPr>
+          <a:xfrm>
+            <a:off x="288000" y="144000"/>
+            <a:ext cx="8568000" cy="543600"/>
+          </a:xfrm>
+          <a:prstGeom prst="rect">
+            <a:avLst/>
+          </a:prstGeom>
+        </p:spPr>
+        <p:txBody>
+          <a:bodyPr lIns="0" tIns="0" rIns="0" bIns="0" anchor="b" anchorCtr="0"/>
+          <a:lstStyle>
+            <a:lvl1pPr algn="l">
+              <a:defRPr sz="2000" b="1">
+                <a:solidFill>
+                  <a:srgbClr val="9D9EA0"/>
+                </a:solidFill>
+              </a:defRPr>
+            </a:lvl1pPr>
+          </a:lstStyle>
+          <a:p>
+            <a:r>
+              <a:rPr lang="en-US" dirty="0" smtClean="0"/>
+              <a:t>Edit the </a:t>
+            </a:r>
+            <a:r>
+              <a:rPr lang="en-US" dirty="0" err="1" smtClean="0"/>
+              <a:t>mastertitle</a:t>
+            </a:r>
+            <a:r>
+              <a:rPr lang="en-US" dirty="0" smtClean="0"/>
+              <a:t> format by clicking</a:t>
+            </a:r>
+            <a:br>
+              <a:rPr lang="en-US" dirty="0" smtClean="0"/>
+            </a:br>
+            <a:r>
+              <a:rPr lang="en-US" dirty="0" smtClean="0"/>
+              <a:t>Example for the use of a double-spaced title</a:t>
+            </a:r>
+            <a:endParaRPr lang="en-US" dirty="0"/>
+          </a:p>
+        </p:txBody>
+      </p:sp>
+      <p:sp>
+        <p:nvSpPr>
+          <p:cNvPr id="12" name="Textplatzhalter 11"/>
+          <p:cNvSpPr>
+            <a:spLocks noGrp="1"/>
+          </p:cNvSpPr>
+          <p:nvPr>
+            <p:ph type="body" sz="quarter" idx="13" hasCustomPrompt="1"/>
+          </p:nvPr>
+        </p:nvSpPr>
+        <p:spPr>
+          <a:xfrm>
+            <a:off x="287338" y="871200"/>
+            <a:ext cx="8569325" cy="5292000"/>
+          </a:xfrm>
+          <a:prstGeom prst="rect">
+            <a:avLst/>
+          </a:prstGeom>
+        </p:spPr>
+        <p:txBody>
+          <a:bodyPr lIns="0" tIns="0" rIns="0" bIns="0"/>
+          <a:lstStyle>
+            <a:lvl1pPr marL="216000" indent="-216000">
+              <a:lnSpc>
+                <a:spcPct val="100000"/>
+              </a:lnSpc>
+              <a:spcBef>
+                <a:spcPts val="600"/>
+              </a:spcBef>
+              <a:buSzPct val="115000"/>
+              <a:buFont typeface="Arial" panose="020B0604020202020204" pitchFamily="34" charset="0"/>
+              <a:buChar char="■"/>
+              <a:defRPr lang="de-DE" dirty="0" smtClean="0">
+                <a:latin typeface="+mj-lt"/>
+              </a:defRPr>
+            </a:lvl1pPr>
+            <a:lvl2pPr marL="432000" indent="-215900">
+              <a:lnSpc>
+                <a:spcPct val="100000"/>
+              </a:lnSpc>
+              <a:spcBef>
+                <a:spcPts val="600"/>
+              </a:spcBef>
+              <a:buFont typeface="Arial" panose="020B0604020202020204" pitchFamily="34" charset="0"/>
+              <a:buChar char="≡"/>
+              <a:defRPr lang="de-DE" sz="1600" dirty="0" smtClean="0">
+                <a:latin typeface="+mj-lt"/>
+              </a:defRPr>
+            </a:lvl2pPr>
+            <a:lvl3pPr marL="648000" indent="-215900">
+              <a:lnSpc>
+                <a:spcPct val="100000"/>
+              </a:lnSpc>
+              <a:spcBef>
+                <a:spcPts val="600"/>
+              </a:spcBef>
+              <a:buSzPct val="100000"/>
+              <a:buFont typeface="Arial" panose="020B0604020202020204" pitchFamily="34" charset="0"/>
+              <a:buChar char="="/>
+              <a:defRPr lang="de-DE" sz="1600" dirty="0" smtClean="0">
+                <a:latin typeface="+mj-lt"/>
+              </a:defRPr>
+            </a:lvl3pPr>
+            <a:lvl4pPr marL="864000" indent="-216000">
+              <a:lnSpc>
+                <a:spcPct val="100000"/>
+              </a:lnSpc>
+              <a:spcBef>
+                <a:spcPts val="600"/>
+              </a:spcBef>
+              <a:buSzPct val="100000"/>
+              <a:buFontTx/>
+              <a:buChar char="□"/>
+              <a:defRPr lang="de-DE" sz="1600" baseline="0" dirty="0" smtClean="0">
+                <a:latin typeface="+mj-lt"/>
+              </a:defRPr>
+            </a:lvl4pPr>
+            <a:lvl5pPr marL="1080000" indent="-216000">
+              <a:lnSpc>
+                <a:spcPct val="100000"/>
+              </a:lnSpc>
+              <a:spcBef>
+                <a:spcPts val="600"/>
+              </a:spcBef>
+              <a:buSzPct val="130000"/>
+              <a:buFont typeface="Symbol" panose="05050102010706020507" pitchFamily="18" charset="2"/>
+              <a:buChar char="-"/>
+              <a:defRPr lang="de-DE" sz="1600" dirty="0" smtClean="0">
+                <a:latin typeface="+mj-lt"/>
+              </a:defRPr>
+            </a:lvl5pPr>
+            <a:lvl6pPr marL="1296000" indent="-216000">
+              <a:lnSpc>
+                <a:spcPct val="100000"/>
+              </a:lnSpc>
+              <a:spcBef>
+                <a:spcPts val="600"/>
+              </a:spcBef>
+              <a:buClr>
+                <a:srgbClr val="DD402D"/>
+              </a:buClr>
+              <a:buSzPct val="130000"/>
+              <a:buFont typeface="Symbol" panose="05050102010706020507" pitchFamily="18" charset="2"/>
+              <a:buChar char="-"/>
+              <a:defRPr lang="de-DE" sz="1600" dirty="0" smtClean="0">
+                <a:latin typeface="+mj-lt"/>
+              </a:defRPr>
+            </a:lvl6pPr>
+            <a:lvl7pPr marL="1512000" indent="-216000">
+              <a:lnSpc>
+                <a:spcPct val="100000"/>
+              </a:lnSpc>
+              <a:spcBef>
+                <a:spcPts val="600"/>
+              </a:spcBef>
+              <a:buClr>
+                <a:srgbClr val="DD402D"/>
+              </a:buClr>
+              <a:buSzPct val="130000"/>
+              <a:buFont typeface="Symbol" panose="05050102010706020507" pitchFamily="18" charset="2"/>
+              <a:buChar char="-"/>
+              <a:defRPr lang="de-DE" sz="1600" dirty="0" smtClean="0">
+                <a:latin typeface="+mj-lt"/>
+              </a:defRPr>
+            </a:lvl7pPr>
+            <a:lvl8pPr marL="1728000" indent="-216000">
+              <a:lnSpc>
+                <a:spcPct val="100000"/>
+              </a:lnSpc>
+              <a:spcBef>
+                <a:spcPts val="600"/>
+              </a:spcBef>
+              <a:buClr>
+                <a:srgbClr val="DD402D"/>
+              </a:buClr>
+              <a:buSzPct val="130000"/>
+              <a:buFont typeface="Symbol" panose="05050102010706020507" pitchFamily="18" charset="2"/>
+              <a:buChar char="-"/>
+              <a:defRPr lang="de-DE" sz="1600" dirty="0" smtClean="0">
+                <a:latin typeface="+mj-lt"/>
+              </a:defRPr>
+            </a:lvl8pPr>
+            <a:lvl9pPr marL="3657600" indent="0">
+              <a:buNone/>
+              <a:defRPr baseline="0"/>
+            </a:lvl9pPr>
+          </a:lstStyle>
+          <a:p>
+            <a:pPr lvl="0"/>
+            <a:r>
+              <a:rPr lang="de-DE" dirty="0" smtClean="0"/>
+              <a:t>First Level</a:t>
+            </a:r>
+          </a:p>
+          <a:p>
+            <a:pPr lvl="1"/>
+            <a:r>
+              <a:rPr lang="de-DE" dirty="0" smtClean="0"/>
+              <a:t>Second Level</a:t>
+            </a:r>
+          </a:p>
+          <a:p>
+            <a:pPr lvl="2"/>
+            <a:r>
+              <a:rPr lang="de-DE" dirty="0" smtClean="0"/>
+              <a:t>Third Level</a:t>
+            </a:r>
+          </a:p>
+          <a:p>
+            <a:pPr lvl="3"/>
+            <a:r>
+              <a:rPr lang="de-DE" dirty="0" err="1" smtClean="0"/>
+              <a:t>Fourth</a:t>
+            </a:r>
+            <a:r>
+              <a:rPr lang="de-DE" dirty="0" smtClean="0"/>
+              <a:t> Level</a:t>
+            </a:r>
+          </a:p>
+          <a:p>
+            <a:pPr lvl="4"/>
+            <a:r>
+              <a:rPr lang="de-DE" dirty="0" err="1" smtClean="0"/>
+              <a:t>Fifth</a:t>
+            </a:r>
+            <a:r>
+              <a:rPr lang="de-DE" dirty="0" smtClean="0"/>
+              <a:t> Level</a:t>
+            </a:r>
+          </a:p>
+          <a:p>
+            <a:pPr lvl="5"/>
+            <a:r>
+              <a:rPr lang="de-DE" dirty="0" err="1" smtClean="0"/>
+              <a:t>Sixth</a:t>
+            </a:r>
+            <a:r>
+              <a:rPr lang="de-DE" dirty="0" smtClean="0"/>
+              <a:t> Level</a:t>
+            </a:r>
+          </a:p>
+          <a:p>
+            <a:pPr lvl="6"/>
+            <a:r>
+              <a:rPr lang="de-DE" dirty="0" err="1" smtClean="0"/>
+              <a:t>Seventh</a:t>
+            </a:r>
+            <a:r>
+              <a:rPr lang="de-DE" dirty="0" smtClean="0"/>
+              <a:t> Level</a:t>
+            </a:r>
+          </a:p>
+          <a:p>
+            <a:pPr lvl="7"/>
+            <a:r>
+              <a:rPr lang="de-DE" dirty="0" err="1" smtClean="0"/>
+              <a:t>Eighth</a:t>
+            </a:r>
+            <a:r>
+              <a:rPr lang="de-DE" dirty="0" smtClean="0"/>
+              <a:t> Level</a:t>
+            </a:r>
+          </a:p>
+        </p:txBody>
+      </p:sp>
+    </p:spTree>
+    <p:extLst>
+      <p:ext uri="{BB962C8B-B14F-4D97-AF65-F5344CB8AC3E}">
+        <p14:creationId xmlns:p14="http://schemas.microsoft.com/office/powerpoint/2010/main" val="1277332395"/>
       </p:ext>
     </p:extLst>
   </p:cSld>
@@ -8213,7 +8659,7 @@
         <p:spPr>
           <a:xfrm>
             <a:off x="1116000" y="6372000"/>
-            <a:ext cx="2700000" cy="430212"/>
+            <a:ext cx="4604744" cy="430212"/>
           </a:xfrm>
           <a:prstGeom prst="rect">
             <a:avLst/>
@@ -8344,7 +8790,15 @@
                   <a:srgbClr val="9D9EA0"/>
                 </a:solidFill>
               </a:rPr>
-              <a:t> Simulation Model</a:t>
+              <a:t> Simulation </a:t>
+            </a:r>
+            <a:r>
+              <a:rPr lang="en-US" sz="900" baseline="0" dirty="0" smtClean="0">
+                <a:solidFill>
+                  <a:srgbClr val="9D9EA0"/>
+                </a:solidFill>
+              </a:rPr>
+              <a:t>Model </a:t>
             </a:r>
             <a:r>
               <a:rPr lang="en-US" sz="900" dirty="0" smtClean="0">
@@ -8352,7 +8806,15 @@
                   <a:srgbClr val="9D9EA0"/>
                 </a:solidFill>
               </a:rPr>
-              <a:t>|  Ana</a:t>
+              <a:t>|  </a:t>
+            </a:r>
+            <a:r>
+              <a:rPr lang="en-US" sz="900" dirty="0" smtClean="0">
+                <a:solidFill>
+                  <a:srgbClr val="9D9EA0"/>
+                </a:solidFill>
+              </a:rPr>
+              <a:t>Ana</a:t>
             </a:r>
             <a:r>
               <a:rPr lang="en-US" sz="900" baseline="0" dirty="0" smtClean="0">
@@ -8368,10 +8830,42 @@
                   <a:srgbClr val="9D9EA0"/>
                 </a:solidFill>
               </a:rPr>
-              <a:t>  |  EBC  |  </a:t>
-            </a:r>
-            <a:r>
-              <a:rPr lang="de-DE" sz="900" smtClean="0">
+              <a:t>  |  </a:t>
+            </a:r>
+            <a:r>
+              <a:rPr lang="en-US" sz="900" dirty="0" smtClean="0">
+                <a:solidFill>
+                  <a:srgbClr val="9D9EA0"/>
+                </a:solidFill>
+              </a:rPr>
+              <a:t>E.ON</a:t>
+            </a:r>
+            <a:r>
+              <a:rPr lang="en-US" sz="900" baseline="0" dirty="0" smtClean="0">
+                <a:solidFill>
+                  <a:srgbClr val="9D9EA0"/>
+                </a:solidFill>
+              </a:rPr>
+              <a:t> ERC</a:t>
+            </a:r>
+            <a:r>
+              <a:rPr lang="en-US" sz="900" dirty="0" smtClean="0">
+                <a:solidFill>
+                  <a:srgbClr val="9D9EA0"/>
+                </a:solidFill>
+              </a:rPr>
+              <a:t>  </a:t>
+            </a:r>
+            <a:r>
+              <a:rPr lang="en-US" sz="900" dirty="0" smtClean="0">
+                <a:solidFill>
+                  <a:srgbClr val="9D9EA0"/>
+                </a:solidFill>
+              </a:rPr>
+              <a:t>|  </a:t>
+            </a:r>
+            <a:r>
+              <a:rPr lang="de-DE" sz="900" dirty="0" smtClean="0">
                 <a:solidFill>
                   <a:srgbClr val="9D9EA0"/>
                 </a:solidFill>
@@ -9231,7 +9725,7 @@
           <p:nvPr userDrawn="1"/>
         </p:nvPicPr>
         <p:blipFill>
-          <a:blip r:embed="rId14">
+          <a:blip r:embed="rId16">
             <a:extLst>
               <a:ext uri="{28A0092B-C50C-407E-A947-70E740481C1C}">
                 <a14:useLocalDpi xmlns:a14="http://schemas.microsoft.com/office/drawing/2010/main" val="0"/>
@@ -9261,7 +9755,7 @@
           <p:nvPr userDrawn="1"/>
         </p:nvPicPr>
         <p:blipFill>
-          <a:blip r:embed="rId15">
+          <a:blip r:embed="rId17">
             <a:extLst>
               <a:ext uri="{28A0092B-C50C-407E-A947-70E740481C1C}">
                 <a14:useLocalDpi xmlns:a14="http://schemas.microsoft.com/office/drawing/2010/main" val="0"/>
@@ -9291,7 +9785,7 @@
           <p:nvPr userDrawn="1"/>
         </p:nvPicPr>
         <p:blipFill>
-          <a:blip r:embed="rId16">
+          <a:blip r:embed="rId18">
             <a:extLst>
               <a:ext uri="{28A0092B-C50C-407E-A947-70E740481C1C}">
                 <a14:useLocalDpi xmlns:a14="http://schemas.microsoft.com/office/drawing/2010/main" val="0"/>
@@ -9333,6 +9827,8 @@
     <p:sldLayoutId id="2147483773" r:id="rId10"/>
     <p:sldLayoutId id="2147483795" r:id="rId11"/>
     <p:sldLayoutId id="2147483794" r:id="rId12"/>
+    <p:sldLayoutId id="2147483798" r:id="rId13"/>
+    <p:sldLayoutId id="2147483799" r:id="rId14"/>
   </p:sldLayoutIdLst>
   <p:timing>
     <p:tnLst>
@@ -10039,32 +10535,20 @@
           <a:lstStyle/>
           <a:p>
             <a:r>
+              <a:rPr lang="de-DE" dirty="0" err="1" smtClean="0"/>
+              <a:t>Energy</a:t>
+            </a:r>
+            <a:r>
               <a:rPr lang="de-DE" dirty="0" smtClean="0"/>
-              <a:t>Internal </a:t>
+              <a:t> </a:t>
             </a:r>
             <a:r>
               <a:rPr lang="de-DE" dirty="0" err="1" smtClean="0"/>
-              <a:t>gains</a:t>
+              <a:t>system</a:t>
             </a:r>
             <a:r>
               <a:rPr lang="de-DE" dirty="0" smtClean="0"/>
-              <a:t> – </a:t>
-            </a:r>
-            <a:r>
-              <a:rPr lang="de-DE" dirty="0" err="1"/>
-              <a:t>P</a:t>
-            </a:r>
-            <a:r>
-              <a:rPr lang="de-DE" dirty="0" err="1" smtClean="0"/>
-              <a:t>ersons</a:t>
-            </a:r>
-            <a:r>
-              <a:rPr lang="de-DE" dirty="0" smtClean="0"/>
-              <a:t> - User </a:t>
-            </a:r>
-            <a:r>
-              <a:rPr lang="de-DE" dirty="0" err="1" smtClean="0"/>
-              <a:t>density</a:t>
+              <a:t> + Control</a:t>
             </a:r>
             <a:endParaRPr lang="de-DE" dirty="0"/>
           </a:p>
@@ -10085,6 +10569,529 @@
           <a:bodyPr/>
           <a:lstStyle/>
           <a:p>
+            <a:r>
+              <a:rPr lang="en-US" dirty="0" smtClean="0"/>
+              <a:t>Parameters</a:t>
+            </a:r>
+          </a:p>
+          <a:p>
+            <a:pPr lvl="1"/>
+            <a:r>
+              <a:rPr lang="en-US" dirty="0" smtClean="0"/>
+              <a:t>General</a:t>
+            </a:r>
+          </a:p>
+          <a:p>
+            <a:pPr lvl="2"/>
+            <a:r>
+              <a:rPr lang="en-US" dirty="0" smtClean="0"/>
+              <a:t>Maximal power output for heater / cooler</a:t>
+            </a:r>
+          </a:p>
+          <a:p>
+            <a:pPr lvl="2"/>
+            <a:r>
+              <a:rPr lang="en-US" dirty="0" smtClean="0"/>
+              <a:t>Set temperature for heating / cooling</a:t>
+            </a:r>
+          </a:p>
+          <a:p>
+            <a:pPr lvl="2"/>
+            <a:r>
+              <a:rPr lang="en-US" dirty="0" smtClean="0"/>
+              <a:t>Outside temperature under which heater starts</a:t>
+            </a:r>
+            <a:endParaRPr lang="en-US" dirty="0"/>
+          </a:p>
+          <a:p>
+            <a:pPr lvl="1"/>
+            <a:r>
+              <a:rPr lang="en-US" dirty="0" smtClean="0"/>
+              <a:t>Advanced</a:t>
+            </a:r>
+          </a:p>
+          <a:p>
+            <a:pPr lvl="2"/>
+            <a:r>
+              <a:rPr lang="en-US" dirty="0" smtClean="0"/>
+              <a:t>Is heater / cooler electric</a:t>
+            </a:r>
+          </a:p>
+          <a:p>
+            <a:pPr lvl="2"/>
+            <a:r>
+              <a:rPr lang="en-US" dirty="0" smtClean="0"/>
+              <a:t>Electrical efficiency of heater / cooler</a:t>
+            </a:r>
+            <a:endParaRPr lang="en-US" dirty="0"/>
+          </a:p>
+          <a:p>
+            <a:pPr lvl="1"/>
+            <a:r>
+              <a:rPr lang="en-US" dirty="0" smtClean="0"/>
+              <a:t>Hidden</a:t>
+            </a:r>
+          </a:p>
+          <a:p>
+            <a:pPr lvl="2"/>
+            <a:r>
+              <a:rPr lang="en-US" dirty="0" smtClean="0"/>
+              <a:t>Parameters for internal PI controllers</a:t>
+            </a:r>
+            <a:endParaRPr lang="de-DE" dirty="0" smtClean="0"/>
+          </a:p>
+          <a:p>
+            <a:pPr marL="216100" lvl="1" indent="0">
+              <a:buNone/>
+            </a:pPr>
+            <a:endParaRPr lang="de-DE" dirty="0"/>
+          </a:p>
+        </p:txBody>
+      </p:sp>
+    </p:spTree>
+    <p:extLst>
+      <p:ext uri="{BB962C8B-B14F-4D97-AF65-F5344CB8AC3E}">
+        <p14:creationId xmlns:p14="http://schemas.microsoft.com/office/powerpoint/2010/main" val="2021916899"/>
+      </p:ext>
+    </p:extLst>
+  </p:cSld>
+  <p:clrMapOvr>
+    <a:masterClrMapping/>
+  </p:clrMapOvr>
+</p:sld>
+</file>
+
+<file path=ppt/slides/slide11.xml><?xml version="1.0" encoding="utf-8"?>
+<p:sld xmlns:a="http://schemas.openxmlformats.org/drawingml/2006/main" xmlns:r="http://schemas.openxmlformats.org/officeDocument/2006/relationships" xmlns:p="http://schemas.openxmlformats.org/presentationml/2006/main">
+  <p:cSld>
+    <p:spTree>
+      <p:nvGrpSpPr>
+        <p:cNvPr id="1" name=""/>
+        <p:cNvGrpSpPr/>
+        <p:nvPr/>
+      </p:nvGrpSpPr>
+      <p:grpSpPr>
+        <a:xfrm>
+          <a:off x="0" y="0"/>
+          <a:ext cx="0" cy="0"/>
+          <a:chOff x="0" y="0"/>
+          <a:chExt cx="0" cy="0"/>
+        </a:xfrm>
+      </p:grpSpPr>
+      <p:sp>
+        <p:nvSpPr>
+          <p:cNvPr id="4" name="Titel 3"/>
+          <p:cNvSpPr>
+            <a:spLocks noGrp="1"/>
+          </p:cNvSpPr>
+          <p:nvPr>
+            <p:ph type="title"/>
+          </p:nvPr>
+        </p:nvSpPr>
+        <p:spPr/>
+        <p:txBody>
+          <a:bodyPr/>
+          <a:lstStyle/>
+          <a:p>
+            <a:r>
+              <a:rPr lang="de-DE" dirty="0" err="1" smtClean="0"/>
+              <a:t>Boundary</a:t>
+            </a:r>
+            <a:r>
+              <a:rPr lang="de-DE" dirty="0" smtClean="0"/>
+              <a:t> </a:t>
+            </a:r>
+            <a:r>
+              <a:rPr lang="de-DE" dirty="0" err="1" smtClean="0"/>
+              <a:t>conditions</a:t>
+            </a:r>
+            <a:endParaRPr lang="de-DE" dirty="0"/>
+          </a:p>
+        </p:txBody>
+      </p:sp>
+      <p:sp>
+        <p:nvSpPr>
+          <p:cNvPr id="5" name="Textplatzhalter 4"/>
+          <p:cNvSpPr>
+            <a:spLocks noGrp="1"/>
+          </p:cNvSpPr>
+          <p:nvPr>
+            <p:ph type="body" sz="quarter" idx="13"/>
+          </p:nvPr>
+        </p:nvSpPr>
+        <p:spPr/>
+        <p:txBody>
+          <a:bodyPr/>
+          <a:lstStyle/>
+          <a:p>
+            <a:r>
+              <a:rPr lang="en-US" dirty="0" smtClean="0"/>
+              <a:t>Parameters</a:t>
+            </a:r>
+          </a:p>
+          <a:p>
+            <a:pPr lvl="1"/>
+            <a:r>
+              <a:rPr lang="en-US" dirty="0" smtClean="0"/>
+              <a:t>General</a:t>
+            </a:r>
+          </a:p>
+          <a:p>
+            <a:pPr lvl="2"/>
+            <a:r>
+              <a:rPr lang="en-US" dirty="0" smtClean="0"/>
+              <a:t>Latitude and longitude of location</a:t>
+            </a:r>
+          </a:p>
+          <a:p>
+            <a:pPr lvl="2"/>
+            <a:r>
+              <a:rPr lang="en-US" dirty="0" smtClean="0"/>
+              <a:t>File for weather data</a:t>
+            </a:r>
+          </a:p>
+          <a:p>
+            <a:pPr lvl="2"/>
+            <a:r>
+              <a:rPr lang="en-US" dirty="0" smtClean="0"/>
+              <a:t>Schedules for internal gains and HVAC</a:t>
+            </a:r>
+          </a:p>
+          <a:p>
+            <a:pPr lvl="1"/>
+            <a:r>
+              <a:rPr lang="en-US" dirty="0" smtClean="0"/>
+              <a:t>Advanced</a:t>
+            </a:r>
+          </a:p>
+          <a:p>
+            <a:pPr lvl="1"/>
+            <a:r>
+              <a:rPr lang="en-US" dirty="0" smtClean="0"/>
+              <a:t>Hidden</a:t>
+            </a:r>
+          </a:p>
+          <a:p>
+            <a:pPr lvl="2"/>
+            <a:r>
+              <a:rPr lang="en-US" dirty="0" smtClean="0"/>
+              <a:t>Ground reflection for weather model</a:t>
+            </a:r>
+          </a:p>
+          <a:p>
+            <a:pPr lvl="2"/>
+            <a:r>
+              <a:rPr lang="en-US" dirty="0" smtClean="0"/>
+              <a:t>Model used for solar radiation</a:t>
+            </a:r>
+          </a:p>
+          <a:p>
+            <a:pPr lvl="2"/>
+            <a:r>
+              <a:rPr lang="en-US" dirty="0" smtClean="0"/>
+              <a:t>Output from weather model</a:t>
+            </a:r>
+          </a:p>
+          <a:p>
+            <a:pPr lvl="2"/>
+            <a:r>
+              <a:rPr lang="en-US" dirty="0" smtClean="0"/>
+              <a:t>Interpolation of data from tables</a:t>
+            </a:r>
+          </a:p>
+          <a:p>
+            <a:pPr lvl="2"/>
+            <a:r>
+              <a:rPr lang="en-US" dirty="0" smtClean="0"/>
+              <a:t>Extrapolation of data from tables: periodic</a:t>
+            </a:r>
+          </a:p>
+          <a:p>
+            <a:pPr lvl="2"/>
+            <a:endParaRPr lang="de-DE" dirty="0" smtClean="0"/>
+          </a:p>
+          <a:p>
+            <a:pPr lvl="1"/>
+            <a:endParaRPr lang="de-DE" dirty="0"/>
+          </a:p>
+        </p:txBody>
+      </p:sp>
+    </p:spTree>
+    <p:extLst>
+      <p:ext uri="{BB962C8B-B14F-4D97-AF65-F5344CB8AC3E}">
+        <p14:creationId xmlns:p14="http://schemas.microsoft.com/office/powerpoint/2010/main" val="3405665709"/>
+      </p:ext>
+    </p:extLst>
+  </p:cSld>
+  <p:clrMapOvr>
+    <a:masterClrMapping/>
+  </p:clrMapOvr>
+</p:sld>
+</file>
+
+<file path=ppt/slides/slide12.xml><?xml version="1.0" encoding="utf-8"?>
+<p:sld xmlns:a="http://schemas.openxmlformats.org/drawingml/2006/main" xmlns:r="http://schemas.openxmlformats.org/officeDocument/2006/relationships" xmlns:p="http://schemas.openxmlformats.org/presentationml/2006/main">
+  <p:cSld>
+    <p:spTree>
+      <p:nvGrpSpPr>
+        <p:cNvPr id="1" name=""/>
+        <p:cNvGrpSpPr/>
+        <p:nvPr/>
+      </p:nvGrpSpPr>
+      <p:grpSpPr>
+        <a:xfrm>
+          <a:off x="0" y="0"/>
+          <a:ext cx="0" cy="0"/>
+          <a:chOff x="0" y="0"/>
+          <a:chExt cx="0" cy="0"/>
+        </a:xfrm>
+      </p:grpSpPr>
+      <p:sp>
+        <p:nvSpPr>
+          <p:cNvPr id="4" name="Titel 3"/>
+          <p:cNvSpPr>
+            <a:spLocks noGrp="1"/>
+          </p:cNvSpPr>
+          <p:nvPr>
+            <p:ph type="title"/>
+          </p:nvPr>
+        </p:nvSpPr>
+        <p:spPr/>
+        <p:txBody>
+          <a:bodyPr/>
+          <a:lstStyle/>
+          <a:p>
+            <a:r>
+              <a:rPr lang="de-DE" dirty="0" err="1" smtClean="0"/>
+              <a:t>Some</a:t>
+            </a:r>
+            <a:r>
+              <a:rPr lang="de-DE" dirty="0" smtClean="0"/>
+              <a:t> </a:t>
+            </a:r>
+            <a:r>
+              <a:rPr lang="de-DE" dirty="0" err="1" smtClean="0"/>
+              <a:t>examples</a:t>
+            </a:r>
+            <a:r>
+              <a:rPr lang="de-DE" dirty="0" smtClean="0"/>
+              <a:t> </a:t>
+            </a:r>
+            <a:r>
+              <a:rPr lang="de-DE" dirty="0" err="1" smtClean="0"/>
+              <a:t>for</a:t>
+            </a:r>
+            <a:r>
+              <a:rPr lang="de-DE" dirty="0" smtClean="0"/>
+              <a:t> </a:t>
+            </a:r>
+            <a:r>
+              <a:rPr lang="de-DE" dirty="0" err="1" smtClean="0"/>
+              <a:t>setting</a:t>
+            </a:r>
+            <a:r>
+              <a:rPr lang="de-DE" dirty="0" smtClean="0"/>
+              <a:t> </a:t>
+            </a:r>
+            <a:r>
+              <a:rPr lang="de-DE" dirty="0" err="1" smtClean="0"/>
+              <a:t>parameters</a:t>
+            </a:r>
+            <a:r>
+              <a:rPr lang="de-DE" dirty="0" smtClean="0"/>
+              <a:t> </a:t>
+            </a:r>
+            <a:r>
+              <a:rPr lang="de-DE" dirty="0" err="1" smtClean="0"/>
+              <a:t>for</a:t>
+            </a:r>
+            <a:r>
+              <a:rPr lang="de-DE" dirty="0" smtClean="0"/>
+              <a:t> an </a:t>
+            </a:r>
+            <a:r>
+              <a:rPr lang="de-DE" dirty="0" err="1" smtClean="0"/>
+              <a:t>office</a:t>
+            </a:r>
+            <a:r>
+              <a:rPr lang="de-DE" dirty="0" smtClean="0"/>
+              <a:t> </a:t>
+            </a:r>
+            <a:endParaRPr lang="de-DE" dirty="0"/>
+          </a:p>
+        </p:txBody>
+      </p:sp>
+      <p:sp>
+        <p:nvSpPr>
+          <p:cNvPr id="5" name="Textplatzhalter 4"/>
+          <p:cNvSpPr>
+            <a:spLocks noGrp="1"/>
+          </p:cNvSpPr>
+          <p:nvPr>
+            <p:ph type="body" sz="quarter" idx="13"/>
+          </p:nvPr>
+        </p:nvSpPr>
+        <p:spPr/>
+        <p:txBody>
+          <a:bodyPr/>
+          <a:lstStyle/>
+          <a:p>
+            <a:r>
+              <a:rPr lang="en-US" dirty="0" smtClean="0"/>
+              <a:t>Sources for the values are given and detailed at the end of the presentation in the Bibliography</a:t>
+            </a:r>
+          </a:p>
+          <a:p>
+            <a:r>
+              <a:rPr lang="en-US" dirty="0" smtClean="0"/>
+              <a:t>Internal gains</a:t>
+            </a:r>
+          </a:p>
+          <a:p>
+            <a:pPr lvl="1"/>
+            <a:r>
+              <a:rPr lang="en-US" dirty="0" smtClean="0"/>
+              <a:t>Persons</a:t>
+            </a:r>
+          </a:p>
+          <a:p>
+            <a:pPr lvl="2"/>
+            <a:r>
+              <a:rPr lang="en-US" dirty="0" smtClean="0"/>
+              <a:t>Density</a:t>
+            </a:r>
+          </a:p>
+          <a:p>
+            <a:pPr lvl="2"/>
+            <a:r>
+              <a:rPr lang="en-US" dirty="0" smtClean="0"/>
+              <a:t>Schedule – in the simulation model a simpler profile 09:00 – 17:00 is used</a:t>
+            </a:r>
+          </a:p>
+          <a:p>
+            <a:pPr lvl="1"/>
+            <a:r>
+              <a:rPr lang="en-US" dirty="0" smtClean="0"/>
+              <a:t>Lights &amp; electrical appliances</a:t>
+            </a:r>
+          </a:p>
+          <a:p>
+            <a:pPr lvl="2"/>
+            <a:r>
+              <a:rPr lang="en-US" dirty="0" smtClean="0"/>
+              <a:t>Modelling</a:t>
+            </a:r>
+          </a:p>
+          <a:p>
+            <a:pPr lvl="2"/>
+            <a:r>
+              <a:rPr lang="en-US" dirty="0" smtClean="0"/>
+              <a:t>Types</a:t>
+            </a:r>
+          </a:p>
+          <a:p>
+            <a:pPr lvl="2"/>
+            <a:r>
+              <a:rPr lang="en-US" dirty="0" smtClean="0"/>
+              <a:t>Schedule - in the simulation model a simpler profile 09:00 – 17:00 is used</a:t>
+            </a:r>
+          </a:p>
+          <a:p>
+            <a:r>
+              <a:rPr lang="en-US" dirty="0" smtClean="0"/>
+              <a:t>Energy system</a:t>
+            </a:r>
+          </a:p>
+          <a:p>
+            <a:pPr lvl="1"/>
+            <a:r>
+              <a:rPr lang="en-US" dirty="0" smtClean="0"/>
+              <a:t>Efficiency for different types of equipment</a:t>
+            </a:r>
+          </a:p>
+          <a:p>
+            <a:pPr lvl="1"/>
+            <a:r>
+              <a:rPr lang="en-US" dirty="0" smtClean="0"/>
+              <a:t>Control: set temperatures </a:t>
+            </a:r>
+            <a:endParaRPr lang="en-US" dirty="0"/>
+          </a:p>
+        </p:txBody>
+      </p:sp>
+    </p:spTree>
+    <p:extLst>
+      <p:ext uri="{BB962C8B-B14F-4D97-AF65-F5344CB8AC3E}">
+        <p14:creationId xmlns:p14="http://schemas.microsoft.com/office/powerpoint/2010/main" val="1862215994"/>
+      </p:ext>
+    </p:extLst>
+  </p:cSld>
+  <p:clrMapOvr>
+    <a:masterClrMapping/>
+  </p:clrMapOvr>
+</p:sld>
+</file>
+
+<file path=ppt/slides/slide13.xml><?xml version="1.0" encoding="utf-8"?>
+<p:sld xmlns:a="http://schemas.openxmlformats.org/drawingml/2006/main" xmlns:r="http://schemas.openxmlformats.org/officeDocument/2006/relationships" xmlns:p="http://schemas.openxmlformats.org/presentationml/2006/main">
+  <p:cSld>
+    <p:spTree>
+      <p:nvGrpSpPr>
+        <p:cNvPr id="1" name=""/>
+        <p:cNvGrpSpPr/>
+        <p:nvPr/>
+      </p:nvGrpSpPr>
+      <p:grpSpPr>
+        <a:xfrm>
+          <a:off x="0" y="0"/>
+          <a:ext cx="0" cy="0"/>
+          <a:chOff x="0" y="0"/>
+          <a:chExt cx="0" cy="0"/>
+        </a:xfrm>
+      </p:grpSpPr>
+      <p:sp>
+        <p:nvSpPr>
+          <p:cNvPr id="4" name="Titel 3"/>
+          <p:cNvSpPr>
+            <a:spLocks noGrp="1"/>
+          </p:cNvSpPr>
+          <p:nvPr>
+            <p:ph type="title"/>
+          </p:nvPr>
+        </p:nvSpPr>
+        <p:spPr/>
+        <p:txBody>
+          <a:bodyPr/>
+          <a:lstStyle/>
+          <a:p>
+            <a:r>
+              <a:rPr lang="de-DE" dirty="0" smtClean="0"/>
+              <a:t>Internal </a:t>
+            </a:r>
+            <a:r>
+              <a:rPr lang="de-DE" dirty="0" err="1" smtClean="0"/>
+              <a:t>gains</a:t>
+            </a:r>
+            <a:r>
+              <a:rPr lang="de-DE" dirty="0" smtClean="0"/>
+              <a:t> – </a:t>
+            </a:r>
+            <a:r>
+              <a:rPr lang="de-DE" dirty="0" err="1"/>
+              <a:t>P</a:t>
+            </a:r>
+            <a:r>
+              <a:rPr lang="de-DE" dirty="0" err="1" smtClean="0"/>
+              <a:t>ersons</a:t>
+            </a:r>
+            <a:r>
+              <a:rPr lang="de-DE" dirty="0" smtClean="0"/>
+              <a:t> - User </a:t>
+            </a:r>
+            <a:r>
+              <a:rPr lang="de-DE" dirty="0" err="1" smtClean="0"/>
+              <a:t>density</a:t>
+            </a:r>
             <a:endParaRPr lang="de-DE" dirty="0"/>
           </a:p>
         </p:txBody>
@@ -10407,7 +11414,7 @@
 </p:sld>
 </file>
 
-<file path=ppt/slides/slide11.xml><?xml version="1.0" encoding="utf-8"?>
+<file path=ppt/slides/slide14.xml><?xml version="1.0" encoding="utf-8"?>
 <p:sld xmlns:a="http://schemas.openxmlformats.org/drawingml/2006/main" xmlns:r="http://schemas.openxmlformats.org/officeDocument/2006/relationships" xmlns:p="http://schemas.openxmlformats.org/presentationml/2006/main">
   <p:cSld>
     <p:spTree>
@@ -10467,25 +11474,6 @@
               <a:rPr lang="de-DE" dirty="0"/>
               <a:t> (ASHRAE 90.1_G)</a:t>
             </a:r>
-          </a:p>
-        </p:txBody>
-      </p:sp>
-      <p:sp>
-        <p:nvSpPr>
-          <p:cNvPr id="3" name="Textplatzhalter 2"/>
-          <p:cNvSpPr>
-            <a:spLocks noGrp="1"/>
-          </p:cNvSpPr>
-          <p:nvPr>
-            <p:ph type="body" sz="quarter" idx="12"/>
-          </p:nvPr>
-        </p:nvSpPr>
-        <p:spPr/>
-        <p:txBody>
-          <a:bodyPr/>
-          <a:lstStyle/>
-          <a:p>
-            <a:endParaRPr lang="de-DE" dirty="0"/>
           </a:p>
         </p:txBody>
       </p:sp>
@@ -10570,7 +11558,7 @@
 </p:sld>
 </file>
 
-<file path=ppt/slides/slide12.xml><?xml version="1.0" encoding="utf-8"?>
+<file path=ppt/slides/slide15.xml><?xml version="1.0" encoding="utf-8"?>
 <p:sld xmlns:a="http://schemas.openxmlformats.org/drawingml/2006/main" xmlns:r="http://schemas.openxmlformats.org/officeDocument/2006/relationships" xmlns:p="http://schemas.openxmlformats.org/presentationml/2006/main">
   <p:cSld>
     <p:spTree>
@@ -10638,25 +11626,6 @@
               <a:rPr lang="de-DE" dirty="0"/>
               <a:t> (Source SIA 2024)</a:t>
             </a:r>
-          </a:p>
-        </p:txBody>
-      </p:sp>
-      <p:sp>
-        <p:nvSpPr>
-          <p:cNvPr id="3" name="Textplatzhalter 2"/>
-          <p:cNvSpPr>
-            <a:spLocks noGrp="1"/>
-          </p:cNvSpPr>
-          <p:nvPr>
-            <p:ph type="body" sz="quarter" idx="12"/>
-          </p:nvPr>
-        </p:nvSpPr>
-        <p:spPr/>
-        <p:txBody>
-          <a:bodyPr/>
-          <a:lstStyle/>
-          <a:p>
-            <a:endParaRPr lang="de-DE"/>
           </a:p>
         </p:txBody>
       </p:sp>
@@ -10734,7 +11703,7 @@
 </p:sld>
 </file>
 
-<file path=ppt/slides/slide13.xml><?xml version="1.0" encoding="utf-8"?>
+<file path=ppt/slides/slide16.xml><?xml version="1.0" encoding="utf-8"?>
 <p:sld xmlns:a="http://schemas.openxmlformats.org/drawingml/2006/main" xmlns:r="http://schemas.openxmlformats.org/officeDocument/2006/relationships" xmlns:p="http://schemas.openxmlformats.org/presentationml/2006/main">
   <p:cSld>
     <p:spTree>
@@ -11423,7 +12392,7 @@
 </p:sld>
 </file>
 
-<file path=ppt/slides/slide14.xml><?xml version="1.0" encoding="utf-8"?>
+<file path=ppt/slides/slide17.xml><?xml version="1.0" encoding="utf-8"?>
 <p:sld xmlns:a="http://schemas.openxmlformats.org/drawingml/2006/main" xmlns:r="http://schemas.openxmlformats.org/officeDocument/2006/relationships" xmlns:p="http://schemas.openxmlformats.org/presentationml/2006/main">
   <p:cSld>
     <p:spTree>
@@ -12173,7 +13142,7 @@
 </p:sld>
 </file>
 
-<file path=ppt/slides/slide15.xml><?xml version="1.0" encoding="utf-8"?>
+<file path=ppt/slides/slide18.xml><?xml version="1.0" encoding="utf-8"?>
 <p:sld xmlns:a="http://schemas.openxmlformats.org/drawingml/2006/main" xmlns:r="http://schemas.openxmlformats.org/officeDocument/2006/relationships" xmlns:p="http://schemas.openxmlformats.org/presentationml/2006/main">
   <p:cSld>
     <p:spTree>
@@ -12396,7 +13365,7 @@
 </p:sld>
 </file>
 
-<file path=ppt/slides/slide16.xml><?xml version="1.0" encoding="utf-8"?>
+<file path=ppt/slides/slide19.xml><?xml version="1.0" encoding="utf-8"?>
 <p:sld xmlns:a="http://schemas.openxmlformats.org/drawingml/2006/main" xmlns:r="http://schemas.openxmlformats.org/officeDocument/2006/relationships" xmlns:p="http://schemas.openxmlformats.org/presentationml/2006/main">
   <p:cSld>
     <p:spTree>
@@ -12450,32 +13419,9 @@
             </a:r>
             <a:r>
               <a:rPr lang="de-DE" dirty="0" smtClean="0"/>
-              <a:t> -  </a:t>
-            </a:r>
-            <a:r>
-              <a:rPr lang="de-DE" dirty="0" smtClean="0"/>
-              <a:t>Efficiency</a:t>
+              <a:t> -  Efficiency</a:t>
             </a:r>
             <a:endParaRPr lang="de-DE" dirty="0"/>
-          </a:p>
-        </p:txBody>
-      </p:sp>
-      <p:sp>
-        <p:nvSpPr>
-          <p:cNvPr id="3" name="Textplatzhalter 2"/>
-          <p:cNvSpPr>
-            <a:spLocks noGrp="1"/>
-          </p:cNvSpPr>
-          <p:nvPr>
-            <p:ph type="body" sz="quarter" idx="12"/>
-          </p:nvPr>
-        </p:nvSpPr>
-        <p:spPr/>
-        <p:txBody>
-          <a:bodyPr/>
-          <a:lstStyle/>
-          <a:p>
-            <a:endParaRPr lang="de-DE"/>
           </a:p>
         </p:txBody>
       </p:sp>
@@ -12598,7 +13544,7 @@
 </p:sld>
 </file>
 
-<file path=ppt/slides/slide17.xml><?xml version="1.0" encoding="utf-8"?>
+<file path=ppt/slides/slide2.xml><?xml version="1.0" encoding="utf-8"?>
 <p:sld xmlns:a="http://schemas.openxmlformats.org/drawingml/2006/main" xmlns:r="http://schemas.openxmlformats.org/officeDocument/2006/relationships" xmlns:p="http://schemas.openxmlformats.org/presentationml/2006/main">
   <p:cSld>
     <p:spTree>
@@ -12631,48 +13577,420 @@
           <a:lstStyle/>
           <a:p>
             <a:r>
-              <a:rPr lang="de-DE" dirty="0"/>
-              <a:t>Internal </a:t>
-            </a:r>
-            <a:r>
-              <a:rPr lang="de-DE" dirty="0" err="1"/>
-              <a:t>gains</a:t>
-            </a:r>
-            <a:r>
-              <a:rPr lang="de-DE" dirty="0"/>
-              <a:t> – </a:t>
-            </a:r>
-            <a:r>
               <a:rPr lang="de-DE" dirty="0" err="1" smtClean="0"/>
-              <a:t>Lights</a:t>
-            </a:r>
-            <a:r>
-              <a:rPr lang="de-DE" dirty="0" smtClean="0"/>
-              <a:t> - </a:t>
-            </a:r>
-            <a:r>
-              <a:rPr lang="de-DE" dirty="0" err="1" smtClean="0"/>
-              <a:t>Profiles</a:t>
+              <a:t>Clone</a:t>
             </a:r>
             <a:r>
               <a:rPr lang="de-DE" dirty="0" smtClean="0"/>
               <a:t> </a:t>
             </a:r>
             <a:r>
-              <a:rPr lang="de-DE" dirty="0"/>
-              <a:t>(ASHRAE 90.1_G)</a:t>
-            </a:r>
+              <a:rPr lang="de-DE" dirty="0" err="1" smtClean="0"/>
+              <a:t>or</a:t>
+            </a:r>
+            <a:r>
+              <a:rPr lang="de-DE" dirty="0" smtClean="0"/>
+              <a:t> Download</a:t>
+            </a:r>
+            <a:endParaRPr lang="de-DE" dirty="0"/>
+          </a:p>
+        </p:txBody>
+      </p:sp>
+      <p:pic>
+        <p:nvPicPr>
+          <p:cNvPr id="4" name="Grafik 3" descr="Bildschirmausschnitt"/>
+          <p:cNvPicPr>
+            <a:picLocks noChangeAspect="1"/>
+          </p:cNvPicPr>
+          <p:nvPr/>
+        </p:nvPicPr>
+        <p:blipFill>
+          <a:blip r:embed="rId2">
+            <a:extLst>
+              <a:ext uri="{28A0092B-C50C-407E-A947-70E740481C1C}">
+                <a14:useLocalDpi xmlns:a14="http://schemas.microsoft.com/office/drawing/2010/main" val="0"/>
+              </a:ext>
+            </a:extLst>
+          </a:blip>
+          <a:stretch>
+            <a:fillRect/>
+          </a:stretch>
+        </p:blipFill>
+        <p:spPr>
+          <a:xfrm>
+            <a:off x="1590330" y="1639454"/>
+            <a:ext cx="5587681" cy="4082473"/>
+          </a:xfrm>
+          <a:prstGeom prst="rect">
+            <a:avLst/>
+          </a:prstGeom>
+        </p:spPr>
+      </p:pic>
+      <p:pic>
+        <p:nvPicPr>
+          <p:cNvPr id="5" name="Grafik 4" descr="Bildschirmausschnitt"/>
+          <p:cNvPicPr>
+            <a:picLocks noChangeAspect="1"/>
+          </p:cNvPicPr>
+          <p:nvPr/>
+        </p:nvPicPr>
+        <p:blipFill>
+          <a:blip r:embed="rId3">
+            <a:extLst>
+              <a:ext uri="{28A0092B-C50C-407E-A947-70E740481C1C}">
+                <a14:useLocalDpi xmlns:a14="http://schemas.microsoft.com/office/drawing/2010/main" val="0"/>
+              </a:ext>
+            </a:extLst>
+          </a:blip>
+          <a:stretch>
+            <a:fillRect/>
+          </a:stretch>
+        </p:blipFill>
+        <p:spPr>
+          <a:xfrm>
+            <a:off x="1590330" y="929817"/>
+            <a:ext cx="5403331" cy="395601"/>
+          </a:xfrm>
+          <a:prstGeom prst="rect">
+            <a:avLst/>
+          </a:prstGeom>
+        </p:spPr>
+      </p:pic>
+      <p:sp>
+        <p:nvSpPr>
+          <p:cNvPr id="6" name="Rechteck 5"/>
+          <p:cNvSpPr/>
+          <p:nvPr/>
+        </p:nvSpPr>
+        <p:spPr>
+          <a:xfrm>
+            <a:off x="1590330" y="2923310"/>
+            <a:ext cx="986618" cy="341746"/>
+          </a:xfrm>
+          <a:prstGeom prst="rect">
+            <a:avLst/>
+          </a:prstGeom>
+          <a:noFill/>
+          <a:ln w="28575"/>
+        </p:spPr>
+        <p:style>
+          <a:lnRef idx="2">
+            <a:schemeClr val="accent1"/>
+          </a:lnRef>
+          <a:fillRef idx="1">
+            <a:schemeClr val="lt1"/>
+          </a:fillRef>
+          <a:effectRef idx="0">
+            <a:schemeClr val="accent1"/>
+          </a:effectRef>
+          <a:fontRef idx="minor">
+            <a:schemeClr val="dk1"/>
+          </a:fontRef>
+        </p:style>
+        <p:txBody>
+          <a:bodyPr rtlCol="0" anchor="ctr"/>
+          <a:lstStyle/>
+          <a:p>
+            <a:pPr algn="ctr"/>
+            <a:endParaRPr lang="de-DE"/>
           </a:p>
         </p:txBody>
       </p:sp>
       <p:sp>
         <p:nvSpPr>
-          <p:cNvPr id="3" name="Textplatzhalter 2"/>
+          <p:cNvPr id="7" name="Rechteck 6"/>
+          <p:cNvSpPr/>
+          <p:nvPr/>
+        </p:nvSpPr>
+        <p:spPr>
+          <a:xfrm>
+            <a:off x="1539529" y="877454"/>
+            <a:ext cx="5226109" cy="489527"/>
+          </a:xfrm>
+          <a:prstGeom prst="rect">
+            <a:avLst/>
+          </a:prstGeom>
+          <a:noFill/>
+          <a:ln w="28575"/>
+        </p:spPr>
+        <p:style>
+          <a:lnRef idx="2">
+            <a:schemeClr val="accent1"/>
+          </a:lnRef>
+          <a:fillRef idx="1">
+            <a:schemeClr val="lt1"/>
+          </a:fillRef>
+          <a:effectRef idx="0">
+            <a:schemeClr val="accent1"/>
+          </a:effectRef>
+          <a:fontRef idx="minor">
+            <a:schemeClr val="dk1"/>
+          </a:fontRef>
+        </p:style>
+        <p:txBody>
+          <a:bodyPr rtlCol="0" anchor="ctr"/>
+          <a:lstStyle/>
+          <a:p>
+            <a:pPr algn="ctr"/>
+            <a:endParaRPr lang="de-DE"/>
+          </a:p>
+        </p:txBody>
+      </p:sp>
+      <p:sp>
+        <p:nvSpPr>
+          <p:cNvPr id="8" name="Rechteck 7"/>
+          <p:cNvSpPr/>
+          <p:nvPr/>
+        </p:nvSpPr>
+        <p:spPr>
+          <a:xfrm>
+            <a:off x="6125384" y="2923310"/>
+            <a:ext cx="986618" cy="341746"/>
+          </a:xfrm>
+          <a:prstGeom prst="rect">
+            <a:avLst/>
+          </a:prstGeom>
+          <a:noFill/>
+          <a:ln w="28575"/>
+        </p:spPr>
+        <p:style>
+          <a:lnRef idx="2">
+            <a:schemeClr val="accent1"/>
+          </a:lnRef>
+          <a:fillRef idx="1">
+            <a:schemeClr val="lt1"/>
+          </a:fillRef>
+          <a:effectRef idx="0">
+            <a:schemeClr val="accent1"/>
+          </a:effectRef>
+          <a:fontRef idx="minor">
+            <a:schemeClr val="dk1"/>
+          </a:fontRef>
+        </p:style>
+        <p:txBody>
+          <a:bodyPr rtlCol="0" anchor="ctr"/>
+          <a:lstStyle/>
+          <a:p>
+            <a:pPr algn="ctr"/>
+            <a:endParaRPr lang="de-DE"/>
+          </a:p>
+        </p:txBody>
+      </p:sp>
+      <p:sp>
+        <p:nvSpPr>
+          <p:cNvPr id="9" name="Textfeld 8"/>
+          <p:cNvSpPr txBox="1"/>
+          <p:nvPr/>
+        </p:nvSpPr>
+        <p:spPr>
+          <a:xfrm>
+            <a:off x="7264403" y="999106"/>
+            <a:ext cx="1429879" cy="246221"/>
+          </a:xfrm>
+          <a:prstGeom prst="rect">
+            <a:avLst/>
+          </a:prstGeom>
+          <a:noFill/>
+        </p:spPr>
+        <p:txBody>
+          <a:bodyPr wrap="none" lIns="0" tIns="0" rIns="0" bIns="0" rtlCol="0">
+            <a:spAutoFit/>
+          </a:bodyPr>
+          <a:lstStyle/>
+          <a:p>
+            <a:r>
+              <a:rPr lang="de-DE" sz="1600" b="1" dirty="0" smtClean="0"/>
+              <a:t>Go </a:t>
+            </a:r>
+            <a:r>
+              <a:rPr lang="de-DE" sz="1600" b="1" dirty="0" err="1" smtClean="0"/>
+              <a:t>to</a:t>
+            </a:r>
+            <a:r>
+              <a:rPr lang="de-DE" sz="1600" b="1" dirty="0" smtClean="0"/>
+              <a:t> </a:t>
+            </a:r>
+            <a:r>
+              <a:rPr lang="de-DE" sz="1600" b="1" dirty="0" err="1" smtClean="0"/>
+              <a:t>this</a:t>
+            </a:r>
+            <a:r>
+              <a:rPr lang="de-DE" sz="1600" b="1" dirty="0" smtClean="0"/>
+              <a:t> link </a:t>
+            </a:r>
+          </a:p>
+        </p:txBody>
+      </p:sp>
+      <p:sp>
+        <p:nvSpPr>
+          <p:cNvPr id="10" name="Textfeld 9"/>
+          <p:cNvSpPr txBox="1"/>
+          <p:nvPr/>
+        </p:nvSpPr>
+        <p:spPr>
+          <a:xfrm>
+            <a:off x="131311" y="2771017"/>
+            <a:ext cx="1393010" cy="646331"/>
+          </a:xfrm>
+          <a:prstGeom prst="rect">
+            <a:avLst/>
+          </a:prstGeom>
+          <a:noFill/>
+        </p:spPr>
+        <p:txBody>
+          <a:bodyPr wrap="none" lIns="0" tIns="0" rIns="0" bIns="0" rtlCol="0">
+            <a:spAutoFit/>
+          </a:bodyPr>
+          <a:lstStyle/>
+          <a:p>
+            <a:r>
+              <a:rPr lang="de-DE" sz="1400" b="1" dirty="0" smtClean="0"/>
+              <a:t>Check </a:t>
+            </a:r>
+            <a:r>
+              <a:rPr lang="de-DE" sz="1400" b="1" dirty="0" err="1" smtClean="0"/>
+              <a:t>if</a:t>
+            </a:r>
+            <a:r>
+              <a:rPr lang="de-DE" sz="1400" b="1" dirty="0" smtClean="0"/>
+              <a:t> </a:t>
+            </a:r>
+            <a:br>
+              <a:rPr lang="de-DE" sz="1400" b="1" dirty="0" smtClean="0"/>
+            </a:br>
+            <a:r>
+              <a:rPr lang="de-DE" sz="1400" b="1" dirty="0" smtClean="0"/>
+              <a:t>„issue520_PnH“</a:t>
+            </a:r>
+            <a:br>
+              <a:rPr lang="de-DE" sz="1400" b="1" dirty="0" smtClean="0"/>
+            </a:br>
+            <a:r>
+              <a:rPr lang="de-DE" sz="1400" b="1" dirty="0" err="1" smtClean="0"/>
+              <a:t>is</a:t>
+            </a:r>
+            <a:r>
+              <a:rPr lang="de-DE" sz="1400" b="1" dirty="0" smtClean="0"/>
+              <a:t> </a:t>
+            </a:r>
+            <a:r>
+              <a:rPr lang="de-DE" sz="1400" b="1" dirty="0" err="1" smtClean="0"/>
+              <a:t>selected</a:t>
+            </a:r>
+            <a:endParaRPr lang="de-DE" sz="1400" b="1" dirty="0" smtClean="0"/>
+          </a:p>
+        </p:txBody>
+      </p:sp>
+      <p:sp>
+        <p:nvSpPr>
+          <p:cNvPr id="11" name="Textfeld 10"/>
+          <p:cNvSpPr txBox="1"/>
+          <p:nvPr/>
+        </p:nvSpPr>
+        <p:spPr>
+          <a:xfrm>
+            <a:off x="7244020" y="3094182"/>
+            <a:ext cx="1609415" cy="430887"/>
+          </a:xfrm>
+          <a:prstGeom prst="rect">
+            <a:avLst/>
+          </a:prstGeom>
+          <a:noFill/>
+        </p:spPr>
+        <p:txBody>
+          <a:bodyPr wrap="none" lIns="0" tIns="0" rIns="0" bIns="0" rtlCol="0">
+            <a:spAutoFit/>
+          </a:bodyPr>
+          <a:lstStyle/>
+          <a:p>
+            <a:r>
+              <a:rPr lang="de-DE" sz="1400" b="1" dirty="0" err="1" smtClean="0"/>
+              <a:t>Clone</a:t>
+            </a:r>
+            <a:r>
+              <a:rPr lang="de-DE" sz="1400" b="1" dirty="0" smtClean="0"/>
+              <a:t> </a:t>
+            </a:r>
+            <a:r>
+              <a:rPr lang="de-DE" sz="1400" b="1" dirty="0" err="1" smtClean="0"/>
+              <a:t>or</a:t>
+            </a:r>
+            <a:r>
+              <a:rPr lang="de-DE" sz="1400" b="1" dirty="0" smtClean="0"/>
+              <a:t> </a:t>
+            </a:r>
+            <a:r>
+              <a:rPr lang="de-DE" sz="1400" b="1" dirty="0" err="1" smtClean="0"/>
+              <a:t>download</a:t>
+            </a:r>
+            <a:r>
+              <a:rPr lang="de-DE" sz="1400" b="1" dirty="0"/>
+              <a:t/>
+            </a:r>
+            <a:br>
+              <a:rPr lang="de-DE" sz="1400" b="1" dirty="0"/>
+            </a:br>
+            <a:r>
+              <a:rPr lang="de-DE" sz="1400" b="1" dirty="0" err="1" smtClean="0"/>
+              <a:t>the</a:t>
+            </a:r>
+            <a:r>
+              <a:rPr lang="de-DE" sz="1400" b="1" dirty="0" smtClean="0"/>
+              <a:t> </a:t>
+            </a:r>
+            <a:r>
+              <a:rPr lang="de-DE" sz="1400" b="1" dirty="0" err="1" smtClean="0"/>
+              <a:t>repository</a:t>
+            </a:r>
+            <a:endParaRPr lang="de-DE" sz="1400" b="1" dirty="0" smtClean="0"/>
+          </a:p>
+        </p:txBody>
+      </p:sp>
+    </p:spTree>
+    <p:extLst>
+      <p:ext uri="{BB962C8B-B14F-4D97-AF65-F5344CB8AC3E}">
+        <p14:creationId xmlns:p14="http://schemas.microsoft.com/office/powerpoint/2010/main" val="814051296"/>
+      </p:ext>
+    </p:extLst>
+  </p:cSld>
+  <p:clrMapOvr>
+    <a:masterClrMapping/>
+  </p:clrMapOvr>
+  <p:timing>
+    <p:tnLst>
+      <p:par>
+        <p:cTn id="1" dur="indefinite" restart="never" nodeType="tmRoot"/>
+      </p:par>
+    </p:tnLst>
+  </p:timing>
+</p:sld>
+</file>
+
+<file path=ppt/slides/slide20.xml><?xml version="1.0" encoding="utf-8"?>
+<p:sld xmlns:a="http://schemas.openxmlformats.org/drawingml/2006/main" xmlns:r="http://schemas.openxmlformats.org/officeDocument/2006/relationships" xmlns:p="http://schemas.openxmlformats.org/presentationml/2006/main">
+  <p:cSld>
+    <p:spTree>
+      <p:nvGrpSpPr>
+        <p:cNvPr id="1" name=""/>
+        <p:cNvGrpSpPr/>
+        <p:nvPr/>
+      </p:nvGrpSpPr>
+      <p:grpSpPr>
+        <a:xfrm>
+          <a:off x="0" y="0"/>
+          <a:ext cx="0" cy="0"/>
+          <a:chOff x="0" y="0"/>
+          <a:chExt cx="0" cy="0"/>
+        </a:xfrm>
+      </p:grpSpPr>
+      <p:sp>
+        <p:nvSpPr>
+          <p:cNvPr id="2" name="Titel 1"/>
           <p:cNvSpPr>
             <a:spLocks noGrp="1"/>
           </p:cNvSpPr>
           <p:nvPr>
-            <p:ph type="body" sz="quarter" idx="12"/>
+            <p:ph type="title"/>
           </p:nvPr>
         </p:nvSpPr>
         <p:spPr/>
@@ -12680,7 +13998,38 @@
           <a:bodyPr/>
           <a:lstStyle/>
           <a:p>
-            <a:endParaRPr lang="de-DE"/>
+            <a:r>
+              <a:rPr lang="de-DE" dirty="0"/>
+              <a:t>Internal </a:t>
+            </a:r>
+            <a:r>
+              <a:rPr lang="de-DE" dirty="0" err="1"/>
+              <a:t>gains</a:t>
+            </a:r>
+            <a:r>
+              <a:rPr lang="de-DE" dirty="0"/>
+              <a:t> – </a:t>
+            </a:r>
+            <a:r>
+              <a:rPr lang="de-DE" dirty="0" err="1" smtClean="0"/>
+              <a:t>Lights</a:t>
+            </a:r>
+            <a:r>
+              <a:rPr lang="de-DE" dirty="0" smtClean="0"/>
+              <a:t> - </a:t>
+            </a:r>
+            <a:r>
+              <a:rPr lang="de-DE" dirty="0" err="1" smtClean="0"/>
+              <a:t>Profiles</a:t>
+            </a:r>
+            <a:r>
+              <a:rPr lang="de-DE" dirty="0" smtClean="0"/>
+              <a:t> </a:t>
+            </a:r>
+            <a:r>
+              <a:rPr lang="de-DE" dirty="0"/>
+              <a:t>(ASHRAE 90.1_G)</a:t>
+            </a:r>
           </a:p>
         </p:txBody>
       </p:sp>
@@ -12765,7 +14114,7 @@
 </p:sld>
 </file>
 
-<file path=ppt/slides/slide18.xml><?xml version="1.0" encoding="utf-8"?>
+<file path=ppt/slides/slide21.xml><?xml version="1.0" encoding="utf-8"?>
 <p:sld xmlns:a="http://schemas.openxmlformats.org/drawingml/2006/main" xmlns:r="http://schemas.openxmlformats.org/officeDocument/2006/relationships" xmlns:p="http://schemas.openxmlformats.org/presentationml/2006/main">
   <p:cSld>
     <p:spTree>
@@ -13148,7 +14497,7 @@
 </p:sld>
 </file>
 
-<file path=ppt/slides/slide19.xml><?xml version="1.0" encoding="utf-8"?>
+<file path=ppt/slides/slide22.xml><?xml version="1.0" encoding="utf-8"?>
 <p:sld xmlns:a="http://schemas.openxmlformats.org/drawingml/2006/main" xmlns:r="http://schemas.openxmlformats.org/officeDocument/2006/relationships" xmlns:p="http://schemas.openxmlformats.org/presentationml/2006/main">
   <p:cSld>
     <p:spTree>
@@ -13418,226 +14767,7 @@
 </p:sld>
 </file>
 
-<file path=ppt/slides/slide2.xml><?xml version="1.0" encoding="utf-8"?>
-<p:sld xmlns:a="http://schemas.openxmlformats.org/drawingml/2006/main" xmlns:r="http://schemas.openxmlformats.org/officeDocument/2006/relationships" xmlns:p="http://schemas.openxmlformats.org/presentationml/2006/main">
-  <p:cSld>
-    <p:spTree>
-      <p:nvGrpSpPr>
-        <p:cNvPr id="1" name=""/>
-        <p:cNvGrpSpPr/>
-        <p:nvPr/>
-      </p:nvGrpSpPr>
-      <p:grpSpPr>
-        <a:xfrm>
-          <a:off x="0" y="0"/>
-          <a:ext cx="0" cy="0"/>
-          <a:chOff x="0" y="0"/>
-          <a:chExt cx="0" cy="0"/>
-        </a:xfrm>
-      </p:grpSpPr>
-      <p:sp>
-        <p:nvSpPr>
-          <p:cNvPr id="5" name="Titel 4"/>
-          <p:cNvSpPr>
-            <a:spLocks noGrp="1"/>
-          </p:cNvSpPr>
-          <p:nvPr>
-            <p:ph type="title"/>
-          </p:nvPr>
-        </p:nvSpPr>
-        <p:spPr/>
-        <p:txBody>
-          <a:bodyPr/>
-          <a:lstStyle/>
-          <a:p>
-            <a:r>
-              <a:rPr lang="de-DE" dirty="0" smtClean="0"/>
-              <a:t>Components </a:t>
-            </a:r>
-            <a:r>
-              <a:rPr lang="de-DE" dirty="0" err="1" smtClean="0"/>
-              <a:t>of</a:t>
-            </a:r>
-            <a:r>
-              <a:rPr lang="de-DE" dirty="0" smtClean="0"/>
-              <a:t> </a:t>
-            </a:r>
-            <a:r>
-              <a:rPr lang="de-DE" dirty="0" err="1" smtClean="0"/>
-              <a:t>simulation</a:t>
-            </a:r>
-            <a:r>
-              <a:rPr lang="de-DE" dirty="0" smtClean="0"/>
-              <a:t> </a:t>
-            </a:r>
-            <a:r>
-              <a:rPr lang="de-DE" dirty="0" err="1" smtClean="0"/>
-              <a:t>model</a:t>
-            </a:r>
-            <a:endParaRPr lang="de-DE" dirty="0"/>
-          </a:p>
-        </p:txBody>
-      </p:sp>
-      <p:sp>
-        <p:nvSpPr>
-          <p:cNvPr id="6" name="Textplatzhalter 5"/>
-          <p:cNvSpPr>
-            <a:spLocks noGrp="1"/>
-          </p:cNvSpPr>
-          <p:nvPr>
-            <p:ph type="body" sz="quarter" idx="13"/>
-          </p:nvPr>
-        </p:nvSpPr>
-        <p:spPr/>
-        <p:txBody>
-          <a:bodyPr/>
-          <a:lstStyle/>
-          <a:p>
-            <a:r>
-              <a:rPr lang="en-US" dirty="0" smtClean="0"/>
-              <a:t>Model name</a:t>
-            </a:r>
-          </a:p>
-          <a:p>
-            <a:pPr lvl="1"/>
-            <a:r>
-              <a:rPr lang="en-US" dirty="0" err="1" smtClean="0"/>
-              <a:t>AixLib.PlugNHarvest.Examples.Test</a:t>
-            </a:r>
-            <a:endParaRPr lang="en-US" dirty="0" smtClean="0"/>
-          </a:p>
-          <a:p>
-            <a:r>
-              <a:rPr lang="en-US" dirty="0" smtClean="0"/>
-              <a:t>Main model</a:t>
-            </a:r>
-          </a:p>
-          <a:p>
-            <a:pPr lvl="1"/>
-            <a:r>
-              <a:rPr lang="en-US" dirty="0" smtClean="0"/>
-              <a:t>Room envelope + internal gains + energy system + control</a:t>
-            </a:r>
-          </a:p>
-          <a:p>
-            <a:r>
-              <a:rPr lang="en-US" dirty="0" smtClean="0"/>
-              <a:t>Boundary conditions</a:t>
-            </a:r>
-          </a:p>
-          <a:p>
-            <a:pPr lvl="1"/>
-            <a:r>
-              <a:rPr lang="en-US" dirty="0" smtClean="0"/>
-              <a:t>Weather</a:t>
-            </a:r>
-          </a:p>
-          <a:p>
-            <a:pPr lvl="1"/>
-            <a:r>
-              <a:rPr lang="en-US" dirty="0" smtClean="0"/>
-              <a:t>Schedules internal gains: occupants, lights, electrical appliances</a:t>
-            </a:r>
-          </a:p>
-          <a:p>
-            <a:pPr lvl="1"/>
-            <a:r>
-              <a:rPr lang="en-US" dirty="0" smtClean="0"/>
-              <a:t>Schedules HVAC: heating cooling ventilation</a:t>
-            </a:r>
-          </a:p>
-          <a:p>
-            <a:r>
-              <a:rPr lang="en-US" dirty="0" smtClean="0"/>
-              <a:t>Parameters for the whole model</a:t>
-            </a:r>
-          </a:p>
-          <a:p>
-            <a:pPr lvl="1"/>
-            <a:r>
-              <a:rPr lang="en-US" dirty="0" smtClean="0"/>
-              <a:t>With the exception of one parameter, the whole </a:t>
-            </a:r>
-          </a:p>
-          <a:p>
-            <a:pPr marL="216100" lvl="1" indent="0">
-              <a:buNone/>
-            </a:pPr>
-            <a:r>
-              <a:rPr lang="en-US" dirty="0" smtClean="0"/>
-              <a:t>    simulation can be configured over this list of parameters</a:t>
-            </a:r>
-          </a:p>
-          <a:p>
-            <a:pPr lvl="1"/>
-            <a:r>
-              <a:rPr lang="en-US" dirty="0" smtClean="0"/>
-              <a:t>Exception: the surface orientation for the calculation of the solar radiation on the facade</a:t>
-            </a:r>
-          </a:p>
-          <a:p>
-            <a:pPr lvl="2"/>
-            <a:r>
-              <a:rPr lang="en-US" dirty="0" smtClean="0"/>
-              <a:t>In the weather model: Surface orientation data (chose or create a record with the needed orientation)</a:t>
-            </a:r>
-          </a:p>
-          <a:p>
-            <a:pPr lvl="2"/>
-            <a:r>
-              <a:rPr lang="en-US" dirty="0" smtClean="0"/>
-              <a:t>Connect the correct solar output from the weather model to the room model (if a record with 4 orientations is provided, and the third orientation is needed, connect the third element of the output vector ) </a:t>
-            </a:r>
-          </a:p>
-          <a:p>
-            <a:pPr lvl="1"/>
-            <a:endParaRPr lang="de-DE" dirty="0" smtClean="0"/>
-          </a:p>
-          <a:p>
-            <a:endParaRPr lang="de-DE" dirty="0" smtClean="0"/>
-          </a:p>
-          <a:p>
-            <a:endParaRPr lang="de-DE" dirty="0"/>
-          </a:p>
-        </p:txBody>
-      </p:sp>
-      <p:pic>
-        <p:nvPicPr>
-          <p:cNvPr id="7" name="Grafik 6"/>
-          <p:cNvPicPr>
-            <a:picLocks noChangeAspect="1"/>
-          </p:cNvPicPr>
-          <p:nvPr/>
-        </p:nvPicPr>
-        <p:blipFill rotWithShape="1">
-          <a:blip r:embed="rId2"/>
-          <a:srcRect l="18722" t="7464" r="20526" b="20278"/>
-          <a:stretch/>
-        </p:blipFill>
-        <p:spPr>
-          <a:xfrm>
-            <a:off x="5138057" y="3299486"/>
-            <a:ext cx="879566" cy="853441"/>
-          </a:xfrm>
-          <a:prstGeom prst="rect">
-            <a:avLst/>
-          </a:prstGeom>
-        </p:spPr>
-      </p:pic>
-    </p:spTree>
-    <p:extLst>
-      <p:ext uri="{BB962C8B-B14F-4D97-AF65-F5344CB8AC3E}">
-        <p14:creationId xmlns:p14="http://schemas.microsoft.com/office/powerpoint/2010/main" val="2157887193"/>
-      </p:ext>
-    </p:extLst>
-  </p:cSld>
-  <p:clrMapOvr>
-    <a:masterClrMapping/>
-  </p:clrMapOvr>
-</p:sld>
-</file>
-
-<file path=ppt/slides/slide20.xml><?xml version="1.0" encoding="utf-8"?>
+<file path=ppt/slides/slide23.xml><?xml version="1.0" encoding="utf-8"?>
 <p:sld xmlns:a="http://schemas.openxmlformats.org/drawingml/2006/main" xmlns:r="http://schemas.openxmlformats.org/officeDocument/2006/relationships" xmlns:p="http://schemas.openxmlformats.org/presentationml/2006/main">
   <p:cSld>
     <p:spTree>
@@ -14533,7 +15663,7 @@
 </p:sld>
 </file>
 
-<file path=ppt/slides/slide21.xml><?xml version="1.0" encoding="utf-8"?>
+<file path=ppt/slides/slide24.xml><?xml version="1.0" encoding="utf-8"?>
 <p:sld xmlns:a="http://schemas.openxmlformats.org/drawingml/2006/main" xmlns:r="http://schemas.openxmlformats.org/officeDocument/2006/relationships" xmlns:p="http://schemas.openxmlformats.org/presentationml/2006/main">
   <p:cSld>
     <p:spTree>
@@ -14738,7 +15868,7 @@
 </p:sld>
 </file>
 
-<file path=ppt/slides/slide22.xml><?xml version="1.0" encoding="utf-8"?>
+<file path=ppt/slides/slide25.xml><?xml version="1.0" encoding="utf-8"?>
 <p:sld xmlns:a="http://schemas.openxmlformats.org/drawingml/2006/main" xmlns:r="http://schemas.openxmlformats.org/officeDocument/2006/relationships" xmlns:p="http://schemas.openxmlformats.org/presentationml/2006/main">
   <p:cSld>
     <p:spTree>
@@ -14888,7 +16018,7 @@
 </p:sld>
 </file>
 
-<file path=ppt/slides/slide23.xml><?xml version="1.0" encoding="utf-8"?>
+<file path=ppt/slides/slide3.xml><?xml version="1.0" encoding="utf-8"?>
 <p:sld xmlns:a="http://schemas.openxmlformats.org/drawingml/2006/main" xmlns:r="http://schemas.openxmlformats.org/officeDocument/2006/relationships" xmlns:p="http://schemas.openxmlformats.org/presentationml/2006/main">
   <p:cSld>
     <p:spTree>
@@ -14907,12 +16037,12 @@
       </p:grpSpPr>
       <p:sp>
         <p:nvSpPr>
-          <p:cNvPr id="3" name="Textplatzhalter 2"/>
+          <p:cNvPr id="2" name="Titel 1"/>
           <p:cNvSpPr>
             <a:spLocks noGrp="1"/>
           </p:cNvSpPr>
           <p:nvPr>
-            <p:ph type="body" sz="quarter" idx="14"/>
+            <p:ph type="title"/>
           </p:nvPr>
         </p:nvSpPr>
         <p:spPr/>
@@ -14921,133 +16051,36 @@
           <a:lstStyle/>
           <a:p>
             <a:r>
-              <a:rPr lang="de-DE" dirty="0"/>
-              <a:t>E.ON </a:t>
-            </a:r>
-            <a:r>
-              <a:rPr lang="de-DE" dirty="0" err="1"/>
-              <a:t>Energy</a:t>
-            </a:r>
-            <a:r>
-              <a:rPr lang="de-DE" dirty="0"/>
-              <a:t> Research </a:t>
-            </a:r>
-            <a:r>
-              <a:rPr lang="de-DE" dirty="0" smtClean="0"/>
-              <a:t>Center</a:t>
-            </a:r>
-          </a:p>
-          <a:p>
-            <a:r>
               <a:rPr lang="de-DE" dirty="0" err="1" smtClean="0"/>
-              <a:t>Mathieustraße</a:t>
+              <a:t>Aixlib</a:t>
             </a:r>
             <a:r>
               <a:rPr lang="de-DE" dirty="0" smtClean="0"/>
               <a:t> </a:t>
             </a:r>
             <a:r>
-              <a:rPr lang="de-DE" dirty="0"/>
-              <a:t>10</a:t>
-            </a:r>
-          </a:p>
-          <a:p>
-            <a:r>
-              <a:rPr lang="de-DE" dirty="0"/>
-              <a:t>52074 Aachen</a:t>
-            </a:r>
-          </a:p>
-          <a:p>
+              <a:rPr lang="de-DE" dirty="0" err="1" smtClean="0"/>
+              <a:t>with</a:t>
+            </a:r>
             <a:r>
               <a:rPr lang="de-DE" dirty="0" smtClean="0"/>
-              <a:t>Germany</a:t>
-            </a:r>
-            <a:endParaRPr lang="de-DE" dirty="0"/>
-          </a:p>
-        </p:txBody>
-      </p:sp>
-      <p:sp>
-        <p:nvSpPr>
-          <p:cNvPr id="4" name="Textplatzhalter 3"/>
-          <p:cNvSpPr>
-            <a:spLocks noGrp="1"/>
-          </p:cNvSpPr>
-          <p:nvPr>
-            <p:ph type="body" sz="quarter" idx="16"/>
-          </p:nvPr>
-        </p:nvSpPr>
-        <p:spPr/>
-        <p:txBody>
-          <a:bodyPr/>
-          <a:lstStyle/>
-          <a:p>
-            <a:r>
-              <a:rPr lang="de-DE" dirty="0"/>
-              <a:t>FIRST NAME SURNAME</a:t>
-            </a:r>
-          </a:p>
-          <a:p>
+              <a:t> </a:t>
+            </a:r>
+            <a:r>
+              <a:rPr lang="de-DE" dirty="0" err="1" smtClean="0"/>
+              <a:t>PnH</a:t>
+            </a:r>
             <a:r>
               <a:rPr lang="de-DE" dirty="0" smtClean="0"/>
-              <a:t>T </a:t>
-            </a:r>
-            <a:r>
-              <a:rPr lang="de-DE" dirty="0"/>
-              <a:t>+49 241 80 </a:t>
+              <a:t> in </a:t>
+            </a:r>
+            <a:r>
+              <a:rPr lang="de-DE" dirty="0" err="1" smtClean="0"/>
+              <a:t>Dymola</a:t>
             </a:r>
             <a:r>
               <a:rPr lang="de-DE" dirty="0" smtClean="0"/>
-              <a:t>49xxx</a:t>
-            </a:r>
-            <a:endParaRPr lang="de-DE" dirty="0"/>
-          </a:p>
-          <a:p>
-            <a:r>
-              <a:rPr lang="de-DE" dirty="0"/>
-              <a:t>F +49 241 80 </a:t>
-            </a:r>
-            <a:r>
-              <a:rPr lang="de-DE" dirty="0" smtClean="0"/>
-              <a:t>49xxx</a:t>
-            </a:r>
-            <a:endParaRPr lang="de-DE" dirty="0"/>
-          </a:p>
-          <a:p>
-            <a:r>
-              <a:rPr lang="de-DE" dirty="0" smtClean="0"/>
-              <a:t>xxx@eonerc.rwth-aachen.de</a:t>
-            </a:r>
-            <a:endParaRPr lang="de-DE" dirty="0"/>
-          </a:p>
-          <a:p>
-            <a:r>
-              <a:rPr lang="de-DE" dirty="0"/>
-              <a:t>http://www.eonerc.rwth-aachen.de</a:t>
-            </a:r>
-          </a:p>
-          <a:p>
-            <a:endParaRPr lang="de-DE" dirty="0"/>
-          </a:p>
-        </p:txBody>
-      </p:sp>
-      <p:sp>
-        <p:nvSpPr>
-          <p:cNvPr id="5" name="Textplatzhalter 4"/>
-          <p:cNvSpPr>
-            <a:spLocks noGrp="1"/>
-          </p:cNvSpPr>
-          <p:nvPr>
-            <p:ph type="body" sz="quarter" idx="17"/>
-          </p:nvPr>
-        </p:nvSpPr>
-        <p:spPr/>
-        <p:txBody>
-          <a:bodyPr/>
-          <a:lstStyle/>
-          <a:p>
-            <a:r>
-              <a:rPr lang="de-DE" dirty="0" err="1" smtClean="0"/>
-              <a:t>Contact</a:t>
+              <a:t> </a:t>
             </a:r>
             <a:endParaRPr lang="de-DE" dirty="0"/>
           </a:p>
@@ -15055,13 +16088,11 @@
       </p:sp>
       <p:pic>
         <p:nvPicPr>
-          <p:cNvPr id="10" name="Bildplatzhalter 9"/>
+          <p:cNvPr id="4" name="Grafik 3" descr="Bildschirmausschnitt"/>
           <p:cNvPicPr>
-            <a:picLocks noGrp="1" noChangeAspect="1"/>
+            <a:picLocks noChangeAspect="1"/>
           </p:cNvPicPr>
-          <p:nvPr>
-            <p:ph type="pic" sz="quarter" idx="15"/>
-          </p:nvPr>
+          <p:nvPr/>
         </p:nvPicPr>
         <p:blipFill>
           <a:blip r:embed="rId2">
@@ -15071,17 +16102,609 @@
               </a:ext>
             </a:extLst>
           </a:blip>
-          <a:srcRect l="9" r="9"/>
           <a:stretch>
             <a:fillRect/>
           </a:stretch>
         </p:blipFill>
-        <p:spPr/>
+        <p:spPr>
+          <a:xfrm>
+            <a:off x="3953103" y="1226799"/>
+            <a:ext cx="4184133" cy="4164209"/>
+          </a:xfrm>
+          <a:prstGeom prst="rect">
+            <a:avLst/>
+          </a:prstGeom>
+        </p:spPr>
       </p:pic>
+      <p:pic>
+        <p:nvPicPr>
+          <p:cNvPr id="6" name="Grafik 5" descr="Bildschirmausschnitt"/>
+          <p:cNvPicPr>
+            <a:picLocks noChangeAspect="1"/>
+          </p:cNvPicPr>
+          <p:nvPr/>
+        </p:nvPicPr>
+        <p:blipFill>
+          <a:blip r:embed="rId3">
+            <a:extLst>
+              <a:ext uri="{28A0092B-C50C-407E-A947-70E740481C1C}">
+                <a14:useLocalDpi xmlns:a14="http://schemas.microsoft.com/office/drawing/2010/main" val="0"/>
+              </a:ext>
+            </a:extLst>
+          </a:blip>
+          <a:stretch>
+            <a:fillRect/>
+          </a:stretch>
+        </p:blipFill>
+        <p:spPr>
+          <a:xfrm>
+            <a:off x="288000" y="1226799"/>
+            <a:ext cx="2077172" cy="4515591"/>
+          </a:xfrm>
+          <a:prstGeom prst="rect">
+            <a:avLst/>
+          </a:prstGeom>
+        </p:spPr>
+      </p:pic>
+      <p:sp>
+        <p:nvSpPr>
+          <p:cNvPr id="7" name="Rechteck 6"/>
+          <p:cNvSpPr/>
+          <p:nvPr/>
+        </p:nvSpPr>
+        <p:spPr>
+          <a:xfrm>
+            <a:off x="209494" y="1556328"/>
+            <a:ext cx="986618" cy="341746"/>
+          </a:xfrm>
+          <a:prstGeom prst="rect">
+            <a:avLst/>
+          </a:prstGeom>
+          <a:noFill/>
+          <a:ln w="28575"/>
+        </p:spPr>
+        <p:style>
+          <a:lnRef idx="2">
+            <a:schemeClr val="accent1"/>
+          </a:lnRef>
+          <a:fillRef idx="1">
+            <a:schemeClr val="lt1"/>
+          </a:fillRef>
+          <a:effectRef idx="0">
+            <a:schemeClr val="accent1"/>
+          </a:effectRef>
+          <a:fontRef idx="minor">
+            <a:schemeClr val="dk1"/>
+          </a:fontRef>
+        </p:style>
+        <p:txBody>
+          <a:bodyPr rtlCol="0" anchor="ctr"/>
+          <a:lstStyle/>
+          <a:p>
+            <a:pPr algn="ctr"/>
+            <a:endParaRPr lang="de-DE"/>
+          </a:p>
+        </p:txBody>
+      </p:sp>
+      <p:sp>
+        <p:nvSpPr>
+          <p:cNvPr id="8" name="Rechteck 7"/>
+          <p:cNvSpPr/>
+          <p:nvPr/>
+        </p:nvSpPr>
+        <p:spPr>
+          <a:xfrm>
+            <a:off x="288000" y="4290292"/>
+            <a:ext cx="986618" cy="341746"/>
+          </a:xfrm>
+          <a:prstGeom prst="rect">
+            <a:avLst/>
+          </a:prstGeom>
+          <a:noFill/>
+          <a:ln w="28575"/>
+        </p:spPr>
+        <p:style>
+          <a:lnRef idx="2">
+            <a:schemeClr val="accent1"/>
+          </a:lnRef>
+          <a:fillRef idx="1">
+            <a:schemeClr val="lt1"/>
+          </a:fillRef>
+          <a:effectRef idx="0">
+            <a:schemeClr val="accent1"/>
+          </a:effectRef>
+          <a:fontRef idx="minor">
+            <a:schemeClr val="dk1"/>
+          </a:fontRef>
+        </p:style>
+        <p:txBody>
+          <a:bodyPr rtlCol="0" anchor="ctr"/>
+          <a:lstStyle/>
+          <a:p>
+            <a:pPr algn="ctr"/>
+            <a:endParaRPr lang="de-DE"/>
+          </a:p>
+        </p:txBody>
+      </p:sp>
+      <p:sp>
+        <p:nvSpPr>
+          <p:cNvPr id="9" name="Rechteck 8"/>
+          <p:cNvSpPr/>
+          <p:nvPr/>
+        </p:nvSpPr>
+        <p:spPr>
+          <a:xfrm>
+            <a:off x="417312" y="5066146"/>
+            <a:ext cx="986618" cy="341746"/>
+          </a:xfrm>
+          <a:prstGeom prst="rect">
+            <a:avLst/>
+          </a:prstGeom>
+          <a:noFill/>
+          <a:ln w="28575"/>
+        </p:spPr>
+        <p:style>
+          <a:lnRef idx="2">
+            <a:schemeClr val="accent1"/>
+          </a:lnRef>
+          <a:fillRef idx="1">
+            <a:schemeClr val="lt1"/>
+          </a:fillRef>
+          <a:effectRef idx="0">
+            <a:schemeClr val="accent1"/>
+          </a:effectRef>
+          <a:fontRef idx="minor">
+            <a:schemeClr val="dk1"/>
+          </a:fontRef>
+        </p:style>
+        <p:txBody>
+          <a:bodyPr rtlCol="0" anchor="ctr"/>
+          <a:lstStyle/>
+          <a:p>
+            <a:pPr algn="ctr"/>
+            <a:endParaRPr lang="de-DE"/>
+          </a:p>
+        </p:txBody>
+      </p:sp>
+      <p:sp>
+        <p:nvSpPr>
+          <p:cNvPr id="10" name="Pfeil nach rechts 9"/>
+          <p:cNvSpPr/>
+          <p:nvPr/>
+        </p:nvSpPr>
+        <p:spPr>
+          <a:xfrm>
+            <a:off x="2644210" y="2941956"/>
+            <a:ext cx="762000" cy="1085273"/>
+          </a:xfrm>
+          <a:prstGeom prst="rightArrow">
+            <a:avLst/>
+          </a:prstGeom>
+        </p:spPr>
+        <p:style>
+          <a:lnRef idx="2">
+            <a:schemeClr val="accent1">
+              <a:shade val="50000"/>
+            </a:schemeClr>
+          </a:lnRef>
+          <a:fillRef idx="1">
+            <a:schemeClr val="accent1"/>
+          </a:fillRef>
+          <a:effectRef idx="0">
+            <a:schemeClr val="accent1"/>
+          </a:effectRef>
+          <a:fontRef idx="minor">
+            <a:schemeClr val="lt1"/>
+          </a:fontRef>
+        </p:style>
+        <p:txBody>
+          <a:bodyPr rtlCol="0" anchor="ctr"/>
+          <a:lstStyle/>
+          <a:p>
+            <a:pPr algn="ctr"/>
+            <a:endParaRPr lang="de-DE"/>
+          </a:p>
+        </p:txBody>
+      </p:sp>
+      <p:sp>
+        <p:nvSpPr>
+          <p:cNvPr id="11" name="Rechteck 10"/>
+          <p:cNvSpPr/>
+          <p:nvPr/>
+        </p:nvSpPr>
+        <p:spPr>
+          <a:xfrm>
+            <a:off x="3786908" y="3938039"/>
+            <a:ext cx="1609405" cy="1574799"/>
+          </a:xfrm>
+          <a:prstGeom prst="rect">
+            <a:avLst/>
+          </a:prstGeom>
+          <a:noFill/>
+          <a:ln w="28575"/>
+        </p:spPr>
+        <p:style>
+          <a:lnRef idx="2">
+            <a:schemeClr val="accent1"/>
+          </a:lnRef>
+          <a:fillRef idx="1">
+            <a:schemeClr val="lt1"/>
+          </a:fillRef>
+          <a:effectRef idx="0">
+            <a:schemeClr val="accent1"/>
+          </a:effectRef>
+          <a:fontRef idx="minor">
+            <a:schemeClr val="dk1"/>
+          </a:fontRef>
+        </p:style>
+        <p:txBody>
+          <a:bodyPr rtlCol="0" anchor="ctr"/>
+          <a:lstStyle/>
+          <a:p>
+            <a:pPr algn="ctr"/>
+            <a:endParaRPr lang="de-DE"/>
+          </a:p>
+        </p:txBody>
+      </p:sp>
+      <p:sp>
+        <p:nvSpPr>
+          <p:cNvPr id="12" name="Textfeld 11"/>
+          <p:cNvSpPr txBox="1"/>
+          <p:nvPr/>
+        </p:nvSpPr>
+        <p:spPr>
+          <a:xfrm>
+            <a:off x="4061660" y="5634668"/>
+            <a:ext cx="1205345" cy="215444"/>
+          </a:xfrm>
+          <a:prstGeom prst="rect">
+            <a:avLst/>
+          </a:prstGeom>
+          <a:noFill/>
+        </p:spPr>
+        <p:txBody>
+          <a:bodyPr wrap="square" lIns="0" tIns="0" rIns="0" bIns="0" rtlCol="0">
+            <a:spAutoFit/>
+          </a:bodyPr>
+          <a:lstStyle/>
+          <a:p>
+            <a:r>
+              <a:rPr lang="de-DE" sz="1400" b="1" dirty="0" smtClean="0"/>
+              <a:t>Internal </a:t>
+            </a:r>
+            <a:r>
+              <a:rPr lang="de-DE" sz="1400" b="1" dirty="0" err="1" smtClean="0"/>
+              <a:t>gains</a:t>
+            </a:r>
+            <a:r>
+              <a:rPr lang="de-DE" sz="1400" b="1" dirty="0" smtClean="0"/>
+              <a:t> </a:t>
+            </a:r>
+          </a:p>
+        </p:txBody>
+      </p:sp>
+      <p:sp>
+        <p:nvSpPr>
+          <p:cNvPr id="13" name="Rechteck 12"/>
+          <p:cNvSpPr/>
+          <p:nvPr/>
+        </p:nvSpPr>
+        <p:spPr>
+          <a:xfrm>
+            <a:off x="5920448" y="3938038"/>
+            <a:ext cx="2216788" cy="1574799"/>
+          </a:xfrm>
+          <a:prstGeom prst="rect">
+            <a:avLst/>
+          </a:prstGeom>
+          <a:noFill/>
+          <a:ln w="28575"/>
+        </p:spPr>
+        <p:style>
+          <a:lnRef idx="2">
+            <a:schemeClr val="accent1"/>
+          </a:lnRef>
+          <a:fillRef idx="1">
+            <a:schemeClr val="lt1"/>
+          </a:fillRef>
+          <a:effectRef idx="0">
+            <a:schemeClr val="accent1"/>
+          </a:effectRef>
+          <a:fontRef idx="minor">
+            <a:schemeClr val="dk1"/>
+          </a:fontRef>
+        </p:style>
+        <p:txBody>
+          <a:bodyPr rtlCol="0" anchor="ctr"/>
+          <a:lstStyle/>
+          <a:p>
+            <a:pPr algn="ctr"/>
+            <a:endParaRPr lang="de-DE"/>
+          </a:p>
+        </p:txBody>
+      </p:sp>
+      <p:sp>
+        <p:nvSpPr>
+          <p:cNvPr id="14" name="Textfeld 13"/>
+          <p:cNvSpPr txBox="1"/>
+          <p:nvPr/>
+        </p:nvSpPr>
+        <p:spPr>
+          <a:xfrm>
+            <a:off x="5920448" y="5634668"/>
+            <a:ext cx="2456934" cy="215444"/>
+          </a:xfrm>
+          <a:prstGeom prst="rect">
+            <a:avLst/>
+          </a:prstGeom>
+          <a:noFill/>
+        </p:spPr>
+        <p:txBody>
+          <a:bodyPr wrap="square" lIns="0" tIns="0" rIns="0" bIns="0" rtlCol="0">
+            <a:spAutoFit/>
+          </a:bodyPr>
+          <a:lstStyle/>
+          <a:p>
+            <a:r>
+              <a:rPr lang="de-DE" sz="1400" b="1" dirty="0" err="1" smtClean="0"/>
+              <a:t>Heating</a:t>
+            </a:r>
+            <a:r>
+              <a:rPr lang="de-DE" sz="1400" b="1" dirty="0" smtClean="0"/>
+              <a:t>, </a:t>
+            </a:r>
+            <a:r>
+              <a:rPr lang="de-DE" sz="1400" b="1" dirty="0" err="1" smtClean="0"/>
+              <a:t>cooling</a:t>
+            </a:r>
+            <a:r>
+              <a:rPr lang="de-DE" sz="1400" b="1" dirty="0" smtClean="0"/>
+              <a:t>, </a:t>
+            </a:r>
+            <a:r>
+              <a:rPr lang="de-DE" sz="1400" b="1" dirty="0" err="1" smtClean="0"/>
+              <a:t>ventilation</a:t>
+            </a:r>
+            <a:endParaRPr lang="de-DE" sz="1400" b="1" dirty="0" smtClean="0"/>
+          </a:p>
+        </p:txBody>
+      </p:sp>
+      <p:sp>
+        <p:nvSpPr>
+          <p:cNvPr id="15" name="Textfeld 14"/>
+          <p:cNvSpPr txBox="1"/>
+          <p:nvPr/>
+        </p:nvSpPr>
+        <p:spPr>
+          <a:xfrm>
+            <a:off x="2761388" y="2157792"/>
+            <a:ext cx="904056" cy="430887"/>
+          </a:xfrm>
+          <a:prstGeom prst="rect">
+            <a:avLst/>
+          </a:prstGeom>
+          <a:noFill/>
+        </p:spPr>
+        <p:txBody>
+          <a:bodyPr wrap="square" lIns="0" tIns="0" rIns="0" bIns="0" rtlCol="0">
+            <a:spAutoFit/>
+          </a:bodyPr>
+          <a:lstStyle/>
+          <a:p>
+            <a:r>
+              <a:rPr lang="de-DE" sz="1400" b="1" dirty="0" err="1" smtClean="0"/>
+              <a:t>Ambient</a:t>
+            </a:r>
+            <a:endParaRPr lang="de-DE" sz="1400" b="1" dirty="0"/>
+          </a:p>
+          <a:p>
+            <a:r>
+              <a:rPr lang="de-DE" sz="1400" b="1" dirty="0" err="1" smtClean="0"/>
+              <a:t>conditions</a:t>
+            </a:r>
+            <a:r>
+              <a:rPr lang="de-DE" sz="1400" b="1" dirty="0" smtClean="0"/>
+              <a:t> </a:t>
+            </a:r>
+          </a:p>
+        </p:txBody>
+      </p:sp>
+      <p:sp>
+        <p:nvSpPr>
+          <p:cNvPr id="16" name="Rechteck 15"/>
+          <p:cNvSpPr/>
+          <p:nvPr/>
+        </p:nvSpPr>
+        <p:spPr>
+          <a:xfrm>
+            <a:off x="3749900" y="1745673"/>
+            <a:ext cx="2011185" cy="1255127"/>
+          </a:xfrm>
+          <a:prstGeom prst="rect">
+            <a:avLst/>
+          </a:prstGeom>
+          <a:noFill/>
+          <a:ln w="28575"/>
+        </p:spPr>
+        <p:style>
+          <a:lnRef idx="2">
+            <a:schemeClr val="accent1"/>
+          </a:lnRef>
+          <a:fillRef idx="1">
+            <a:schemeClr val="lt1"/>
+          </a:fillRef>
+          <a:effectRef idx="0">
+            <a:schemeClr val="accent1"/>
+          </a:effectRef>
+          <a:fontRef idx="minor">
+            <a:schemeClr val="dk1"/>
+          </a:fontRef>
+        </p:style>
+        <p:txBody>
+          <a:bodyPr rtlCol="0" anchor="ctr"/>
+          <a:lstStyle/>
+          <a:p>
+            <a:pPr algn="ctr"/>
+            <a:endParaRPr lang="de-DE"/>
+          </a:p>
+        </p:txBody>
+      </p:sp>
+      <p:sp>
+        <p:nvSpPr>
+          <p:cNvPr id="17" name="Rechteck 16"/>
+          <p:cNvSpPr/>
+          <p:nvPr/>
+        </p:nvSpPr>
+        <p:spPr>
+          <a:xfrm>
+            <a:off x="7541431" y="1118110"/>
+            <a:ext cx="704304" cy="692218"/>
+          </a:xfrm>
+          <a:prstGeom prst="rect">
+            <a:avLst/>
+          </a:prstGeom>
+          <a:noFill/>
+          <a:ln w="28575"/>
+        </p:spPr>
+        <p:style>
+          <a:lnRef idx="2">
+            <a:schemeClr val="accent1"/>
+          </a:lnRef>
+          <a:fillRef idx="1">
+            <a:schemeClr val="lt1"/>
+          </a:fillRef>
+          <a:effectRef idx="0">
+            <a:schemeClr val="accent1"/>
+          </a:effectRef>
+          <a:fontRef idx="minor">
+            <a:schemeClr val="dk1"/>
+          </a:fontRef>
+        </p:style>
+        <p:txBody>
+          <a:bodyPr rtlCol="0" anchor="ctr"/>
+          <a:lstStyle/>
+          <a:p>
+            <a:pPr algn="ctr"/>
+            <a:endParaRPr lang="de-DE"/>
+          </a:p>
+        </p:txBody>
+      </p:sp>
+      <p:sp>
+        <p:nvSpPr>
+          <p:cNvPr id="18" name="Rechteck 17"/>
+          <p:cNvSpPr/>
+          <p:nvPr/>
+        </p:nvSpPr>
+        <p:spPr>
+          <a:xfrm>
+            <a:off x="6077498" y="2022400"/>
+            <a:ext cx="1463933" cy="1413527"/>
+          </a:xfrm>
+          <a:prstGeom prst="rect">
+            <a:avLst/>
+          </a:prstGeom>
+          <a:noFill/>
+          <a:ln w="28575"/>
+        </p:spPr>
+        <p:style>
+          <a:lnRef idx="2">
+            <a:schemeClr val="accent1"/>
+          </a:lnRef>
+          <a:fillRef idx="1">
+            <a:schemeClr val="lt1"/>
+          </a:fillRef>
+          <a:effectRef idx="0">
+            <a:schemeClr val="accent1"/>
+          </a:effectRef>
+          <a:fontRef idx="minor">
+            <a:schemeClr val="dk1"/>
+          </a:fontRef>
+        </p:style>
+        <p:txBody>
+          <a:bodyPr rtlCol="0" anchor="ctr"/>
+          <a:lstStyle/>
+          <a:p>
+            <a:pPr algn="ctr"/>
+            <a:endParaRPr lang="de-DE"/>
+          </a:p>
+        </p:txBody>
+      </p:sp>
+      <p:sp>
+        <p:nvSpPr>
+          <p:cNvPr id="19" name="Textfeld 18"/>
+          <p:cNvSpPr txBox="1"/>
+          <p:nvPr/>
+        </p:nvSpPr>
+        <p:spPr>
+          <a:xfrm>
+            <a:off x="7685208" y="2815310"/>
+            <a:ext cx="904056" cy="430887"/>
+          </a:xfrm>
+          <a:prstGeom prst="rect">
+            <a:avLst/>
+          </a:prstGeom>
+          <a:noFill/>
+        </p:spPr>
+        <p:txBody>
+          <a:bodyPr wrap="square" lIns="0" tIns="0" rIns="0" bIns="0" rtlCol="0">
+            <a:spAutoFit/>
+          </a:bodyPr>
+          <a:lstStyle/>
+          <a:p>
+            <a:r>
+              <a:rPr lang="de-DE" sz="1400" dirty="0" err="1" smtClean="0"/>
+              <a:t>Room</a:t>
+            </a:r>
+            <a:r>
+              <a:rPr lang="de-DE" sz="1400" dirty="0" smtClean="0"/>
+              <a:t> </a:t>
+            </a:r>
+            <a:r>
+              <a:rPr lang="de-DE" sz="1400" dirty="0" err="1" smtClean="0"/>
+              <a:t>model</a:t>
+            </a:r>
+            <a:endParaRPr lang="de-DE" sz="1400" dirty="0" smtClean="0"/>
+          </a:p>
+        </p:txBody>
+      </p:sp>
+      <p:sp>
+        <p:nvSpPr>
+          <p:cNvPr id="20" name="Textfeld 19"/>
+          <p:cNvSpPr txBox="1"/>
+          <p:nvPr/>
+        </p:nvSpPr>
+        <p:spPr>
+          <a:xfrm>
+            <a:off x="7232569" y="558969"/>
+            <a:ext cx="1500414" cy="430887"/>
+          </a:xfrm>
+          <a:prstGeom prst="rect">
+            <a:avLst/>
+          </a:prstGeom>
+          <a:noFill/>
+        </p:spPr>
+        <p:txBody>
+          <a:bodyPr wrap="square" lIns="0" tIns="0" rIns="0" bIns="0" rtlCol="0">
+            <a:spAutoFit/>
+          </a:bodyPr>
+          <a:lstStyle/>
+          <a:p>
+            <a:r>
+              <a:rPr lang="de-DE" sz="1400" b="1" dirty="0" smtClean="0"/>
+              <a:t>Parameter Block / Fast Input </a:t>
+            </a:r>
+            <a:r>
+              <a:rPr lang="de-DE" sz="1400" b="1" dirty="0" err="1" smtClean="0"/>
+              <a:t>mask</a:t>
+            </a:r>
+            <a:endParaRPr lang="de-DE" sz="1400" b="1" dirty="0" smtClean="0"/>
+          </a:p>
+        </p:txBody>
+      </p:sp>
     </p:spTree>
     <p:extLst>
       <p:ext uri="{BB962C8B-B14F-4D97-AF65-F5344CB8AC3E}">
-        <p14:creationId xmlns:p14="http://schemas.microsoft.com/office/powerpoint/2010/main" val="1139293462"/>
+        <p14:creationId xmlns:p14="http://schemas.microsoft.com/office/powerpoint/2010/main" val="1360021713"/>
       </p:ext>
     </p:extLst>
   </p:cSld>
@@ -15098,7 +16721,7 @@
 </p:sld>
 </file>
 
-<file path=ppt/slides/slide3.xml><?xml version="1.0" encoding="utf-8"?>
+<file path=ppt/slides/slide4.xml><?xml version="1.0" encoding="utf-8"?>
 <p:sld xmlns:a="http://schemas.openxmlformats.org/drawingml/2006/main" xmlns:r="http://schemas.openxmlformats.org/officeDocument/2006/relationships" xmlns:p="http://schemas.openxmlformats.org/presentationml/2006/main">
   <p:cSld>
     <p:spTree>
@@ -15132,7 +16755,7 @@
           <a:p>
             <a:r>
               <a:rPr lang="de-DE" dirty="0" smtClean="0"/>
-              <a:t>Parameters</a:t>
+              <a:t>Parameter Block</a:t>
             </a:r>
             <a:endParaRPr lang="de-DE" dirty="0"/>
           </a:p>
@@ -15153,269 +16776,130 @@
           <a:bodyPr/>
           <a:lstStyle/>
           <a:p>
+            <a:endParaRPr lang="en-US" dirty="0" smtClean="0"/>
+          </a:p>
+          <a:p>
+            <a:endParaRPr lang="en-US" dirty="0"/>
+          </a:p>
+          <a:p>
+            <a:endParaRPr lang="en-US" dirty="0" smtClean="0"/>
+          </a:p>
+          <a:p>
+            <a:endParaRPr lang="en-US" dirty="0"/>
+          </a:p>
+          <a:p>
+            <a:endParaRPr lang="en-US" dirty="0" smtClean="0"/>
+          </a:p>
+          <a:p>
+            <a:endParaRPr lang="en-US" dirty="0"/>
+          </a:p>
+          <a:p>
+            <a:endParaRPr lang="en-US" dirty="0" smtClean="0"/>
+          </a:p>
+          <a:p>
+            <a:endParaRPr lang="en-US" dirty="0"/>
+          </a:p>
+          <a:p>
+            <a:endParaRPr lang="en-US" dirty="0" smtClean="0"/>
+          </a:p>
+          <a:p>
+            <a:endParaRPr lang="en-US" dirty="0"/>
+          </a:p>
+          <a:p>
             <a:r>
               <a:rPr lang="en-US" dirty="0" smtClean="0"/>
-              <a:t>General: have to be </a:t>
-            </a:r>
+              <a:t>General: have to be set</a:t>
+            </a:r>
+          </a:p>
+          <a:p>
             <a:r>
               <a:rPr lang="en-US" dirty="0" smtClean="0"/>
-              <a:t>set theoretically foe each use case</a:t>
-            </a:r>
-            <a:endParaRPr lang="en-US" dirty="0" smtClean="0"/>
+              <a:t>Advanced: have default values, can be re-set if desired</a:t>
+            </a:r>
           </a:p>
           <a:p>
             <a:r>
               <a:rPr lang="en-US" dirty="0" smtClean="0"/>
-              <a:t>Advanced: have default values, can be re-set if </a:t>
-            </a:r>
-            <a:r>
-              <a:rPr lang="en-US" dirty="0" smtClean="0"/>
-              <a:t>desired for each use</a:t>
-            </a:r>
-            <a:endParaRPr lang="en-US" dirty="0" smtClean="0"/>
-          </a:p>
-          <a:p>
-            <a:r>
-              <a:rPr lang="en-US" dirty="0" smtClean="0"/>
-              <a:t>Hidden (only on the model level): pre-set, since these values are rarely dependent on the use case. Can be re-set if desired, but we recommend re-setting them only in the simulation model, so the changes are noticeable. </a:t>
+              <a:t>Hidden (only on the model level): pre-set, since these values are rarely dependent on the use case. Can be re-set if desired, but we recommend re-setting them only in the simulation model, so the changes are noticeable.</a:t>
             </a:r>
             <a:endParaRPr lang="en-US" dirty="0"/>
           </a:p>
-          <a:p>
-            <a:pPr lvl="1"/>
-            <a:r>
-              <a:rPr lang="en-US" dirty="0" smtClean="0"/>
-              <a:t>Might be that the list in the presentation is incomplete, since this </a:t>
-            </a:r>
-            <a:r>
-              <a:rPr lang="en-US" dirty="0" smtClean="0"/>
-              <a:t>exceeds </a:t>
-            </a:r>
-            <a:r>
-              <a:rPr lang="en-US" dirty="0" smtClean="0"/>
-              <a:t>goal of the presentation</a:t>
-            </a:r>
-          </a:p>
-          <a:p>
-            <a:endParaRPr lang="en-US" dirty="0"/>
-          </a:p>
-          <a:p>
-            <a:r>
-              <a:rPr lang="en-US" dirty="0" smtClean="0"/>
-              <a:t>Parameters for the whole model</a:t>
-            </a:r>
-          </a:p>
-          <a:p>
-            <a:pPr lvl="1"/>
-            <a:r>
-              <a:rPr lang="en-US" dirty="0" smtClean="0"/>
-              <a:t>Air model (moist air)</a:t>
-            </a:r>
+        </p:txBody>
+      </p:sp>
+      <p:pic>
+        <p:nvPicPr>
+          <p:cNvPr id="2" name="Grafik 1" descr="Bildschirmausschnitt"/>
+          <p:cNvPicPr>
+            <a:picLocks noChangeAspect="1"/>
+          </p:cNvPicPr>
+          <p:nvPr/>
+        </p:nvPicPr>
+        <p:blipFill>
+          <a:blip r:embed="rId2">
+            <a:extLst>
+              <a:ext uri="{28A0092B-C50C-407E-A947-70E740481C1C}">
+                <a14:useLocalDpi xmlns:a14="http://schemas.microsoft.com/office/drawing/2010/main" val="0"/>
+              </a:ext>
+            </a:extLst>
+          </a:blip>
+          <a:stretch>
+            <a:fillRect/>
+          </a:stretch>
+        </p:blipFill>
+        <p:spPr>
+          <a:xfrm>
+            <a:off x="373494" y="996739"/>
+            <a:ext cx="5856433" cy="3159259"/>
+          </a:xfrm>
+          <a:prstGeom prst="rect">
+            <a:avLst/>
+          </a:prstGeom>
+        </p:spPr>
+      </p:pic>
+      <p:sp>
+        <p:nvSpPr>
+          <p:cNvPr id="7" name="Rechteck 6"/>
+          <p:cNvSpPr/>
+          <p:nvPr/>
+        </p:nvSpPr>
+        <p:spPr>
+          <a:xfrm>
+            <a:off x="577210" y="1265383"/>
+            <a:ext cx="1884282" cy="401781"/>
+          </a:xfrm>
+          <a:prstGeom prst="rect">
+            <a:avLst/>
+          </a:prstGeom>
+          <a:noFill/>
+          <a:ln w="28575"/>
+        </p:spPr>
+        <p:style>
+          <a:lnRef idx="2">
+            <a:schemeClr val="accent1"/>
+          </a:lnRef>
+          <a:fillRef idx="1">
+            <a:schemeClr val="lt1"/>
+          </a:fillRef>
+          <a:effectRef idx="0">
+            <a:schemeClr val="accent1"/>
+          </a:effectRef>
+          <a:fontRef idx="minor">
+            <a:schemeClr val="dk1"/>
+          </a:fontRef>
+        </p:style>
+        <p:txBody>
+          <a:bodyPr rtlCol="0" anchor="ctr"/>
+          <a:lstStyle/>
+          <a:p>
+            <a:pPr algn="ctr"/>
+            <a:endParaRPr lang="de-DE"/>
           </a:p>
         </p:txBody>
       </p:sp>
     </p:spTree>
     <p:extLst>
       <p:ext uri="{BB962C8B-B14F-4D97-AF65-F5344CB8AC3E}">
-        <p14:creationId xmlns:p14="http://schemas.microsoft.com/office/powerpoint/2010/main" val="476767020"/>
-      </p:ext>
-    </p:extLst>
-  </p:cSld>
-  <p:clrMapOvr>
-    <a:masterClrMapping/>
-  </p:clrMapOvr>
-</p:sld>
-</file>
-
-<file path=ppt/slides/slide4.xml><?xml version="1.0" encoding="utf-8"?>
-<p:sld xmlns:a="http://schemas.openxmlformats.org/drawingml/2006/main" xmlns:r="http://schemas.openxmlformats.org/officeDocument/2006/relationships" xmlns:p="http://schemas.openxmlformats.org/presentationml/2006/main">
-  <p:cSld>
-    <p:spTree>
-      <p:nvGrpSpPr>
-        <p:cNvPr id="1" name=""/>
-        <p:cNvGrpSpPr/>
-        <p:nvPr/>
-      </p:nvGrpSpPr>
-      <p:grpSpPr>
-        <a:xfrm>
-          <a:off x="0" y="0"/>
-          <a:ext cx="0" cy="0"/>
-          <a:chOff x="0" y="0"/>
-          <a:chExt cx="0" cy="0"/>
-        </a:xfrm>
-      </p:grpSpPr>
-      <p:sp>
-        <p:nvSpPr>
-          <p:cNvPr id="2" name="Titel 1"/>
-          <p:cNvSpPr>
-            <a:spLocks noGrp="1"/>
-          </p:cNvSpPr>
-          <p:nvPr>
-            <p:ph type="title"/>
-          </p:nvPr>
-        </p:nvSpPr>
-        <p:spPr/>
-        <p:txBody>
-          <a:bodyPr/>
-          <a:lstStyle/>
-          <a:p>
-            <a:r>
-              <a:rPr lang="en-US" altLang="de-DE" dirty="0" smtClean="0"/>
-              <a:t>Type of room - Envelope</a:t>
-            </a:r>
-            <a:endParaRPr lang="de-DE" dirty="0"/>
-          </a:p>
-        </p:txBody>
-      </p:sp>
-      <p:sp>
-        <p:nvSpPr>
-          <p:cNvPr id="4" name="Textplatzhalter 3"/>
-          <p:cNvSpPr>
-            <a:spLocks noGrp="1"/>
-          </p:cNvSpPr>
-          <p:nvPr>
-            <p:ph type="body" sz="quarter" idx="13"/>
-          </p:nvPr>
-        </p:nvSpPr>
-        <p:spPr/>
-        <p:txBody>
-          <a:bodyPr/>
-          <a:lstStyle/>
-          <a:p>
-            <a:pPr>
-              <a:buSzPct val="115000"/>
-            </a:pPr>
-            <a:r>
-              <a:rPr lang="en-US" dirty="0" smtClean="0"/>
-              <a:t>One outer wall, the rest inner walls towards the building</a:t>
-            </a:r>
-          </a:p>
-          <a:p>
-            <a:pPr>
-              <a:buSzPct val="115000"/>
-            </a:pPr>
-            <a:r>
-              <a:rPr lang="en-US" dirty="0" smtClean="0"/>
-              <a:t>Parameters:</a:t>
-            </a:r>
-          </a:p>
-          <a:p>
-            <a:pPr lvl="1">
-              <a:buSzPct val="115000"/>
-            </a:pPr>
-            <a:r>
-              <a:rPr lang="en-US" dirty="0" smtClean="0"/>
-              <a:t>General: </a:t>
-            </a:r>
-          </a:p>
-          <a:p>
-            <a:pPr lvl="2">
-              <a:buSzPct val="115000"/>
-            </a:pPr>
-            <a:r>
-              <a:rPr lang="en-US" dirty="0" smtClean="0"/>
-              <a:t>room height, length and width</a:t>
-            </a:r>
-          </a:p>
-          <a:p>
-            <a:pPr lvl="2">
-              <a:buSzPct val="115000"/>
-            </a:pPr>
-            <a:r>
-              <a:rPr lang="en-US" dirty="0" smtClean="0"/>
-              <a:t>wall types</a:t>
-            </a:r>
-          </a:p>
-          <a:p>
-            <a:pPr lvl="2">
-              <a:buSzPct val="115000"/>
-            </a:pPr>
-            <a:r>
-              <a:rPr lang="en-US" dirty="0" smtClean="0"/>
-              <a:t>window type</a:t>
-            </a:r>
-          </a:p>
-          <a:p>
-            <a:pPr lvl="1">
-              <a:buSzPct val="115000"/>
-            </a:pPr>
-            <a:r>
-              <a:rPr lang="en-US" dirty="0" smtClean="0"/>
-              <a:t>Advanced</a:t>
-            </a:r>
-          </a:p>
-          <a:p>
-            <a:pPr lvl="2">
-              <a:buSzPct val="115000"/>
-            </a:pPr>
-            <a:r>
-              <a:rPr lang="en-US" dirty="0" smtClean="0"/>
-              <a:t>Outer walls: solar absorbance, heat convection model</a:t>
-            </a:r>
-          </a:p>
-          <a:p>
-            <a:pPr lvl="2">
-              <a:buSzPct val="115000"/>
-            </a:pPr>
-            <a:r>
-              <a:rPr lang="en-US" dirty="0" smtClean="0"/>
-              <a:t>Sunblind</a:t>
-            </a:r>
-          </a:p>
-          <a:p>
-            <a:pPr lvl="2">
-              <a:buSzPct val="115000"/>
-            </a:pPr>
-            <a:r>
-              <a:rPr lang="en-US" dirty="0" smtClean="0"/>
-              <a:t>Infiltration</a:t>
-            </a:r>
-          </a:p>
-          <a:p>
-            <a:pPr lvl="2">
-              <a:buSzPct val="115000"/>
-            </a:pPr>
-            <a:r>
-              <a:rPr lang="en-US" dirty="0" smtClean="0"/>
-              <a:t>Heat bridge</a:t>
-            </a:r>
-          </a:p>
-          <a:p>
-            <a:pPr lvl="1">
-              <a:buSzPct val="115000"/>
-            </a:pPr>
-            <a:r>
-              <a:rPr lang="en-US" dirty="0" smtClean="0"/>
-              <a:t>Hidden</a:t>
-            </a:r>
-          </a:p>
-          <a:p>
-            <a:pPr lvl="2">
-              <a:buSzPct val="115000"/>
-            </a:pPr>
-            <a:r>
-              <a:rPr lang="en-US" dirty="0" smtClean="0"/>
-              <a:t>Initial temperatures of walls</a:t>
-            </a:r>
-          </a:p>
-          <a:p>
-            <a:pPr lvl="2">
-              <a:buSzPct val="115000"/>
-            </a:pPr>
-            <a:endParaRPr lang="de-DE" dirty="0" smtClean="0"/>
-          </a:p>
-          <a:p>
-            <a:pPr lvl="2">
-              <a:buSzPct val="115000"/>
-            </a:pPr>
-            <a:endParaRPr lang="de-DE" dirty="0" smtClean="0"/>
-          </a:p>
-        </p:txBody>
-      </p:sp>
-    </p:spTree>
-    <p:extLst>
-      <p:ext uri="{BB962C8B-B14F-4D97-AF65-F5344CB8AC3E}">
-        <p14:creationId xmlns:p14="http://schemas.microsoft.com/office/powerpoint/2010/main" val="4190231857"/>
+        <p14:creationId xmlns:p14="http://schemas.microsoft.com/office/powerpoint/2010/main" val="1958602641"/>
       </p:ext>
     </p:extLst>
   </p:cSld>
@@ -15451,7 +16935,7 @@
       </p:grpSpPr>
       <p:sp>
         <p:nvSpPr>
-          <p:cNvPr id="4" name="Titel 3"/>
+          <p:cNvPr id="5" name="Titel 4"/>
           <p:cNvSpPr>
             <a:spLocks noGrp="1"/>
           </p:cNvSpPr>
@@ -15465,16 +16949,28 @@
           <a:lstStyle/>
           <a:p>
             <a:r>
-              <a:rPr lang="en-US" altLang="de-DE" dirty="0"/>
-              <a:t>Type of room - </a:t>
-            </a:r>
-            <a:r>
               <a:rPr lang="de-DE" dirty="0" smtClean="0"/>
-              <a:t>Smart </a:t>
+              <a:t>Components </a:t>
             </a:r>
             <a:r>
               <a:rPr lang="de-DE" dirty="0" err="1" smtClean="0"/>
-              <a:t>facade</a:t>
+              <a:t>of</a:t>
+            </a:r>
+            <a:r>
+              <a:rPr lang="de-DE" dirty="0" smtClean="0"/>
+              <a:t> </a:t>
+            </a:r>
+            <a:r>
+              <a:rPr lang="de-DE" dirty="0" err="1" smtClean="0"/>
+              <a:t>simulation</a:t>
+            </a:r>
+            <a:r>
+              <a:rPr lang="de-DE" dirty="0" smtClean="0"/>
+              <a:t> </a:t>
+            </a:r>
+            <a:r>
+              <a:rPr lang="de-DE" dirty="0" err="1" smtClean="0"/>
+              <a:t>model</a:t>
             </a:r>
             <a:endParaRPr lang="de-DE" dirty="0"/>
           </a:p>
@@ -15482,7 +16978,7 @@
       </p:sp>
       <p:sp>
         <p:nvSpPr>
-          <p:cNvPr id="5" name="Textplatzhalter 4"/>
+          <p:cNvPr id="6" name="Textplatzhalter 5"/>
           <p:cNvSpPr>
             <a:spLocks noGrp="1"/>
           </p:cNvSpPr>
@@ -15497,49 +16993,139 @@
           <a:p>
             <a:r>
               <a:rPr lang="en-US" dirty="0" smtClean="0"/>
-              <a:t>General</a:t>
+              <a:t>Model name</a:t>
             </a:r>
           </a:p>
           <a:p>
             <a:pPr lvl="1"/>
             <a:r>
+              <a:rPr lang="en-US" dirty="0" err="1" smtClean="0"/>
+              <a:t>AixLib.PlugNHarvest.Examples.Test</a:t>
+            </a:r>
+            <a:endParaRPr lang="en-US" dirty="0" smtClean="0"/>
+          </a:p>
+          <a:p>
+            <a:r>
               <a:rPr lang="en-US" dirty="0" smtClean="0"/>
-              <a:t>Choosing the elements of the facade</a:t>
+              <a:t>Main model</a:t>
             </a:r>
           </a:p>
           <a:p>
             <a:pPr lvl="1"/>
             <a:r>
               <a:rPr lang="en-US" dirty="0" smtClean="0"/>
-              <a:t>Parameters for PV: number of panels, record, maximal power output</a:t>
+              <a:t>Room envelope + internal gains + energy system + control</a:t>
+            </a:r>
+          </a:p>
+          <a:p>
+            <a:r>
+              <a:rPr lang="en-US" dirty="0" smtClean="0"/>
+              <a:t>Boundary conditions</a:t>
             </a:r>
           </a:p>
           <a:p>
             <a:pPr lvl="1"/>
             <a:r>
               <a:rPr lang="en-US" dirty="0" smtClean="0"/>
-              <a:t>Parameters for solar heater</a:t>
-            </a:r>
-          </a:p>
-          <a:p>
+              <a:t>Weather</a:t>
+            </a:r>
+          </a:p>
+          <a:p>
+            <a:pPr lvl="1"/>
             <a:r>
               <a:rPr lang="en-US" dirty="0" smtClean="0"/>
-              <a:t>Advanced</a:t>
-            </a:r>
-          </a:p>
-          <a:p>
+              <a:t>Schedules internal gains: occupants, lights, electrical appliances</a:t>
+            </a:r>
+          </a:p>
+          <a:p>
+            <a:pPr lvl="1"/>
             <a:r>
               <a:rPr lang="en-US" dirty="0" smtClean="0"/>
-              <a:t>Hidden</a:t>
-            </a:r>
-            <a:endParaRPr lang="en-US" dirty="0"/>
+              <a:t>Schedules HVAC: heating cooling ventilation</a:t>
+            </a:r>
+          </a:p>
+          <a:p>
+            <a:r>
+              <a:rPr lang="en-US" dirty="0" smtClean="0"/>
+              <a:t>Parameters for the whole model</a:t>
+            </a:r>
+          </a:p>
+          <a:p>
+            <a:pPr lvl="1"/>
+            <a:r>
+              <a:rPr lang="en-US" dirty="0" smtClean="0"/>
+              <a:t>With the exception of one parameter, the whole </a:t>
+            </a:r>
+          </a:p>
+          <a:p>
+            <a:pPr marL="216100" lvl="1" indent="0">
+              <a:buNone/>
+            </a:pPr>
+            <a:r>
+              <a:rPr lang="en-US" dirty="0" smtClean="0"/>
+              <a:t>    simulation can be configured over this list of parameters</a:t>
+            </a:r>
+          </a:p>
+          <a:p>
+            <a:pPr lvl="1"/>
+            <a:r>
+              <a:rPr lang="en-US" dirty="0" smtClean="0"/>
+              <a:t>Exception: the surface orientation for the calculation of the solar radiation on the facade</a:t>
+            </a:r>
+          </a:p>
+          <a:p>
+            <a:pPr lvl="2"/>
+            <a:r>
+              <a:rPr lang="en-US" dirty="0" smtClean="0"/>
+              <a:t>In the weather model: Surface orientation data (chose or create a record with the needed orientation)</a:t>
+            </a:r>
+          </a:p>
+          <a:p>
+            <a:pPr lvl="2"/>
+            <a:r>
+              <a:rPr lang="en-US" dirty="0" smtClean="0"/>
+              <a:t>Connect the correct solar output from the weather model to the room model (if a record with 4 orientations is provided, and the third orientation is needed, connect the third element of the output vector ) </a:t>
+            </a:r>
+          </a:p>
+          <a:p>
+            <a:pPr lvl="1"/>
+            <a:endParaRPr lang="de-DE" dirty="0" smtClean="0"/>
+          </a:p>
+          <a:p>
+            <a:endParaRPr lang="de-DE" dirty="0" smtClean="0"/>
+          </a:p>
+          <a:p>
+            <a:endParaRPr lang="de-DE" dirty="0"/>
           </a:p>
         </p:txBody>
       </p:sp>
+      <p:pic>
+        <p:nvPicPr>
+          <p:cNvPr id="7" name="Grafik 6"/>
+          <p:cNvPicPr>
+            <a:picLocks noChangeAspect="1"/>
+          </p:cNvPicPr>
+          <p:nvPr/>
+        </p:nvPicPr>
+        <p:blipFill rotWithShape="1">
+          <a:blip r:embed="rId2"/>
+          <a:srcRect l="18722" t="7464" r="20526" b="20278"/>
+          <a:stretch/>
+        </p:blipFill>
+        <p:spPr>
+          <a:xfrm>
+            <a:off x="5138057" y="3299486"/>
+            <a:ext cx="879566" cy="853441"/>
+          </a:xfrm>
+          <a:prstGeom prst="rect">
+            <a:avLst/>
+          </a:prstGeom>
+        </p:spPr>
+      </p:pic>
     </p:spTree>
     <p:extLst>
       <p:ext uri="{BB962C8B-B14F-4D97-AF65-F5344CB8AC3E}">
-        <p14:creationId xmlns:p14="http://schemas.microsoft.com/office/powerpoint/2010/main" val="3745130036"/>
+        <p14:creationId xmlns:p14="http://schemas.microsoft.com/office/powerpoint/2010/main" val="2157887193"/>
       </p:ext>
     </p:extLst>
   </p:cSld>
@@ -15550,6 +17136,117 @@
 </file>
 
 <file path=ppt/slides/slide6.xml><?xml version="1.0" encoding="utf-8"?>
+<p:sld xmlns:a="http://schemas.openxmlformats.org/drawingml/2006/main" xmlns:r="http://schemas.openxmlformats.org/officeDocument/2006/relationships" xmlns:p="http://schemas.openxmlformats.org/presentationml/2006/main">
+  <p:cSld>
+    <p:spTree>
+      <p:nvGrpSpPr>
+        <p:cNvPr id="1" name=""/>
+        <p:cNvGrpSpPr/>
+        <p:nvPr/>
+      </p:nvGrpSpPr>
+      <p:grpSpPr>
+        <a:xfrm>
+          <a:off x="0" y="0"/>
+          <a:ext cx="0" cy="0"/>
+          <a:chOff x="0" y="0"/>
+          <a:chExt cx="0" cy="0"/>
+        </a:xfrm>
+      </p:grpSpPr>
+      <p:sp>
+        <p:nvSpPr>
+          <p:cNvPr id="5" name="Titel 4"/>
+          <p:cNvSpPr>
+            <a:spLocks noGrp="1"/>
+          </p:cNvSpPr>
+          <p:nvPr>
+            <p:ph type="title"/>
+          </p:nvPr>
+        </p:nvSpPr>
+        <p:spPr/>
+        <p:txBody>
+          <a:bodyPr/>
+          <a:lstStyle/>
+          <a:p>
+            <a:r>
+              <a:rPr lang="de-DE" dirty="0" smtClean="0"/>
+              <a:t>Parameters</a:t>
+            </a:r>
+            <a:endParaRPr lang="de-DE" dirty="0"/>
+          </a:p>
+        </p:txBody>
+      </p:sp>
+      <p:sp>
+        <p:nvSpPr>
+          <p:cNvPr id="6" name="Textplatzhalter 5"/>
+          <p:cNvSpPr>
+            <a:spLocks noGrp="1"/>
+          </p:cNvSpPr>
+          <p:nvPr>
+            <p:ph type="body" sz="quarter" idx="13"/>
+          </p:nvPr>
+        </p:nvSpPr>
+        <p:spPr/>
+        <p:txBody>
+          <a:bodyPr/>
+          <a:lstStyle/>
+          <a:p>
+            <a:r>
+              <a:rPr lang="en-US" dirty="0" smtClean="0"/>
+              <a:t>General: have to be set theoretically foe each use case</a:t>
+            </a:r>
+          </a:p>
+          <a:p>
+            <a:r>
+              <a:rPr lang="en-US" dirty="0" smtClean="0"/>
+              <a:t>Advanced: have default values, can be re-set if desired for each use</a:t>
+            </a:r>
+          </a:p>
+          <a:p>
+            <a:r>
+              <a:rPr lang="en-US" dirty="0" smtClean="0"/>
+              <a:t>Hidden (only on the model level): pre-set, since these values are rarely dependent on the use case. Can be re-set if desired, but we recommend re-setting them only in the simulation model, so the changes are noticeable. </a:t>
+            </a:r>
+            <a:endParaRPr lang="en-US" dirty="0"/>
+          </a:p>
+          <a:p>
+            <a:pPr lvl="1"/>
+            <a:r>
+              <a:rPr lang="en-US" dirty="0" smtClean="0"/>
+              <a:t>Might be that the list in the presentation is incomplete, since this exceeds goal of the presentation</a:t>
+            </a:r>
+          </a:p>
+          <a:p>
+            <a:endParaRPr lang="en-US" dirty="0"/>
+          </a:p>
+          <a:p>
+            <a:r>
+              <a:rPr lang="en-US" dirty="0" smtClean="0"/>
+              <a:t>Parameters for the whole model</a:t>
+            </a:r>
+          </a:p>
+          <a:p>
+            <a:pPr lvl="1"/>
+            <a:r>
+              <a:rPr lang="en-US" dirty="0" smtClean="0"/>
+              <a:t>Air model (moist air)</a:t>
+            </a:r>
+          </a:p>
+        </p:txBody>
+      </p:sp>
+    </p:spTree>
+    <p:extLst>
+      <p:ext uri="{BB962C8B-B14F-4D97-AF65-F5344CB8AC3E}">
+        <p14:creationId xmlns:p14="http://schemas.microsoft.com/office/powerpoint/2010/main" val="476767020"/>
+      </p:ext>
+    </p:extLst>
+  </p:cSld>
+  <p:clrMapOvr>
+    <a:masterClrMapping/>
+  </p:clrMapOvr>
+</p:sld>
+</file>
+
+<file path=ppt/slides/slide7.xml><?xml version="1.0" encoding="utf-8"?>
 <p:sld xmlns:a="http://schemas.openxmlformats.org/drawingml/2006/main" xmlns:r="http://schemas.openxmlformats.org/officeDocument/2006/relationships" xmlns:p="http://schemas.openxmlformats.org/presentationml/2006/main">
   <p:cSld>
     <p:spTree>
@@ -15582,12 +17279,8 @@
           <a:lstStyle/>
           <a:p>
             <a:r>
-              <a:rPr lang="de-DE" dirty="0" smtClean="0"/>
-              <a:t>Internal </a:t>
-            </a:r>
-            <a:r>
-              <a:rPr lang="de-DE" dirty="0" err="1" smtClean="0"/>
-              <a:t>gains</a:t>
+              <a:rPr lang="en-US" altLang="de-DE" dirty="0" smtClean="0"/>
+              <a:t>Type of room - Envelope</a:t>
             </a:r>
             <a:endParaRPr lang="de-DE" dirty="0"/>
           </a:p>
@@ -15608,365 +17301,153 @@
           <a:bodyPr/>
           <a:lstStyle/>
           <a:p>
+            <a:pPr>
+              <a:buSzPct val="115000"/>
+            </a:pPr>
             <a:r>
               <a:rPr lang="en-US" dirty="0" smtClean="0"/>
-              <a:t>Persons</a:t>
-            </a:r>
-          </a:p>
-          <a:p>
-            <a:pPr lvl="1"/>
+              <a:t>One outer wall, the rest inner walls towards the building</a:t>
+            </a:r>
+          </a:p>
+          <a:p>
+            <a:pPr>
+              <a:buSzPct val="115000"/>
+            </a:pPr>
+            <a:r>
+              <a:rPr lang="en-US" dirty="0" smtClean="0"/>
+              <a:t>Parameters:</a:t>
+            </a:r>
+          </a:p>
+          <a:p>
+            <a:pPr lvl="1">
+              <a:buSzPct val="115000"/>
+            </a:pPr>
             <a:r>
               <a:rPr lang="en-US" dirty="0" smtClean="0"/>
               <a:t>General: </a:t>
             </a:r>
           </a:p>
           <a:p>
-            <a:pPr lvl="2"/>
+            <a:pPr lvl="2">
+              <a:buSzPct val="115000"/>
+            </a:pPr>
             <a:r>
               <a:rPr lang="en-US" dirty="0" smtClean="0"/>
-              <a:t>density of occupants</a:t>
-            </a:r>
-          </a:p>
-          <a:p>
-            <a:pPr lvl="2"/>
+              <a:t>room height, length and width</a:t>
+            </a:r>
+          </a:p>
+          <a:p>
+            <a:pPr lvl="2">
+              <a:buSzPct val="115000"/>
+            </a:pPr>
             <a:r>
               <a:rPr lang="en-US" dirty="0" smtClean="0"/>
-              <a:t>heat output from activity</a:t>
-            </a:r>
-          </a:p>
-          <a:p>
-            <a:pPr lvl="1"/>
+              <a:t>wall types</a:t>
+            </a:r>
+          </a:p>
+          <a:p>
+            <a:pPr lvl="2">
+              <a:buSzPct val="115000"/>
+            </a:pPr>
+            <a:r>
+              <a:rPr lang="en-US" dirty="0" smtClean="0"/>
+              <a:t>window type</a:t>
+            </a:r>
+          </a:p>
+          <a:p>
+            <a:pPr lvl="1">
+              <a:buSzPct val="115000"/>
+            </a:pPr>
             <a:r>
               <a:rPr lang="en-US" dirty="0" smtClean="0"/>
               <a:t>Advanced</a:t>
             </a:r>
           </a:p>
           <a:p>
-            <a:pPr lvl="2"/>
+            <a:pPr lvl="2">
+              <a:buSzPct val="115000"/>
+            </a:pPr>
             <a:r>
               <a:rPr lang="en-US" dirty="0" smtClean="0"/>
-              <a:t>ratio convective heat from total heat output</a:t>
-            </a:r>
-          </a:p>
-          <a:p>
-            <a:pPr lvl="1"/>
+              <a:t>Outer walls: solar absorbance, heat convection model</a:t>
+            </a:r>
+          </a:p>
+          <a:p>
+            <a:pPr lvl="2">
+              <a:buSzPct val="115000"/>
+            </a:pPr>
+            <a:r>
+              <a:rPr lang="en-US" dirty="0" smtClean="0"/>
+              <a:t>Sunblind</a:t>
+            </a:r>
+          </a:p>
+          <a:p>
+            <a:pPr lvl="2">
+              <a:buSzPct val="115000"/>
+            </a:pPr>
+            <a:r>
+              <a:rPr lang="en-US" dirty="0" smtClean="0"/>
+              <a:t>Infiltration</a:t>
+            </a:r>
+          </a:p>
+          <a:p>
+            <a:pPr lvl="2">
+              <a:buSzPct val="115000"/>
+            </a:pPr>
+            <a:r>
+              <a:rPr lang="en-US" dirty="0" smtClean="0"/>
+              <a:t>Heat bridge</a:t>
+            </a:r>
+          </a:p>
+          <a:p>
+            <a:pPr lvl="1">
+              <a:buSzPct val="115000"/>
+            </a:pPr>
             <a:r>
               <a:rPr lang="en-US" dirty="0" smtClean="0"/>
               <a:t>Hidden</a:t>
             </a:r>
           </a:p>
           <a:p>
-            <a:pPr lvl="2"/>
+            <a:pPr lvl="2">
+              <a:buSzPct val="115000"/>
+            </a:pPr>
             <a:r>
               <a:rPr lang="en-US" dirty="0" smtClean="0"/>
-              <a:t>Start temperature, surface area for a human, temperature dependence of heat output</a:t>
-            </a:r>
-          </a:p>
-          <a:p>
-            <a:r>
-              <a:rPr lang="en-US" dirty="0" smtClean="0"/>
-              <a:t>Lights &amp; electrical appliances</a:t>
-            </a:r>
-          </a:p>
-          <a:p>
-            <a:pPr lvl="1"/>
-            <a:r>
-              <a:rPr lang="en-US" dirty="0" smtClean="0"/>
-              <a:t>General</a:t>
-            </a:r>
-          </a:p>
-          <a:p>
-            <a:pPr lvl="2"/>
-            <a:r>
-              <a:rPr lang="en-US" dirty="0" smtClean="0"/>
-              <a:t>Specific </a:t>
-            </a:r>
-            <a:r>
-              <a:rPr lang="en-US" dirty="0" err="1" smtClean="0"/>
-              <a:t>P</a:t>
-            </a:r>
-            <a:r>
-              <a:rPr lang="en-US" baseline="-25000" dirty="0" err="1" smtClean="0"/>
-              <a:t>el</a:t>
-            </a:r>
-            <a:r>
-              <a:rPr lang="en-US" dirty="0" smtClean="0"/>
-              <a:t>/m</a:t>
-            </a:r>
-            <a:r>
-              <a:rPr lang="en-US" baseline="30000" dirty="0" smtClean="0"/>
-              <a:t>2</a:t>
-            </a:r>
-            <a:r>
-              <a:rPr lang="en-US" dirty="0" smtClean="0"/>
-              <a:t> for light source / appliances</a:t>
-            </a:r>
-          </a:p>
-          <a:p>
-            <a:pPr lvl="1"/>
-            <a:r>
-              <a:rPr lang="en-US" dirty="0" smtClean="0"/>
-              <a:t>Advanced</a:t>
-            </a:r>
-          </a:p>
-          <a:p>
-            <a:pPr lvl="2"/>
-            <a:r>
-              <a:rPr lang="en-US" dirty="0" smtClean="0"/>
-              <a:t>Coefficient </a:t>
-            </a:r>
-            <a:r>
-              <a:rPr lang="en-US" dirty="0" err="1" smtClean="0"/>
-              <a:t>P</a:t>
-            </a:r>
-            <a:r>
-              <a:rPr lang="en-US" baseline="-25000" dirty="0" err="1" smtClean="0"/>
-              <a:t>th</a:t>
-            </a:r>
-            <a:r>
-              <a:rPr lang="en-US" dirty="0" smtClean="0"/>
-              <a:t>/</a:t>
-            </a:r>
-            <a:r>
-              <a:rPr lang="en-US" dirty="0" err="1" smtClean="0"/>
-              <a:t>P</a:t>
-            </a:r>
-            <a:r>
-              <a:rPr lang="en-US" baseline="-25000" dirty="0" err="1" smtClean="0"/>
-              <a:t>el</a:t>
-            </a:r>
-            <a:r>
-              <a:rPr lang="en-US" dirty="0" smtClean="0"/>
-              <a:t> for lights / appliances</a:t>
-            </a:r>
-          </a:p>
-          <a:p>
-            <a:pPr lvl="2"/>
-            <a:r>
-              <a:rPr lang="en-US" dirty="0" smtClean="0"/>
-              <a:t>Coefficient </a:t>
-            </a:r>
-            <a:r>
-              <a:rPr lang="en-US" dirty="0" err="1" smtClean="0"/>
-              <a:t>P</a:t>
-            </a:r>
-            <a:r>
-              <a:rPr lang="en-US" baseline="-25000" dirty="0" err="1" smtClean="0"/>
-              <a:t>th,radiative</a:t>
-            </a:r>
-            <a:r>
-              <a:rPr lang="en-US" dirty="0" smtClean="0"/>
-              <a:t>/</a:t>
-            </a:r>
-            <a:r>
-              <a:rPr lang="en-US" dirty="0" err="1" smtClean="0"/>
-              <a:t>P</a:t>
-            </a:r>
-            <a:r>
-              <a:rPr lang="en-US" baseline="-25000" dirty="0" err="1" smtClean="0"/>
-              <a:t>el</a:t>
-            </a:r>
-            <a:r>
-              <a:rPr lang="en-US" dirty="0" smtClean="0"/>
-              <a:t> for lights / appliances</a:t>
-            </a:r>
-          </a:p>
-          <a:p>
-            <a:pPr lvl="1"/>
-            <a:r>
-              <a:rPr lang="en-US" dirty="0" smtClean="0"/>
-              <a:t>Hidden</a:t>
-            </a:r>
-          </a:p>
-          <a:p>
-            <a:pPr lvl="2"/>
-            <a:r>
-              <a:rPr lang="en-US" dirty="0" smtClean="0"/>
-              <a:t>Emissivity of lights / appliances</a:t>
-            </a:r>
-          </a:p>
-          <a:p>
-            <a:pPr lvl="1"/>
-            <a:endParaRPr lang="en-US" dirty="0" smtClean="0"/>
-          </a:p>
-          <a:p>
-            <a:endParaRPr lang="en-US" dirty="0" smtClean="0"/>
-          </a:p>
-          <a:p>
-            <a:pPr lvl="1"/>
-            <a:endParaRPr lang="de-DE" dirty="0"/>
+              <a:t>Initial temperatures of walls</a:t>
+            </a:r>
+          </a:p>
+          <a:p>
+            <a:pPr lvl="2">
+              <a:buSzPct val="115000"/>
+            </a:pPr>
+            <a:endParaRPr lang="de-DE" dirty="0" smtClean="0"/>
+          </a:p>
+          <a:p>
+            <a:pPr lvl="2">
+              <a:buSzPct val="115000"/>
+            </a:pPr>
+            <a:endParaRPr lang="de-DE" dirty="0" smtClean="0"/>
           </a:p>
         </p:txBody>
       </p:sp>
     </p:spTree>
     <p:extLst>
       <p:ext uri="{BB962C8B-B14F-4D97-AF65-F5344CB8AC3E}">
-        <p14:creationId xmlns:p14="http://schemas.microsoft.com/office/powerpoint/2010/main" val="1254367530"/>
+        <p14:creationId xmlns:p14="http://schemas.microsoft.com/office/powerpoint/2010/main" val="4190231857"/>
       </p:ext>
     </p:extLst>
   </p:cSld>
   <p:clrMapOvr>
     <a:masterClrMapping/>
   </p:clrMapOvr>
-</p:sld>
-</file>
-
-<file path=ppt/slides/slide7.xml><?xml version="1.0" encoding="utf-8"?>
-<p:sld xmlns:a="http://schemas.openxmlformats.org/drawingml/2006/main" xmlns:r="http://schemas.openxmlformats.org/officeDocument/2006/relationships" xmlns:p="http://schemas.openxmlformats.org/presentationml/2006/main">
-  <p:cSld>
-    <p:spTree>
-      <p:nvGrpSpPr>
-        <p:cNvPr id="1" name=""/>
-        <p:cNvGrpSpPr/>
-        <p:nvPr/>
-      </p:nvGrpSpPr>
-      <p:grpSpPr>
-        <a:xfrm>
-          <a:off x="0" y="0"/>
-          <a:ext cx="0" cy="0"/>
-          <a:chOff x="0" y="0"/>
-          <a:chExt cx="0" cy="0"/>
-        </a:xfrm>
-      </p:grpSpPr>
-      <p:sp>
-        <p:nvSpPr>
-          <p:cNvPr id="4" name="Titel 3"/>
-          <p:cNvSpPr>
-            <a:spLocks noGrp="1"/>
-          </p:cNvSpPr>
-          <p:nvPr>
-            <p:ph type="title"/>
-          </p:nvPr>
-        </p:nvSpPr>
-        <p:spPr/>
-        <p:txBody>
-          <a:bodyPr/>
-          <a:lstStyle/>
-          <a:p>
-            <a:r>
-              <a:rPr lang="de-DE" dirty="0" err="1" smtClean="0"/>
-              <a:t>Energy</a:t>
-            </a:r>
-            <a:r>
-              <a:rPr lang="de-DE" dirty="0" smtClean="0"/>
-              <a:t> </a:t>
-            </a:r>
-            <a:r>
-              <a:rPr lang="de-DE" dirty="0" err="1" smtClean="0"/>
-              <a:t>system</a:t>
-            </a:r>
-            <a:r>
-              <a:rPr lang="de-DE" dirty="0" smtClean="0"/>
-              <a:t> + Control</a:t>
-            </a:r>
-            <a:endParaRPr lang="de-DE" dirty="0"/>
-          </a:p>
-        </p:txBody>
-      </p:sp>
-      <p:sp>
-        <p:nvSpPr>
-          <p:cNvPr id="5" name="Textplatzhalter 4"/>
-          <p:cNvSpPr>
-            <a:spLocks noGrp="1"/>
-          </p:cNvSpPr>
-          <p:nvPr>
-            <p:ph type="body" sz="quarter" idx="13"/>
-          </p:nvPr>
-        </p:nvSpPr>
-        <p:spPr/>
-        <p:txBody>
-          <a:bodyPr/>
-          <a:lstStyle/>
-          <a:p>
-            <a:r>
-              <a:rPr lang="en-US" dirty="0" smtClean="0"/>
-              <a:t>Parameters</a:t>
-            </a:r>
-          </a:p>
-          <a:p>
-            <a:pPr lvl="1"/>
-            <a:r>
-              <a:rPr lang="en-US" dirty="0" smtClean="0"/>
-              <a:t>General</a:t>
-            </a:r>
-          </a:p>
-          <a:p>
-            <a:pPr lvl="2"/>
-            <a:r>
-              <a:rPr lang="en-US" dirty="0" smtClean="0"/>
-              <a:t>Maximal power output for heater / cooler</a:t>
-            </a:r>
-          </a:p>
-          <a:p>
-            <a:pPr lvl="2"/>
-            <a:r>
-              <a:rPr lang="en-US" dirty="0" smtClean="0"/>
-              <a:t>Set temperature for heating / cooling</a:t>
-            </a:r>
-          </a:p>
-          <a:p>
-            <a:pPr lvl="2"/>
-            <a:r>
-              <a:rPr lang="en-US" dirty="0" smtClean="0"/>
-              <a:t>Outside temperature under which heater starts</a:t>
-            </a:r>
-            <a:endParaRPr lang="en-US" dirty="0"/>
-          </a:p>
-          <a:p>
-            <a:pPr lvl="1"/>
-            <a:r>
-              <a:rPr lang="en-US" dirty="0" smtClean="0"/>
-              <a:t>Advanced</a:t>
-            </a:r>
-          </a:p>
-          <a:p>
-            <a:pPr lvl="2"/>
-            <a:r>
-              <a:rPr lang="en-US" dirty="0" smtClean="0"/>
-              <a:t>Is heater / cooler electric</a:t>
-            </a:r>
-          </a:p>
-          <a:p>
-            <a:pPr lvl="2"/>
-            <a:r>
-              <a:rPr lang="en-US" dirty="0" smtClean="0"/>
-              <a:t>Electrical efficiency of heater / cooler</a:t>
-            </a:r>
-            <a:endParaRPr lang="en-US" dirty="0"/>
-          </a:p>
-          <a:p>
-            <a:pPr lvl="1"/>
-            <a:r>
-              <a:rPr lang="en-US" dirty="0" smtClean="0"/>
-              <a:t>Hidden</a:t>
-            </a:r>
-          </a:p>
-          <a:p>
-            <a:pPr lvl="2"/>
-            <a:r>
-              <a:rPr lang="en-US" dirty="0" smtClean="0"/>
-              <a:t>Parameters for internal PI controllers</a:t>
-            </a:r>
-            <a:endParaRPr lang="de-DE" dirty="0" smtClean="0"/>
-          </a:p>
-          <a:p>
-            <a:pPr marL="216100" lvl="1" indent="0">
-              <a:buNone/>
-            </a:pPr>
-            <a:endParaRPr lang="de-DE" dirty="0"/>
-          </a:p>
-        </p:txBody>
-      </p:sp>
-    </p:spTree>
-    <p:extLst>
-      <p:ext uri="{BB962C8B-B14F-4D97-AF65-F5344CB8AC3E}">
-        <p14:creationId xmlns:p14="http://schemas.microsoft.com/office/powerpoint/2010/main" val="2021916899"/>
-      </p:ext>
-    </p:extLst>
-  </p:cSld>
-  <p:clrMapOvr>
-    <a:masterClrMapping/>
-  </p:clrMapOvr>
+  <p:timing>
+    <p:tnLst>
+      <p:par>
+        <p:cTn id="1" dur="indefinite" restart="never" nodeType="tmRoot"/>
+      </p:par>
+    </p:tnLst>
+  </p:timing>
 </p:sld>
 </file>
 
@@ -16003,16 +17484,16 @@
           <a:lstStyle/>
           <a:p>
             <a:r>
+              <a:rPr lang="en-US" altLang="de-DE" dirty="0"/>
+              <a:t>Type of room - </a:t>
+            </a:r>
+            <a:r>
+              <a:rPr lang="de-DE" dirty="0" smtClean="0"/>
+              <a:t>Smart </a:t>
+            </a:r>
+            <a:r>
               <a:rPr lang="de-DE" dirty="0" err="1" smtClean="0"/>
-              <a:t>Boundary</a:t>
-            </a:r>
-            <a:r>
-              <a:rPr lang="de-DE" dirty="0" smtClean="0"/>
-              <a:t> </a:t>
-            </a:r>
-            <a:r>
-              <a:rPr lang="de-DE" dirty="0" err="1" smtClean="0"/>
-              <a:t>conditions</a:t>
+              <a:t>facade</a:t>
             </a:r>
             <a:endParaRPr lang="de-DE" dirty="0"/>
           </a:p>
@@ -16035,100 +17516,49 @@
           <a:p>
             <a:r>
               <a:rPr lang="en-US" dirty="0" smtClean="0"/>
-              <a:t>Parameters</a:t>
+              <a:t>General</a:t>
             </a:r>
           </a:p>
           <a:p>
             <a:pPr lvl="1"/>
             <a:r>
               <a:rPr lang="en-US" dirty="0" smtClean="0"/>
-              <a:t>General</a:t>
-            </a:r>
-          </a:p>
-          <a:p>
-            <a:pPr lvl="2"/>
+              <a:t>Choosing the elements of the facade</a:t>
+            </a:r>
+          </a:p>
+          <a:p>
+            <a:pPr lvl="1"/>
             <a:r>
               <a:rPr lang="en-US" dirty="0" smtClean="0"/>
-              <a:t>Latitude and longitude of location</a:t>
-            </a:r>
-          </a:p>
-          <a:p>
-            <a:pPr lvl="2"/>
+              <a:t>Parameters for PV: number of panels, record, maximal power output</a:t>
+            </a:r>
+          </a:p>
+          <a:p>
+            <a:pPr lvl="1"/>
             <a:r>
               <a:rPr lang="en-US" dirty="0" smtClean="0"/>
-              <a:t>File for weather data</a:t>
-            </a:r>
-          </a:p>
-          <a:p>
-            <a:pPr lvl="2"/>
-            <a:r>
-              <a:rPr lang="en-US" dirty="0" smtClean="0"/>
-              <a:t>Schedules for internal gains and HVAC</a:t>
-            </a:r>
-          </a:p>
-          <a:p>
-            <a:pPr lvl="1"/>
+              <a:t>Parameters for solar heater</a:t>
+            </a:r>
+          </a:p>
+          <a:p>
             <a:r>
               <a:rPr lang="en-US" dirty="0" smtClean="0"/>
               <a:t>Advanced</a:t>
             </a:r>
           </a:p>
           <a:p>
-            <a:pPr lvl="1"/>
             <a:r>
               <a:rPr lang="en-US" dirty="0" smtClean="0"/>
               <a:t>Hidden</a:t>
             </a:r>
-          </a:p>
-          <a:p>
-            <a:pPr lvl="2"/>
-            <a:r>
-              <a:rPr lang="en-US" dirty="0" smtClean="0"/>
-              <a:t>Ground reflection for weather model</a:t>
-            </a:r>
-          </a:p>
-          <a:p>
-            <a:pPr lvl="2"/>
-            <a:r>
-              <a:rPr lang="en-US" dirty="0" smtClean="0"/>
-              <a:t>Model used for solar radiation</a:t>
-            </a:r>
-          </a:p>
-          <a:p>
-            <a:pPr lvl="2"/>
-            <a:r>
-              <a:rPr lang="en-US" dirty="0" smtClean="0"/>
-              <a:t>Output from weather model</a:t>
-            </a:r>
-          </a:p>
-          <a:p>
-            <a:pPr lvl="2"/>
-            <a:r>
-              <a:rPr lang="en-US" dirty="0" smtClean="0"/>
-              <a:t>Interpolation of data from tables</a:t>
-            </a:r>
-          </a:p>
-          <a:p>
-            <a:pPr lvl="2"/>
-            <a:r>
-              <a:rPr lang="en-US" dirty="0" smtClean="0"/>
-              <a:t>Extrapolation of data from tables: periodic</a:t>
-            </a:r>
-          </a:p>
-          <a:p>
-            <a:pPr lvl="2"/>
-            <a:endParaRPr lang="de-DE" dirty="0" smtClean="0"/>
-          </a:p>
-          <a:p>
-            <a:pPr lvl="1"/>
-            <a:endParaRPr lang="de-DE" dirty="0"/>
+            <a:endParaRPr lang="en-US" dirty="0"/>
           </a:p>
         </p:txBody>
       </p:sp>
     </p:spTree>
     <p:extLst>
       <p:ext uri="{BB962C8B-B14F-4D97-AF65-F5344CB8AC3E}">
-        <p14:creationId xmlns:p14="http://schemas.microsoft.com/office/powerpoint/2010/main" val="3405665709"/>
+        <p14:creationId xmlns:p14="http://schemas.microsoft.com/office/powerpoint/2010/main" val="3745130036"/>
       </p:ext>
     </p:extLst>
   </p:cSld>
@@ -16157,7 +17587,7 @@
       </p:grpSpPr>
       <p:sp>
         <p:nvSpPr>
-          <p:cNvPr id="4" name="Titel 3"/>
+          <p:cNvPr id="2" name="Titel 1"/>
           <p:cNvSpPr>
             <a:spLocks noGrp="1"/>
           </p:cNvSpPr>
@@ -16171,60 +17601,12 @@
           <a:lstStyle/>
           <a:p>
             <a:r>
+              <a:rPr lang="de-DE" dirty="0" smtClean="0"/>
+              <a:t>Internal </a:t>
+            </a:r>
+            <a:r>
               <a:rPr lang="de-DE" dirty="0" err="1" smtClean="0"/>
-              <a:t>Some</a:t>
-            </a:r>
-            <a:r>
-              <a:rPr lang="de-DE" dirty="0" smtClean="0"/>
-              <a:t> </a:t>
-            </a:r>
-            <a:r>
-              <a:rPr lang="de-DE" dirty="0" err="1" smtClean="0"/>
-              <a:t>examples</a:t>
-            </a:r>
-            <a:r>
-              <a:rPr lang="de-DE" dirty="0" smtClean="0"/>
-              <a:t> </a:t>
-            </a:r>
-            <a:r>
-              <a:rPr lang="de-DE" dirty="0" err="1" smtClean="0"/>
-              <a:t>for</a:t>
-            </a:r>
-            <a:r>
-              <a:rPr lang="de-DE" dirty="0" smtClean="0"/>
-              <a:t> </a:t>
-            </a:r>
-            <a:r>
-              <a:rPr lang="de-DE" dirty="0" err="1" smtClean="0"/>
-              <a:t>setting</a:t>
-            </a:r>
-            <a:r>
-              <a:rPr lang="de-DE" dirty="0" smtClean="0"/>
-              <a:t> </a:t>
-            </a:r>
-            <a:r>
-              <a:rPr lang="de-DE" dirty="0" err="1" smtClean="0"/>
-              <a:t>parameters</a:t>
-            </a:r>
-            <a:r>
-              <a:rPr lang="de-DE" dirty="0" smtClean="0"/>
-              <a:t> </a:t>
-            </a:r>
-            <a:r>
-              <a:rPr lang="de-DE" dirty="0" err="1" smtClean="0"/>
-              <a:t>for</a:t>
-            </a:r>
-            <a:r>
-              <a:rPr lang="de-DE" dirty="0" smtClean="0"/>
-              <a:t> an </a:t>
-            </a:r>
-            <a:r>
-              <a:rPr lang="de-DE" dirty="0" err="1" smtClean="0"/>
-              <a:t>office</a:t>
-            </a:r>
-            <a:r>
-              <a:rPr lang="de-DE" dirty="0" smtClean="0"/>
-              <a:t> </a:t>
+              <a:t>gains</a:t>
             </a:r>
             <a:endParaRPr lang="de-DE" dirty="0"/>
           </a:p>
@@ -16232,7 +17614,7 @@
       </p:sp>
       <p:sp>
         <p:nvSpPr>
-          <p:cNvPr id="5" name="Textplatzhalter 4"/>
+          <p:cNvPr id="4" name="Textplatzhalter 3"/>
           <p:cNvSpPr>
             <a:spLocks noGrp="1"/>
           </p:cNvSpPr>
@@ -16247,91 +17629,198 @@
           <a:p>
             <a:r>
               <a:rPr lang="en-US" dirty="0" smtClean="0"/>
-              <a:t>Sources for the values are given and detailed at the end of the presentation in the Bibliography</a:t>
-            </a:r>
-          </a:p>
-          <a:p>
+              <a:t>Persons</a:t>
+            </a:r>
+          </a:p>
+          <a:p>
+            <a:pPr lvl="1"/>
             <a:r>
               <a:rPr lang="en-US" dirty="0" smtClean="0"/>
-              <a:t>Internal gains</a:t>
+              <a:t>General: </a:t>
+            </a:r>
+          </a:p>
+          <a:p>
+            <a:pPr lvl="2"/>
+            <a:r>
+              <a:rPr lang="en-US" dirty="0" smtClean="0"/>
+              <a:t>density of occupants</a:t>
+            </a:r>
+          </a:p>
+          <a:p>
+            <a:pPr lvl="2"/>
+            <a:r>
+              <a:rPr lang="en-US" dirty="0" smtClean="0"/>
+              <a:t>heat output from activity</a:t>
             </a:r>
           </a:p>
           <a:p>
             <a:pPr lvl="1"/>
             <a:r>
               <a:rPr lang="en-US" dirty="0" smtClean="0"/>
-              <a:t>Persons</a:t>
+              <a:t>Advanced</a:t>
             </a:r>
           </a:p>
           <a:p>
             <a:pPr lvl="2"/>
             <a:r>
               <a:rPr lang="en-US" dirty="0" smtClean="0"/>
-              <a:t>Density</a:t>
+              <a:t>ratio convective heat from total heat output</a:t>
+            </a:r>
+          </a:p>
+          <a:p>
+            <a:pPr lvl="1"/>
+            <a:r>
+              <a:rPr lang="en-US" dirty="0" smtClean="0"/>
+              <a:t>Hidden</a:t>
             </a:r>
           </a:p>
           <a:p>
             <a:pPr lvl="2"/>
             <a:r>
               <a:rPr lang="en-US" dirty="0" smtClean="0"/>
-              <a:t>Schedule – in the simulation model a simpler profile 09:00 – 17:00 is used</a:t>
-            </a:r>
-          </a:p>
-          <a:p>
-            <a:pPr lvl="1"/>
+              <a:t>Start temperature, surface area for a human, temperature dependence of heat output</a:t>
+            </a:r>
+          </a:p>
+          <a:p>
             <a:r>
               <a:rPr lang="en-US" dirty="0" smtClean="0"/>
               <a:t>Lights &amp; electrical appliances</a:t>
             </a:r>
           </a:p>
           <a:p>
+            <a:pPr lvl="1"/>
+            <a:r>
+              <a:rPr lang="en-US" dirty="0" smtClean="0"/>
+              <a:t>General</a:t>
+            </a:r>
+          </a:p>
+          <a:p>
             <a:pPr lvl="2"/>
             <a:r>
               <a:rPr lang="en-US" dirty="0" smtClean="0"/>
-              <a:t>Modelling</a:t>
+              <a:t>Specific </a:t>
+            </a:r>
+            <a:r>
+              <a:rPr lang="en-US" dirty="0" err="1" smtClean="0"/>
+              <a:t>P</a:t>
+            </a:r>
+            <a:r>
+              <a:rPr lang="en-US" baseline="-25000" dirty="0" err="1" smtClean="0"/>
+              <a:t>el</a:t>
+            </a:r>
+            <a:r>
+              <a:rPr lang="en-US" dirty="0" smtClean="0"/>
+              <a:t>/m</a:t>
+            </a:r>
+            <a:r>
+              <a:rPr lang="en-US" baseline="30000" dirty="0" smtClean="0"/>
+              <a:t>2</a:t>
+            </a:r>
+            <a:r>
+              <a:rPr lang="en-US" dirty="0" smtClean="0"/>
+              <a:t> for light source / appliances</a:t>
+            </a:r>
+          </a:p>
+          <a:p>
+            <a:pPr lvl="1"/>
+            <a:r>
+              <a:rPr lang="en-US" dirty="0" smtClean="0"/>
+              <a:t>Advanced</a:t>
             </a:r>
           </a:p>
           <a:p>
             <a:pPr lvl="2"/>
             <a:r>
               <a:rPr lang="en-US" dirty="0" smtClean="0"/>
-              <a:t>Types</a:t>
+              <a:t>Coefficient </a:t>
+            </a:r>
+            <a:r>
+              <a:rPr lang="en-US" dirty="0" err="1" smtClean="0"/>
+              <a:t>P</a:t>
+            </a:r>
+            <a:r>
+              <a:rPr lang="en-US" baseline="-25000" dirty="0" err="1" smtClean="0"/>
+              <a:t>th</a:t>
+            </a:r>
+            <a:r>
+              <a:rPr lang="en-US" dirty="0" smtClean="0"/>
+              <a:t>/</a:t>
+            </a:r>
+            <a:r>
+              <a:rPr lang="en-US" dirty="0" err="1" smtClean="0"/>
+              <a:t>P</a:t>
+            </a:r>
+            <a:r>
+              <a:rPr lang="en-US" baseline="-25000" dirty="0" err="1" smtClean="0"/>
+              <a:t>el</a:t>
+            </a:r>
+            <a:r>
+              <a:rPr lang="en-US" dirty="0" smtClean="0"/>
+              <a:t> for lights / appliances</a:t>
             </a:r>
           </a:p>
           <a:p>
             <a:pPr lvl="2"/>
             <a:r>
               <a:rPr lang="en-US" dirty="0" smtClean="0"/>
-              <a:t>Schedule - in the simulation model a simpler profile 09:00 – 17:00 is used</a:t>
-            </a:r>
-          </a:p>
-          <a:p>
+              <a:t>Coefficient </a:t>
+            </a:r>
+            <a:r>
+              <a:rPr lang="en-US" dirty="0" err="1" smtClean="0"/>
+              <a:t>P</a:t>
+            </a:r>
+            <a:r>
+              <a:rPr lang="en-US" baseline="-25000" dirty="0" err="1" smtClean="0"/>
+              <a:t>th,radiative</a:t>
+            </a:r>
             <a:r>
               <a:rPr lang="en-US" dirty="0" smtClean="0"/>
-              <a:t>Energy system</a:t>
+              <a:t>/</a:t>
+            </a:r>
+            <a:r>
+              <a:rPr lang="en-US" dirty="0" err="1" smtClean="0"/>
+              <a:t>P</a:t>
+            </a:r>
+            <a:r>
+              <a:rPr lang="en-US" baseline="-25000" dirty="0" err="1" smtClean="0"/>
+              <a:t>el</a:t>
+            </a:r>
+            <a:r>
+              <a:rPr lang="en-US" dirty="0" smtClean="0"/>
+              <a:t> for lights / appliances</a:t>
             </a:r>
           </a:p>
           <a:p>
             <a:pPr lvl="1"/>
             <a:r>
               <a:rPr lang="en-US" dirty="0" smtClean="0"/>
-              <a:t>Efficiency for different types of equipment</a:t>
+              <a:t>Hidden</a:t>
+            </a:r>
+          </a:p>
+          <a:p>
+            <a:pPr lvl="2"/>
+            <a:r>
+              <a:rPr lang="en-US" dirty="0" smtClean="0"/>
+              <a:t>Emissivity of lights / appliances</a:t>
             </a:r>
           </a:p>
           <a:p>
             <a:pPr lvl="1"/>
-            <a:r>
-              <a:rPr lang="en-US" dirty="0" smtClean="0"/>
-              <a:t>Control: set temperatures </a:t>
-            </a:r>
-            <a:endParaRPr lang="en-US" dirty="0"/>
+            <a:endParaRPr lang="en-US" dirty="0" smtClean="0"/>
+          </a:p>
+          <a:p>
+            <a:endParaRPr lang="en-US" dirty="0" smtClean="0"/>
+          </a:p>
+          <a:p>
+            <a:pPr lvl="1"/>
+            <a:endParaRPr lang="de-DE" dirty="0"/>
           </a:p>
         </p:txBody>
       </p:sp>
     </p:spTree>
     <p:extLst>
       <p:ext uri="{BB962C8B-B14F-4D97-AF65-F5344CB8AC3E}">
-        <p14:creationId xmlns:p14="http://schemas.microsoft.com/office/powerpoint/2010/main" val="1862215994"/>
+        <p14:creationId xmlns:p14="http://schemas.microsoft.com/office/powerpoint/2010/main" val="1254367530"/>
       </p:ext>
     </p:extLst>
   </p:cSld>
